--- a/6.随机矩阵可逆中狗蔡猜想的解决(dede).pptx
+++ b/6.随机矩阵可逆中狗蔡猜想的解决(dede).pptx
@@ -163,17 +163,17 @@
   <inkml:trace contextRef="#ctx0" brushRef="#br0" timeOffset="6807.3894">12477 10418,'25'0,"0"0,-25 0,25 0,-1 0,1 0,0 0,-25 0,25 0,-25 0</inkml:trace>
   <inkml:trace contextRef="#ctx0" brushRef="#br0" timeOffset="11822.6762">15255 10840,'0'0,"0"24,0-24,50 50,-50-50,0 25,25-25,-25 0,0 0,24 25,1-1,25-24,-25 25,-1-25,-24 0,0-25,0 25,0-49,0 49,0-50,0 50,0-25,0 1,25-51,0 50,-25 1,0 24,0-25,25 25,-25-25,25 0,-1-24,1 49,-25-50</inkml:trace>
   <inkml:trace contextRef="#ctx0" brushRef="#br0" timeOffset="28470.6284">7491 12179,'0'0,"25"0,50 0,-26 0,26 0,-26 0,1 0,-25 0,24 0,-49 0,25 0,0 0,-25 0,25 0,-25 0,24 0,1 0,0 0,25 0,-26 0,26 0,-25 0,25 0,-50 0,49 0,-24 0,0 0,24 0,1 0,-25 0,0 0,-1 0,1 0,0 0,-25 0,50 0,-50 0,24 0,1 0,25 0,-25 0,24 0,1 0,-25 0,24 0,-24 0,-25 0,50 0,-50 0,24 0,-24 0,25 0,0 0,0 0,-25 0,49 0,-49 0,25 0,-25 0,25 0,0 0,0 0,-25 0,49 0,1 0,-25 0,24 0,-24 0,0 0,0 0,-25 0,25 0,-25 0,24 0,1 0,-25 0,25 0,0 0,0 0,-1 0,-24 0,50 0,-50 0,25 0,0 0,-1 25,26-25,-50 0,50 0,-26 0,-24 0,50 0,-50 0,25 0,-25 0,25 0,-1 0,-24 0,25 0,-25 0,25 0</inkml:trace>
-  <inkml:trace contextRef="#ctx0" brushRef="#br0" timeOffset="34846.9931">12452 11485,'25'49,"0"-49,-25 0,0 25,25 49,0-74,-25 25,0-25,0 0,0 0,0 0,0-49,0-1,24 0,1 26,-25 24,25 0,0 0,-25 0,25-25,-25 25</inkml:trace>
+  <inkml:trace contextRef="#ctx0" brushRef="#br0" timeOffset="34846.993">12452 11485,'25'49,"0"-49,-25 0,0 25,25 49,0-74,-25 25,0-25,0 0,0 0,0 0,0-49,0-1,24 0,1 26,-25 24,25 0,0 0,-25 0,25-25,-25 25</inkml:trace>
   <inkml:trace contextRef="#ctx0" brushRef="#br0" timeOffset="36015.06">12502 12105,'0'49,"0"-24,25 0,-25 0,0 0,0-25,0 0,0 49,25-24,-1 25,-24-26,0 1,0-25,0 0,0-25,0 1,0 24,0-25,25 0,0 0,-25 0,0 25,25-49,-25 49,0-25,0 0,25 25,-1-25,-24 25,0-25</inkml:trace>
-  <inkml:trace contextRef="#ctx0" brushRef="#br0" timeOffset="46087.6361">12179 13345,'25'0,"25"0,-1 0,1 0,-50 0,50 0,-50 0,24 0,-24 0,50 0,-25 0,0 0,0 0,-25 0,24 0,-24 0,25 0,0 0,-25 0,25 0,-25 0,49 0,-24 0,50 0,-26 0,1 0,-25 0,24 0,-24 0,0 0,0 0,-1 0,1 0,0 0,-25 0,25 0,-25 0,25 0,-25 0,24 0,1 0</inkml:trace>
-  <inkml:trace contextRef="#ctx0" brushRef="#br0" timeOffset="47886.739">14437 13295,'0'0,"24"0,1 0,0 0,-25 0,25 0,-25 0,25 0,0 0,24 0,-49 0,25 0,-25 0,25 0,-25 0,49 0,-49 0,25 0,-25 0,25 0,0 0,-25 0,25 0,-25 0,24 0,1 0,-25 0,25 0,-25 0,25 0,-25 0,25 0,-1 0,-24 0,25 0,-25 0,25 0,-25 0,50 0,-26 0,1 0,25 0,-50 0,25 0,24 0,-49 0</inkml:trace>
-  <inkml:trace contextRef="#ctx0" brushRef="#br0" timeOffset="52959.0291">596 9475,'24'0,"-24"0,25 0,-25 0,25 0,0 0,0 0,-1 0,1 0,-25-24,0 24,25 0,-25 0,50-25,-50 25,49 0,-24 0,0-25,0 25,-25 0,49 0,-49 0,25 0,-25 0,25 0,0 0,0 0,-25 0,49 0,1 0,-50 0,25 0,24 0,-49 0,50 0,-1 25,1 0,24-1,26 26,-26 0,0-26,-49 1,0-25,25 25,-25-25,24 0,-24 0,25 0,-26 0,1 0,25 0,-1 0,1-25,24 25,-24 0,24 0,1 0,-50 0,-1 0,1 0,0 0,0 0,24 0,1 0,-25 0,24 0,26 0,-1-25,-24 25,-25-24,24 24,1 0,0 0,-26-25,51 25,-50-25,74-25,-25 26,-24 24,-25 0,-1 0,-24 0,25 0,0 0,-25 0,99 0,0 24,50-24,-74 25,24-25,-25 25,1-25,-1 0,1 0,-26 0,50 0,-24 0,-26 0,51-25,-26 0,0 1,51 24,-51 0,-24 0,-26 0,1-25,50 25,-26-25,1 0,24 25,1-25,-1 25,0-24,-49 24,25 0,-1 0,-24 0,0 0,25 0,49 0,0 0,-49 24,-1-24,75 0,-24 0,-51 0,50 0,-49 0,24 0,1 25,-26 0,-24-25,25 0,-1 0,1 0,-50 0,25 0,-25 0,49 0,-49 0,25 25,50 0,-50-25,24 0,26 0,-26 0,1 0,-1 0,-24 0,25 0,-1 0,-24 0,0 0,49 0,-24 0,0 0,-1 0,26 0,24 0,-50 0,26 0,-1 0,1 0,-1 24,75 1,-50-25,50 25,-50-25,0 0,1 0,-26 0,0 0,-24 0,0 0,-25 0,49 0,25 0,25-25,50 0,-125 25,26 0,-1 0,-49 0,0-49,-25 49,49 0,-49 0,25 0,0 0,25 0,-1 25,26-25,-1 0,25 0,-99 0,50 0,0 0,-26 0,1 0,0 0,25-25,-1 25,1-25,24 0,-49 25,49 0,-49 0,0 0,-25 0,25 0,0 0,-1 0,-24 0,25 0,0 0,0 0,-25 0</inkml:trace>
+  <inkml:trace contextRef="#ctx0" brushRef="#br0" timeOffset="46087.636">12179 13345,'25'0,"25"0,-1 0,1 0,-50 0,50 0,-50 0,24 0,-24 0,50 0,-25 0,0 0,0 0,-25 0,24 0,-24 0,25 0,0 0,-25 0,25 0,-25 0,49 0,-24 0,50 0,-26 0,1 0,-25 0,24 0,-24 0,0 0,0 0,-1 0,1 0,0 0,-25 0,25 0,-25 0,25 0,-25 0,24 0,1 0</inkml:trace>
+  <inkml:trace contextRef="#ctx0" brushRef="#br0" timeOffset="47886.7389">14437 13295,'0'0,"24"0,1 0,0 0,-25 0,25 0,-25 0,25 0,0 0,24 0,-49 0,25 0,-25 0,25 0,-25 0,49 0,-49 0,25 0,-25 0,25 0,0 0,-25 0,25 0,-25 0,24 0,1 0,-25 0,25 0,-25 0,25 0,-25 0,25 0,-1 0,-24 0,25 0,-25 0,25 0,-25 0,50 0,-26 0,1 0,25 0,-50 0,25 0,24 0,-49 0</inkml:trace>
+  <inkml:trace contextRef="#ctx0" brushRef="#br0" timeOffset="52959.029">596 9475,'24'0,"-24"0,25 0,-25 0,25 0,0 0,0 0,-1 0,1 0,-25-24,0 24,25 0,-25 0,50-25,-50 25,49 0,-24 0,0-25,0 25,-25 0,49 0,-49 0,25 0,-25 0,25 0,0 0,0 0,-25 0,49 0,1 0,-50 0,25 0,24 0,-49 0,50 0,-1 25,1 0,24-1,26 26,-26 0,0-26,-49 1,0-25,25 25,-25-25,24 0,-24 0,25 0,-26 0,1 0,25 0,-1 0,1-25,24 25,-24 0,24 0,1 0,-50 0,-1 0,1 0,0 0,0 0,24 0,1 0,-25 0,24 0,26 0,-1-25,-24 25,-25-24,24 24,1 0,0 0,-26-25,51 25,-50-25,74-25,-25 26,-24 24,-25 0,-1 0,-24 0,25 0,0 0,-25 0,99 0,0 24,50-24,-74 25,24-25,-25 25,1-25,-1 0,1 0,-26 0,50 0,-24 0,-26 0,51-25,-26 0,0 1,51 24,-51 0,-24 0,-26 0,1-25,50 25,-26-25,1 0,24 25,1-25,-1 25,0-24,-49 24,25 0,-1 0,-24 0,0 0,25 0,49 0,0 0,-49 24,-1-24,75 0,-24 0,-51 0,50 0,-49 0,24 0,1 25,-26 0,-24-25,25 0,-1 0,1 0,-50 0,25 0,-25 0,49 0,-49 0,25 25,50 0,-50-25,24 0,26 0,-26 0,1 0,-1 0,-24 0,25 0,-1 0,-24 0,0 0,49 0,-24 0,0 0,-1 0,26 0,24 0,-50 0,26 0,-1 0,1 0,-1 24,75 1,-50-25,50 25,-50-25,0 0,1 0,-26 0,0 0,-24 0,0 0,-25 0,49 0,25 0,25-25,50 0,-125 25,26 0,-1 0,-49 0,0-49,-25 49,49 0,-49 0,25 0,0 0,25 0,-1 25,26-25,-1 0,25 0,-99 0,50 0,0 0,-26 0,1 0,0 0,25-25,-1 25,1-25,24 0,-49 25,49 0,-49 0,0 0,-25 0,25 0,0 0,-1 0,-24 0,25 0,0 0,0 0,-25 0</inkml:trace>
   <inkml:trace contextRef="#ctx0" brushRef="#br0" timeOffset="57559.2922">9798 9252,'-25'0,"-24"0,49 0,-25-25,0 1,0-1,-24-50,24 1,0 49,25 0,0 25,0-25,-25-24,1 24,24-25,0 1,0 49,0-25,0 25,0-25,0 0,0-24,0-26,0 26,49-26,-49 51,0-1,0 25,75-25,-26 0,26 25,-1 0,-24-25,-26 25,26 0,-25 0,0 0,24 0,26 0,-51 0,26 0,-25 0,74 0,-49 0,-1-24,1 24,0 0,24 0,-49 0,24 24,26-24,49 0,-50 25,50-25,-49 0,-1 25,-24-25,-1 25,26 0,-50-25,-25 24,0 1,24 0,-24-25,25 25,0-25,0 49,0-49,-1 25,-24 0,25-25,-25 25,0-25,0 25,0-1,25-24,-25 25,0 0,0-25,0 25,0 0,0-25,0 49,-25-24,0 0,25 24,0-49,0 0,-24 25,24 0,-25 0,25 25,-25-26,-25 26,50-50,-24 50,-26-50,0 24,1 1,-1-25,25 0,0 25,-24-25,49 0,0 25,-25-25,25 0,-25 0,0 0,1 0,-1 25,0-25,0 0,-49 0,24 24,1-24,-26 0,1 0,24 0,-24 0,-1 0,51 0,-1 0,-25 0,50 0,-25 0,25 0,-25 0,25 0,-24 0,-1 0,-25 0,50 0,-25 0,25 0,-24 0,-1 0,25 0,-75 0,1 0,-25 0,49 0,1 0,-1 0,50 0,-25 0,25 0,-49 0,49 0,-25 0,25 0</inkml:trace>
   <inkml:trace contextRef="#ctx0" brushRef="#br0" timeOffset="60654.4693">7268 9327,'0'0,"-25"0,25-25,-24 25,-1-25,25 25,-25 0,25 0,0-25,-25 25,0-25,25 1,-25-1,25 25,0-25,-24 0,-1 25,25-25,0 25,0-49,0 49,0-25,0 0,0 0,0 25,0-25,0 25,0-49,0 49,0-25,0 25,0-25,0 25,0-25,0-24,0 24,0 25,0-25,0 0,0 1,0-1,0 0,0 0,25 0,-25 1,0 24,0-25,0 25,24-25,-24 0,25 25,0-25,-25 25,50-49,-50 49,25-25,-1 0,1 25,0 0,-25-25,25 25,0 0,-25 0,49 0,1 0,24 0,-49-24,25 24,-1-25,-49 25,25 0,-25 0,25-25,-25 25,25-25,-1 25,-24 0,25 0,0 0,0-25,24 25,-24-24,0 24,25 0,-50 0,24 0,1 0,-25 0,25 0,-25 0,25 0,-25 0,49 0,1 0,-25 0,0 0,24 24,1-24,-25 0,0 0,-25 0,24 0,1 0,-25 0,25 0,49 0,-74 50,50-50,-25 25,0 24,-1-49,1 0,-25 0,25 0,-25 0,0 25,25-25,0 0,-25 25,24-25,-24 25,0-25,0 25,0-25,25 24,0 1,-25-25,0 25,0-25,25 25,-25-25,0 49,25-24,-1 0,-24 0,0 0,0-25,0 24,25 1,-25 0,25 0,-25 0,0-1,0 1,0 0,0-25,0 50,0-26,0-24,0 50,25-50,-25 25,0-25,0 50,0-26,0 1,0-25,0 25,0 0,0 0,0-1,-25-24,0 25,25 0,-49 25,24-26,0-24,0 50,0-50,25 0,-24 0,24 0,-50 0,25 0,0 25,-24-25,24 0,0 0,-24 0,24 0,-25 0,25 0,-24 0,24 0,0 0,-24 0,24 0,-25 0,25 0,-49 0,-1 0,51 0,-1 0,-25 0,25 0,1 0,-1 0,0 0,0 0,-24 0,49 0,-25 0,25 0,-50 0,25 0,-24 0,24 0,0-25,-24 25,-75 0,74 0,50 0,-50 0,50 0,-24 0,24 0,0-25,-50 25</inkml:trace>
   <inkml:trace contextRef="#ctx0" brushRef="#br0" timeOffset="62222.5589">2134 9302,'49'0,"-24"0,0 74,0-24,24-25,-49 24,50-24,-25 25,-25-1,0-24,24-25,-24 25,0-25,25 0,-25 25,25-25,-25 0,25 0,0 0,24-50,-49 50,50-74,-25 24,24 25,1-99,49 0,0-25,-24 25,-26 50,1-25,-25 49,24 25,-49-49,25 24,0 50,25-49,-26-26,26 50,0-24,-1 24,-24 25,0 0,0 0,-1-25,1 25,0 0,0 0,0-25,-25 25</inkml:trace>
   <inkml:trace contextRef="#ctx0" brushRef="#br0" timeOffset="73167.1849">10493 8136,'0'0,"25"50,-1-26,26 51,-25-1,0-49,-25 0,24 0,1-1,-25-24,25-24,25-1,-26 0,-24 0,25 25,-25 0,50 0,-1-74,1-1,0 26,-1-1,-49 25,25 1,0 24,-25 0</inkml:trace>
-  <inkml:trace contextRef="#ctx0" brushRef="#br0" timeOffset="75752.3328">7963 8136,'0'50,"24"-50,-24 24,0-24,0 25,25 0,-25-25,0 25,25 0,-25-25,0 24,25-24,-25 0,25 25,-25 25,0-25,24-1,-24-24,0 0,50 0,-50 0,25 0,-25 0,50-24,-1-1,-24-25,25 50,-26-74,26 49,-25 0,0-24,-1 24,1-25,25 25,-50 1,25-1</inkml:trace>
-  <inkml:trace contextRef="#ctx0" brushRef="#br0" timeOffset="95158.4428">11386 3820,'0'25,"0"24,49-24,-49 25,0-25,0-1,0 1,0 0,0-25,0 25,0 24,0-24,0 0,0 0,0-25</inkml:trace>
+  <inkml:trace contextRef="#ctx0" brushRef="#br0" timeOffset="75752.3327">7963 8136,'0'50,"24"-50,-24 24,0-24,0 25,25 0,-25-25,0 25,25 0,-25-25,0 24,25-24,-25 0,25 25,-25 25,0-25,24-1,-24-24,0 0,50 0,-50 0,25 0,-25 0,50-24,-1-1,-24-25,25 50,-26-74,26 49,-25 0,0-24,-1 24,1-25,25 25,-50 1,25-1</inkml:trace>
+  <inkml:trace contextRef="#ctx0" brushRef="#br0" timeOffset="95158.4427">11386 3820,'0'25,"0"24,49-24,-49 25,0-25,0-1,0 1,0 0,0-25,0 25,0 24,0-24,0 0,0 0,0-25</inkml:trace>
   <inkml:trace contextRef="#ctx0" brushRef="#br0" timeOffset="97134.5558">11336 3820,'25'0,"-25"0,25 0,0 25,-1 0,-24-25,50 49,-50-49,25 25,-25-25,25 25,-25 0,24-25,1 24,0 1,0 25,-25-50,0 25,25-25,-1 24,1 1,-25-25,50-49,-25-1,-25 25,0 0,0 25,0-24,0-1,0 25,0-25,0 0,0 25,0-25,0-49,0 74,0-25,24-24,-24 49,0-25,0 0</inkml:trace>
   <inkml:trace contextRef="#ctx0" brushRef="#br0" timeOffset="98094.6107">13444 3721,'0'0,"0"25,25 24,-25-24,0 0,0 24,0-24,0 25,25-25,-25 49,0-74,0 0,0-25</inkml:trace>
   <inkml:trace contextRef="#ctx0" brushRef="#br0" timeOffset="99199.6739">14982 3770,'25'0,"-25"0,25 0,0 0,-25 0,25 0,-25 0,0 0,24 25,-24 0,25-25,-25 0,0 50,0-26,0 26,0-25,0 0,0-25,0 49,-25-49,25 0,0 0,-24 0,24 25,-25-25,25 0,49 0,1 0,-50 0,50 0,-26 0,1 0,25 0,-25 0,-1 0,26 0,-25 0,0 0,-1 0,-24 0,50 25</inkml:trace>
@@ -184,18 +184,18 @@
   <inkml:trace contextRef="#ctx0" brushRef="#br0" timeOffset="102655.8716">20687 3969</inkml:trace>
   <inkml:trace contextRef="#ctx0" brushRef="#br0" timeOffset="102942.888">21704 3919</inkml:trace>
   <inkml:trace contextRef="#ctx0" brushRef="#br0" timeOffset="105039.0079">11088 5011,'0'0,"25"0,-25 0,25 0,-1 0,1 0,0-25,0 25,0 0,-1 0,26 0,-25 0,-25 0,25 0,0 0,-25 49,0-49,24 50,-24-25,0 0,0-1,0-24,0 25,0 25,-24-1,-1 1,0 0,0-26,-25 51,26-75,24 25,-25-25,0 0,25 0,-25 0,25 0,0 0,0 0,0-25,25 0,0 25,0-25,74 25,-25 0,1 0,-50 0,-25 0,0 0</inkml:trace>
-  <inkml:trace contextRef="#ctx0" brushRef="#br0" timeOffset="105727.0473">11634 4862,'0'0,"0"0,0 0,0 49,0-24,0 0,0 0,0 0,0-1,0 1,0 0,0 25,0 24,25-24,-25 49,24-25,-24-24,0-1,0 26,0-100,0 0,0 0</inkml:trace>
+  <inkml:trace contextRef="#ctx0" brushRef="#br0" timeOffset="105727.0472">11634 4862,'0'0,"0"0,0 0,0 49,0-24,0 0,0 0,0 0,0-1,0 1,0 0,0 25,0 24,25-24,-25 49,24-25,-24-24,0-1,0 26,0-100,0 0,0 0</inkml:trace>
   <inkml:trace contextRef="#ctx0" brushRef="#br0" timeOffset="106799.1086">11659 4911,'0'0,"0"0,0 0,0 25,24 0,-24-25,50 50,24-1,-74-24,50 25,-25-1,-25-49,25 25,-25 0,24 24,-24-24,50 0,-50-25,0 25,25 0,0-25,-25 24,0 1,0 0,24-25,-24 50,0-26,0 1,0 0,0-25,0-50,0 50,0-24,0 24,0-25,0 0,0-49,0-26,0 26,0-25,0 74,0 0,0 0,0 25,0-24,25 24,-25-25,25 0,-25-49,0 24,0 0,25 25,-25 1</inkml:trace>
   <inkml:trace contextRef="#ctx0" brushRef="#br0" timeOffset="109903.2861">13519 5085,'25'-25,"-25"25,25-25,-1 25,-24 0,25 0,0 0,0 0,-25 0,25 0,-25 25,0-25,0 25,24 0,-24-25,0 25,0-25,0 24,0-24,0 25,0 0,0-25,0 25,0-25,0 25,0-1,-24-24,24 25,0 0,-50 25,25-26,0 1,1 0,-1-25,25 0,-25 0,25 0,-25 0,25 0,25 0,25-25,74 25,-50 0,0 0,-49 25,0-25,0 0</inkml:trace>
   <inkml:trace contextRef="#ctx0" brushRef="#br0" timeOffset="110735.3337">15280 4986,'0'25,"0"-1,-25 26,0-25,1 24,-1 1,25-50,-25 25,25-25,0 25,0-25,0 0,25 0,0 24,24-24,75 25,-49-25,-1 0,0 0,-24 0,-25 0,25 0,-50 0,0 0,0 0</inkml:trace>
   <inkml:trace contextRef="#ctx0" brushRef="#br0" timeOffset="111151.3575">15528 5085,'0'0,"0"25,0 0,0-25,0 24,0-24,0 100,0-26,0 25,0 0,0-24,0-75,0 25,0-50,0-25,0 1</inkml:trace>
-  <inkml:trace contextRef="#ctx0" brushRef="#br0" timeOffset="112223.4188">17016 4837,'0'0,"0"25,-24 0,-1-1,0 26,0-25,25 0,0 24,0-24,0 0,0 0,0-25,0 24,0 1,0 0,0 0,0 24,0-24,0-25,25 25,-25 0,50-25,-1 0,-49 0,25 0,-25 0,25 0,-25-25,0 0,25 0,-25 1,0 24,0 0,-25 0,25 0,0-25,-50 25,50 0,-25 0,1 0,24 0,-25 0,25 0,-25 0,25 0</inkml:trace>
-  <inkml:trace contextRef="#ctx0" brushRef="#br0" timeOffset="113942.5172">19150 5159,'0'-24,"0"-1,0 0,0 25,0-25,0 25,0 0,0-25,-25 1,25-1,0 25,-25-25,0 25,25 0,-25 0,25 0,-24 0,-1 0,25 0,0 0,-25 0,0 50,0-50,25 24,0 1,0 0,25-25,-25 25,0-25,25 0,-25 25,25-1,24-24,1 25,-50 0,50-25,-50 25,24 0,1-25,0 24,-25-24,0 25,0 0,0 0,0-25,0 25,0-1,0 1,0-25,0 50,0-25,0-1,0-24,0 0,0 0,-25 25,0-25,25 0,-24 0,24 0,-25 0,25 0,-25 0,0 0,25 0,0-25,0 1,-25 24,25-25,0 25,0-50,0-49,0 99,0-25,0 0,25 25,0 0,-25 0,25 0,0 0,-25-24,0 24,24 0,-24-25</inkml:trace>
+  <inkml:trace contextRef="#ctx0" brushRef="#br0" timeOffset="112223.4187">17016 4837,'0'0,"0"25,-24 0,-1-1,0 26,0-25,25 0,0 24,0-24,0 0,0 0,0-25,0 24,0 1,0 0,0 0,0 24,0-24,0-25,25 25,-25 0,50-25,-1 0,-49 0,25 0,-25 0,25 0,-25-25,0 0,25 0,-25 1,0 24,0 0,-25 0,25 0,0-25,-50 25,50 0,-25 0,1 0,24 0,-25 0,25 0,-25 0,25 0</inkml:trace>
+  <inkml:trace contextRef="#ctx0" brushRef="#br0" timeOffset="113942.5171">19150 5159,'0'-24,"0"-1,0 0,0 25,0-25,0 25,0 0,0-25,-25 1,25-1,0 25,-25-25,0 25,25 0,-25 0,25 0,-24 0,-1 0,25 0,0 0,-25 0,0 50,0-50,25 24,0 1,0 0,25-25,-25 25,0-25,25 0,-25 25,25-1,24-24,1 25,-50 0,50-25,-50 25,24 0,1-25,0 24,-25-24,0 25,0 0,0 0,0-25,0 25,0-1,0 1,0-25,0 50,0-25,0-1,0-24,0 0,0 0,-25 25,0-25,25 0,-24 0,24 0,-25 0,25 0,-25 0,0 0,25 0,0-25,0 1,-25 24,25-25,0 25,0-50,0-49,0 99,0-25,0 0,25 25,0 0,-25 0,25 0,0 0,-25-24,0 24,24 0,-24-25</inkml:trace>
   <inkml:trace contextRef="#ctx0" brushRef="#br0" timeOffset="115358.5981">13519 4341,'0'0,"0"25,-25-1,25 1</inkml:trace>
   <inkml:trace contextRef="#ctx0" brushRef="#br0" timeOffset="116374.6563">13544 4415,'0'0,"0"0,0 0,49 25,-49 0,0 0,0-25,0 24,0-24,0 25,0 0,0 0,0 24,0-24,0 25,0-1,0-49,0 25,25 0,-25 0</inkml:trace>
   <inkml:trace contextRef="#ctx0" brushRef="#br0" timeOffset="117222.7048">13469 4688,'0'0,"0"0,25 0,-25 0,25 0,0 0,-25 0,0 0,25 50,-25-50,24 24,1-24,-25 25,0 0,0-25,0 25,25 25,0 24,-25-49,0-25,0-25,0 25,0-25,0 25,0-25,0 1,0 24,25-25,-25 25,0-25,24 0,1 25,-25-25,0 0,0 1,0 24,25 0,-25-25</inkml:trace>
   <inkml:trace contextRef="#ctx0" brushRef="#br0" timeOffset="118526.7794">13941 4465,'24'0,"-24"0,0 0,0 49,25-24,-25 0,0 25,0-26,0 1,0-25,0 25,0-25,0 25,-25-25,1 0,24 25,0-1,-25-24,25 0,-25 0,25 0,-25 0,0 0,25 0,25 0,0 0,-25 0,50 0,-26 0,1 0,25 0,-50 0,25 0,-25 0,0 0,24 25,-24-25,25 25,-25-25,0 0</inkml:trace>
-  <inkml:trace contextRef="#ctx0" brushRef="#br0" timeOffset="121446.9464">15181 4242,'0'0,"25"0,-25 24,0 26,24 24,1 1,25-1,-50-24,0-25,0-25,0 49,0-24,0 0,0 0,0-1,0 26,0 25,0-1,25-74</inkml:trace>
+  <inkml:trace contextRef="#ctx0" brushRef="#br0" timeOffset="121446.9463">15181 4242,'0'0,"25"0,-25 24,0 26,24 24,1 1,25-1,-50-24,0-25,0-25,0 49,0-24,0 0,0 0,0-1,0 26,0 25,0-1,25-74</inkml:trace>
   <inkml:trace contextRef="#ctx0" brushRef="#br0" timeOffset="122959.0329">16967 4266,'0'0,"0"25,0-25,0 25,0-25,0 25,0 24,0-49,0 50,0 0,25-1,-25-24,0 49,0-74</inkml:trace>
   <inkml:trace contextRef="#ctx0" brushRef="#br0" timeOffset="124735.1345">19050 4266,'0'0,"0"0,0 25,0-25,0 25,0-25,0 25,0 0,0-1,0-24,25 50,-25-25,25 0,-25-25,0 24,0 1,0 0,0-25,0 25,0 0,0-1,0 1,0-25</inkml:trace>
   <inkml:trace contextRef="#ctx0" brushRef="#br0" timeOffset="127727.3056">13122 3497,'0'0,"0"25,0 0,0 0,0-25,0 25,0-1,0 1,0 50,0-26,0-24,0 25,0-1,0 26,0-26,0 1,0 0,25 24,0 0,-25-24,24 0,-24-26,25-24,-25 25,0 0,0-25,25 25,-25 49,0 50,0-49,0-26,0 26,0-26,0-24,0 50,0-26,0-24,0 25,0-26,0 26,25-50,-25 50,0-50,0 24,0-24,0 50,0 0,0-50,0 49,0-49,0 25,0 0,0 24,0-24,25-25,-25 25</inkml:trace>
@@ -206,22 +206,22 @@
   <inkml:trace contextRef="#ctx0" brushRef="#br0" timeOffset="148246.4792">17612 8582,'0'0,"0"0,49 25,-24-25,0 0,-25 25,0 49,0-49,0-25,0 25,0 0,0-25,0 25,0-25,0 24,-25 1,25 25,-25-50,25 49,-25-24,1-25,24 0,0 0,0 0,0 0,0 0,24-25,1 25,-25 0,25 0,0 0,-25 0,0 0,0 25,0 0,25 0,-25 25,25-26,-25 1,0 25,0-25,0-1,0 51,0-75,0 25,0-1,0 1,0-25,0 50,-25-50,0 0,25 0,-50-50,25 1,1 24,-1 0,25 0,-25 0</inkml:trace>
   <inkml:trace contextRef="#ctx0" brushRef="#br0" timeOffset="148847.5136">17364 9178,'0'0,"0"25,0-1,0 26,0-50,-25 50,25-50,0 0,-25-25,25 25</inkml:trace>
   <inkml:trace contextRef="#ctx0" brushRef="#br0" timeOffset="149591.5562">16049 9252,'0'0,"0"25,0 0,-25 24,0-24,1 0,-1-25,25 0,-25 0,25 0,-25 0</inkml:trace>
-  <inkml:trace contextRef="#ctx0" brushRef="#br0" timeOffset="151310.6545">15032 8657,'-50'25,"50"-25,-24 0,24 24,0-24,0 0,0 25,24-25,-24 25,25-25,-25 25,0-25,0 0,0 25,0-25,0 24,0 1,0-25,0 25,0-25,0 25,-25-25,25 0,0 25,0-1,-24-24,24 25,0-25,-25 25,25-25,-25 0,0 0,25 0,0 0,-25 0,25 0,25 0,0 0,74 25,-74 0,25-25,-1 49,-49-49,0 25,0-25,0 25,0-25,0 25,0 0,0-1,0 1,0 0,0 25,0-26,0-24,0 25,0 0,0-25,25 0,-25 0,25 0,0 0,-1 0,-24 0,25 0</inkml:trace>
+  <inkml:trace contextRef="#ctx0" brushRef="#br0" timeOffset="151310.6544">15032 8657,'-50'25,"50"-25,-24 0,24 24,0-24,0 0,0 25,24-25,-24 25,25-25,-25 25,0-25,0 0,0 25,0-25,0 24,0 1,0-25,0 25,0-25,0 25,-25-25,25 0,0 25,0-1,-24-24,24 25,0-25,-25 25,25-25,-25 0,0 0,25 0,0 0,-25 0,25 0,25 0,0 0,74 25,-74 0,25-25,-1 49,-49-49,0 25,0-25,0 25,0-25,0 25,0 0,0-1,0 1,0 0,0 25,0-26,0-24,0 25,0 0,0-25,25 0,-25 0,25 0,0 0,-1 0,-24 0,25 0</inkml:trace>
   <inkml:trace contextRef="#ctx0" brushRef="#br0" timeOffset="153238.7648">17984 8508,'0'0,"0"0,0 0,25 0,-25 0,24 0,1 0,-25 0,25 0,-25 0,0 25,25 0,-25-25,0 24,0 1,0 0,0 0,0-25,0 25,0-1,0 1,0 0,0 0,0 0,0-1,0 1,0-25,25 25,-25 0,0-25,0 25,24-25,1 0,-25 0,0 0,0 0,-25 0,25 0,-24 0,24 0,-25 0,25 0,0 0,0 49,0-49,0 25,0 25,0-50,0 25,0-1,0 1,0 0,0 0,25 0,-25-1,24 26,-24-50,0 25,0 24,25-49,-25 25,0-25,0 25,0 0,0-25,0 0,0 25,0-25</inkml:trace>
   <inkml:trace contextRef="#ctx0" brushRef="#br0" timeOffset="192911.0339">22473 3572,'25'0,"0"0,0 25,-25-1,25 1,-1 50,1-50,-25-1,50 51,-25-50,-1 24,1-49,-25 25,25 25,0-26,-25 1,25 0,-1 0,1 24,0-24,-25 0,25-25,-25 25,0-25</inkml:trace>
   <inkml:trace contextRef="#ctx0" brushRef="#br0" timeOffset="194327.1149">22920 3572,'0'0,"-25"25,25-1,0 26,0-25,-25 25,25-1,0 1,0 24,-25-74,25 0,0 0,-24 0,-1 25,-25 0,-24-25,74 25,-25-25,25 0,0 0,0 0,0 0,0 0,25 0</inkml:trace>
   <inkml:trace contextRef="#ctx0" brushRef="#br0" timeOffset="195103.1593">22771 3522,'0'0,"25"0,0 0,-1 25,-24-25,25 25,-25-25,25 25,-25-1,25 26,24 25,-24-51,-25 1,25 0,0 0</inkml:trace>
   <inkml:trace contextRef="#ctx0" brushRef="#br0" timeOffset="195911.2055">22573 3770,'0'0,"0"25,0 50,-25-51,25 26,0 0,0-26,0 1,0-25,0 25,0 0,0 0,0-1,0 1</inkml:trace>
-  <inkml:trace contextRef="#ctx0" brushRef="#br0" timeOffset="197808.314">23143 4167,'0'0,"0"0,0-25,0 25,0-49,25 49,-25 0,25 0,0 0,-25 0,24 0,-24 0,0 0,25 0,0 25,-25-1,25-24,-25 25,0 0,25-25,-25 0,24 25,-24-25,0 25,0-25,0 49,0-49,0 25,0-25,-24 0,24 25,-25-25,25 0,-25 0,0 0,25 0,-25 0,25 0,-24 0,24 0,0-25,0 0,0 0,0 25,0-24,0 24,0-25</inkml:trace>
+  <inkml:trace contextRef="#ctx0" brushRef="#br0" timeOffset="197808.3139">23143 4167,'0'0,"0"0,0-25,0 25,0-49,25 49,-25 0,25 0,0 0,-25 0,24 0,-24 0,0 0,25 0,0 25,-25-1,25-24,-25 25,0 0,25-25,-25 0,24 25,-24-25,0 25,0-25,0 49,0-49,0 25,0-25,-24 0,24 25,-25-25,25 0,-25 0,0 0,25 0,-25 0,25 0,-24 0,24 0,0-25,0 0,0 0,0 25,0-24,0 24,0-25</inkml:trace>
   <inkml:trace contextRef="#ctx0" brushRef="#br0" timeOffset="208016.8979">20216 6127,'0'25,"0"-1,0-24,0 25,0-25,0 50,0-1,0 1,0 0,0-1,0 1,0 24,0-24,0-50,0 74,0-24,0-1,0-49,0 25,0-25,0 0,0 75,0-26,0-24,0 0</inkml:trace>
   <inkml:trace contextRef="#ctx0" brushRef="#br0" timeOffset="209382.976">23118 6028,'0'0,"0"0,0 0,0 49,0-49,0 25,0 0,0 0,0-1,0 26,0-25,0 24,0 51,0-26,25 0,0 1,-25-26,25 1,-25-50,0 74,25 1,-25-25,0-1,0-49</inkml:trace>
   <inkml:trace contextRef="#ctx0" brushRef="#br0" timeOffset="211728.1102">20588 6995,'0'0,"0"0,25 0,-25 0,25 0,-25 0,25 0,-1 0,1 0,-25 0,50 0,-1 0,-24 0,0 0,0 0,0 0,24 0,-49 0,25 0,25 0,-50 0,25 0,-25 0,49 0,-49 0,25 0,0 0,0 0,-25 0,24 0,-24 0,25 0,0 0,-25 25,25 0,-25-25,49 0,-49 0,0 24,25-24,-25 50,25-25,0 0,-25-25,0 0,0-25,0 25,25-25,-25 25,24 0,26-25,-50 0,25 25,0 0,24 0,-24-24,25 24,-1-25,26 25,-26 0,-24 0,0 0,24 0,-49 0,25 0,-25 0,25 0,0 0,-25 0,25 0,0 0,-1 0,-24 0,25 0,-25 0,25 0,0 0,-25 0,25 0,-1 0,51 25,-50-1,-1-24,26 0,-50 0,50 0,-26 0,1 0,-25 0,25 0,0 0,0 0,-1 0,1-24,0 24,0-25,0 25,-1 0</inkml:trace>
   <inkml:trace contextRef="#ctx0" brushRef="#br0" timeOffset="805761.0869">15305 10864,'25'25,"-1"-25,-24 25,25-25,-25 50,25-50,-25 24,25-24,-25 25,0 0,0-25,25 0,-25 0,24-25,1 0,-25-24,25 24,-25 25,0-25,0 0,0 1,0-1,0 25,0-25,0 0,25 0,-25 1,25-51,-1 75,-24-25,0 25</inkml:trace>
-  <inkml:trace contextRef="#ctx0" brushRef="#br0" timeOffset="808400.2379">7566 12353,'0'0,"0"0,25 0,24 0,1 0,24 0,-24-25,-25 25,-1 0,1 0,0 0,0 0,-25 0,49 0,-24 0,0 0,0 0,0 0,-1 0,26 0,-25 0,0 0,24 0,1 0,-25 0,0 0,-1 0,26 0,-25 0,24 0,-24 0,25 0,-1 0,1 0,-25 0,24 0,-24 0,25 0,-25 0,-1 0,26 0,0 0,-26 0,76 0,-26 0,-24 0,24 0,1 0,-26 0,-24 0,25 0,-1 0,1 0,-25 0,24 0,1 0,-1 0,26 0,-50 0,24 0,26 0,-26 0,1 0,-1 0,-24 0,25 0,-25 0,-1 0,51 0,-1 0,-24 0,0 0,-1 0,1 0,24 0,-24 0,-1 0,1 0,0 0,-1 0,1 0,-25 0,24 0,26 0,-51 0,26 0,-25 0,24 0,1 0,-50 0,50 0,-25 0,-1 0,1 0,-25 0,50 0,-25 0,-1 0,1 25,-25-25,25 0,0 0,-25 0,25 0,-25 0,49 0,-49 0,25 0,-25 25,50-25,-1 0,-24 0,25 0,-1 0,1 0,-1 0,-49 0,50 0,-50 0,25 0,24 0,-49 0,50 0,-25 0,-25 24,49-24,-49 0,25 0,-25 0,25 0,0 0</inkml:trace>
+  <inkml:trace contextRef="#ctx0" brushRef="#br0" timeOffset="808400.2378">7566 12353,'0'0,"0"0,25 0,24 0,1 0,24 0,-24-25,-25 25,-1 0,1 0,0 0,0 0,-25 0,49 0,-24 0,0 0,0 0,0 0,-1 0,26 0,-25 0,0 0,24 0,1 0,-25 0,0 0,-1 0,26 0,-25 0,24 0,-24 0,25 0,-1 0,1 0,-25 0,24 0,-24 0,25 0,-25 0,-1 0,26 0,0 0,-26 0,76 0,-26 0,-24 0,24 0,1 0,-26 0,-24 0,25 0,-1 0,1 0,-25 0,24 0,1 0,-1 0,26 0,-50 0,24 0,26 0,-26 0,1 0,-1 0,-24 0,25 0,-25 0,-1 0,51 0,-1 0,-24 0,0 0,-1 0,1 0,24 0,-24 0,-1 0,1 0,0 0,-1 0,1 0,-25 0,24 0,26 0,-51 0,26 0,-25 0,24 0,1 0,-50 0,50 0,-25 0,-1 0,1 0,-25 0,50 0,-25 0,-1 0,1 25,-25-25,25 0,0 0,-25 0,25 0,-25 0,49 0,-49 0,25 0,-25 25,50-25,-1 0,-24 0,25 0,-1 0,1 0,-1 0,-49 0,50 0,-50 0,25 0,24 0,-49 0,50 0,-25 0,-25 24,49-24,-49 0,25 0,-25 0,25 0,0 0</inkml:trace>
   <inkml:trace contextRef="#ctx0" brushRef="#br0" timeOffset="815518.645">12849 11757,'75'0,"-26"0,50-49,-74 49,0 0,25 0,-50 0,0 0,-25 25</inkml:trace>
-  <inkml:trace contextRef="#ctx0" brushRef="#br0" timeOffset="816086.6775">12874 12005,'25'0,"24"0,1 0,0 0,-26 0,1 0,-25 0,25 0,0 0,0 0,-1 0,-24 0,50 0,-50 0,25 0,-25 0,49 0,-24 0,0 0</inkml:trace>
+  <inkml:trace contextRef="#ctx0" brushRef="#br0" timeOffset="816086.6774">12874 12005,'25'0,"24"0,1 0,0 0,-26 0,1 0,-25 0,25 0,0 0,0 0,-1 0,-24 0,50 0,-50 0,25 0,-25 0,49 0,-24 0,0 0</inkml:trace>
   <inkml:trace contextRef="#ctx0" brushRef="#br0" timeOffset="817278.7457">13643 11633,'0'0,"0"25,0 25,0-25,0 24,0-24,0 25,0-1,0-24,0 25,0-1,0-24,0 0,0 0,0-1,0 1,0-25,0 0,0-49,0-26,0 26,0-26,0 26,0-1,0 0,0-24,0 24,0 50,0-24,0 48,0 1,0 50,0-1,0-24,0-1,0-24,0 49,0-74,0 25</inkml:trace>
-  <inkml:trace contextRef="#ctx0" brushRef="#br0" timeOffset="832350.6077">6276 5035,'0'0,"74"0,100 0,24 0,26 0,73 0,-73 0,-1 0,-25 0,-123 25,-26-25,1 25,-25-25,-1 0,-24 0,25 0,0 0,25 0,49 0,25 0,-50 0,75 0,-74 0,24 0,0 0,-25 0,26 0,-26 0,-49 0,0 0,-1 0</inkml:trace>
+  <inkml:trace contextRef="#ctx0" brushRef="#br0" timeOffset="832350.6076">6276 5035,'0'0,"74"0,100 0,24 0,26 0,73 0,-73 0,-1 0,-25 0,-123 25,-26-25,1 25,-25-25,-1 0,-24 0,25 0,0 0,25 0,49 0,25 0,-50 0,75 0,-74 0,24 0,0 0,-25 0,26 0,-26 0,-49 0,0 0,-1 0</inkml:trace>
 </inkml:ink>
 </file>
 
@@ -251,13 +251,13 @@
   <inkml:trace contextRef="#ctx0" brushRef="#br0" timeOffset="1407.0805">3374 9649,'25'0,"49"0,-49 0,49 0,-24 0,-1 0,-49 0,25 0,-25 0,-25 0,-49 0,0 0,24 0,0 0,26 0,-1 0,25 0,-50 0,50 0,-25 0,25 0,0 0,50 0,0 0,-26 0,51 0,-1 0,1 0,-26 0,1 0,-25 0,-1 0</inkml:trace>
   <inkml:trace contextRef="#ctx0" brushRef="#br0" timeOffset="3535.2022">4589 9624,'0'0,"-49"0,24 0,-25-25,1-24,24 49,0-25,0 25,0-25,25 0,-24-24,24 49,-25-25,25 25,0-25,0 0,0 1,0-1,0 0,0 0,0 0,0 1,0-1,0 0,0-25,0 50,0-24,0-26,0 50,0-50,25 25,-25 1,24 24,-24-25,0 25,25 0,-25-25,0 25,25-25,0 25,0-25,-25 25,0-24,24 24,1 0,-25 0,25 0,-25 0,50 0,-26 0,-24 0,25 0,0 0,0 0,0 0,-1 0,26 0,-50 0,25 0,0 0,-25 0,24 0,-24 0,25 0,0 0,0 0,-25 0,25 0,-25 0,49 0,-49 24,0-24,25 0,-25 25,0 0,50 0,-50 0,25-1,-1-24,-24 50,0-25,25 25,0-1,-25-24,0 0,0 24,0-49,0 25,0 25,0-50,0 49,0 1,0-25,0 0,0-1,0 1,0-25,0 25,0-25,-25 50,25-50,-25 24,1 1,-1 0,25-25,-25 25,25-25,-50 49,50-49,-25 25,25 0,-24-25,24 0,-25 0,25 0,-25 0,0 0,0 0,-24 0,24 0,-25 0,1 0,-1 0,1 0,24 0,0 0,25 0,-25 0,25 0,-25 0,1 0,24-25,-25 25,0-49,25 49,0-25,0 25,0 0,25 0</inkml:trace>
   <inkml:trace contextRef="#ctx0" brushRef="#br0" timeOffset="10391.5944">15156 4514,'0'0,"99"0,0 0,75 0,25 0,-51 0,-48 0,-26 0,-49 0,24 0,-49 0,25 0,0 0,25 0,-26 0,1 0,50-24,-26 24,1 0,24 0,-24 0,24 0,-24 0,0 0,-26 0,1 0,25 0,-50 0,25 0,-1 0,1 0,25 0,24 0,25 0,-24 0,-26 24,26 1,-26-25,26 0,-26 0,1 0,-50 0,50 0,-1 0,26 0,-26 0,26 0,-26 0,26 0,-1 0,-49 0,0 0,24 0,-24 0,25 0,24 0,1 0,-26 0,26 0,-26 0,26 0,-26 0,1 0,-1 0,26 0,24 0,-99 0,25 0,25 0,-26 0,26 0,49 0,-24 0,-1 0,-24 0,-26 0,26 0,0 0,-26 25,1-25,25 0,-50 0,49 0,-24 0,25 0,-1 0,-24 0,25 0,-25 0,0 0,-1 0,26 0,24 0,1 0,24 0,0 25,-24-25,24 0,-50 0,-24 0,0 0,0 0,-25 0,25 0,-1 0,26 0,-50 0,25 0,0 0,24 0,51 0,-26 0,0 0,1 0,-26 0,-24 0,0 0,-25 0,25 0,-25 0,25 0,-1 0,1 0,50 0,-1 0,0 0,26 0,-76 0,26 0,-25 0,0 0,-25-25,24 25,-24 0,25 0,-25-25,25 25,-25-49,0 49,0-50,0 0,0 26,0-26,0 25,-25-24,0 24,25-25,-24 25,-1 1,-25-100,25 99,1-25,-1 50,25 0,0-25,-25 25,0-24,-24-26,49 50,-50-50,50 26,-50-1,1-25,24 50,25 0,0 0,-25 0,0 0,1 0,-1 0,25 0,-50 0,50-50,-99 26,25 24,-26 0,51-25,-26 25,50 0,-49 0,24 0,1 0,24 0,-25 0,1-25,-1 25,25 0,-24 0,-1 0,1 0,24 0,-50 0,26 0,-26 0,1 0,24 0,1 0,-26 0,26 0,-1 0,0 0,-24 0,24 0,-24 0,74 0,-25 0,0 0,25 0,-49 0,49 0,-50 0,1 0,-1 0,0 0,1 0,-1 0,-24 0,24 0,1 0,49 0,-50 0,0 0,25 0,1 0,24 0,-50 0,25 0,0 25,25-25,-24 0,-1 0,-99 25,49-1,26-24,24 0,-49 25,49 0,0-25,0 25,25 0,0-25,0 0,-25 25,1-25,24 24,-25 26,25-25,0-25,0 25,0 24,0-24,0 0,0 0,0-1,0-24,0 25,0-25,0 0,0 25,0 0,25 24,-25-49,24 50,-24 0,0-50,0 24,25-24,-25 25,0-25,0 25,25 0,0 0,24 24,-24-24,25 25,-25-26,-25 1,49-25,-49 25,25-25,25 0,-50 0,24 0,1 0,0 0,0 0,-25 0,25 0,-25 0,49 0,-49 0,25 0,25 0,-50 25,24-25,-24 0,25 0,0 0,-25 0,25 0,-25 0,50 0,-50 0,24 0,1 0</inkml:trace>
-  <inkml:trace contextRef="#ctx0" brushRef="#br0" timeOffset="19785.1316">6747 7863,'0'25,"-25"24,1 1,-1-25,25-25,-25 25,25 0,0-25,0 24,0 26,0-50,0 25,0 0,0-25,0 24,0-24,-25 25,25-25,0 0,50 0,24 0,1 0,-1 0,-74 0,25 0,0 0,-1 0,-24 0,25 0,0 0,25 0,-26-25,51 25,-75 0,25 0,-25 0,25 0,-1 0,-24 0,0 0,0 0,-24-24,24 24,-50-50,25 50,0-25,0 0,1 25,-1-24,25 24,-50-50,50 50,-25-25,25 0,0 25,-24-25,-1 25,25 0,0-24,-25 24,25 0,-25 0,25 0,-25 0,1 0,24 0,-25 0</inkml:trace>
+  <inkml:trace contextRef="#ctx0" brushRef="#br0" timeOffset="19785.1315">6747 7863,'0'25,"-25"24,1 1,-1-25,25-25,-25 25,25 0,0-25,0 24,0 26,0-50,0 25,0 0,0-25,0 24,0-24,-25 25,25-25,0 0,50 0,24 0,1 0,-1 0,-74 0,25 0,0 0,-1 0,-24 0,25 0,0 0,25 0,-26-25,51 25,-75 0,25 0,-25 0,25 0,-1 0,-24 0,0 0,0 0,-24-24,24 24,-50-50,25 50,0-25,0 0,1 25,-1-24,25 24,-50-50,50 50,-25-25,25 0,0 25,-24-25,-1 25,25 0,0-24,-25 24,25 0,-25 0,25 0,-25 0,1 0,24 0,-25 0</inkml:trace>
   <inkml:trace contextRef="#ctx0" brushRef="#br0" timeOffset="24615.4079">12229 5730,'0'0,"25"0,-25 0,25 0,-25 0,24 0,1 0,25 0,-50 0,49 0,-24 0,-25 0,25 0,-25 0,50 0,-25 0,-1 0,-24 0,25 0,0 0,0 0,-25 0,25 0,24 0,-49 0,25 0,0 0,0 0</inkml:trace>
   <inkml:trace contextRef="#ctx0" brushRef="#br0" timeOffset="33919.9401">15354 5209,'0'0,"25"0,-25 25,0 24,0 1,0 24,0-24,0 0,0-1,0-24,0 0</inkml:trace>
   <inkml:trace contextRef="#ctx0" brushRef="#br0" timeOffset="34694.9844">16669 5234,'50'0,"-1"0,-24 25,25-1,-50 1,25-25,-25 0,0 0,0 25,0-25,0 25,0 0,0-1,-25 1,0 0,0 0,0 0,1-1,-1-24,25 25,0 0,-25-25,25 25,0-25,0 0,0 0,25 0,0 0,-25 0,24 0,1 0,0 0,-25 0,25 0,-25 0,49 0,-49 0,50 0,-25 0</inkml:trace>
   <inkml:trace contextRef="#ctx0" brushRef="#br0" timeOffset="35887.0526">18430 5135,'25'0,"-25"0,25 0,0 24,-25-24,24 25,26 25,-25-25,24-1,-24 1,0 25,0-50,-25 25,25-25,-25 0,0 49,-25-49,0 25,25-25,-50 0,50 25,-49 0,74-25,-1 24,26 26,-50 0,0-50,0 24,0 1,0-25,0 0,0 25,0 0,0-25,-25 0,25 0,0 25,0-1,-25-24,1 0,24 0,-25 0,25 25,-50-25,50 0,-25 25</inkml:trace>
   <inkml:trace contextRef="#ctx0" brushRef="#br0" timeOffset="38079.178">14660 6772,'0'0,"-25"24,25 26,0 25,0-26,0 1,0-1,0-49,0 25,0 0,0-25,0 0,25 0,-25 0,50 0,-26-25,51-49,-26 49,-49 0,0 25,0-25,0 25,0-24,0 24,0-50,0 25,0 0,0 0,0 1,0-1,0 25,-49 0,24 0,0 0,0 0,25 0</inkml:trace>
-  <inkml:trace contextRef="#ctx0" brushRef="#br0" timeOffset="38847.2219">14933 6598,'0'0,"-25"0,25 0,0 25,-25 0,25-25,-25 24,25-24,0 100,0-76,0 26,-24-25,24 0,-25 24,25-49,0 25,0 25,-25-25,25-1,0 1,0 0,-25 0,25-25,0 25,-25-1,-24 1,49 0,-25-25,0 25,25-25</inkml:trace>
+  <inkml:trace contextRef="#ctx0" brushRef="#br0" timeOffset="38847.2218">14933 6598,'0'0,"-25"0,25 0,0 25,-25 0,25-25,-25 24,25-24,0 100,0-76,0 26,-24-25,24 0,-25 24,25-49,0 25,0 25,-25-25,25-1,0 1,0 0,-25 0,25-25,0 25,-25-1,-24 1,49 0,-25-25,0 25,25-25</inkml:trace>
   <inkml:trace contextRef="#ctx0" brushRef="#br0" timeOffset="39464.2572">15776 6796,'0'0,"0"50,0 0,0 24,0 1,0-26,0 1,0-25,0 24,0-24,0 0,0-25</inkml:trace>
   <inkml:trace contextRef="#ctx0" brushRef="#br0" timeOffset="40215.3002">17190 6772,'25'0,"-25"0,49 49,-49-24,50-25,-25 25,0 0,-25-25,0 0,0 25,0-1,0 1,0 0,0-25,0 25,-25 0,-50-1,51 1,-26 0,0 0,50-25,0 25,0-25,25 0,25 0,-1 0,-24 0,25 0,-1 0,1 0,-25 0,0 0,-1 0,-24 0,25 0</inkml:trace>
   <inkml:trace contextRef="#ctx0" brushRef="#br0" timeOffset="41143.3533">18529 6796,'25'0,"50"0,-51 25,1 0,25-25,-50 50,25-50,-25 25,0-25,0 24,0 1,0 0,0-25,0 25,-25-25,25 25,-50-1,50-24,-25 0,1 25,24-25,-25 0,0 0,25 25,-25-25,25 25,25 0,25-25,-26 24,26 1,-50-25,50 25,-50 0,24 0,-24 24,0-24,0 0,0 0,0-1,0-24,0 0,-24 0,-1 0,-25 25,50-25,-25 25</inkml:trace>
@@ -266,29 +266,29 @@
   <inkml:trace contextRef="#ctx0" brushRef="#br0" timeOffset="42711.4429">22597 7119,'0'0,"25"25,0-25,-25 25,0-1,0 26,0 24,0 1,0-1,0-24,0-25,0-1,0 1,0 0,0 0,0-50,0 0</inkml:trace>
   <inkml:trace contextRef="#ctx0" brushRef="#br0" timeOffset="43407.4828">23218 7094,'0'0,"24"0,-24 0,25 25,50 49,-51-49,-24 0,0 0,0 0,0-1,0-24,0 50,-24-50,-1 50,-25-50,25 0,1 0,-1 0,0 0,25 0,0 24,50-24,-1 25,1 0,-1 0,-49 0,0-1,0 1,0-25,0 25,-24 0,24-25,-25 0,25 25,-50-25,25 0,1 24,-1 1,0-25,0 0,25 25,0-25,-25 0</inkml:trace>
   <inkml:trace contextRef="#ctx0" brushRef="#br0" timeOffset="44271.5322">21580 8533,'25'0,"0"0,0 0,49 0,-24 0,-1 0,-24 0,-25 25,25-1,0-24,-25 0,0 25,0 0,0 25,-50-26,25 51,-24-26,24-24,-49 50,-1-75,50 24,-24-24,24 0,25 0,25 0,0 0,24 25,-24-25,0 0,24 0,1 0,-25 0,24 0</inkml:trace>
-  <inkml:trace contextRef="#ctx0" brushRef="#br0" timeOffset="44991.5734">22151 8384,'25'0,"0"0,-1 0,26 25,0 24,-50-24,49 0,-49-25,0 50,0-26,0 1,0 0,-25 0,1 0,-1-1,-74 26,49-25,0 0,-24-25,-1 24,26-24,49 0,49 0,1 0,0 25,24-25,-24 25,-25 0,24 0,-49-25,0 24,0-24,0 25,0-25,0 0,-25 25,1-25,24 0,-50 0,25 25,0-25,1 0,24 0</inkml:trace>
-  <inkml:trace contextRef="#ctx0" brushRef="#br0" timeOffset="47247.7024">23813 8830,'0'0,"0"25,0-25,0 50,25-25,-1 24,-24 1,0 0,0-26,0 51,0-26,0 1,0-25,0 0,0-25,0 0</inkml:trace>
-  <inkml:trace contextRef="#ctx0" brushRef="#br0" timeOffset="47839.7363">24135 8930,'0'0,"50"24,0 1,-1 25,-24-50,0 25,-25 0,0-25,0 24,0-24,0 25,0 0,0-25,-50 25,1-25,-1 49,-24-24,24-25,50 25,-50 0,50-25,0 0,25 0,50 0,24 0,-25 0,-49 0,-25 0,25 0,0 0,-25 0,24 0,-24 0,0 0,25 0</inkml:trace>
+  <inkml:trace contextRef="#ctx0" brushRef="#br0" timeOffset="44991.5733">22151 8384,'25'0,"0"0,-1 0,26 25,0 24,-50-24,49 0,-49-25,0 50,0-26,0 1,0 0,-25 0,1 0,-1-1,-74 26,49-25,0 0,-24-25,-1 24,26-24,49 0,49 0,1 0,0 25,24-25,-24 25,-25 0,24 0,-49-25,0 24,0-24,0 25,0-25,0 0,-25 25,1-25,24 0,-50 0,25 25,0-25,1 0,24 0</inkml:trace>
+  <inkml:trace contextRef="#ctx0" brushRef="#br0" timeOffset="47247.7023">23813 8830,'0'0,"0"25,0-25,0 50,25-25,-1 24,-24 1,0 0,0-26,0 51,0-26,0 1,0-25,0 0,0-25,0 0</inkml:trace>
+  <inkml:trace contextRef="#ctx0" brushRef="#br0" timeOffset="47839.7362">24135 8930,'0'0,"50"24,0 1,-1 25,-24-50,0 25,-25 0,0-25,0 24,0-24,0 25,0 0,0-25,-50 25,1-25,-1 49,-24-24,24-25,50 25,-50 0,50-25,0 0,25 0,50 0,24 0,-25 0,-49 0,-25 0,25 0,0 0,-25 0,24 0,-24 0,0 0,25 0</inkml:trace>
   <inkml:trace contextRef="#ctx0" brushRef="#br0" timeOffset="48639.782">24582 8880,'0'0,"49"25,1-25,-25 25,24-1,-49-24,25 25,-25-25,0 25,0 0,0-25,0 25,-25 0,1-25,-26 49,25-49,25 0,-25 25,1-25,24 0,0 25,0-25,0 25,0-1,0-24,0 0,24 0,1 0,-25 0,25 0,0 0,0 25,-1-25,1 0,-25 50,25-50,-25 25,0-25,0 24,0 1,0 0,0-25,0 50,0-50,0 0,0 24,0-24,-50 0,50 0,-24 25,-26 25,50-50,-50 25,50-25,-24 24,24-24,-25 0</inkml:trace>
   <inkml:trace contextRef="#ctx0" brushRef="#br0" timeOffset="50270.8753">14362 6350,'0'0,"0"0,0 0,-25 0,1 0,24 0,-25 0,25 0,-50 25,1 24,49-24,0 0,-25 0,25 0,0-1,0 1,0 0,0 25,0-26,0 26,0-25,0 0,0-1,0-24,0 25,0-25,0 25,0-25,0 0,-50 0,-24 0,49 0,25 0,-25 0,0 0,25 25,50 0,-25 0,0-1,-1 1,-24-25,0 25,0 0,0 0,0-1,0 26,0-25,0 0,0-1,0 1,0-25,-24 25,24 0,0 0,0-25,0 24,0-24,0 25,0-25,0 50,0-25,0-1,0-24,24 25,-24-25,0 0,25 25</inkml:trace>
   <inkml:trace contextRef="#ctx0" brushRef="#br0" timeOffset="52047.977">25003 8582,'0'0,"0"0,0 0,25 25,0 50,-25-75,25 24,-25 1,0 0,0-25,0 25,0-25,0 49,0-49,-25 50,25 0,0-1,-50-24,50 0,0 0,0-25,0 25,0-1,0 1,0 25,25-50,-25 25,0-25,25 0,-25 0,25 0,-25 24,0 1,0-25,-25 50,25-25,0-1,0 26,0-25,0 0,0-1,0 1,0 0,0 0,0-25,0 25,0-1,0 1,0 25,0-1,0 1,25-25,-25 0,0-1,0 1,0 0,0 0,0 0,0-1,0 1,0 0,0 0,0 0,-50-25,50 0,-25 0,1 0,-1 25,-25-25,50 0,-25 0,25 0,-24 0</inkml:trace>
   <inkml:trace contextRef="#ctx0" brushRef="#br0" timeOffset="53776.0758">12874 5904,'0'24,"50"26,-50-25,49-25,-49 49,25-24,0 25,0-25,-25-1,49 51,-24-75,0 25,0 24,-1-24,1-25,0 25,-25-25,25 0,0 0,-1 25,1-1,25-24,-1 50,1-25,-25-25,0 0,-25 25</inkml:trace>
   <inkml:trace contextRef="#ctx0" brushRef="#br0" timeOffset="54600.1229">13469 6251,'0'0,"0"0,25 25,-25-1,50 1,-25 0,-1 25,1-26,0 1,0 0,-25 0,0-25,0 49,0-24,-25 0,0 25,25-26,0-24,0 25,-25-25,25 0,-24 0,-1 0,0 0,25 0</inkml:trace>
-  <inkml:trace contextRef="#ctx0" brushRef="#br0" timeOffset="66032.7768">10567 5779,'25'0,"99"0,-50 0,-24 0,-25 0,0 0,-1 0,1 0,-25 0,25 0,-25 0,25 0,-25 0,25 0,-1 0,-24 0,25 0,0 0,0 0,-25 0,25 0,-25 0</inkml:trace>
+  <inkml:trace contextRef="#ctx0" brushRef="#br0" timeOffset="66032.7767">10567 5779,'25'0,"99"0,-50 0,-24 0,-25 0,0 0,-1 0,1 0,-25 0,25 0,-25 0,25 0,-25 0,25 0,-1 0,-24 0,25 0,0 0,0 0,-25 0,25 0,-25 0</inkml:trace>
   <inkml:trace contextRef="#ctx0" brushRef="#br0" timeOffset="69613.9817">10617 5904,'0'0,"0"0,49 0,-24 0,0 0,0 0,-25 0,49 0,-49 24,25-24,-25 0,25 0,0 0,-25 0,25 0,-1 0,1 0,-25 0,50 0,-25 0,24 0,-49 0,25 0,-25 0,25 0</inkml:trace>
-  <inkml:trace contextRef="#ctx0" brushRef="#br0" timeOffset="85775.9061">10518 6226,'0'0,"-25"0,0 25,25 24,-25-24,0 50,25-75,0 24,0-24,-24 0,24 25,-25-25,25 0,0 0,-25 50,25-25,-25-1,25 125,0-99,0 24,0-49,0 0,0-25,0 0,25 50,0-50,24 0,-24 0,-25 0,25 0,0 0,0 0,-1 0,1 0,25 0,24 0,-49-25,25 0,-1 0,-49 0</inkml:trace>
-  <inkml:trace contextRef="#ctx0" brushRef="#br0" timeOffset="87070.9802">10592 6722,'25'0,"0"0,-25 0,24 0,1 25,25 0,-25-1,-1-24,-24 25,0-25,50 0,-25 0,0 0,-25 0,24 0,-24 25,0-25,-24 0,-1 0,25 25,0 0,0-25,0 25,-25-1,25 1,0 0,0 0,-25 0,25-1,-25 1,25-25</inkml:trace>
-  <inkml:trace contextRef="#ctx0" brushRef="#br0" timeOffset="91743.2474">12552 8607,'-25'0,"50"0,49 0,-24 0,-1 0,1 0,-25 0,-25 0,24 0,-24 0,25 0,0 0,25 0,-1 0,-24 0,0 0,49 0,-74 0,25 0,0 0,0 0,-1 0,-24 0,25 0,-25 0,25 0,0 0,24 0,26 0,-50 0,-1 0,1 0,0 0,0 0,25 0,-50 0,24 0,-24 0,25 0,0 0,0 0,-25 0,25 0,-1 0,-24 0,25 0,-25 0,25 0,0 0,0 0,-25 0,24 0,-24 0,25 0,0 0,0 0,-25 0,25 0,-1 0,-24 0,25 0,0 0,0 0,0 0,-1 0,1 0,-25 0,0 0,25 0,-25 0,25 0,0 0,-25 0</inkml:trace>
+  <inkml:trace contextRef="#ctx0" brushRef="#br0" timeOffset="85775.906">10518 6226,'0'0,"-25"0,0 25,25 24,-25-24,0 50,25-75,0 24,0-24,-24 0,24 25,-25-25,25 0,0 0,-25 50,25-25,-25-1,25 125,0-99,0 24,0-49,0 0,0-25,0 0,25 50,0-50,24 0,-24 0,-25 0,25 0,0 0,0 0,-1 0,1 0,25 0,24 0,-49-25,25 0,-1 0,-49 0</inkml:trace>
+  <inkml:trace contextRef="#ctx0" brushRef="#br0" timeOffset="87070.9801">10592 6722,'25'0,"0"0,-25 0,24 0,1 25,25 0,-25-1,-1-24,-24 25,0-25,50 0,-25 0,0 0,-25 0,24 0,-24 25,0-25,-24 0,-1 0,25 25,0 0,0-25,0 25,-25-1,25 1,0 0,0 0,-25 0,25-1,-25 1,25-25</inkml:trace>
+  <inkml:trace contextRef="#ctx0" brushRef="#br0" timeOffset="91743.2473">12552 8607,'-25'0,"50"0,49 0,-24 0,-1 0,1 0,-25 0,-25 0,24 0,-24 0,25 0,0 0,25 0,-1 0,-24 0,0 0,49 0,-74 0,25 0,0 0,0 0,-1 0,-24 0,25 0,-25 0,25 0,0 0,24 0,26 0,-50 0,-1 0,1 0,0 0,0 0,25 0,-50 0,24 0,-24 0,25 0,0 0,0 0,-25 0,25 0,-1 0,-24 0,25 0,-25 0,25 0,0 0,0 0,-25 0,24 0,-24 0,25 0,0 0,0 0,-25 0,25 0,-1 0,-24 0,25 0,0 0,0 0,0 0,-1 0,1 0,-25 0,0 0,25 0,-25 0,25 0,0 0,-25 0</inkml:trace>
   <inkml:trace contextRef="#ctx0" brushRef="#br0" timeOffset="92583.2954">14784 7243</inkml:trace>
   <inkml:trace contextRef="#ctx0" brushRef="#br0" timeOffset="96189.5017">15354 8657,'0'0,"25"-25,0 0,0 25,0 0,-25 0,49 0,-24 0,0-25,24 25,-49 0,50 0,-50 0,25 0,0 0,0 0,24 0,-24 0,25 0,-1-24,1 24,-1 0,-24 0,0 0,0 0,-25 0,49 0,-24 0,0 0,25 0,-26 0,1 0,-25 0,25 0,-25 0,50 0,-50 0,24 0,26 0,24-25,1 25,49 0,25 0,-50 0,0 0,0 0,-24 0,-26 25,-49-25,50 0,-50 0,25 0,24 0,-24 0,25 0,-1 0,1 0,0 0,-26 0,26 0,-50 0,25 0,0 0,0 0,24 0,-24 0,25 0,-26 0,1 0,0 0,0 0,-25 0,49 0,-49 0,75 0,-26 0,1 0,24 0,-24 0,-25 0,24 24,26-24,49 0,-75 25,-24-25,50 0,-26 0,1 0,-25 0,24 0,-49-25,25 25,-25 0,25 0,-25 0,50 0,-1 0,-24 25,0-25,24 0,-24 0,0 0,49 0,1 0,-50 0,24 0,-24 0,25 0,-50 0,24 0,1 25,25-25,-1 0,-24 0,0 0</inkml:trace>
-  <inkml:trace contextRef="#ctx0" brushRef="#br0" timeOffset="104799.9942">12601 9947,'25'0,"25"0,-50 0,24 0,1 0,-25 0,25 0,-25 0,50 0,-50 0,24 0,-24 0,25 0,0 0,-25 0,25 0,-25 0,25 0,-1 0,1 0,-25 0,25 0,-25 0,25 0,0 0,-25 0,24 0,-24 0,25 0,25 0,-25 0,-1 0,1 0,0 0,25 0,-50 0,24 0,-24 0,25 0,0 0,-25 0,25 0,-25 0,49 0,-49 0,25 0,-25 0,25 0,-25 0,25 0,0 0,-25 0,25 0,-25 0,24 0,1 0,-25 0,25 0,-25 0,25 0,0 0,-1 0,26 0,-50 0,25 0,-25 0,25 0,-1 0,1 0,-25 0,25 0,0 0,-25 0,25 0,-1 0,1 0,-25 0,25 0,-25 0,25 0,-25 0,25 0,-1 0,-24 0,25 0,-25 0</inkml:trace>
+  <inkml:trace contextRef="#ctx0" brushRef="#br0" timeOffset="104799.9941">12601 9947,'25'0,"25"0,-50 0,24 0,1 0,-25 0,25 0,-25 0,50 0,-50 0,24 0,-24 0,25 0,0 0,-25 0,25 0,-25 0,25 0,-1 0,1 0,-25 0,25 0,-25 0,25 0,0 0,-25 0,24 0,-24 0,25 0,25 0,-25 0,-1 0,1 0,0 0,25 0,-50 0,24 0,-24 0,25 0,0 0,-25 0,25 0,-25 0,49 0,-49 0,25 0,-25 0,25 0,-25 0,25 0,0 0,-25 0,25 0,-25 0,24 0,1 0,-25 0,25 0,-25 0,25 0,0 0,-1 0,26 0,-50 0,25 0,-25 0,25 0,-1 0,1 0,-25 0,25 0,0 0,-25 0,25 0,-1 0,1 0,-25 0,25 0,-25 0,25 0,-25 0,25 0,-1 0,-24 0,25 0,-25 0</inkml:trace>
   <inkml:trace contextRef="#ctx0" brushRef="#br0" timeOffset="107104.126">15280 9996,'25'0,"49"0,1 0,-51 0,1 0,0 0,0 0,0 0,-25 0,24 0,-24 0,25 0,0 0,-25 0,25 0,-25 0,25 0,0 0,-1 0,-24 0,25 0,0 25,0-25,49 0,-74 0,25 0,0 0,0 0,74 0,-25 0,-24 0,-1 0,1 0,-25 0,0 0,-1 0,-24 0,25 0,-25 0,50 0,-50 0,25 0,-1 0,1 0,-25 25,25-25,-25 0,25 0,0 0,-1 0,-24 0,25 0,-25 0,25 0,0 0,-25 0,25 0,0 0,-1 0,-24 0,25 0</inkml:trace>
   <inkml:trace contextRef="#ctx0" brushRef="#br0" timeOffset="118405.7724">12601 11683,'25'25,"25"-25,-1 0,26 0,-26 0,1 0,-25 0,-1 0,1 0,0 0,-25 0,25 0,0 0,-1 0,51 0,-1 0,-49 0,-25 0,50 0,-26 0,1 0,-25 0,25 0,-25 0,25 0,24 0,-49 0,50 0,-25 0,0 0,0 0,-25 0,49 0,-49 0,25 0,-25 0,25 0,0 0,-25 0,24 0,-24 0,50 0,-25 0,-25 0,25 0,-1 0</inkml:trace>
   <inkml:trace contextRef="#ctx0" brushRef="#br0" timeOffset="125033.1515">13320 11757,'0'0,"0"50,0-25,-24 0,24 24,-50 26,50-26,0 1,-50-25,50-1,-24 1,24 0,0-25,-25 25,25 25,-25-1,25-24,-99 124,24-75,26 1,-26-1,26 0,-1-49,-24 25,74-50,-25 25,0-1,0 1,-24 0,49-25,-50 25,-74 49,74-49,-24 25,-25-26,49 1,-24 0,-1 0,51-25,-26 0,25 25,-24 0,-1-1,0 26,-24-25,-25 24,0 1,99-25,-75 0,1 24,24-24,25 25,-49-50,49 24,0 1,25 0,-49 0,-1-25,-24 0,-1 49,1-24,49-25,-49 25,-50 0,24-25,51 25,-51-1,26 26,0-50,49 25,-25 0,1-1,24 1,-25 0,25 0,-24 24,24-49,0 0,-24 25,24 0,-25-25,25 25,-24 0,-1-1,25 1,1 0,-1 0,25-25,-25 25,-25 24,26-24,-1 0,25-25,-25 25,25 0,0-1,0 1,-25 0,0 0,25 0,-25 24,1-49,24 25,-25-25,0 25,0 0,25-1,-25 1,1 25,-1-25,0-1,0-24,25 25,0-25,-25 25,1-25,-1 25,0-25,25 0,-50 25,26-1,-26-24,50 25,-25-25</inkml:trace>
   <inkml:trace contextRef="#ctx0" brushRef="#br0" timeOffset="126568.2393">8682 14932,'0'0,"0"0,25 0,-25 0,0 25,0-25,0 50,0-25,0-1,0 26,0-25,0 24,0-24,0-25,0 25,0 0,0-25,0 25,0-1,0 1,0 0,0 0,0 0,0 24,0-49,0 25,0 0,25 0,-25-25,0-25,0 25,0-25,24 25,1 0,0 0,-25 0,25 0,0 0,-1 0,-24 0,0-25,0 25,25-24,0-1,-25 0,25 0,0 0,-25 25,24 0,-24-25,0 25,25 0,0 0,0 0,0 0,24 0,-24 0,-25 0,25 0,-25 0,25 0</inkml:trace>
   <inkml:trace contextRef="#ctx0" brushRef="#br0" timeOffset="128583.3545">8880 15032,'0'0,"0"24,0-24,0 25,0 25,-24-50,24 25,0-1,0-24,0 25,0 25,0-50,-25 49,25-49,0 25,0-25,0 25,0 0,-25-25,25 0,0 25,0-50,0 0,0 0,0 25,0-25,0 25,0 0,0 25,-25 0,25 0,0 0,-25-25,25 0,25-25,-25 25,25-25,-25 0,25-24,-25 49,0-25,0 0,0 0,0 25,0-25,0 25,0-24,0-1,0 25,0-25,0 25,0-25,0 25,0-25,0 1,25 24,-25-25</inkml:trace>
   <inkml:trace contextRef="#ctx0" brushRef="#br0" timeOffset="133735.6492">7888 16768,'0'0,"25"0,0 0,24 0,1 0,0 0,-26 0,1 0,-25 0,25 0,0 0,-25 0,25 0,24 0,-49 0,75 0,-26 0,-24 0,25 25,-25-25,49 0,0 25,-49-25,0 0,0 0,0 0,-1 0,26 0,-50 0,25 0,0 0,-25 0,24 0,-24 0,25 0,-25 0,50 0,-25 0,-1 0,1 0,0 0,0 0,-25 0,25 0,-25-25,24 25,-24 0,-24 0,24 0,-25 0,25 0,-25 0,0 0,-24 0,49 0,-25 0,0 0,0 0,25 0,-25 0,25 0,-24 0,24 0,-25 0,-25 0,25 0,1 0,-1 0,0 0,25 0,-25 0,25 0,-25 0,1 0,24 0,-25 0,0-50,0 50,0 0,1 0,24 0,-25 0,0 0,0 0,-24 0,24 0,0 0,0 0,0 0,1 0,-1 0,0 0,-25 0,25 25,1-25,24 0,-25 0,0 0,0 0,0 0,1 0,-1 0,0 0,25 0,0 0,50 0,-1 0,1 0,24 0,-49 0,0 0,0 0,49 0,-74 0,25 0,-25 0,50 0,-50 0,24 0,-24 0,50 0,0 0,-26 0,26 0,0 0,-1 0,1 0,-25 0,-1 0,-24 0,25 0,0 0,0 0,0 25,24-25,1 0,-1 0,1 0,-25 0,24 0,-49 0,0 0,0 0,0 0,-24 0,-1-25,25 25,0 0,-25 0,25-25,-50 25,50 0,-24 0,-26 0,25 0,0 0,25 0,-24 0,-1 0,0 0,25 0,-25 0,0 0,1 0,-26 0,50 0,-50 0,26 0,-51 0,26 0,24 0,-25 0,1 0,-1 0,25 0,0 0,1 0,24 0,-50 0,50 0,-25 0,0 0,0 0,1 0,-1 0,25 0,-25 0,-25 0,26 0,-51 0,26 0,-1 0,0 0,26 0,-1 0,25 0,-25 0,0 0,0 0,1 0,24 0,0 0,24 0,76 0,-26 25,0-25,26 0,-51 0,-24 0,0 0,-25 0,25 0,-1 0,1 0,25 0,-25 0,24 0,-24 0,-25 0,25 0,-25 0,25 0,0 0,-1 25,-24-25,75 0,-50 0,49 0,-74 0,25 0,0 0,-1 0,-24 0,25 0,0 0,0 0,24 0,-49 0,25 0,-25 0,25 0</inkml:trace>
-  <inkml:trace contextRef="#ctx0" brushRef="#br0" timeOffset="146055.3539">13643 11782,'0'0,"0"0,25 0,-25 0,25 0,-1 25,-24 0,25-25,-25 25,25-1,0 1,0-25,-1 50,26-1,-50-49,50 25,-50-25,0 0,24 0,1 0,0 0,0 0,24 0,1-25,0 1,-1-1,1 0,-1 25,-24-50,0 50,-25 0,25-24,-25 24,0-50,0 25,25-49,-25 49,0-25,24-24,-24 49,0 0,0 1,0-1,0-25,0-123,0 123,0 25,0 25,0 25,0 0,0 24,0-24,-24 25,24-25,-25-1,25 26,-25-25,25 0,0-25,0 49,-25-24,25 0,0-25,0 0</inkml:trace>
+  <inkml:trace contextRef="#ctx0" brushRef="#br0" timeOffset="146055.3538">13643 11782,'0'0,"0"0,25 0,-25 0,25 0,-1 25,-24 0,25-25,-25 25,25-1,0 1,0-25,-1 50,26-1,-50-49,50 25,-50-25,0 0,24 0,1 0,0 0,0 0,24 0,1-25,0 1,-1-1,1 0,-1 25,-24-50,0 50,-25 0,25-24,-25 24,0-50,0 25,25-49,-25 49,0-25,24-24,-24 49,0 0,0 1,0-1,0-25,0-123,0 123,0 25,0 25,0 25,0 0,0 24,0-24,-24 25,24-25,-25-1,25 26,-25-25,25 0,0-25,0 49,-25-24,25 0,0-25,0 0</inkml:trace>
   <inkml:trace contextRef="#ctx0" brushRef="#br0" timeOffset="146871.4006">14412 11187,'25'25,"-25"24,49-24,-24 74,-25-74,25 25,0-25,-25-25,0 24,0 1,0-25</inkml:trace>
   <inkml:trace contextRef="#ctx0" brushRef="#br0" timeOffset="152391.7163">8012 16495,'0'0,"0"0,-25 0,-24-25,24 1,0-26,0 25,1-25,-1 26,0 24,25-25,0 25,-25-50,25 25,-25-24,25-1,0-24,0-1,-24 26,24 24,0 0,0 25,0-25,0 25,0-49,0 24,0 0,0-24,0-1,0 25,0 0,0 25,0-24,0-1,0-25,0 25,0-24,0 24,0 25,0-50,0 50,0-25,0 25,0-24,0-1,0 0,0 0,0 0,0-24,0 49,0-25,0 25,0-25,0 0,24 25,-24-49,50 24,-50 0,0 25,25 0,0-25,-25 25,0-49,49 49,-49-25,25 25,-25 0,50 0,-26 0,1-25,25 0,-25 25,-1 0,51 0,-50 0,24 0,-49 0,50-24,-25-1,0 25,-25 0,24 0,-24 0,50 0,0 25,-26-25,51 24,-26-24,-24 0,50 0,-26 25,-24-25,-25 0,25 0,0 0,24 0,-49 25,50 0,-1 0,-24 24,25-49,-50 25,25 0,-1-25,1 0,0 25,0-25,-25 0,0 24,25 1,-1-25,-24 25,0-25,25 25,0 24,-25-49,0 25,0 0,25 0,-25 0,0-25,25 0,-25 49,25-24,-25 0,0-25,0 50,24-50,-24 24,0 1,0 0,25 0,-25-25,0 25,0-1,0-24,0 25,0 25,0-50,0 49,0-24,0 0,0 0,0 24,0-49,0 50,0-50,0 25,0 0,0-1,0-24,0 25,0-25,0 25,0-25,0 25,-25 0,25-25,0 24,0 1,-24 0,24-25,-25 25,25-25,0 25,-25-1,25-24,-25 25,25 25,-25-25,0-1,1-24,-1 25,25-25,-25 25,25-25,-25 0,0 0,25 0,-24 0,24 0,-50 25,25-25,-24 25,24-25,0 0,0 0,25 0,-25 0,1 0,-26 0,25 0,-24 0,-26 0,26 0,24 0,0 0,25 0,-25 0,0 0,1 0,-1 25,0-25,0 24,0-24,1 0,-1 0,0 0,0 0,0 0,1 0,24 0,-25 0,25 25,-50-25,25 0,0 0,-24 0,-1 0,50 0,-49 0,49 0,-25 0</inkml:trace>
   <inkml:trace contextRef="#ctx0" brushRef="#br0" timeOffset="158056.0403">4738 9897,'0'0,"0"0,0 0,25 50,-25-26,0 1,25-25,-25 25,24 25,-24-25,0-1,25 1,-25 0,0 25,25-26,25 1,-50-25,0 25,24-25,-24 0,0 0,0-25,0 25,0-25,0 1,0-1,0-50,0 51,50-26,-50-25,0 1,25 49,-25-24,25-1,-25 25,25-49,24 24,-24 25,0 1,0 24</inkml:trace>
@@ -298,7 +298,7 @@
   <inkml:trace contextRef="#ctx0" brushRef="#br0" timeOffset="288663.5106">10989 7367,'0'0,"49"0,51 0,73 0,1 0,24 0,1 0,24 0,-124 0,0 0,-49 0,-25 0,-25 0,25 0,-25 0,49 0,-49 0,50 0,0 0,-26 0,1 0,50 0,-75 0,74 0,-24 0,24 0,0 0,1 0,-1 0,-24 0,-25 0,-1 0,-24 0,50 0,24 0,-24 0,24 25,1 0,-50-25,24 24,26-24,-75 0,25 0,-25 25,0-25,0 0,0 0,-50 0,50 0,-25-25,0 1,1 24,-1 0,0-25,0 0,0 25,0 0,-24 0,-1 0,1 0,24 0,-50 0,26 0,-1 0,1 0,-1 0,0 0,-74 0,50 0,0 0,49 0,-25 0,25 0,1 0,-1 0,0 0,0 0,0 0,0 0,-24 0,24 0,-25 0,1 0,-1 0,25 0,-24 0,-1 0,-24 0,24 0,25 0,-24 0,-1 0,25 0,1 0,-1 0,0 0,0 0,-24 0,49 0,-50 0,0 0,-24 0,74 0,-25 0,25 0,-25 0,1 0,-26 0,50 0,-25 0,0 0,0 0,25 0,-24 0,-1 0,0 0,-25 0,26 0,24 0,-50 0,50 0,-25 0,25 0,-49 25,49-25,-25 0,0 0,25 25,-25-25,25 0,-25 0,25 0,0 24,-24 1,24-25,0 25,0-50,0 25,0-25,24 25,-24 0,0 0,0-49,0 49,25 0,0-25,0 25,0 0,-1 0,-24-25,25 25,0-25,0 25,-25 0,25 0,-1 0,26 0,0-49,-26 49,1 0,-25 0,50 0,0 0,-50 0,24 0,26 0,-25 0,0 0,-1 0,-24 0,50 0,-25 0,24 0,1 0,-25 0,0 0,24 0,-24 0,-25 0,25 0,0 0,-1 0,1 0,0 0,25 0,-1 0,-24 0,0 0,24 0,-24 0,25 0,-25 0,-1 0,1 0,25 0,-25 0,-1 0,51 0,-50 0,0 0,-1 0,26 0,-50 0,50 0,-26 0,26 0,0 0,-26 0,26 0,0 0,-26 0,26 0,-25 0,0 0,-25 0,24 0,1 0,0 0,0 0,0 0,-1 0,26 0,-25 0,0 0,-25 0,24 25,-24-25,25 0,0 0,-25 0,50 0,-26 0,26 0,25 0,-51 0,1 24,-25-24,-25 0,25 0,-24 0,24 0,-25 0,0 0,0 0,25 0,-25 0,0 0,1 0,-51 0,1 0,24 0,1 0,24 0,25 0,-25 0,-49 0,74 0,-50 0,0 0,1 0,24 0,0 0,0 0,1 0,-26 0,-24 0,24 0,0 0,26 25,-51-25,1 0,49 0,-25 0,25 0,-24 0,-1 0,25 0,-24 0,24 0,0 0,0 0,-99 0,100 0,-51 0,-24 0,25 0,24 0,25 0,0 0,1 0,-1 0,0 0,0 0,-24 0,-1 0,0 0,-24 0,49 0,-25 0,26 0,24 0,-25 0,25 0,0 0</inkml:trace>
   <inkml:trace contextRef="#ctx0" brushRef="#br0" timeOffset="297689.0268">10766 5779,'24'0,"-24"0,25 0,-25 0,25 0,0 0,-25 0,25 0,-50 0,-25 0,1 0,24 0,-25 0,1 0,24 0,0 0,25 0,50 0,-1 0,26-49,-51 49,1 0,0 0,0 0,0 0,-25 0,24 0,-24 0,50 0,-50 0,50 0,-50 0,-25 0,25 25,-25-25,25 0,-25 0,0 0,25 24,-24-24,24 0,-50 0,25 0,0 25,-24-25,-1 0,50 0,-49 0,49 0,-25 0,50 0,-1 0,51-25,-1 25,-24 0,-1 0,-49 0,25-24,-25 24,25 0,0 0,0 0,-25 0,24 0,-48 0,-26 0,0 0,1 0,-1 0,25 0,1 0,-1 0,0 0,0 0,0 0,1 0,48 0,1-25,0 25,49 0,-49 0,0 0,49 0,-24 0,-25 0</inkml:trace>
   <inkml:trace contextRef="#ctx0" brushRef="#br0" timeOffset="299607.1365">9848 7491,'0'0,"25"0,-25 25,24 0,26 49,-50-74,25 25,-25 0,0-25,0 0,25-25,-1 25,-24-50,0 50,50-25,-25 1,24-26,1 25,-25 25,0 0,-25-25,24 25,1-24,-25-26,50 25</inkml:trace>
-  <inkml:trace contextRef="#ctx0" brushRef="#br0" timeOffset="337935.3288">20390 4862,'25'0,"-25"0,24 0,1 0,-25 0,0 0,25 0,-25 0,25 0,0 25,-1-1,-24-24,25 0,-25 0,25 0,-25 0,50 0,-1-49,1 24,-25 0,24 0,-24 25,25-25,-50 1,25 24,-25-25,49 0,-24 25,25-25,-1 0,-24 1,0-1,0 25,-1-25,1 25,25-50,-1 50,26 0,-1-24,1-1,-26 0,-24 25,25-25,-26 25,26-25,-25 25,0 0,-1 0,1 0,0 0,-25 0,0-24,25 24,0 0,-1 0,51-25,-25 25,-26-25,1 0,-25 25,25 0,-25 0</inkml:trace>
+  <inkml:trace contextRef="#ctx0" brushRef="#br0" timeOffset="337935.3287">20390 4862,'25'0,"-25"0,24 0,1 0,-25 0,0 0,25 0,-25 0,25 0,0 25,-1-1,-24-24,25 0,-25 0,25 0,-25 0,50 0,-1-49,1 24,-25 0,24 0,-24 25,25-25,-50 1,25 24,-25-25,49 0,-24 25,25-25,-1 0,-24 1,0-1,0 25,-1-25,1 25,25-50,-1 50,26 0,-1-24,1-1,-26 0,-24 25,25-25,-26 25,26-25,-25 25,0 0,-1 0,1 0,0 0,-25 0,0-24,25 24,0 0,-1 0,51-25,-25 25,-26-25,1 0,-25 25,25 0,-25 0</inkml:trace>
   <inkml:trace contextRef="#ctx0" brushRef="#br0" timeOffset="346855.839">18629 4762,'24'0,"26"0,24 0,26 0,-51 0,-49 0,50 0,0 0,24 0,-49 0,0 0,-1 0,-24 0,25 0,0 0,25 0,-50 0,24 0,1 0,0 0,-25 0,25 0,-25 0,25 0,-1 0,1 0,0 0,0 0,-25 0,25 0,-1 0,1 0,25 0,-50 0,25 0,-1 0,1 0,25 0,-25 0,-1 0,26 0,0 0,-25 0,24 0,75 0,-49 0,-26 0,1 0,-25 0,-1 0,-24 0,25 0,0 0,-25 0,25 0,0 0,-1 0,26 0,-25 0,24 0,-24 0,-25 0,25 0,-25 0,25 0,0 0,24 0,1 0,-25 0,-1 0,1 0,-25 0,50 0,-50 0,25 25,-25-25,25 0,-1 25,1-25,0 0,0 0,-25 0,49 0,-24 0,-25 0,25 0,0 0,0 0,-1 0,1 0,0 0,0 0,0 0,-1 0,1 0,-25 0,25 0</inkml:trace>
 </inkml:ink>
 </file>
@@ -334,7 +334,7 @@
   <inkml:trace contextRef="#ctx0" brushRef="#br0" timeOffset="38464.2">18108 9748,'-25'0,"25"0,-25 0,0-25,1 1,24 24,-25-25,25 0,-25 25,0-25,25 25,0-49,-25 49,25-50,-24 0,24 50,-25-49,25 24,-25 0,25 0,0 1,-25-1,25 25,0-25,0 25,0-25,-25 25,25-25,0 1,0-26,0-24,0 49,0 0,0 25,0-50,0 1,0 24,25 0,-25 0,0 25,0-49,0 24,25 0,0 0,-25 0,0 25,49-24,-49 24,25-50,-25 50,25-25,0 25,-25-25,49 1,-49-1,25 0,25 25,-50-25,25 25,24 0,-24 0,25-25,-26 1,1 24,25-25,-25 25,-1 0,26 0,-25-25,24 0,-24 25,25-25,-1 1,26-1,-1 25,1-50,-1 25,-24 1,-1-1,1 0,-25 25,49-25,-24 25,-1 0,1-25,24 25,26 0,-51 0,1 0,-1 0,1 0,-25 0,0 0,24 0,26 0,-1 0,-49 0,25 0,-26 0,51 0,-75 0,25 0,-1 0,-24 0,25 0,0 0,0 0,0 25,-25-25,24 0,1 0,0 0,0 0,-25 25,49 0,-49 0,25-25,-25 24,0 1,0-25,50 25,-50 25,25-26,24 26,-49 0,25-26,0 26,-25-25,0 0,25-25,-1 49,-24-49,0 25,50 49,-50-74,0 50,0-50,0 50,0-1,25-24,-25-25,0 25,25 24,-25-24,0 25,0-25,0 0,0-25,0 24,0 26,0 0,0-26,0 26,-25-25,0 24,25-24,0-25,0 25,0 0,0-25,0 25,0-25,-25 24,25 1,0 0,-25 0,1 0,24-25,-25 24,25 1,0-25,-25 0,25 25,-25-25,25 0,0 0,-25 0,25 25,-24-25,-1 0,25 0,-25 25,25-25,-25 0,25 0,-49 0,-1 0,25 24,-49 1,49-25,0 0,25 0,-25 0,1 0,-26 25,25 0,-24-25,24 0,0 0,0 0,-24 0,24 0,0 0,0 0,0 0,-24 0,49 0,-25 0,25 0,-25 0,0 0,25 0,-25 0,25 0,-49 0,49 0,-50 0,25 0,-24 0,24 0,0 0,25 0,-25 0,25 0,-24 0,-1 0,25 0,-50 0,25 0,-49 0,24 0,26 0,-1 0,0 0,0 0,-24 0,49 0,-25 0,0 0,0 0,0 0,1 0,-1 0,-50 0,26 0,-1 0,-49 0,74 0,0 0,0 0,1 0,24 0,-25 0,0 0,25 0,-25 0,-24 0,24 0,0 0,-49 0,49 0,0 0,-25 0,-24 0,49 0,0 0,1 0,24 0</inkml:trace>
   <inkml:trace contextRef="#ctx0" brushRef="#br0" timeOffset="65223.7306">16495 10840,'0'0,"0"0,0 24,0 1,0 25,0 24,0 50,25 100,0-1,25 25,-50-75,0-73,0 24,24-99,-24-1,0-24</inkml:trace>
   <inkml:trace contextRef="#ctx0" brushRef="#br0" timeOffset="66567.8074">16446 10988,'25'0,"-25"0,74 0,0 0,26 0,-26 0,-49 0,0 25,-25 25,25-25,-25 24,0 1,0 0,0-26,0 1,0 0,0 0,-25-25,25 25,-25-1,0 26,0-25,1-25,-1 25,0-25,0 49,25-49,-25 0,0 25,25-25,0 0,0 0,25 0,-25 0,25 0,-25 0,25 0,0 0,-25 0,49 0,-49 0,25 25,25 24,-25-49,24 25,-49 0,50-25,-25 50,-1-50,-24 24,25-24,0 0,0 25,-25-25,25 0,-25 0,24 25,1-25,0 0,49 25,50 24,0-24,-49-25,-26 0,-24 0,-25 0</inkml:trace>
-  <inkml:trace contextRef="#ctx0" brushRef="#br0" timeOffset="68495.9177">16421 12998,'0'24,"0"1,0 0,0 0,0 0,0-1,0-24,0 50,0-25,0 25,0-1,50 1,-26-1,-24-24,0 50,25-51,-25 1,25-25,-25 25,25 0,-25-25,25 25</inkml:trace>
+  <inkml:trace contextRef="#ctx0" brushRef="#br0" timeOffset="68495.9176">16421 12998,'0'24,"0"1,0 0,0 0,0 0,0-1,0-24,0 50,0-25,0 25,0-1,50 1,-26-1,-24-24,0 50,25-51,-25 1,25-25,-25 25,25 0,-25-25,25 25</inkml:trace>
   <inkml:trace contextRef="#ctx0" brushRef="#br0" timeOffset="69783.9914">19819 12601,'0'25,"25"-1,-25 1,0-25,25 25,-25-25,0 0,0 25,25 0,-25-25,0 24,0-24,0 25,0 0,25-25,-25 25,0 0,0-1,0 26,0-25,0 0,0 24,0-49,0 25,0 0,0 0,0 24,0-24,0 0,0 0,0-25,0 49,-25-49,25 25,-25-25,25 0,-25 25,25 0,-50 0,50-25,-24 24,24 1,0-25,0-25</inkml:trace>
   <inkml:trace contextRef="#ctx0" brushRef="#br0" timeOffset="82791.7354">18306 10170,'0'0,"0"0,0 0,25 25,0-25,-25 25,25-25,-25 0,24 0,-24 24,25-24,0 0,-25 0,0 0,25 0,-25 0,25 0,-1 0,1 0,74 0,-49 0,24 0,-49 0,0 0,0 0,0 0,-25 0,25 0,-1 0,1 0,0 25,-25-25,25 0,-25 50,25-50,-25 25,24-1,-24-24,0 25,25-25,0 25,0-25,-25-25,49 0,-24 1,0-1,0 25,0-25,-1 25,-24 0,25-25,0 25,25 0,-50 0,49 0,-24 0,0 0,24 0,1 0,0 0,-1 0,1 0,-25 0,-1 0,26 0,-50 0,25 0,-25 0,50 0,-50 0,49 0,-24 0,0 0,0 0,24 0,1 0,-25 0,-25 0,24 0,1 0,0 0,-25 0,0-25</inkml:trace>
   <inkml:trace contextRef="#ctx0" brushRef="#br0" timeOffset="310792.7763">1960 6499,'0'0,"0"49,0 1,0 24,0 26,0 24,0-25,25 0,-25 0,0 1,25-1,-25 25,24 25,1 24,0 100,-25 0,25 0,-25 0,0-75,0-24,0-75,0 50,0-25,0-50,0 50,0 75,-50-26,25 1,25 99,-24-100,24 75,0-49,-25-1,0-24,0 49,0-24,1-1,-26-49,50 25,-25-1,0 1,25-1,0-73,0 49,0-25,0 0,0-50,0-49,0 0,0 24,0 26,0 49,0-25,0 50,0-50,0-25,0-24,0-25,0 24,0 26,0-1,0 1,0 24,0-25,0-24,0 24,0-24,0-25,0 74,0 25,0 50,0-1,0-49,0 50,0-100,0 1,0-75,0 0,0 0</inkml:trace>
@@ -343,18 +343,18 @@
   <inkml:trace contextRef="#ctx0" brushRef="#br0" timeOffset="321633.3964">1737 16073,'0'0,"0"0,0 25,0-25,24 25,-24 0,0 24,25-49,-25 25,0-25,0 25,0 25,0-26,0-24,0 25,0-25,0 25,0-25,0 25,0 0,0 0</inkml:trace>
   <inkml:trace contextRef="#ctx0" brushRef="#br0" timeOffset="628143.9278">4540 5085,'0'0,"0"0,-25 25,0-25,25 0,0 25,-25-25,25 0,-25 24,1 1,24 0,0-25,-25 50,25-50,0 24,0-24,0 25,0 0,0 0,-25 24,25-49,0 50,0-50,0 25,0-25,0 49,0-24,0 25,0-25,0 24,0-24,0 0,25-25,-25 25,25-1,-25-24,24 25,-24-25,50 50,0-50,-1 50,1-26,-25-24,-25 25,24-25</inkml:trace>
   <inkml:trace contextRef="#ctx0" brushRef="#br0" timeOffset="634775.3071">4837 5680,'25'0,"-25"0,25 0,-25 0,0 0,0 25,0 0,0-25,0 25,0-1,0 1,25-25,-25 25,24-25,-24 25,0 0,0-25,25 0,-25 25,50-25,-50 24,25-24,-25 0,25 0,-1 0,-24 0,25-24,-25-1,0 0,25 25,-25 0,0-25,0 0,0 25,0-25,-25 25,25-49,0 49,0-25,-25 0,25 0,-24 25,24-24,0 24,0-25,0 0,0 25,0-25,0 25,0-25,0 1,0 24,0-25,0 0,0 0,0 25,0-25,0 25,0 0,0-24,24 24,-24 0,0 0,25 0,-25-25,25 25,-25-25,0 25,25-25,0 25,-25 0,0-25,24 25,-24 0,0 0,25 0,-25 0,25-24,0 24,-25 0,25 0,-25 0,24 0,1 0,-25 0,25 0,-25 0,25 0,-25 24,25-24,-1 0,-24 25,0-25,25 0,-25 0,0 0,25 0,-25 25,0 0,0-25,0 25,0-25,0 24,0 26,0-50,0 25,0 0,0 24,0-49,0 0,0 25,0 0,-25 0,25-25,0 24,0 1,0 0,0 0,0-25,0 25,0-1,0-24,0 25,0-25,0 25,0 0,0-25,0 25,0-25,0 25,25-25,0 0,-25 0,25 0,-25 0,24 0,-24 0,25 0,0 0,-25 0,25 0,-25 0,25 0,-25 0,24 0,-24-25,0 25,0-25,0 0,0 25,0-25,0 25,0-25,0 1,0 24,0-25</inkml:trace>
-  <inkml:trace contextRef="#ctx0" brushRef="#br0" timeOffset="637783.4791">5333 6176,'-24'25,"24"-25,-25 0,0 25,25 0,0-25,-25 25,25-25,-25 24,25 1,-49 0,24 0,0 24,25-49,0 0,-25 0,75 0,-25 0,0 0,49 0,-49 0,-25 0,49 25,-24-25,0 0,0 0,0 0,-25 0,24 0,-24 0,25 0,-25 0,0 0,-25-74,1-1,-1 51,25-1,0 25</inkml:trace>
+  <inkml:trace contextRef="#ctx0" brushRef="#br0" timeOffset="637783.479">5333 6176,'-24'25,"24"-25,-25 0,0 25,25 0,0-25,-25 25,25-25,-25 24,25 1,-49 0,24 0,0 24,25-49,0 0,-25 0,75 0,-25 0,0 0,49 0,-49 0,-25 0,49 25,-24-25,0 0,0 0,0 0,-25 0,24 0,-24 0,25 0,-25 0,0 0,-25-74,1-1,-1 51,25-1,0 25</inkml:trace>
   <inkml:trace contextRef="#ctx0" brushRef="#br0" timeOffset="638959.5464">6226 5755,'0'0,"0"24,0 1,0 0,0-25,-24 25,24-25,-25 25,25-25,-25 0,25 0,-25 0,25 0,-25 0,25 0,-25 25,25-1,-24-24</inkml:trace>
   <inkml:trace contextRef="#ctx0" brushRef="#br0" timeOffset="640487.6338">6896 5085,'0'0,"0"0,0 0,25 0,0 0,49 0,-49 0,24 0,-49 0,25 0,0 0,0 0,-25 0,50 0,-26 25,26-25,0 0,24 0,-49 0,0 0,24 0,-49 0,25 0,-25 0,25 0,-25 0,25 0,-1 0,-24 0,25 0,-25 0</inkml:trace>
-  <inkml:trace contextRef="#ctx0" brushRef="#br0" timeOffset="641576.6961">6995 5159,'0'25,"0"50,0-26,0 1,0 24,0-24,0 24,0-24,0-1,0 1,0 0,0 24,0-24,0-1,0 1,0-25,0 0,0 24,-25-24,25 49,0-24,0 0,0-1,0-24,0 0,0 0,0-25,0 0,0-25,0-25</inkml:trace>
+  <inkml:trace contextRef="#ctx0" brushRef="#br0" timeOffset="641576.696">6995 5159,'0'25,"0"50,0-26,0 1,0 24,0-24,0 24,0-24,0-1,0 1,0 0,0 24,0-24,0-1,0 1,0-25,0 0,0 24,-25-24,25 49,0-24,0 0,0-1,0-24,0 0,0 0,0-25,0 0,0-25,0-25</inkml:trace>
   <inkml:trace contextRef="#ctx0" brushRef="#br0" timeOffset="642375.7418">7020 5606,'0'0,"25"0,74 0,-49 0,24 0,-49 0,0 0,0 0,-1 0,-24 0,25 0,-25 0,25 0,-25 0,25 0,0 0,-25 0,24 0,1 0,25 0,-1 0,-24 0,-25 0,25 0</inkml:trace>
   <inkml:trace contextRef="#ctx0" brushRef="#br0" timeOffset="644255.8493">8310 5730,'0'0,"0"0,0 25,-25-1,25 26,-25-50,25 0,-24 0,24 25,-25-25,25 0,-25 25,25 0,0-25,-25 24,25-24,0 25,-25 0,0-25,25 0,-24 25,24-25,0 0,-25 0</inkml:trace>
   <inkml:trace contextRef="#ctx0" brushRef="#br0" timeOffset="647344.0259">7442 6325,'-50'25,"50"-25,-25 0,1 25,-1-25,0 25,0-25,25 0,0 24,-25-24,1 25,-1-25,0 25,25-25,0 0,25 0,0 0,24 0,26 0,-26 0,-49 0,50 0,-1 0,-24 0,-25 0,25 0,-25 0,0-25,-25 25,25-49,-49 24,49 0,-25 25,0-25</inkml:trace>
   <inkml:trace contextRef="#ctx0" brushRef="#br0" timeOffset="648464.09">8955 4986,'0'0,"0"49,0-24,25 25,-25-1,0-24,0 25,0-1,0 1,0 0,0 24,0 0,0 1,0-1,0-24,0 74,0-50,0-24,0 0,0-26,0 1,0-25,0-25,0-24</inkml:trace>
   <inkml:trace contextRef="#ctx0" brushRef="#br0" timeOffset="649639.1572">9004 4936,'0'0,"50"0,-50 0,50 0,-50 0,24 0,-24 0,25 0,0 0,-25 0,25 0,-25 0,25 0,-1 0,1 0,0 25,0 0,-25-25,0 25,0-25,0 24,25 1,0 25,-1-50,-24 49,25-49,-25 25,25 0,-25 0,0-25,0 25,0-25,0 49,0-49,0 0,-25 0,25 25,-49-25,-1 25,0 0,25-1,-24-24,-1 0,50 0,-25 0,1 0,24 0,-25 0,25 0,-25 0,25 0,-25 25,0-25,1 0,24 0,0 0</inkml:trace>
-  <inkml:trace contextRef="#ctx0" brushRef="#br0" timeOffset="651768.279">10021 4911,'25'25,"0"-25,0 0,-25 25,25-25,-25 0,24 0,-24 25,0 0,25-25,-25 24,0-24,0 0,0 25,0 0,0 0,0-25,0 25,0-1,0-24,0 75,0-50,0-1,0 26,0-25,0 0,0-25,0 49,0-49,0 25,0-25,0 25,0-25,0 0,0 25,0-1,0-24,-49 25,49 25,-25-25,0-1,25 1,0-25,0 25,0 0,-25-25,25 25,0-25,0 0,-25 0,1 24,24-24,-25 25,25-25,0 25,-25 0,0 0,25-25,0 0,-25 0,25 0,-49 25,49-1</inkml:trace>
+  <inkml:trace contextRef="#ctx0" brushRef="#br0" timeOffset="651768.2789">10021 4911,'25'25,"0"-25,0 0,-25 25,25-25,-25 0,24 0,-24 25,0 0,25-25,-25 24,0-24,0 0,0 25,0 0,0 0,0-25,0 25,0-1,0-24,0 75,0-50,0-1,0 26,0-25,0 0,0-25,0 49,0-49,0 25,0-25,0 25,0-25,0 0,0 25,0-1,0-24,-49 25,49 25,-25-25,0-1,25 1,0-25,0 25,0 0,-25-25,25 25,0-25,0 0,-25 0,1 24,24-24,-25 25,25-25,0 25,-25 0,0 0,25-25,0 0,-25 0,25 0,-49 25,49-1</inkml:trace>
   <inkml:trace contextRef="#ctx0" brushRef="#br0" timeOffset="655399.4867">9054 6325,'0'0,"25"25,0 25,-1-26,1 26,0-25,0 0,0-25,24-25,75-50,-49 1,-26 24,-24 1,0 24,0 25,-25-25,0 25,0-25,25 1,-25 24,0-25</inkml:trace>
-  <inkml:trace contextRef="#ctx0" brushRef="#br0" timeOffset="659383.7146">4118 4936,'0'0,"25"50,-25-1,0-49,25 25,-25 25,0-1,0-24,0 50,24-1,-24-24,0 49,0-50,0 1,0 24,0-49,0 25,0 49,25-49,-25 24,25-24,-25-25,0-1,0-24,25 0</inkml:trace>
+  <inkml:trace contextRef="#ctx0" brushRef="#br0" timeOffset="659383.7145">4118 4936,'0'0,"25"50,-25-1,0-49,25 25,-25 25,0-1,0-24,0 50,24-1,-24-24,0 49,0-50,0 1,0 24,0-49,0 25,0 49,25-49,-25 24,25-24,-25-25,0-1,0-24,25 0</inkml:trace>
   <inkml:trace contextRef="#ctx0" brushRef="#br0" timeOffset="662775.9086">4242 4862,'25'0,"0"0,-1 0,26 0,0 0,24 0,25 0,-24 0,49 0,-25 0,75 0,-26 0,51 0,-26 0,51 0,24 0,-50 0,50 0,-49 0,-1 0,0 0,-49 0,0 0,-25 0,25 0,25 0,-1 0,-49 0,50 0,-25 0,-50 0,25 0,-50 0,50 0,0 0,25 0,25 0,24 0,-74 0,50 0,-25 0,-25 0,-75 0,75 0,-99 0,0 0,25 0,-50 0,25 0,24 0,-24 0,25 0,-26 0,26 0,24 0,-24 0,-25 0,24 0,-49 0,25 0,-25 0,0 25,0-25,0 24,0 1,0-25,0 25,-25 25,1 49,-1-50,0 51,25-51,0-24,0 0,0 24,0-24,0 0,25 49,-25-49,0 0,0 25,0-1,0-49,0 25,0-25,0 25,0 24,0-24,0 0,0-25,0 25,0 0,0 0,0-25,0 24,0 1,0 0,0-25,0 50,0-26,0 1,0-25,0 25,0-25,0 0,-25 0,-25 0,26 0,-26 0,0 0,26 0,-51 0,26 0,-26 0,25 0,1 0,-1 25,1-25,-1 0,50 0,-50 0,26 0,-26 0,25 0,-24 0,24 0,0 0,-49 0,24 0,0 0,1 0,-1 0,-24 0,-25 0,49 0,0 0,-24 0,-1 0,1 0,-75 0,75 0,-1 0,-24 0,25 25,-1-25,26 0,-1 0,-24 0,24 0,-24 0,-1 0,-24 0,25 0,-26 0,1 0,-25 0,25 0,25 0,-1 0,26 0,-1 0,-24 0,-26 0,51 0,-51 0,51 0,-50 0,-1 0,-48 0,123 0,0 0,25 0,-50 24,26-24,-1 0,25 0,-25 0,-25 0,1 0,-1 0,-24 0,49 0,-50 0,26 0,24 0,-25 0,-24 0,24 0,-24 0,0 0,24 0,-24 0,24 0,-24 25,49-25,0 0,0 0,25 0,-49 0,49 0,-25 0,-25 0,1 0,-26 0,26 0,-1 0,0 0,25 0,1 0,24 0,-25 0,0 0,-25 0,50 0,-49 0,-1 0,25 0,1 0,-1 0,0 0,0 0,0 0,1 0,-26 0,50 0,-25 0,25 0,-25 0,1 0,-1 0,0 0,0 0,-24 0,49 0</inkml:trace>
   <inkml:trace contextRef="#ctx0" brushRef="#br0" timeOffset="856359.981">3324 9674,'0'0,"50"0,-1 0,-24 0,0 0,-25 0</inkml:trace>
   <inkml:trace contextRef="#ctx0" brushRef="#br0" timeOffset="859767.1759">4242 9674,'50'0,"-50"0,74 0,-49 0,49 0,-24 0,-1 0,1 0,0 0,-50 0,24 0,-24 0,25 0,-25 0,25 0,0 0,0 0,-1 0,1 0,-25 0,25 0,-25 0,0 0,0 0,-25 0,0 0,1 0,24 0,-50 0,50 0,-25 0,0 0,1 0,-1 0,0 0,0 0,0 0,1 0,24 0,-25 0,25 0,74 0,-24 0,-1 0,-24 0,25 0,-50 0,25 0,-25 0,49 0,-49 0,25 0,0 0,0 0,-25 0,0 0,-50 0,50 0,-25 0,25 0,-25 0,1 0,24 0,-25 0,0 0,0 0,25 0,-25 0,25 0,-24 0,-1 0,25 0,-25 0,25 0,-25 0,25 0,-25 0,1 0,24 0,0 0,24 0,26 0,-25 0,0 0,-1 0,1 0,0 0,-25 0,25 0,0 0,-1 0,1 0,0 0,0 0,-25 0,-25 0,0 0,0 0,1 0,-1 0,0 0,0 0,0 0,-24 0,49 0,-25 0,0 0,25 0,-25 0,-49 0,99 0,0 0,24 25,26-25,-1 0,-49 0,0 0,-1 0,-24 0,25 0,0 0,0 0,-25 0,-25 0,0 0,25 0,-74 0,-1 0,51 0,-26 0,50 0,-25 0,25 0,25 0,49 0,26 0,-51 0,-49 0,25 0,0 0,0 0,-25 0,24 0,-24 0,0 0,-24 0,-1 0,0 0,25 0,-25 0,25 0,-49 0,49 0,-25 0,0 0,25 0,0 0,25 0,-25 0,25 0,-25 0,49 0</inkml:trace>
@@ -386,19 +386,19 @@
   <inkml:trace contextRef="#ctx0" brushRef="#br0">2754 5928,'24'0,"-24"0,25 0,25 0,49 0,0 0,50 0,-25 0,0 0,0-24,-74 24,-25 0,-1 0,51 0,-26 0,-24 0,-25 0,25 0,25 0,-26 0,26 0,-25 0,0 0,0 0,24 0,26 0,-26 0,-24 0,0 0,0 0,24 0,50 0,-49 0,124 0,-150 0,51 0,24 0,50 0,-50 0,0 0,50 0,-74 0,-51 0,1 0,50 0,-1 0,-24 0,-1 0,1 0,24 0,1 0,24 0,0 24,100-24,-26 50,-24-50,0 0,-75 0,1 0,49 0,-25 0,-25 25,75 0,-50-25,50 0,-50 0,-24 0,49 0,-25 0,25 0,-49 0,-1 0,0 0,1 0,-1 0,-49 0,49 0,1 0,49 0,-25 0,0 0,-49 0,24 0,-49 0,0 0,24 0,-24 0,25 0,-25 0,49 24,-74-24,25 0,49 0,-49 0,0 0,0 0,-25 0,49 0,-49 0,0 0,25 0,-25 0,25 0,0 0,-25 0,25 0,-1 0,1 0,0 0,-25 0,25 0,0 0,-1 0,-24 0,50 0,-25 0,24 0,-24 0,50 0,-1 0,-49 0,24 0,-24 0,25 0,0 0,-1 0,1 0,24 0,-49 0,25 0,-26 0,1 0,-25 0,50 0,-25 0,-1 0,26 0,-25 0,24 0,1 0,0 0,-26 0,1 0,25 0,-50 0,49 0,-24 0,25 0,-1 0,1 0,74 0,-25 0,25 0,-24 0,-1 0,-25 0,1 0,-1 0,0 0,-74 0,75 0,24 0,25 0,0 0,-25 0,25 0,-49 0,-26 0,1 0,0 0,-26 0,51 0,-26 0,51 0,-1-24,25-1,0 25,-50-25,75 0,-74 25,-1-25,0 25,-24 0,0-24,-1-1,1 25,24 0,-49 0,49 0,-49 0,25 0,0 0,-1 0,1 0,-1 0,26 0,-1-25,1 25,-26 0,26 0,-26 0,50 0,-49 0,-25 0,0 0,-1 0,100 0,-99 0,0 0,74 0,-49 0,24 0,-24 0,-25 0,0 0,24 0,-49 0,50 0,-1 0,1 0,24 0,-24 0,49 0,0 0,-24 0,-26 0,1 0,-25 0,24 0,1 0,-25 0,0 0,49 0,-49 0,74-25,-49 0,24 25,-49-25,25 25,-1 0,26 0,-51 0,26 0,-25 0,49 0,1 0,24 0,-50 0,-49 0,50 0,25 0,-1 0,-24 0,24 0,0 0,26 0,-76 0,26 0,49 0,-49 0,-1 0,26 0,-26-24,1 24,49 0,-49 0,49 0,25 0,25 0,0 0,-75 0,1 0,-26 0,1 0,-25 0,49 0,0 0,26 0,-26 0,25 0,1 0,-1 0,25 0,-25 0,-25 0,-24 0,49 0,-74 0,49 0,1 0,-1 0,-24 0,49 0,-74 0,49 0,-24 0,-25 0,0 0,24 0,-49 0,75 0,-26 24,26-24,24 0,-25 0,50 0,-49 0,-26 0,1 0,-25 0,-1 0</inkml:trace>
   <inkml:trace contextRef="#ctx0" brushRef="#br0" timeOffset="6174.3532">3572 5879,'0'-25,"-25"25,1-25,24 0,-25 25,0-25,0 25,25 0,0-24,-25 24,25-25,-49 25,49-25,-25 25,0-25,-24 0,49 25,0 0,-25 0,25 0,-25-24,25 24,-25-25,-24-50,49 51,0-1,0 25,0-25,-25-25,25 26,-25-51,0 50,25 1,-49-26,49 0,0 26,-25-1,25 0,0-25,0 50,0-49,0 24,0 25,0-25,0 0,0 1,25-26,-25 50,24-25,-24 25,50-25,-50 25,50-49,-1-1,26 0,-26 1,1-1,24 25,-49 1,25-1,-50 25,24-25,1 25,0 0,74-25,-74 0,0 1,49 24,-49 0,0-25,24 25,-24-25,50 25,-1 0,1 0,-1-25,-49 25,0 0,24 0,-24 0,0 0,0 0,-1 0,26 0,0 0,-1 0,-24 0,0 0,24 0,26 0,-26 0,26 0,-50 0,24 0,1 0,-25 0,0 0,-1 0,26 0,-50 0,74 0,1 0,-1 0,-24 25,-25 25,49-50,-24 49,-26-49,26 50,-25-50,0 25,-1-25,26 24,-25-24,24 25,-49 0,50 0,0 0,-50-1,49 51,-49-75,25 25,25 24,-50-24,24 25,-24-25,25-1,0-24,-25 25,25 0,0 25,-25-26,25 26,-25 0,0-1,24-24,-24 0,25 24,-25-49,0 25,0 0,0-25,0 25,0-25,0 49,0-49,0 0,0 25,0-25,-25 0,25 25,-24 0,-1-25,0 0,0 25,25-25,-50 24,50 1,-24-25,24 25,-50-25,50 25,-25-25,0 25,-49-1,49 26,0-50,-24 25,24 0,0-25,25 24,-25-24,1 0,-1 0,0 0,-25 25,1-25,-26 0,51 0,-1 0,-25 0,25 0,1 0,-1 0,25 0</inkml:trace>
   <inkml:trace contextRef="#ctx0" brushRef="#br0" timeOffset="7142.4086">5681 7813,'0'0,"49"0,1 0,24 0,1 50,-26-50,1 0,-1 25,-24-25,25 0,-25 0,0 0,-25 0,24 0,-24 0</inkml:trace>
-  <inkml:trace contextRef="#ctx0" brushRef="#br0" timeOffset="8222.4703">5681 8062,'0'0,"0"0,0 0,49 0,1 0,-1 0,-24 0,-25 0,25 0,-25 0,50 0,-1 0,-49 0,50 0,-50 0,25 0,-25 0,24 0,-24 0,50 0,25 0,-26-25,-24 25,0 0</inkml:trace>
+  <inkml:trace contextRef="#ctx0" brushRef="#br0" timeOffset="8222.4702">5681 8062,'0'0,"0"0,0 0,49 0,1 0,-1 0,-24 0,-25 0,25 0,-25 0,50 0,-1 0,-49 0,50 0,-50 0,25 0,-25 0,24 0,-24 0,50 0,25 0,-26-25,-24 25,0 0</inkml:trace>
   <inkml:trace contextRef="#ctx0" brushRef="#br0" timeOffset="17069.9764">1737 10195,'0'0,"49"0,-49 0,50 0,-50 0,25 0,49 0,-24 0,-1 0,-24 0,-25 0,25 0,25 0,-1 0,1 0,-1 0,26 0,-1 0,-49 0,0 0,0 0,-1 0,1 0,25 0,-50 0,25 0,24 0,-49 0,50 0,-1 0,1 0,-25 0,24 0,1 0,0 0,-1 0,1 0,-25 0,49 0,-49 0,49 0,-49 0,25 0,-1 0,-24 0,25 0,-1 0,26 0,-50 0,-1 0,26 0,0 0,24 0,25 25,75-25,-124 0,-26 0,26 0,24 0,-24 0,0 0,24 0,-24 0,74 0,-75 0,26 0,-26 0,1 0,-1 0,26 0,-1 0,1 0,-26 0,26-25,-1 0,1 0,-1 25,0 0,-24 0,24-25,1 25,-1 0,1 0,24 0,-25 0,50 0,-49 0,24 0,-25 0,1 0,24 0,0 0,50 0,-25 0,25 0,25 0,24 0,-74 0,25 0,0 0,-25 0,-50 0,25 0,-24 0,24 0,50 0,-50 0,75 0,-26 25,1-25,-25 0,-49 0,24 0,-25 25,1-25,24 0,0 0,0 0,-24 0,49 0,-50 0,1 0,-26 0,26 0,-26 0,1 0,-25 0,24 25,26-25,-26 25,51-25,-1 0,-25 0,50 0,-49 0,-1 0,-24 0,-26 0,1 0,25 0,-50 0,50-25,-1 25,1 0,24 0,-24 0,-1 0,26 0,-26 0,-49 0,25 0,0 0,-25 0,25 0,0 0,-1 0,26 0,-25 0,0-25,-1 25,-24 0,25 0,0 0,0 0,0 0,-1 0,26 0,-25 0,0 0,24 0,-49 0,25 0,0 0,0 0,-25 0,24 0,1 0,0 0,-25 0,25 0,-25 0,25 0,24 0,-49 0,50 0,-50 0,25 0,-25 0</inkml:trace>
-  <inkml:trace contextRef="#ctx0" brushRef="#br0" timeOffset="46510.6603">12899 9376,'0'0,"0"0,0 0,25 0,-1 0,1 0,0 75,0-1,24 25,1-24,-50-26,25 1,0-1,-25-49,0 25,0-25,0 25,24-25,1 25,-25 0,0-25,0 0,0-50,25 0,0 1,0-1,-1 25,76-74,24 25,-25-1,25 1,-50 0,50 24,0 0,-49 1,24-26,-25 26,1 24,-1-50,1 51,-26-1,-49 25</inkml:trace>
+  <inkml:trace contextRef="#ctx0" brushRef="#br0" timeOffset="46510.6602">12899 9376,'0'0,"0"0,0 0,25 0,-1 0,1 0,0 75,0-1,24 25,1-24,-50-26,25 1,0-1,-25-49,0 25,0-25,0 25,24-25,1 25,-25 0,0-25,0 0,0-50,25 0,0 1,0-1,-1 25,76-74,24 25,-25-1,25 1,-50 0,50 24,0 0,-49 1,24-26,-25 26,1 24,-1-50,1 51,-26-1,-49 25</inkml:trace>
   <inkml:trace contextRef="#ctx0" brushRef="#br0" timeOffset="49494.831">2754 10492,'0'0,"0"25,-25 0,0 25,25-50,0 24,0 1,0 25,0-1,0 1,0 0,0-1,0 26,0-75,0 24,0 1,0 0,0 0,0 24,0-49,0 50,0-25,0-25,0 50,0-26,25 1,-25 0,25 0,-25 24,0-24,24-25,-24 25,0 0</inkml:trace>
-  <inkml:trace contextRef="#ctx0" brushRef="#br0" timeOffset="50550.8914">2406 11261,'0'0,"25"50,0 0,25-26,-50 1,24-25,-24 25,0-25,25 0,-25 25,25 0,0-25,-25 0,25 24,-25-24,24 0,-24 25,0-25,25 25,0-25,-25 25,25-25,-25 0,25 0,-1 0,-24 0,25 25,-25-25,25 49,0-49,-25 0,25 0,-1-49,51-51,49 26,-74 74,-26-25,-24 25</inkml:trace>
+  <inkml:trace contextRef="#ctx0" brushRef="#br0" timeOffset="50550.8913">2406 11261,'0'0,"25"50,0 0,25-26,-50 1,24-25,-24 25,0-25,25 0,-25 25,25 0,0-25,-25 0,25 24,-25-24,24 0,-24 25,0-25,25 25,0-25,-25 25,25-25,-25 0,25 0,-1 0,-24 0,25 25,-25-25,25 49,0-49,-25 0,25 0,-1-49,51-51,49 26,-74 74,-26-25,-24 25</inkml:trace>
   <inkml:trace contextRef="#ctx0" brushRef="#br0" timeOffset="55142.154">2927 12799,'0'0,"0"0,25 0,25 0,-25 0,-1 0,-24 0,25 0,0 0,-25 0,25 0,0 0,-1 0,-24 0,25 0,0 0,0 0,24 0,-24 0,0 0,0 0,0 0,-1 0,1 0,0 0,0 0,0 0,-1 0,26 0,-25 0,24 0,-24 0,25-25,24 25,-24 0,-1-24,26 24,-50 0,0 0,-1 0,26 0,-50 0,50 0,-50 0,49 0,-24 0,25 0,-26 0,1 0,25 0,-25 0,-1 0,1 0,-25 0,50 0,-25 0,-1 0,1 0,-25 0,25 0,0 0,-25 0,25 0,-25 0,24 0,1 0,0 0,0 0,0 0,24 0,-24 0,-25 0,50 0,-26 0,1 0,-25 0,25 0,0 0,0 0,24 0,-24 0,-25 0,25 0,0 0,-25 0,25 0,-25 0,24 0,1 0,-25 0,0 0,25 0,-25 0,25 0,-25 0,0 0</inkml:trace>
-  <inkml:trace contextRef="#ctx0" brushRef="#br0" timeOffset="68190.9003">8136 12576,'0'0,"25"0,-50 0,-24 0,-26 0,26 0,24 0,-25 0,50 0,-25 0,25 0,-24 0,24 0,49 0,1 25,-25-25,74 25,-50-1,-24-24,0 0,-50 0,0 0,1 0,-26 0,25 0,-24 0,-1 0,50 0,-25 0,25 0,25 0,25 0,24 0,-49 0,0 0,24 0,1 0,-25 0,0 0,-1 0,1 0</inkml:trace>
-  <inkml:trace contextRef="#ctx0" brushRef="#br0" timeOffset="70758.0472">7268 12725,'0'0,"25"0,49 0,-24 0,-25 0,0 0,-1 0,26 0,-50 0,50 0,-50 0,24 0,1 0,0 0,0 0,0 0,24 0,1 0,-25 0,-1 0,26 0,0 0,-50 0,49 0,-24 0,0 0,24 0,1 0,-50 0,50 0,-50 0,25 0,-1 0,1 0,0 0,-25 0,50 0,-50 0,49 0,-24 0,49 0,-49 0,0 0,49 0,-24 0,-25 0,0 0,-1 0,1 0,0 0,49 0,-49 0,0 0,25 0,-26 0,-24 0,50 0,0 0,-26 0,1 0,25 0,-50 0,25 0,-25 0,24 0,1 0,-25 0,25 0,-25 0,25 0,-25 0,50 0,-50 0,49 0,-49 0,25 0,-25 0,25 0,24 0,-24 0,0 0,-25 0,25 0,-25 0,74 0,-49 0,-25 0,25 25,0-25,-25 0</inkml:trace>
+  <inkml:trace contextRef="#ctx0" brushRef="#br0" timeOffset="68190.9002">8136 12576,'0'0,"25"0,-50 0,-24 0,-26 0,26 0,24 0,-25 0,50 0,-25 0,25 0,-24 0,24 0,49 0,1 25,-25-25,74 25,-50-1,-24-24,0 0,-50 0,0 0,1 0,-26 0,25 0,-24 0,-1 0,50 0,-25 0,25 0,25 0,25 0,24 0,-49 0,0 0,24 0,1 0,-25 0,0 0,-1 0,1 0</inkml:trace>
+  <inkml:trace contextRef="#ctx0" brushRef="#br0" timeOffset="70758.0471">7268 12725,'0'0,"25"0,49 0,-24 0,-25 0,0 0,-1 0,26 0,-50 0,50 0,-50 0,24 0,1 0,0 0,0 0,0 0,24 0,1 0,-25 0,-1 0,26 0,0 0,-50 0,49 0,-24 0,0 0,24 0,1 0,-50 0,50 0,-50 0,25 0,-1 0,1 0,0 0,-25 0,50 0,-50 0,49 0,-24 0,49 0,-49 0,0 0,49 0,-24 0,-25 0,0 0,-1 0,1 0,0 0,49 0,-49 0,0 0,25 0,-26 0,-24 0,50 0,0 0,-26 0,1 0,25 0,-50 0,25 0,-25 0,24 0,1 0,-25 0,25 0,-25 0,25 0,-25 0,50 0,-50 0,49 0,-49 0,25 0,-25 0,25 0,24 0,-24 0,0 0,-25 0,25 0,-25 0,74 0,-49 0,-25 0,25 25,0-25,-25 0</inkml:trace>
   <inkml:trace contextRef="#ctx0" brushRef="#br0" timeOffset="72414.1419">8608 13097,'0'0,"0"0,24 0,1 0,-25 0,25 74,0-24,0 0,24-1,-49 1,50-1,-50-24,0 25,25-50,-25 25,0-50,49-74,-49 74,50-25,-25 1,24 49,-49-25,50 0,-25 25,-1 0,1 0,-25 0,25 0,25-25,-26 0,76-49,-51 24,-24 50,0-25,0 25</inkml:trace>
   <inkml:trace contextRef="#ctx0" brushRef="#br0" timeOffset="76825.3942">8260 11881,'0'-49,"0"24,0-25,0 26,0-26,0 50,0-50,0 26,25-1,-25 0,0 0,0 0,0 25,0-24,25 24,-25-50,25 25,-25 0,49-49,-24 49,0 0,-25 1,25-1,-25 25,74-50,-24 0,-1 26,1-26,24 25,-24-24,0-1,-26 25,1 0,25 1,-25-1,24 0,1 0,-1-24,-24 49,50-25,-75 25,49-25,-24 25,0 0,0 0,24 0,-24 0,25 0,-1 0,26 0,-26 0,1 0,0 0,-1 0,26 0,-51 0,1 0,25 0,-1 0,-49 0,25 0,25 0,-1 0,-24 0,50 0,-26 25,-24-25,25 0,24 0,1 25,-51-25,1 0,25 0,-25 24,-1 1,1-25,0 0,0 0,0 0,-1 0,1 0,0 0,-25 0,25 0,0 25,-1-25,1 0,-25 25,50 0,-25-25,-1 0,1 24,0 1,0-25,0 25,-1 0,-24-25,25 0,0 0,0 25,-25-25,25 0,-1 0,-24 0,25 24,-25 1,0 0,0 0,25 0,-25-1,25 1,-25 50,0-50,0-1,0-24</inkml:trace>
-  <inkml:trace contextRef="#ctx0" brushRef="#br0" timeOffset="77990.4608">11138 11237,'24'0,"-24"0,0 0,25 0,-25 0,25 0,0 0,-25 0,0 24,25-24,-25 0,0 25,24-25,-24 0,0 0,25 25,0-25,-25 0,25 25,-25-25,25 0,0 0,-1 0,-24 0,25 0,0-25,-25 0,25 25,0 0,-1-25,-24 25,25 0,0-24,-25-1,25 25,-25 0</inkml:trace>
+  <inkml:trace contextRef="#ctx0" brushRef="#br0" timeOffset="77990.4607">11138 11237,'24'0,"-24"0,0 0,25 0,-25 0,25 0,0 0,-25 0,0 24,25-24,-25 0,0 25,24-25,-24 0,0 0,25 25,0-25,-25 0,25 25,-25-25,25 0,0 0,-1 0,-24 0,25 0,0-25,-25 0,25 25,0 0,-1-25,-24 25,25 0,0-24,-25-1,25 25,-25 0</inkml:trace>
   <inkml:trace contextRef="#ctx0" brushRef="#br0" timeOffset="80146.5842">11162 13196,'0'0,"124"0,25 0,0 0,0 0,25 0,-75 0,-25 0,-24 0,-25 0,-1 0,-24 0,25 0,0 0,0 0,0 0,24 0,1 0,-25 0,-1 0,1 0,0 25,0-25,0 0,-25 0</inkml:trace>
-  <inkml:trace contextRef="#ctx0" brushRef="#br0" timeOffset="86422.9431">12452 11733,'0'0,"0"-25,0 0,0 0,0 0,0 1,25-1,-25-25,25 25,0 1,-25-26,25 50,-1-50,-24 50,25 0,0-49,0-1,24 25,-24-49,25 24,-1-24,1-1,24 26,-24-1,0 1,-50 24,49 25,-49-25,25 25,0 0,0-25,24-24,-49 49,50 0,-1-25,-49 25,50 0,0 0,-1 0,-24 0,50 0,-75 0,24 0,1 0,0 0,-25 0,25 0,49 25,-49 24,0-24,0 25,-1-26,1 1,-25-25,0 25,0-25,25 50,-25-50,0 24,0-24,25 0,-25 25,25 0,-25 0,0-25,0 25,24-1,1 26,-25-25,0 0,0-25,25 25,-25-1,0 1,25-25,-25 25,0-25</inkml:trace>
+  <inkml:trace contextRef="#ctx0" brushRef="#br0" timeOffset="86422.943">12452 11733,'0'0,"0"-25,0 0,0 0,0 0,0 1,25-1,-25-25,25 25,0 1,-25-26,25 50,-1-50,-24 50,25 0,0-49,0-1,24 25,-24-49,25 24,-1-24,1-1,24 26,-24-1,0 1,-50 24,49 25,-49-25,25 25,0 0,0-25,24-24,-49 49,50 0,-1-25,-49 25,50 0,0 0,-1 0,-24 0,50 0,-75 0,24 0,1 0,0 0,-25 0,25 0,49 25,-49 24,0-24,0 25,-1-26,1 1,-25-25,0 25,0-25,25 50,-25-50,0 24,0-24,25 0,-25 25,25 0,-25 0,0-25,0 25,24-1,1 26,-25-25,0 0,0-25,25 25,-25-1,0 1,25-25,-25 25,0-25</inkml:trace>
   <inkml:trace contextRef="#ctx0" brushRef="#br0" timeOffset="87341.9957">13841 11237,'0'0,"25"0,0 0,-25 0,25 0,-25 24,0-24,25 0,-25 25,24-25,1 25,-25-25,25 25,0-25,-25 25,0-1,25 1,-25 0,0-25,0 0,0-25,24 25,-24-49,0 49,25-25,0 25,-25-25,25 0,0 25,-25-25,0 25,24 0,-24-49,25 49,0-50,-25 25,0 0,0 1,25 24</inkml:trace>
   <inkml:trace contextRef="#ctx0" brushRef="#br0" timeOffset="88767.0772">14213 10269,'0'0,"25"0,-25 0,25 0,-25 0,25 25,-25-25,25 25,-1 0,-24-1,0-24,0 25,0 25,0-25,0-1,0 26,0-50,-24 0,-1 0,0 25,0-25,25 0,50 0,-50 0,25 0,-25 0,24 0,1 0,0 25,0-25,0 0,-25 24,0-24,0 25,0 0,0-25,0 25,0-25,0 25,0-1,0 1,0-25,-25 25,25 0,0-25,0 0,-50 25,50-25,-25 24,25 1,0-25,-49 0,24 0,0 0,0 0</inkml:trace>
   <inkml:trace contextRef="#ctx0" brushRef="#br0" timeOffset="90460.1741">9426 13370</inkml:trace>
@@ -410,21 +410,21 @@
   <inkml:trace contextRef="#ctx0" brushRef="#br0" timeOffset="139302.9677">12800 13990,'49'0,"75"0,25 0,25 0,-100 0,0 0,26 0,-51 0,1 0,-25 0,24 0,1-25,-25 25,0 0,-25 0,49 0,-24 0,25 0,-26 0,76 0,-51 0,1 0,-25 0,24 0,26 0,-26 0,-24 0,25 0,-1 0,1 0,0 0,24 0,-24 0,-1 0,1 0,-50 0,99 0,-25 0,-24 0,49 0,-49 0,49 0,25 0,-50 0,-24 0,0 0,-1 0,26 0,-26 0,-24 0,0 0,49 0,1 0,-1 0,-24 0,-1 0,1 0,0 0,-1 0,1 0,-25 0,-25 0,24 0,26 0,24 0,26 0,-51 0,51 0,-26 0,-49 0,49 0,1 0,24 0,25-25,-50 25,1-25,73 1,-98 24,-25 0,0 0,-1 0,1 0,0 0,-25 0,25 0</inkml:trace>
   <inkml:trace contextRef="#ctx0" brushRef="#br0" timeOffset="149086.5273">14561 12626,'-25'0,"0"-25,0 0,25 25,0-25,0 0,-25 1,25-1,0 25,0-25,0-25,0 50,0-24,0 24,0-50,0 25,0 0,0 1,0 24,0-25,0 0,0 25,0-25,0 0,0 0,0 25,0-24,0 24,0-25,0 25,0-25,0 0,0 25,0-25,0 25,0-24,0-1,0 25,0-25,0 25,0-25,0 25,0 0,0-25,25 1,-25 24,25 0,0-50,-25 50,50-25,-26-24,1 49,0-25,0 0,-25 25,25-25,-25 0,24 25,26 0,-50 0,50 0,24 0,-74 0,25 0,0 0,-1 0,26 0,24 0,-24 0,-25 0,24 0,1 0,-50 0,50 25,-50-25,24 25,1-25,0 0,25 25,-26 0,26-25,-25 0,0 0,-1 24,26 1,-25 0,25-25,-26 25,1-25,-25 0,25 25,-25-1,0-24,25 0,0 25,-25-25,24 0,1 50,0-50,-25 25,0-25,0 24,0 1,0 0,25 0,-25 0,0-1,0 1,0 0,0 0,0 25,0-50,0 24,0-24,0 25,0-25,-25 25,25 0,-25-25,0 25,25-25,-24 0,24 24,0 1,-25-25,25 25,-25-25,0 0,0 25,1 0,-1 24,0-49,-25 0,25 25,-24 0,24 0,0-25,-24 49,-1-49,25 25,-24 0,-1 0,25-25,-24 0,24 0,0 0,0 0,0 0,-24 0,24 0,-25 24,-24-24,24 0,-24 25,49-25,0 0,-24 0,24 0,0 0,0-25,25 25,-24 0,-1-24,25 24,0-25,-25 25,25-25,0 0,0 0,0 25</inkml:trace>
   <inkml:trace contextRef="#ctx0" brushRef="#br0" timeOffset="150934.633">16024 11435,'0'25,"0"0,0-1,0 26,0-50,0 25,0-25,0 25,0-1,0-24,0 25,0-25,0 0,0 25,0-25,0 25,25-25,-25 25,0-25,25 0,0 0,-25 0,24 0,-24 0,25 0,0 0,-25 0,25 0,-25-25,0 25,25 0,-25-25,0 25,24-25,-24 25,0-25,0 1,0 24,0-25,0 25,0-50,-24 25,-1 1,25 24,-25 0,25-25,-25 25,25 0,-25 0,1 0,24 0,-25 0,25 0,-25 0,0 0,25 0,0 0</inkml:trace>
-  <inkml:trace contextRef="#ctx0" brushRef="#br0" timeOffset="154214.8206">16471 12254,'0'0,"24"0,1 0,25 0,-25 0,-1 0,76 0,-51 0,-49 0,0 0,0 0</inkml:trace>
+  <inkml:trace contextRef="#ctx0" brushRef="#br0" timeOffset="154214.8205">16471 12254,'0'0,"24"0,1 0,25 0,-25 0,-1 0,76 0,-51 0,-49 0,0 0,0 0</inkml:trace>
   <inkml:trace contextRef="#ctx0" brushRef="#br0" timeOffset="154774.8527">16421 12477,'0'0,"0"0,74 0,-24 0,0 0,24 0,-49 0,0 0,-25 0,25 0</inkml:trace>
   <inkml:trace contextRef="#ctx0" brushRef="#br0" timeOffset="155877.9157">17016 12353,'0'0,"0"0,0 0,0 25,0-1,0-24,0 25,0-25,0 50,0-50,25 25,-25-25,25 0,0 0,-25 0,25 0,-25 0,0 0,24 0,-24 0,25 0,0 0,-25-25,0 0,25 25,-25-25,0 25,25-49,-25 49,0-25,0 25,0-25,0 0,0 25,0-25,-25 25,25-24,0-1,-25 25,0 0,25 0,-25 0,25 0,-24 0,24 0,-25 0,0 0,0 0,0 0,1 0,-26 0,50 0</inkml:trace>
-  <inkml:trace contextRef="#ctx0" brushRef="#br0" timeOffset="156710.9634">9525 12601,'25'0</inkml:trace>
-  <inkml:trace contextRef="#ctx0" brushRef="#br0" timeOffset="157431.0046">17264 12427</inkml:trace>
-  <inkml:trace contextRef="#ctx0" brushRef="#br0" timeOffset="160838.1995">19646 10740,'0'0,"0"50,0 0,0-26,0 1,0 0,0-25,0 25,0-25,0 25,0-25,0 24,0 1,0-25,0 25,0-25,0 50,0-50,0 24,0 1,0 0,0-25,0 25,0-25</inkml:trace>
+  <inkml:trace contextRef="#ctx0" brushRef="#br0" timeOffset="156710.9633">9525 12601,'25'0</inkml:trace>
+  <inkml:trace contextRef="#ctx0" brushRef="#br0" timeOffset="157431.0045">17264 12427</inkml:trace>
+  <inkml:trace contextRef="#ctx0" brushRef="#br0" timeOffset="160838.1994">19646 10740,'0'0,"0"50,0 0,0-26,0 1,0 0,0-25,0 25,0-25,0 25,0-25,0 24,0 1,0-25,0 25,0-25,0 50,0-50,0 24,0 1,0 0,0-25,0 25,0-25</inkml:trace>
   <inkml:trace contextRef="#ctx0" brushRef="#br0" timeOffset="162206.2777">18505 9773,'-25'0,"0"0,25 25,0-25,0 49,0-24,0-25,0 50,0-50,74 99,-74-74,25-25,0 0,0 0,0 0,-1 0,26 0,-50 0,25-25,-25 25,25 0,-25-25,24 25,-24-49,25 24,-25 0,0 0,0 25,0-49,0 49,0-25,-25 25,25-25,-24 0,-1 25,25-25,-25 25,25-24,-25-1,-24 25,24 0,0-50,25 50,-25 0,25 0,0 0,0 0</inkml:trace>
   <inkml:trace contextRef="#ctx0" brushRef="#br0" timeOffset="163078.3276">21432 9699,'0'0,"24"74,-24-24,0-1,25 1,-25-1,0 1,0 0,0-25,0-1,0 1,0 25,0-50,0 0</inkml:trace>
-  <inkml:trace contextRef="#ctx0" brushRef="#br0" timeOffset="164126.3875">18108 9376,'0'0,"49"0,1 0,0 0,-50 0</inkml:trace>
+  <inkml:trace contextRef="#ctx0" brushRef="#br0" timeOffset="164126.3874">18108 9376,'0'0,"49"0,1 0,0 0,-50 0</inkml:trace>
   <inkml:trace contextRef="#ctx0" brushRef="#br0" timeOffset="164838.4283">18157 9376,'0'0,"-24"25,24 0,0 0,0-1,-25 1,0 0,25-25,0 50,0-50,0 24,0 26,0-25,0 0,0 24,0-24,0 25,0-26,0 1,0 0,0-25,0 25,0 0,25-25,-25 0,25 24,-25-24,49 25,-49-25,50 0,-50 0,25 0</inkml:trace>
-  <inkml:trace contextRef="#ctx0" brushRef="#br0" timeOffset="166030.4964">21754 9575,'74'0,"-49"0,0 0,25 0,-50 0,24 0,1 0,0 0,-25 24,0 26,0-25,0 99,25-50,-25-24,0 49,0-49,0 24,0-24,0-25,25 49,0-74,-25 0,-25 25,25-25,-25 0,25 25,-25-25,0 24,-24-24,24 0,0 0,0 0,-24 0,49 0</inkml:trace>
+  <inkml:trace contextRef="#ctx0" brushRef="#br0" timeOffset="166030.4963">21754 9575,'74'0,"-49"0,0 0,25 0,-50 0,24 0,1 0,0 0,-25 24,0 26,0-25,0 99,25-50,-25-24,0 49,0-49,0 24,0-24,0-25,25 49,0-74,-25 0,-25 25,25-25,-25 0,25 25,-25-25,0 24,-24-24,24 0,0 0,0 0,-24 0,49 0</inkml:trace>
   <inkml:trace contextRef="#ctx0" brushRef="#br0" timeOffset="166710.5353">20291 10071,'0'0,"0"0,0 0,-25 25,-25 24</inkml:trace>
   <inkml:trace contextRef="#ctx0" brushRef="#br0" timeOffset="169766.7101">20216 12328,'0'0,"-49"0,24 0,0 0,-25 0,26 25,-26 24,25 1,0 0,1-1,24 1,0-25,0 24,24-49,-24 0,50 0,-25 0,0 0,24 0,-24 0,0-25,24 25,-49-24,50 24,-50 0,0-25,0 25,0 25,0-1,0 1,-25-25,25 50,-25-50,1 25,24 24,0-49,-25 50,25-50,0 49,0-49,0 25,0-25,0 25,0-25,74-25,1 0,-1-24,-24 24,24 25,-49-25</inkml:trace>
-  <inkml:trace contextRef="#ctx0" brushRef="#br0" timeOffset="172246.852">20861 12452,'25'25,"0"-25,49 0,-24 0,-25 0,-1 0,-24 0,25 0,-25 0,25 25,0-25,0 24,-25-24,0 25,0 0,0 0,-25 0,0 24,0 1,-24-25,24-1,0 1,0 25,0-50</inkml:trace>
-  <inkml:trace contextRef="#ctx0" brushRef="#br0" timeOffset="173070.8991">21630 12601,'0'0,"0"0,0 25,0 24,0-24,25 25,0-26,-25 1,24 0,1-25,-25 0,25 0,0 0,0 0,-1-25,26 0,24-24,-74-1,25 50,0 0,-25-25,0 1,0 24,-50-50,50 50,-49 0,49 0,-25-25,0 25,0-25,1 25,24 0,-25 0,0 0,25 0,-25 0,25 0,-25 25,1-25,24 0,0 0,-25 25</inkml:trace>
+  <inkml:trace contextRef="#ctx0" brushRef="#br0" timeOffset="172246.8519">20861 12452,'25'25,"0"-25,49 0,-24 0,-25 0,-1 0,-24 0,25 0,-25 0,25 25,0-25,0 24,-25-24,0 25,0 0,0 0,-25 0,0 24,0 1,-24-25,24-1,0 1,0 25,0-50</inkml:trace>
+  <inkml:trace contextRef="#ctx0" brushRef="#br0" timeOffset="173070.899">21630 12601,'0'0,"0"0,0 25,0 24,0-24,25 25,0-26,-25 1,24 0,1-25,-25 0,25 0,0 0,0 0,-1-25,26 0,24-24,-74-1,25 50,0 0,-25-25,0 1,0 24,-50-50,50 50,-49 0,49 0,-25-25,0 25,0-25,1 25,24 0,-25 0,0 0,25 0,-25 0,25 0,-25 25,1-25,24 0,0 0,-25 25</inkml:trace>
   <inkml:trace contextRef="#ctx0" brushRef="#br0" timeOffset="176799.1124">16570 12502,'0'-25,"99"25,75 0,-1 0,-73 0,-26 0,-49 0,0 0,-25 0,24 0,-24 0,50 0,74 0,-50-25,-24 25,0 0,-26 0,26 0,-50 0,50 0,-25 0,-1 0,1 0,-25 0,0 0,0 0</inkml:trace>
   <inkml:trace contextRef="#ctx0" brushRef="#br0" timeOffset="177343.1435">17686 12229,'50'0,"-25"0,24 0,-49 0,50 25,-50-25,0 24,0-24,0 25,0 0,0 0,0-25,0 49,-25-49,25 25,-25 0,25-25,-25 0,1 25,24-25,-25 49,0-49,25 50,-25-50,25 25,0-25</inkml:trace>
   <inkml:trace contextRef="#ctx0" brushRef="#br0" timeOffset="178422.2052">18257 12328,'0'0,"-25"-25,25 25,-25 0,25-25,-25 25,0 0,1 0,-1 25,25-25,-25 0,25 25,0 0,0 0,0 24,0-24,25 0,-25 0,25-1,-1-24,1 0,0 25,-25-25,25 0,-25 0,25 0,-1-49,26-1,0 25,-26-24,1 24,0 25,0-25,0-25,-1 26,1 24,0-50,25 25,-1-25,-49 50,50-24,-1-1,-49 25,25 0,0 0,-25 0,25 25,-25-1,25-24,0 50,-25-25,0 0,0 0,0 24,0-24,0 0,0 0,0-1,0 1,0 0,0-25,0 25,-25 24,0-24,-25 25,50-25,-25-1,25-24,-24 0,-1 0,25 0,-50-24,25-1,-24-25,-1-24,25 49,-24-25,24 26,0-1</inkml:trace>
@@ -459,15 +459,15 @@
   <inkml:trace contextRef="#ctx0" brushRef="#br0" timeOffset="377710.6038">15305 6921,'0'0,"0"24,0 26,0 0,0-1,0-24,0 25,0-1,0 1,0-25,0-25,0 24,0-24,0 0</inkml:trace>
   <inkml:trace contextRef="#ctx0" brushRef="#br0" timeOffset="377990.6199">15727 7045,'24'0</inkml:trace>
   <inkml:trace contextRef="#ctx0" brushRef="#br0" timeOffset="378190.6313">16099 7045</inkml:trace>
-  <inkml:trace contextRef="#ctx0" brushRef="#br0" timeOffset="378374.6418">16421 7045,'0'0,"25"0,0 0</inkml:trace>
-  <inkml:trace contextRef="#ctx0" brushRef="#br0" timeOffset="378878.6707">17364 7045,'24'0,"-24"0,50 0,24 0,-24 0,24 0,-24 0,0 0,-1 0,1 0,-25 0,0 0,24 0,-49 0,50 0,-1 0,-49 0,25 0,-25 0</inkml:trace>
+  <inkml:trace contextRef="#ctx0" brushRef="#br0" timeOffset="378374.6417">16421 7045,'0'0,"25"0,0 0</inkml:trace>
+  <inkml:trace contextRef="#ctx0" brushRef="#br0" timeOffset="378878.6706">17364 7045,'24'0,"-24"0,50 0,24 0,-24 0,24 0,-24 0,0 0,-1 0,1 0,-25 0,0 0,24 0,-49 0,50 0,-1 0,-49 0,25 0,-25 0</inkml:trace>
   <inkml:trace contextRef="#ctx0" brushRef="#br0" timeOffset="379318.6958">17984 6896,'-25'0,"25"25,0-1,0 1,0 0,0 0,0 24,0-24,0 25,0-25,0 24</inkml:trace>
   <inkml:trace contextRef="#ctx0" brushRef="#br0" timeOffset="380270.7503">18207 7045,'0'24,"0"-24,0 25,0 0,0 0,0 0,0-25,25 24,0 1,-25 0,24-25,-24 50,25-50,0 0,-25-25,0 0,0 25,0-25,25 25,-25-25,25 1,-25 24,0 0,0-25,0 25,0-50,0 25,0 25,0-24,0-1,-25 25,25 0,-25 0,25 0,-25 0,0 0,25 0,-24 0,24 0,-25 0</inkml:trace>
   <inkml:trace contextRef="#ctx0" brushRef="#br0" timeOffset="380854.7837">18902 7020,'0'0,"74"0,-24 0,24 0,-49 0,0 0,24 0,-49 0,0 0,-25 0</inkml:trace>
-  <inkml:trace contextRef="#ctx0" brushRef="#br0" timeOffset="381470.8189">18902 7193,'0'0,"24"25,26-25,-25 0,0 0,-25 0,24 0,1 0,-25 0,25 0,0 0,0 0,-25 0,0 0</inkml:trace>
-  <inkml:trace contextRef="#ctx0" brushRef="#br0" timeOffset="382288.8657">19919 6772,'0'0,"0"0,0 49,0-49,0 50,0-25,0 49,0-49,0 0,0 24,0 26,0-26,0 1,0-25,24 49,1-24,-25-25,0-1,0 1,0 0,0-25,0 25,0-25</inkml:trace>
+  <inkml:trace contextRef="#ctx0" brushRef="#br0" timeOffset="381470.8188">18902 7193,'0'0,"24"25,26-25,-25 0,0 0,-25 0,24 0,1 0,-25 0,25 0,0 0,0 0,-25 0,0 0</inkml:trace>
+  <inkml:trace contextRef="#ctx0" brushRef="#br0" timeOffset="382288.8656">19919 6772,'0'0,"0"0,0 49,0-49,0 50,0-25,0 49,0-49,0 0,0 24,0 26,0-26,0 1,0-25,24 49,1-24,-25-25,0-1,0 1,0 0,0-25,0 25,0-25</inkml:trace>
   <inkml:trace contextRef="#ctx0" brushRef="#br0" timeOffset="599990.3175">7640 5680,'-25'0,"1"-25,-1 25,-50-49,26 49,-26 0,1 0,49-25,-24 0,49 25,-25-25,0 1,25-26,-25 0,0 26,25-1,0 0,0 25,0-25,-25 0,25 25,0-24,-24-1,24-50,0 75,0-24,0-1,0 0,0 25,0-25,0 0,0 1,0-26,24 0,-24 26,25-1,-25 0,25 0,0 25,-25 0,25-25,-25 25,25 0,-25-25,24 1,1 24,-25 0,25 0,0 0,0 0,-1 0,1-25,50 25,-1-50,25 1,-49 24,24 0,-49 25,0 0,0-25,-1 25,-24 0,25 0,0 0,49 0,1 0,-26 0,26 0,-1 0,-49 0,50 0,-1 0,-49 0,0 0,-1 0,-24 0,25 0,0 0,-25 25,25 0,0 0,24-1,-49 1,50 0,-50 0,25-25,-25 0,24 25,-24-25,0 24,25-24,0 25,0 0,-25-25,25 50,-25-25,24 24,1 26,-25-51,0 1,0 50,25-51,-25 1,0 50,0-1,0-24,0-50,0 49,0-49,-25 25,0-25,1 50,-26-26,25 1,-24-25,24 25,-25-25,25 0,-24 0,24 0,-25-25,1 25,-26 0,26 0,-26 0,1 0,-1-25,26 25,-1 0,25-24,1 24,-1-25,0 25,0 0,0 0,1 0,24 0,-25 0,25 0,-25 0</inkml:trace>
-  <inkml:trace contextRef="#ctx0" brushRef="#br0" timeOffset="629919.0293">8980 18281,'49'0,"-49"0,50 0,-25 0,-1 0,26 0,24 0,1 0,-1 0,26 0,24 0,24 0,26 0,-75 0,-24 0,-26 0,26 0,-51 0,26 0,-25 0,49 0,-24 0,0 0,-1 0,-24 0,49 0,26 0,-51 0,1 0,24 0,25 0,50 25,0 0,-74-25,73 24,-48-24,-26 0,25 0,-24 25,-75 0,49-25,-49 0</inkml:trace>
+  <inkml:trace contextRef="#ctx0" brushRef="#br0" timeOffset="629919.0292">8980 18281,'49'0,"-49"0,50 0,-25 0,-1 0,26 0,24 0,1 0,-1 0,26 0,24 0,24 0,26 0,-75 0,-24 0,-26 0,26 0,-51 0,26 0,-25 0,49 0,-24 0,0 0,-1 0,-24 0,49 0,26 0,-51 0,1 0,24 0,25 0,50 25,0 0,-74-25,73 24,-48-24,-26 0,25 0,-24 25,-75 0,49-25,-49 0</inkml:trace>
 </inkml:ink>
 </file>
 
@@ -495,15 +495,15 @@
   </inkml:definitions>
   <inkml:trace contextRef="#ctx0" brushRef="#br0">2803 7962,'0'-25,"0"-49,0 49,0 0,0 1,0-26,-25 0,25-24,0 0,0-1,0 1,0 24,0 1,0-1,0 25,0 0,0 1,0-51,25-24,0 49,0-49,24 0,-49 74,0-25,25 26,-25 24,0-25,25 0,-25-25,25 50,-25-24,0 24,25-25,0 25,49-50,0 25,-24 1,0 24,-26 0,51 0,-26 0,1 0,0 0,-1 0,26 0,73 0,-73-25,-1 0,1 0,24 25,25 0,-74 0,49 0,25 0,0 0,25-49,-50 49,0 0,0 0,-24 0,24 0,-25 0,26 0,-26 0,0 0,1 0,-1 0,-24 0,-1 0,1 0,-25 0,0 0,24 24,-24 1,25-25,-26 0,-24 0,50 0,-50 25,25-25,0 50,0-26,-1 1,1 25,0-25,-25-1,25 1,-25 0,25-25,-25 50,24-50,-24 24,0-24,0 50,0 0,0-26,25 26,-25-25,0 25,0-1,0 1,0-25,0-1,0 26,0-25,0 24,0-24,0 0,-25 25,1-26,24 1,-25 25,0-50,25 49,-25-49,25 50,-49-25,49 0,0-25,-25 24,0-24,25 25,-50 0,1 25,24-50,-25 49,25-24,-24-25,-1 0,-24 25,24 24,25-49,-49 0,0 25,24 25,0-50,-24 49,0-24,74-25,-25 0,25 0,-50 0,25 0,-24 0,-1 0,-24 50,-1-25,26-25,-1 25,-24-1,49 1,-25-25,25 0,-24 25,24 0,0-25,0 0,-24 0,-1 25,1-25,24 0,0 0,0 0,0 0,25 0,-24 0,-26 0,0 0,-24 0,24 0,1 0,-26 0,1 0,24 0,1 0,24 0,0 0,25 0,-50 0,-24 0,49 0,-24-25,24 25,0 0,0 0,0-25,1 25,-51 0,26 0,-1-25,25 25,0-25,1 25,-1 0,25 0,-25 0,25 0,-25 0,-24 0,24 0,-25 0,50-24,-25 24,25 0,-25 0,1 0,24 0,-25 0,25 0,-25 0</inkml:trace>
   <inkml:trace contextRef="#ctx0" brushRef="#br0" timeOffset="3776.216">5482 10418,'0'0,"0"0,25 0,0 0,0 0,-1 0,1 0,0 0,0 0,0 0,-1 0,26 0,-25 0,0 0,-1 0,26 0,-25 0,0 0,24 0,-49 0,50 0,-1 0,-24 0,25 0,-25 0,-25 0,25 0,49 0,-74 0,50 0,-26 0,26 0,-25 0,0 0,49 0,-24 0,-26 0,1 0,50 0,-26 0,-24 0,0 0,24 0,-24 0,25 0,-1 0,1 0,0 0,-1 0,26 0,-26 0,26 0,-26 0,-24 0,0 0,49 0,-24 0,0 0,-26 0,51 0,-50 0,24 0,1 0,-1 0,1 0,24 0,-24 0,0 0,-26 0,51 0,-1 0,-49 0,25 0,-25 0,24 0,1 0,-1 0,1 0,0 0,-1 0,1 0,-50 0,49 0,-24 0,0 0,0 0,24 0,-24 0,25 0,-1 0,1 0,24 0,-49 0,0 0,0 0,0 0,24 0,-49 0,25 0,0 0,0 0,-25 0,25 0,-25 0,24 0,1 0,-25 0,25 0,0 0,49 0,-49 0,25 0,24 0,-49 0,24 0,26 0,-26 0,1 0,-50 0,50 0,-26 0,1 0,25 0,-25 0,-1 0,26 0,24 0,1 0,-1 0,1 0,-26 0,-24 0,0 0,0 0,0 0,-1 0,1 0,0 0,25 0,-1 0,-24 0,25 0,-26 0,1 0,-25 0,25 0,25 0,-26 0,26 0,0 0,-26 0,1 0,0 0,25 0,-50 0,24 0,1 0,0 0,0 0,0 0,0 0,-1 0,26 0,0 0,-1 0,-49 0,50 0,-25 0,-1 0,1 0,25 0,-25 0,-1 0,1 0,0 0,25 0,-26 0,1 0,0 0,0 0,49 0,-49 0,0 0,24 0,-24 0,0 0,-25 0,25 0,-25 0,25 0,24 0,-49 0,50 0,24 0,-24 0,24 0,-24 0,-25 0,24 0,-49 0,25 0,0 0,0 0,-25 0,25 0,-25 0</inkml:trace>
-  <inkml:trace contextRef="#ctx0" brushRef="#br0" timeOffset="6591.377">7640 10319,'-25'0,"25"-25,0 0,0 0,0-24,0 49,0-50,0 50,0-25,0 1,0-1,0 25,0-25,0 25,0-25,0 25,0-25,0 0,0 1,0 24,0-25,0 0,0 25,0-25,25 0,-25 1,25 24,-25-25,0 0,0 0,0 0,25 25,-25-24,0-1,25 25,-1-25,1 0,-25 0,25 25,0-24,-25 24,25 0,-25 0,0 0,24 0,26 0,24 0,-24 0,-25 0,74 0,-74 0,-25 0,25 0,0 0,-25 0,24 0,-24 24,0-24,25 25,-25 0,25 0,-25-25,0 25,0-25,0 49,0-49,0 25,25 0,-25 0,0-25,0 24,0 1,0 0,0 0,0-25,0 25,0-1,0-24,0 25,0-25,0 50,-25-25,25 0,-50-1,50 1,-24-25,24 0,0 25,-25-25,0 0,25 0,-25 0,25 0,0 25,-50 0,26-25,-1 0,0 24,25 1,-50-25,26 25,-1-25,25 0,-25 0,25 0,-25 0,0 0,25 0,-24 0,24 0,-25 0,0 0,25 0,-25 0,0 0,1 0,24 0,-25 0,25 0</inkml:trace>
+  <inkml:trace contextRef="#ctx0" brushRef="#br0" timeOffset="6591.3769">7640 10319,'-25'0,"25"-25,0 0,0 0,0-24,0 49,0-50,0 50,0-25,0 1,0-1,0 25,0-25,0 25,0-25,0 25,0-25,0 0,0 1,0 24,0-25,0 0,0 25,0-25,25 0,-25 1,25 24,-25-25,0 0,0 0,0 0,25 25,-25-24,0-1,25 25,-1-25,1 0,-25 0,25 25,0-24,-25 24,25 0,-25 0,0 0,24 0,26 0,24 0,-24 0,-25 0,74 0,-74 0,-25 0,25 0,0 0,-25 0,24 0,-24 24,0-24,25 25,-25 0,25 0,-25-25,0 25,0-25,0 49,0-49,0 25,25 0,-25 0,0-25,0 24,0 1,0 0,0 0,0-25,0 25,0-1,0-24,0 25,0-25,0 50,-25-25,25 0,-50-1,50 1,-24-25,24 0,0 25,-25-25,0 0,25 0,-25 0,25 0,0 25,-50 0,26-25,-1 0,0 24,25 1,-50-25,26 25,-1-25,25 0,-25 0,25 0,-25 0,0 0,25 0,-24 0,24 0,-25 0,0 0,25 0,-25 0,0 0,1 0,24 0,-25 0,25 0</inkml:trace>
   <inkml:trace contextRef="#ctx0" brushRef="#br0" timeOffset="12103.6923">9178 6945,'25'0,"24"0,26 0,-25 0,-1 0,1 0,-50 0</inkml:trace>
   <inkml:trace contextRef="#ctx0" brushRef="#br0" timeOffset="15864.9074">11237 6970,'0'0,"0"25,0 0,0 24,0-24,0 0,0 25,0 24,0 0,0 1,0-1,0-24,0-1,0-24</inkml:trace>
   <inkml:trace contextRef="#ctx0" brushRef="#br0" timeOffset="16583.9485">12502 6970,'50'0,"-1"25,-24 0,0-25,0 49,-1-24,-24 0,0-25,0 25,0 0,-24-1,-1 1,-50 0,-24 49,74-49,0 0,-49 25,24-1,-24-24,74 0,-25-25,0 0,25 0,25 0,0 0,25 0,-26 0,26 0,0 0,-1 0,26 0,-1 0,-24 0,-1 0,26 0,-75 0,25 0</inkml:trace>
-  <inkml:trace contextRef="#ctx0" brushRef="#br0" timeOffset="18000.0295">14065 6921,'49'0,"-24"0,49 49,-24-49,24 25,-74-25,25 25,-25-25,0 49,0-24,0 0,0 0,0 0,0-1,0-24,-25 25,1 0,-26 25,25-26,-49 26,74-25,-50 24,25-24,1-25,24 25,0-25,24 0,-24 0,75-25,-50 25,-1 0,26 0,-50 0,25 0,0 0,-25 0,0 0,24 25,-24 0,0-25,0 25,0-25,0 24,0 1,0 0,0 0,0 0,0-1,0 1,0-25,0 25,-24-25,-1 0,25 25,0-25,-25 0,25 0,-25 0,0 0,25 0,-24 0,24 0,-25 0,25 0,-25 0,0 0,0 0,1 0,-1 0,25 0,-25 0</inkml:trace>
+  <inkml:trace contextRef="#ctx0" brushRef="#br0" timeOffset="18000.0294">14065 6921,'49'0,"-24"0,49 49,-24-49,24 25,-74-25,25 25,-25-25,0 49,0-24,0 0,0 0,0 0,0-1,0-24,-25 25,1 0,-26 25,25-26,-49 26,74-25,-50 24,25-24,1-25,24 25,0-25,24 0,-24 0,75-25,-50 25,-1 0,26 0,-50 0,25 0,0 0,-25 0,0 0,24 25,-24 0,0-25,0 25,0-25,0 24,0 1,0 0,0 0,0 0,0-1,0 1,0-25,0 25,-24-25,-1 0,25 25,0-25,-25 0,25 0,-25 0,0 0,25 0,-24 0,24 0,-25 0,25 0,-25 0,0 0,0 0,1 0,-1 0,25 0,-25 0</inkml:trace>
   <inkml:trace contextRef="#ctx0" brushRef="#br0" timeOffset="19697.1266">16719 6921,'0'0,"99"0,50 0,-50 0,25 0,-74 0,49 0,-74 0,-25 0,24 0</inkml:trace>
   <inkml:trace contextRef="#ctx0" brushRef="#br0" timeOffset="21927.2541">16917 7317,'25'0,"0"0,24 0,-49 0,25 0,0 0,0 25,-25-25,25 25,-1-25,1 0,-25 50,0-50,0 24,0-24,0 25,0 0,0-25,-25 50,1-26,-26 1,0 25,1-25,-1 24,25-24,1-25,24 0,24 0,-24 0,25 0,25 0,-25 0,-1 0,1 0,0 0,25 25,-50 0,49-25,-49 24,0-24,0 0,-25 25,25 0,0 0,-24 0,-1-1,0 1,0-25,0 0,1 25,-1-25,25 0,-25 0,0 0,0 0,25 0,-24 0,24-25</inkml:trace>
   <inkml:trace contextRef="#ctx0" brushRef="#br0" timeOffset="22609.2932">16818 6226,'50'124,"-26"-50,1 26,-25 48,0-73,0-50,0 24,0-24,0 0,0-25,0 0</inkml:trace>
-  <inkml:trace contextRef="#ctx0" brushRef="#br0" timeOffset="23751.3585">15131 7045,'0'0,"-25"24,25-24,0 25,-49-25,49 25,0 0,-25 49,0-49,25 0,0 0,-25 24,25-24,0 25,0-50,0 24,0-24,0 0,0 0,25 25,74 0,-49-25,24 0,1 0,-50 0,74-25,0 25,-49 0,-50 0,24 0,1 0,25 0,0 0,-50 0</inkml:trace>
+  <inkml:trace contextRef="#ctx0" brushRef="#br0" timeOffset="23751.3584">15131 7045,'0'0,"-25"24,25-24,0 25,-49-25,49 25,0 0,-25 49,0-49,25 0,0 0,-25 24,25-24,0 25,0-50,0 24,0-24,0 0,0 0,25 25,74 0,-49-25,24 0,1 0,-50 0,74-25,0 25,-49 0,-50 0,24 0,1 0,25 0,0 0,-50 0</inkml:trace>
   <inkml:trace contextRef="#ctx0" brushRef="#br0" timeOffset="24279.3887">15404 7119,'0'50,"0"-26,0 1,0 0,0 25,0-26,0 1,0 25,0-25,0 24,0-24,0 25,0-1,0-24,0 25,0-26,0-24,0 25,0 0,0-25,0 25,0-25,0 25,0-25,0 0</inkml:trace>
   <inkml:trace contextRef="#ctx0" brushRef="#br0" timeOffset="25616.4652">18157 7045,'50'-50,"49"25,-24 25,-26 0,26 0,-26 0,26 0,-26 0,1 0,-1 0,-24 0,0 0,0 0,25 0,-26 0,26 0,-25 0,0 0</inkml:trace>
   <inkml:trace contextRef="#ctx0" brushRef="#br0" timeOffset="26951.5415">18480 7367,'25'-50,"-25"50,24 0,1-24,0-1,0 25,0 0,-1 0,1 0,-25 0,25 25,-25-25,0 24,0-24,0 50,0-25,0 0,0-1,0 1,0 0,0 0,0 0,-25-1,25-24,-25 50,1-25,-26 24,50-24,0-25,-25 0,25 0,-49 0,24 25,0-25,0 0,25 0,-49 50,49-50,0 0,49 0,1 0,24 0,-49-25,25 25,24 0,-49 0,24 0,-24 0,0 0,0 0,0 0,-25 0,0 0,0-50</inkml:trace>
@@ -513,28 +513,28 @@
   <inkml:trace contextRef="#ctx0" brushRef="#br0" timeOffset="33512.9168">18902 8161,'0'0,"24"0,1 0,0 0,-25 0,50 0,-1 49,1-24,-1 25,1-1,0 1,-1-50,-24 25,-25-25,0 25,-25-25,25 0,-25 0,1 0,-1 0,-25 49,-24-24,24 25,-24-26,-25 51,74-50,0-25,25 0,0 0</inkml:trace>
   <inkml:trace contextRef="#ctx0" brushRef="#br0" timeOffset="37745.1589">6375 9773,'25'-25,"-25"25,0-49,0 49,0-25,0 25,0-50,0 50,0-25,0 1,-25-1,25-25,0 50,-25-49,25 49,0-25,0 0,0 0,0 0,0 25,0-49,0 49,0-25,0-25,0 50,0 0,0-24,0 24,0-25,0 0,25 25,-25-25,0 25,0-49,25 49,0-50,0 25,24-25,1-24,-50 24,49 1,-24-1,-25 50,25-25,-25 25,25-24,0-1,24 0,-49 0,50-24,-1 24,1-25,-25 25,24 25,-24-24,0-1,25 25,-26-25,1 0,50 25,-1-74,-24 24,24 25,-49 1,25-1,-1 25,-24-25,25 0,-26 25,26 0,-25 0,24 0,1 0,0 0,24 0,-49 0,49 0,-24 0,-1 0,-24 0,0 0,0 25,0-25,-25 0,25 25,49 0,-74-25,50 49,-50-24,49 25,-49-50,50 24,-25 1,-1 25,1-50,0 25,-25-1,25 1,-25-25,0 50,25-50,-25 25,24-25,-24 49,0-24,25 0,-25 0,25-25,-25 24,0 1,0 25,0-25,25 24,0 26,-25-1,0-49,0-25,0 50,0 24,0 0,0-24,0 24,0-24,0 0,0-1,0 26,0-51,0 1,0 0,0 0,0 0,0-25,0 24,0-24,0 25,0 0,0 0,0 0,0-1,0-24,0 25,0 0,0 0,0 24,0-24,-25 0,25 25,0-25,-25-1,25 1,0 0,0 25,-25-50,0 24,25 1,0 0,-24 0,-1-25,0 49,0-49,0 50,25-50,-24 25,-1-25,0 25,0-1,0 1,1-25,-1 0,-25 25,25 0,1-25,-1 0,0 0,-149 25,100-25,-1 0,1 0,24 0,1 0,-1 0,25 0,1 0,-1 0,0 0,0 0,0 0,25 0,-49 0,24 0,0 0,0 0,25 0,-24 0,-1 0,25 0,-25 0,-25 0,-24 0,-1-25,26 25,-26-25,26 25,24-25,-25 25,26-25,-1 1,25 24,-50-25,1 0,-1 0,0-24,-24 24,24-50,26 75,-26-74,0 49,26 0,24 25,0-49,-25-1,25 0,0 26,0-26,0 50,0-25,0 0,0 1,0-26,0 0,25-24,-25 24,24 1,-24 24,0 0,25 25</inkml:trace>
   <inkml:trace contextRef="#ctx0" brushRef="#br0" timeOffset="39504.2595">10716 10567,'-25'-25,"25"-25,-25 26,1-26,24 50,-25 0,25-25,0 25,-25-25,25 1,-50-125,-24 50,24-26,1-23,-26 24,50 49,1 26,-1 24,25-25,-25 1,25 24,0-50,0 51,0-26,0 0,0 1,0-1,0 25,0-24,50-26,-50 1,49-1,-24 1,0 49,-25 25,0-49,25 49,0-50,24 0,26 26,-26-1,-24 0,49-25,-49 50,0-24</inkml:trace>
-  <inkml:trace contextRef="#ctx0" brushRef="#br0" timeOffset="41944.3991">10617 8434,'25'0,"24"-25,26-25,24 25,0 1,50-1,-25 0,74 0,-49 25,0 0,-50 0,-49 0,-1 0,-49 0,25 0,-25 0,50 0,-50 0,49 0,1-25,24 25,-24 0,-50 0,74 0,1 0,-1 0,-49 0,0 0,0 25,0 0,-1-25,-24 0,25 25,0-25,-25 25,25-1,-25-24,49 50,-24 0,0-50,-25 0,25 24,-25-24,25 0,-1 25,-24 0,50 25,-50-26,50 26,-26 0,1-1,0 1,-25-25,0-25,0 24,25 1,0 0,-25 0,0 0,0-1,0 26,24 25,-24-26,0 26,25-1,-25-24,0-1,0 1,0-25,0-1,0 26,0-25,-25 0,25 49,-24-24,-1-1,25-24,0 0,0 24,-25 1,25-25,-25 0,0 24,1-24,-1 25,25-50,-25 49,0 1,-74 0,49 24,-24-49,24 24,26-24,-51 25,50-25,0-25,25 24,-24-24,24 0,-50 0,0 0,-24 0,0 0,-26 0,26 0,0 0,-26 25,-24-25,50 0,0 0,24 0,0 25,1-25,24 25,25-25,-25 0,0 0,0 25,1-1,-1-24,-25 0,1 0,24 0,-50 0,26 0,-1 0,1 0,24 0,0 0,0 0,25 0,-25 0,25 0,-24 0,24 0,-25 0,0 0,0 0,-24 0,24 0,25-24,-25 24,25 0</inkml:trace>
+  <inkml:trace contextRef="#ctx0" brushRef="#br0" timeOffset="41944.399">10617 8434,'25'0,"24"-25,26-25,24 25,0 1,50-1,-25 0,74 0,-49 25,0 0,-50 0,-49 0,-1 0,-49 0,25 0,-25 0,50 0,-50 0,49 0,1-25,24 25,-24 0,-50 0,74 0,1 0,-1 0,-49 0,0 0,0 25,0 0,-1-25,-24 0,25 25,0-25,-25 25,25-1,-25-24,49 50,-24 0,0-50,-25 0,25 24,-25-24,25 0,-1 25,-24 0,50 25,-50-26,50 26,-26 0,1-1,0 1,-25-25,0-25,0 24,25 1,0 0,-25 0,0 0,0-1,0 26,24 25,-24-26,0 26,25-1,-25-24,0-1,0 1,0-25,0-1,0 26,0-25,-25 0,25 49,-24-24,-1-1,25-24,0 0,0 24,-25 1,25-25,-25 0,0 24,1-24,-1 25,25-50,-25 49,0 1,-74 0,49 24,-24-49,24 24,26-24,-51 25,50-25,0-25,25 24,-24-24,24 0,-50 0,0 0,-24 0,0 0,-26 0,26 0,0 0,-26 25,-24-25,50 0,0 0,24 0,0 25,1-25,24 25,25-25,-25 0,0 0,0 25,1-1,-1-24,-25 0,1 0,24 0,-50 0,26 0,-1 0,1 0,24 0,0 0,0 0,25 0,-25 0,25 0,-24 0,24 0,-25 0,0 0,0 0,-24 0,24 0,25-24,-25 24,25 0</inkml:trace>
   <inkml:trace contextRef="#ctx0" brushRef="#br0" timeOffset="43487.4873">13172 10269,'0'0,"24"0,26 25,-25 0,0 0,-25-1,24 1,-24-25,25 25,0 0,-25 0,50-1,-50 1,49 25,-49-50,25 0,0 0,-25 25,25-25,0 0,-1 49,1-24,0-25,25 25,-50 0,49-25,-49 24,25-24,0 0,0 0,24 0,-24 25,49 0,-24 0,24-25,-24 25,-25-25,24 0,1 24,-25-24,24 25,26-25,-1 0,1 0,-1 0,1 0,-51 0,26 0,24 0,-49 0,0 0,0 0,24-25,1 25,0-24,-1-1,1 25,-1-25,1 0,-50 0,50 25,-50-49,49 24,-24-25,25 26,-50 24,49-25,-49 25,0-25,25 0,0-24,0 24,-1-25,-24 1</inkml:trace>
   <inkml:trace contextRef="#ctx0" brushRef="#br0" timeOffset="44359.5372">15354 10443,'0'0,"25"0,0 0,0 0,-25 0,49-25,1 0,0 0,-1-24,1 24,-25 0,24 25,-49 0,25 0,-25 0,0 0,0 25,0 0,0 24,0-49,0 25,0 0,0 0,0 0,0-25,0 24,0-24,0 50,0 0,0-26,0 1</inkml:trace>
-  <inkml:trace contextRef="#ctx0" brushRef="#br0" timeOffset="52480.0017">19993 6871,'0'0,"25"0,49 0,50 0,-25 0,-24 0,-26 0,1 0,-25 0,0 0,-1 0,51 0,-1 0,-24 0,24 0,-49 0,0 0,-25 0</inkml:trace>
+  <inkml:trace contextRef="#ctx0" brushRef="#br0" timeOffset="52480.0016">19993 6871,'0'0,"25"0,49 0,50 0,-25 0,-24 0,-26 0,1 0,-25 0,0 0,-1 0,51 0,-1 0,-24 0,24 0,-49 0,0 0,-25 0</inkml:trace>
   <inkml:trace contextRef="#ctx0" brushRef="#br0" timeOffset="53865.0809">20390 7144,'0'0,"0"25,0-1,0 1,0 0,0-25,0 25,0 0,0-1,0 1,0-25,25 25,-1 0,-24 0,25-1,0 1,-25-25,25 50,0-50,-1 25,-24-25,0 0,25 0,-25 24,25-24,-25 25,25 0,-25-25,0 25,0-25,0 25,-25-25,25 0,-25 0,0 24,1 1,-1 0,0-25,25 25,-25-25,25 0,0 25,-25-1,1-24,-1 0,0 0,25 0</inkml:trace>
   <inkml:trace contextRef="#ctx0" brushRef="#br0" timeOffset="54496.117">20439 7367,'0'-25,"0"0,0 25,50 0,-50 0,25 0,0 0,-1 0,26 0,0 0,-1 0,-24 0,25 0,-26 0,1 0,-25 0,0 0</inkml:trace>
   <inkml:trace contextRef="#ctx0" brushRef="#br0" timeOffset="55639.1824">20340 6152,'0'0,"25"0,-25 0,25 24,-25-24,0 25,0 0,0 0,0-25,0 25,0-1,0-24,0 25,0-25,0 50,0-50,0 25,-25-25,0 24,25-24,-25 0,25 25,-24 0,-1-25,0 25,25-25,-25 0,25 0,50 0,74 0,0 0,-99 0,74 25,-74-25,-25 0</inkml:trace>
   <inkml:trace contextRef="#ctx0" brushRef="#br0" timeOffset="56376.2245">21531 6796,'0'0</inkml:trace>
   <inkml:trace contextRef="#ctx0" brushRef="#br0" timeOffset="56617.2383">22052 6846</inkml:trace>
   <inkml:trace contextRef="#ctx0" brushRef="#br0" timeOffset="56792.2483">22573 6772</inkml:trace>
-  <inkml:trace contextRef="#ctx0" brushRef="#br0" timeOffset="57025.2616">23218 6796,'24'0</inkml:trace>
-  <inkml:trace contextRef="#ctx0" brushRef="#br0" timeOffset="57240.2739">23664 6821</inkml:trace>
+  <inkml:trace contextRef="#ctx0" brushRef="#br0" timeOffset="57025.2615">23218 6796,'24'0</inkml:trace>
+  <inkml:trace contextRef="#ctx0" brushRef="#br0" timeOffset="57240.2738">23664 6821</inkml:trace>
   <inkml:trace contextRef="#ctx0" brushRef="#br0" timeOffset="58632.3536">24235 6970</inkml:trace>
   <inkml:trace contextRef="#ctx0" brushRef="#br0" timeOffset="59703.4148">23242 9178,'0'0,"75"0,-1 0,1 0,-26 0,-24 25,0-25,0 0,-1 0,1 0</inkml:trace>
   <inkml:trace contextRef="#ctx0" brushRef="#br0" timeOffset="61959.5439">23342 9599,'0'0,"24"0,-24 0,25 0,0 0,0 0,0 0,-25 0,24 0,1 0,0 0,-25 0,25 25,-25-25,25 25,-25-25,0 25,0 0,0-1,0 1,0 25,0 24,0-74,0 25,0 0,0 0,0-25,0 24,0-24,0 0,-25 0,-25 0,1 0,-1 0,25 0,0 0,1 25,24-25,-25 0,25 0,-50 0,25 0,1 0,-1 0,0 0,0 0,75 0,-1 0,-24-25,0 25,0 0,0 0,-25 0,24 0,1 0,-25 0,25 0,0 25,-25-25,25 0,-1 0,-24 0,25 0,-25 25,25-25,0 0,-25 0,25 0,-25 0,0 0,0-25</inkml:trace>
   <inkml:trace contextRef="#ctx0" brushRef="#br0" timeOffset="63031.6052">23466 8334,'0'25,"24"74,-24-49,25 24,-25-24,0 24,0 1,0-26,0-24,0 0,0 0</inkml:trace>
   <inkml:trace contextRef="#ctx0" brushRef="#br0" timeOffset="63999.6606">23614 9947,'0'0,"50"0,24 0,-24 0,-25 0,0 0,-1 0,-24 0,25 0,-25 0,25 0,-25 0,25 0</inkml:trace>
-  <inkml:trace contextRef="#ctx0" brushRef="#br0" timeOffset="66335.7942">18579 9872,'0'25,"50"0,-50 0,24-25,1 24,-25 1,0-25,0 25,25-25,0 25,24 0,1 0,-25-1,25-24,-50 50,24-50,-24 0,50-25,24-49,-24-1,24-24,-24 0,49-25,-24 74,-51 1,26-1,-50 25,25 25,-25 0,0-25</inkml:trace>
-  <inkml:trace contextRef="#ctx0" brushRef="#br0" timeOffset="69839.9946">2357 8334,'25'0,"-1"0,1 25,0 25,-25-25,50 24,-50-49,24 25,-24 25,25-1,0-24,-25 0,25 0,-25-1,0-24,0 25,0 0,0-25,0 25,0-25,25 49,-25-49,0 25,0-25,0-74,49 24,-24-24,25-25,-1 49,-24 0,25 1,-50 49,24-25,-24 25,50-25,-50 0,25 25,0-24,49-26,1-24,-1 49,-24-25,-26 50,26 0,-50 0,25 0,-25 0,25 0,-25 0,24 0,1 0,-25 0,0-25</inkml:trace>
+  <inkml:trace contextRef="#ctx0" brushRef="#br0" timeOffset="66335.7941">18579 9872,'0'25,"50"0,-50 0,24-25,1 24,-25 1,0-25,0 25,25-25,0 25,24 0,1 0,-25-1,25-24,-50 50,24-50,-24 0,50-25,24-49,-24-1,24-24,-24 0,49-25,-24 74,-51 1,26-1,-50 25,25 25,-25 0,0-25</inkml:trace>
+  <inkml:trace contextRef="#ctx0" brushRef="#br0" timeOffset="69839.9945">2357 8334,'25'0,"-1"0,1 25,0 25,-25-25,50 24,-50-49,24 25,-24 25,25-1,0-24,-25 0,25 0,-25-1,0-24,0 25,0 0,0-25,0 25,0-25,25 49,-25-49,0 25,0-25,0-74,49 24,-24-24,25-25,-1 49,-24 0,25 1,-50 49,24-25,-24 25,50-25,-50 0,25 25,0-24,49-26,1-24,-1 49,-24-25,-26 50,26 0,-50 0,25 0,-25 0,25 0,-25 0,24 0,1 0,-25 0,0-25</inkml:trace>
   <inkml:trace contextRef="#ctx0" brushRef="#br0" timeOffset="73304.1927">9277 9103,'-25'0,"1"25,-1 25,-25-25,50-1,-74 76,49-76,0 51,0-50,1-1,-1 51,0-26,0-24,25 25,-49-25,49-1,0 1,-25-25,25 25,-25-25,0 50,0-26,25 1,-24 25,24-50,0 25,0-25,0 24</inkml:trace>
   <inkml:trace contextRef="#ctx0" brushRef="#br0" timeOffset="79751.5615">3721 14064,'25'0,"74"0,0-25,-24 25,24 0,0 0,0 0,50 0,-50 0,-24 0,74 0,-25 0,0 0,49 0,-24 0,-25 0,25 0,-75 25,75-25,-74 0,-1 0,-24 25,-26-25,-24 0,25 0,0 0,99 0,0 0,0 0,25-25,0 0,-50 25,0-24,-24 24,-1 0,-24 0,-50 0,25 0,-1 0,1 0,0 0,0 0,24 0,-49 0</inkml:trace>
-  <inkml:trace contextRef="#ctx0" brushRef="#br0" timeOffset="97847.5965">7591 13494,'24'0,"-24"0,25 0,-25 0,0 0,25 0,0 25,0 49,24 0,-24-24,0 24,0-49,-25 0,24-25,-24 0,50-25,49 25,-49-49,24-1,26 25,-26-24,0-1,-24 50,0-25,-26 25,-24-25</inkml:trace>
+  <inkml:trace contextRef="#ctx0" brushRef="#br0" timeOffset="97847.5964">7591 13494,'24'0,"-24"0,25 0,-25 0,0 0,25 0,0 25,0 49,24 0,-24-24,0 24,0-49,-25 0,24-25,-24 0,50-25,49 25,-49-49,24-1,26 25,-26-24,0-1,-24 50,0-25,-26 25,-24-25</inkml:trace>
   <inkml:trace contextRef="#ctx0" brushRef="#br0" timeOffset="99727.7041">4168 15726,'0'0,"0"0,0 0,0 0,49 0,1 0,24 0,1 0,-26 25,26-25,-1 25,-24-25,-1 0,-24 0,49 0,1 0,-1 0,50 0,-24 0,24 0,24 0,-24 0,-49 0,24 0,-25 0,-24 0,49 0,-49 0,24 0,26 0,-51 0,50 0,50 0,0 0,-25 0,-25 0,50 0,-50 0,50 25,-74-25,73 24,1 1,0-25,49 25,-24 0,-25-25,49 0,-74 0,25 0,25 0,-75 0,0 0,-24 0,-1 0,1 0,24 0,-50 0,-24 0,25 0,-1 0,26 0,-26 0,-24 0,0 0,25 0,-26 0,26 0,0 0,24 0,25 0,-49-25,24 25,-24-25,24 25,-49 0,-25 0,25 0</inkml:trace>
   <inkml:trace contextRef="#ctx0" brushRef="#br0" timeOffset="106216.0752">4391 15677,'-25'0,"-25"-25,50 25,-24 0,24 0,-25 0,0 0,0-25,0 0,-24 25,-1 0,1 0,-1-25,-25 1,51-1,-1 25,25-25,-25 25,0 0,25-50,-25 26,25-1,0 0,-24 0,24 0,-25 0,25 1,0-26,0 25,0 0,0 1,0-1,0 25,0-25,0 0,0-24,0-1,0-24,0 24,0 50,0-25,0 25,0-25,0 1,0-26,25 0,-25 50,24-49,1 49,-25-50,25 50,0-25,0 1,-1-1,1 0,0 25,25-25,24 0,-24 25,-1 0,1-24,0 24,-1 0,26-25,-1 0,0 25,1 0,-75 0,49 0,-24 0,0 0,-25 0,25 0,-25 0,25 0,-1 0,51 0,-1 0,26 0,-26 0,-49 0,49 0,-49 0,0 0,0 0,-1 0,-24 25,25-25,25 0,24 25,-49-1,49-24,-24 0,-25 0,0 0,-1 0,1 25,0-25,-25 0,25 0,-25 25,25-25,-25 0,24 25,1 0,25 24,-25-49,-25 25,24 49,1-74,-25 50,0-50,25 25,-25 0,0-1,0 1,25 0,-25 0,0 24,25-49,-25 25,0 0,0-25,0 25,0-25,0 49,0-49,0 50,24-50,-24 25,0 0,0-1,0-24,0 25,0 25,0-1,0-24,0 50,0-75,0 25,0-25,0 24,-24 1,-1 0,0 0,0 0,25-25,-49 49,24-49,0 25,0 0,25-25,-49 25,24-25,-25 49,1-49,-51 75,-24-51,-24 26,98-50,-24 0,-1 0,50 0,-24 0,49 0,-25 0,0 0,0 0,-24 0,24 0,0 0,0 0,0 0,-24 0,-26 0,-49 0,25 0,25 0,24 0,25 0,-24 0,49 0,-25 0,0 0,0 0,25 0,0-25</inkml:trace>
   <inkml:trace contextRef="#ctx0" brushRef="#br0" timeOffset="114104.5264">7764 12551,'-49'-25,"24"25,0-49,-25 24,26 0,24 25,-25-25,25 1,0-1,0-25,0 25,-25-24,0-26,25 1,0 24,0 25,0 1,0-1,0 0,0 0,0 0,25-24,0 24,24-49,1 49,-25 0,0 0,-1 0,1 25,25-24,-25-26,24 50,1-25,-25 0,49 1,-49-1,0 25,-25 0,24 0,-24 0,25 0,25 0,24 0,50 0,-49 0,-1 0,1 0,-26 0,26 0,-51 0,1 0,25 0,-25 0,24 0,26 0,-51 0,1 0,25 0,-25 49,-1-24,26-25,-25 50,24-50,-49 25,25-1,25-24,-50 25,50 0,-50-25,49 50,-24-1,0-24,0 25,-25-1,0-24,0 0,0 0,0-1,0 26,0-25,0 24,0-24,-25 25,0-25,25 24,-50-24,50 0,-24 25,-1-26,0 1,-25 25,50-25,-25-25,1 49,-26-24,25-25,0 25,-24-25,-50 25,49-25,-24 0,49 0,-74 0,-50 0,74 0,26 0,-1 0,25 0,25 0,-24 0,-1 0,25 0,-50 0,1 0,-26 0,1 0,24-25,25 0,-24 0,24 0,-25 25,50-24,-25-1,25 25,-24 0,24-25,-25 25,0-25,25 25,-25-25,25 25,0-24,-25 24</inkml:trace>
@@ -604,17 +604,17 @@
   <inkml:trace contextRef="#ctx0" brushRef="#br0" timeOffset="67550.8637">10840 3994,'-25'0,"25"0,0 0,0-25,25 25,0 0,0 0,24 0,1 0,-1 0,-24 0,0 0,0 0,-25 0,0 0,-25 0,0 49,25-49,-49 25,24 0</inkml:trace>
   <inkml:trace contextRef="#ctx0" brushRef="#br0" timeOffset="67950.8866">10666 4291,'0'0,"0"0,25 0,0-25,25 25,-1 0,1 0,24 0,-24 0,-1 0,26 0,-75 0,25 0,-25 0</inkml:trace>
   <inkml:trace contextRef="#ctx0" brushRef="#br0" timeOffset="69198.958">10617 3919,'25'0,"-25"0,24 0,-24 25,0-25,0 25,0 0,0-1,25-24,0 50,-25 0,0 49,0 0,25 50,-25 0,0-25,0-50,0 1,0 24,0-25,25-74,-1 0,1 0,0-25,25 1,-1-51,1 26,24-1,-49 0,49 25,-49-49,0 49,0-24,-25-1,0 0,0 1,0 24,0 0,0 0,0 25,0-24,0 24,0 0,-25 0,-49 24,-50 1,-25 25,74-1,26-49,-1 50,50-25,0-25,25 0,0 0,-25 0,25 0,-1 0,-24 0,75 0,-50 0,49 25,0-1,-49-24,0 0,25 25,-26 25,51-25,-75-1,25-24,-1 25,1-25,0 0,-25 0,25 0,0 0,-25 0,0-49,0 49,0-25</inkml:trace>
-  <inkml:trace contextRef="#ctx0" brushRef="#br0" timeOffset="70144.012">11634 3646,'0'25,"0"-25,25 25,-1 25,1-1,50 26,-26-1,-24-49,-25 0,25-25</inkml:trace>
+  <inkml:trace contextRef="#ctx0" brushRef="#br0" timeOffset="70144.0119">11634 3646,'0'25,"0"-25,25 25,-1 25,1-1,50 26,-26-1,-24-49,-25 0,25-25</inkml:trace>
   <inkml:trace contextRef="#ctx0" brushRef="#br0" timeOffset="70535.0344">11460 4093,'0'0,"0"0,25 0,0 25,-25-1,25 1,-1 25,-24-1,50 26,-50-50,25-1,-25-24,0 0,0-24,0-1,0-25,0 25,0-24</inkml:trace>
   <inkml:trace contextRef="#ctx0" brushRef="#br0" timeOffset="71144.0692">11683 3944,'0'0,"25"0,50 0,-26 25,-24-25,0 0,74 25,-99-25,0 24,0-24,0 25,0-25,0 25,0 0,-25 0,0-1,1 1,-1 25,0-25,25-1,0 1,0-25,0 50,0-50,0 25,0-25,0 0,0 0,0 0</inkml:trace>
   <inkml:trace contextRef="#ctx0" brushRef="#br0" timeOffset="71951.1154">11758 4291,'0'0,"25"0,24 0,1 0,24 0,-49 0,0 0,-25 0,0 0,-25 0,0 25,25-25,-25 25,1-25,24 0,0 25,0-1,0 1,0 0,0 25,0-26,0 26,0 0,0-1,0 26,0-1,0-24,0-50,0-50,0 0,0 50,0-24,0-1,0 0,0 25,0-50,0 50,0-24,0-1,24 0,1 0,0 25,-25 0,0 0,25 0,0 0,-1 0,-24 0,-24 0,24 0,-25 0</inkml:trace>
   <inkml:trace contextRef="#ctx0" brushRef="#br0" timeOffset="72360.1388">11708 4490,'0'0,"0"24,0 1,0 25,0-1,0-24,0 0,0 0,0 0,0-1,0 1,0 0,-25 0,25-25,0 25,0 0,0-25,0-25,0 25</inkml:trace>
   <inkml:trace contextRef="#ctx0" brushRef="#br0" timeOffset="72687.1575">11807 4738,'0'0,"0"0,0 24,0-24,0 0,25 25,0 0,0 0,24 0,-49 0,50-1,-25 26,24-50,-24 0,0 0,49 0,-49 0,0 0,25-25,-50 25,0 0,24 0,1-49,-25-1</inkml:trace>
   <inkml:trace contextRef="#ctx0" brushRef="#br0" timeOffset="74287.249">13271 3969,'0'25,"25"-1,-25-24,0 50,0-50,0 50,24-26,1 51,-25-26,0 1,0 49,0-74,50 25,-50-26,25-24,-25 0,49 0,1-24,24-51,1-49,-1 0,25-25,-74 100,0-1,0 50,-25 0,0 25,25 0,-25 0,0-1,0 1,0 25,24 74,-24-75,25 1,0-25,0 24,24-24,-49 0,25-25,-25 0,25 0,25 0,-1 0,26-50,-26 26,26-26,-26 25,26-74,-50 74,24-24,-24-1,-25 25,25 0,0 25,-25 0,0 0,-25 25,25-25,-25 25,25-25,0 25,-25 24,25-24,-25-25,25 25,0 0,-24 0,24-1,0-24,0 25,0 0,24-25,1 0,-25 25,50 0,-50-1,25-24,-1 0,-24 0,0 0,25-24,0-1,0 25,0 0,-25 0,24 0,1 0,0 0,-25 0</inkml:trace>
-  <inkml:trace contextRef="#ctx0" brushRef="#br0" timeOffset="75935.3433">14734 4341,'0'0,"0"0,0-25,-24 25,24 0,24 0,1-50,-25 50,25 0,0-24,0-1,-25 0,0 0,0 0,0 1,0-1,0 0,0 25,0-25,0 0,0 25,-25-24,25 24,-25 0,25 0,-25 0,25 0,-25 0,1 0,24 24,-25 1,25-25,0 25,-25-25,0 25,25 0,0-25,-25 24,25-24,0 25,0-25,0 25,0 0,0 0,0-1,0-24,0 25,0-25,0 0,50 0,-50 0,50 0,-50 0,24 0,-24 0,50 0,-50 0,25 0,-25 0,25 25,-25-25,0 0,24 25,1-25,-25 0,25 0,-25 0,25 0,-25 0,25 0,-25 0,0 0,0-25,0 25,0-25</inkml:trace>
+  <inkml:trace contextRef="#ctx0" brushRef="#br0" timeOffset="75935.3432">14734 4341,'0'0,"0"0,0-25,-24 25,24 0,24 0,1-50,-25 50,25 0,0-24,0-1,-25 0,0 0,0 0,0 1,0-1,0 0,0 25,0-25,0 0,0 25,-25-24,25 24,-25 0,25 0,-25 0,25 0,-25 0,1 0,24 24,-25 1,25-25,0 25,-25-25,0 25,25 0,0-25,-25 24,25-24,0 25,0-25,0 25,0 0,0 0,0-1,0-24,0 25,0-25,0 0,50 0,-50 0,50 0,-50 0,24 0,-24 0,50 0,-50 0,25 0,-25 0,25 25,-25-25,0 0,24 25,1-25,-25 0,25 0,-25 0,25 0,-25 0,25 0,-25 0,0 0,0-25,0 25,0-25</inkml:trace>
   <inkml:trace contextRef="#ctx0" brushRef="#br0" timeOffset="76711.3877">15230 3870,'0'-25,"0"25,0-50,0 50,0-25,0 25,0 25,0 25,0 49,0-49,0-1,0 26,0-26,0-24,0 0,0 0,0-1,0 1,0 25,0-1,0-24,0 0,0 49,0-74,0 25,0-25,25 25,0-25,0 0,-25 0,25 0,24-50,-24 1,25-26,-26 26,-24-1,0 50,50-49,-25 49</inkml:trace>
-  <inkml:trace contextRef="#ctx0" brushRef="#br0" timeOffset="77384.4262">15677 3696,'0'0,"0"0,0 25,0 0,0-1,0 1,0 25,0-1,0 1,0 0,0-26,0 26,0 0,0-26,0 1,0 25,0-25,0-1,0 26,0-25,0 0,0 49,0-74,0 0,25 0,0 0,-25 0,24 0,1 0,0 0,25-25,-1 0,1 25,-25 0,-25 0,24 0,-24-24,0 24,0-50,0 25,0 0</inkml:trace>
-  <inkml:trace contextRef="#ctx0" brushRef="#br0" timeOffset="77975.46">16520 4217,'-25'-25,"25"25,25 0,0 0,0 0,24 0,-49 0,50 0,0 0,-1 0,26 0,-26 0,1 0,-25 0,0 0</inkml:trace>
+  <inkml:trace contextRef="#ctx0" brushRef="#br0" timeOffset="77384.4261">15677 3696,'0'0,"0"0,0 25,0 0,0-1,0 1,0 25,0-1,0 1,0 0,0-26,0 26,0 0,0-26,0 1,0 25,0-25,0-1,0 26,0-25,0 0,0 49,0-74,0 0,25 0,0 0,-25 0,24 0,1 0,0 0,25-25,-1 0,1 25,-25 0,-25 0,24 0,-24-24,0 24,0-50,0 25,0 0</inkml:trace>
+  <inkml:trace contextRef="#ctx0" brushRef="#br0" timeOffset="77975.4599">16520 4217,'-25'-25,"25"25,25 0,0 0,0 0,24 0,-49 0,50 0,0 0,-1 0,26 0,-26 0,1 0,-25 0,0 0</inkml:trace>
   <inkml:trace contextRef="#ctx0" brushRef="#br0" timeOffset="79071.5226">17835 4142,'0'0,"0"-24,0-1,-25 25,25 0,-25 0,1 0,24 0,-25 0,25 0,0 0,0 25,0-1,-25 1,25 0,0 0,-25 24,25-49,0 25,0 0,0 0,0 0,0-1,0-24,0 50,25-25,0-25,24 0,-49-25,25-25,25 1,-25-1,-25 1,0-1,0-74,0 50,0-1,0 1,0-1,0 26,0 24,0 0,0 25,0 0,0 50,0-50,0 25,0-1,0 1,0 25,0 49,0-25,0 1,0-1,0-24,0 24,0-49,24 49,-24-74,25 50,-25-50,25 0,0 0,24 0,-49-50,25 50,0-24,-25 24,25 0,-25 0,49 0,-24 0,0 0,-25 0,25 0,-25 0,0-25</inkml:trace>
   <inkml:trace contextRef="#ctx0" brushRef="#br0" timeOffset="79887.5693">18281 4266,'25'0,"25"0,-25 25,24-25,1 0,-25 0,-1 0,26 0,-50 0,25 0,24-25,-24 1,25-26,-50 0,25 1,-25 24,0 25,0 0,0 0,-25 0,25 0,-25 0,0 0,0 0,25 0,-24 0,24 0,0 25,-25 0,25-25,0 24,0-24,0 25,-25-25,25 25,0 74,0-99,0 25,0 25,0-50,0 24,0-24,0 25,0-25,0 25,25-25,0 0,-25 0,49 0,-49 0,25 0,-25 0,25-25,0 25,-25-25,0 25,0 0,49-24</inkml:trace>
   <inkml:trace contextRef="#ctx0" brushRef="#br0" timeOffset="80663.6137">19497 3845,'0'0,"0"-25,0 25,0-25,-25 25,0 0,0-25,25 25,-24 0,-76 50,76-25,24 0,-25-1,0 1,25-25,0 25,0 25,0-26,0 1,0 50,0-26,0-49,0 50,0-1,0-24,0 25,0-25,0 74,0-25,0-24,0 24,0-24,0-1,0 1,0-25,0 0,0-25,-25 25,25-25,-25 0,25 0,-24 0,-1 0,25-50,0 50,0-50,0 50,0-49,0 49,0-25,0 0</inkml:trace>
@@ -622,20 +622,20 @@
   <inkml:trace contextRef="#ctx0" brushRef="#br0" timeOffset="81423.6572">19571 3994,'25'0,"0"24,-25-24,25 25,-1-25,1 0,-25 0,25 25,-25-25</inkml:trace>
   <inkml:trace contextRef="#ctx0" brushRef="#br0" timeOffset="81766.6768">19621 4266,'0'25,"0"0,0 49,0-74,0 50,0-25,0 0,0-1,0-24,0 0,0 0,25 0,-25-24</inkml:trace>
   <inkml:trace contextRef="#ctx0" brushRef="#br0" timeOffset="82511.7194">19869 4266,'0'0,"0"25,25-25,-25 25,0 25,0-1,0 1,0-25,0 24,0-24,25 0,-1-25,-24 0,0-50,25 1,-25-1,25 0,0 1,-25-1,0 25,25-49,-1 74,-24 0,25 0,0 0,0 0,0 0,-1 25,26-25,-50 25,25-1,-25 1,49 0,-49 25,25-50,-25 24,25 1,-25 0,0 25,0-26,0-24,0 25,0 0,25-25,-25 25,0 0,0-1,25-24,-1 0,-24 0,25 0,-25-24</inkml:trace>
-  <inkml:trace contextRef="#ctx0" brushRef="#br0" timeOffset="83167.7569">20936 4465,'0'0,"0"0</inkml:trace>
+  <inkml:trace contextRef="#ctx0" brushRef="#br0" timeOffset="83167.7568">20936 4465,'0'0,"0"0</inkml:trace>
   <inkml:trace contextRef="#ctx0" brushRef="#br0" timeOffset="85143.87">20762 4440,'25'0,"24"0,-49 0,50 0,-25 0,24 0,-49 0,0 0,0-50,0 26,0-26,0 25,0 0,-24-24,24 49,-50-25,50 25,-25 0,-25 0,50 0,-24 0,24 0,0 25,0 0,0-1,0 26,0-25,0 0,0-1,0 1,0 0,0-25,0 50,0-1,0-24,24 0,-24-25,25 25,25-1,-50-24,50 0,-1 0,-24 0,0 0,0 0,-1 0,26 0,-50 0,25 0,-25 0,49-74,1 74,0-25,-1 0,-49 25,25 0,-25 0,25 0,0 0,-25-24,0-1,0 0,0-25,0 50,0-49,0 24,-25-25,0 1,25-1,0 25,-25 25,25 0,-25 25,25-25,-24 25,24-25,-25 50,25-1,0 50,0-24,0 24,0 25,25-50,-25-24,0-25,24-25,1 0,25 0,-25-25,24-25,-24-24,0 0,-25-50,0 74,0-24,25 24,-25-24,0 24,49-74,-49 74,25 1,0-1,-25-24,0 74,0-25,0-25,0 50,25-49,-25 49,0-25,0 25,0 0,-25 25,0 49,25-49,-25 0,25 49,-25 1,25-1,0-24,0 24,0-24,0 24,-24-24,24 24,0-49,0 0,0 24,0 26,0-26,0 1,0-25,0-1,24 1,1-25,0 0,-25 0,25 0,49 0,-49 0,25 0,-1-49,-24 49,0 0,-25 0,0 0,-50-25</inkml:trace>
   <inkml:trace contextRef="#ctx0" brushRef="#br0" timeOffset="85343.8814">22473 5011,'0'-25,"0"0</inkml:trace>
   <inkml:trace contextRef="#ctx0" brushRef="#br0" timeOffset="95783.4785">3771 8062,'-25'0,"74"-25,26 25,-26 0,-24-50,25 50,-25 0,0 0,24 0,1 0,-1 0,1 0,-25 0,0 0,-1 0,1 0,25 0,-1 0,-24 0,25 0,-1 0,26 0,24 0,-25 0,-24 0,0 0,49 0,-74 25,0-25,-1 0,1 0,0 0,0 0,49 0,-49 0,49 0,-24 0,0 0,-1 0,1 0,-1 0,26 0,-50 0,-1 0,26 0,24 0,1 0,-1 0,-24 0,24 25,-24-25,24 0,1 25,-75-25,25 0,-1 0,1 0,25 0,-25 0,24 24,26-24,-1 25,-24-25,-1 25,1-25,24 25,25-25,-49 25,49-25,1 0,-26 0,25 0,50 0,-50 0,-24 0,-1 0,0 0,26 0,-26 0,0 0,-49 0,25 0,0 0,-1 0,26 0,-26 0,1 0,-1 0,-24 0,50 0,-26 0,26 0,-1 0,-49 0,74 0,-25 0,1 0,49 0,-75 0,26 0,-25 0,-26 0,26 0,-25 0,0 0,-1 0,1 0,0 0,0 0,0 0,-1 0,-24 0,50 0,-25-25,0 25,24 0,-24 0,0 0,24 0,1 0,-25 0,0 0,-1 0,1 0,-25 0,25 0,-25 0</inkml:trace>
-  <inkml:trace contextRef="#ctx0" brushRef="#br0" timeOffset="104758.9919">9178 6028,'0'24,"0"26,-25-50,0 50,25-50,-49 49,24 1,0-25,-24 24,24-24,25 0,-25-25,25 0,-25 25,0-1,1 1,-1-25,0 25,25 0,0-25,0 0,50 0,-26 0,1 0,0 0,0 0,24 0,1 0,-25 0,0 0,24 0,-24 0,0 0,0 0,-1 0,1 0,-25 0,25-25,0 25,0 0,-25 0,25 0,-25 0,49 0,-49 0,25 0,-25 0,0-25,0-24,0 24,0-25,0 50,0-25,-25 1,25 24,-25-25,25 25,-24-50,-1 50,25-25,-25 25,25-24,-25 24,0 0,25 0</inkml:trace>
+  <inkml:trace contextRef="#ctx0" brushRef="#br0" timeOffset="104758.9918">9178 6028,'0'24,"0"26,-25-50,0 50,25-50,-49 49,24 1,0-25,-24 24,24-24,25 0,-25-25,25 0,-25 25,0-1,1 1,-1-25,0 25,25 0,0-25,0 0,50 0,-26 0,1 0,0 0,0 0,24 0,1 0,-25 0,0 0,24 0,-24 0,0 0,0 0,-1 0,1 0,-25 0,25-25,0 25,0 0,-25 0,25 0,-25 0,49 0,-49 0,25 0,-25 0,0-25,0-24,0 24,0-25,0 50,0-25,-25 1,25 24,-25-25,25 25,-24-50,-1 50,25-25,-25 25,25-24,-25 24,0 0,25 0</inkml:trace>
   <inkml:trace contextRef="#ctx0" brushRef="#br0" timeOffset="107815.1667">9922 6226,'25'0,"0"0,0 0,24 25,26 0,-26 49,1-24,24-1,-49 26,25-26,-25-24,-25 0,0-25,24 0,-24 0,50 25,0-1,-1 1,50 25,75 24,24 1,-49-50,0 24,50-49,-100 25,50-25,-100 0,1 0,-1 0,-24 0,25 0,49-74,-25 24,26-25,-26 1,50-25,-25 24,-24 26,24-50,-49 49,-1 0,1 1,24-26,-74 26,50 24,-25-25,-1 50</inkml:trace>
-  <inkml:trace contextRef="#ctx0" brushRef="#br0" timeOffset="108687.2166">12576 6176,'0'0,"50"0,24 0,26 0,-51 0,26 0,-26 0,26 0,-1-24,-24-1,24-25,-74 50,25 0,-25 0,0 25,0-25,0 25,-25 74,25-49,0-26,0 51,0-26,0 1,0 24,0-49,0 0</inkml:trace>
+  <inkml:trace contextRef="#ctx0" brushRef="#br0" timeOffset="108687.2165">12576 6176,'0'0,"50"0,24 0,26 0,-51 0,26 0,-26 0,26 0,-1-24,-24-1,24-25,-74 50,25 0,-25 0,0 25,0-25,0 25,-25 74,25-49,0-26,0 51,0-26,0 1,0 24,0-49,0 0</inkml:trace>
   <inkml:trace contextRef="#ctx0" brushRef="#br0" timeOffset="128463.3477">472 5606,'0'0,"24"0,-24 25,50 24,0 1,-26 24,-24 1,25-26,0 1,-25 0,0-26,25 26,-25-25,0 24,49 26,-49-75,0 25,50-75,25 0,-26-24,75-25,-49 0,73-26,26 1,0 0,-26 25,76-25,-125 25,-25 25,-49 49,25-25,-50 50,0 0</inkml:trace>
   <inkml:trace contextRef="#ctx0" brushRef="#br0" timeOffset="166311.5125">5829 8855,'0'0,"-49"0,-1 0,25 25,-24 0,49-25,-25 0,25 25,0-25,-25 24,0-24,25 25,-24 0,-1 0,0-25,25 25,-25 0,0 24,25 1,-24-1,-1 1,0 24,25-74,-25 50,25-50,0 25,0-25,0 49,0 1,0-25,0 0,25 49,0-24,-25-50,0 24,25 1,-1 0,-24-25,25 25,-25-25,25 25,-25-1,25-24,0 25,-25-25,24 25,51 0,-26 0,1-25,-50 0,25 0,-25 0,25 0,-25 24,0-24,24 0,1 25,25-25,-1 0,1 0,0 0,-1 0,1 0,-50 0,50 0,-1 0,-49 0,25 0,0 0,24 0,-24 0,50 0,-51 0,1 0,25-25,-50 25,49-24,-24 24,0-25,0 0,0 0,-1 25,1-49,-25 24,25 0,-25 0,25 0,-25 1,49-1,-49-25,0 50,25-25,-25 1,0-1,0 0,0-25,0 26,0-51,0 50,0 1,0-1,0 0,0-25,0 26,0-1,0 0,0 0,-25 0,1-24,-1-1,25 25,0 0,-25 1,25-1,0 0,-25 25,0 0,1-25,24 0,-25 1,0 24,25-25,-50 0,50 25,-24 0,24 0,-25 0,25-25,-50 0,50 25,-49 0,-1 0,50 0,-25 0,-24 0,24 0,0 0,0 0,0 0,1 0,-26 0,25 0,0 0,-24 0,24 0,-25 0,25 0,-49 0,49 0,25 0,-25 0,-24 0,49 25,-25-25,-25 0,50 0,0 25</inkml:trace>
   <inkml:trace contextRef="#ctx0" brushRef="#br0" timeOffset="171031.7825">22523 4465,'0'0,"0"0,25 0,0 0,-25 25,24-1,26 26,-25-25,-25 0,25-1,-25 1,0-25,74 0,0-49,-24-1,24-49,-24 49,25-49,-1 0,-24 0,24 49,-49-24,-25 74,25 0</inkml:trace>
   <inkml:trace contextRef="#ctx0" brushRef="#br0" timeOffset="356887.4128">3820 12278,'0'0,"0"0,50 0,-50 0,49 0,-49 0,25 0,25 0,-25 0,0 0,-25 0,24 0,1 0,0 0,-25 0,25 0,0 0,-1 0,1 0,-25 0,50 0,-25 0,-25 0,24 0,1 0,-25 0,25 0,-25 0,50 0,-50 0,24 0,-24 0,25 0,0 0,-25 0,25 0,-25 0,25 0,-25 0,24 0,1 0,0 0,-25 0,50 0,-50 0,49 0,-24 0,0 0,0 0,-25 0,24 0,-24 0,25 0,25 0,-25 0,-1 0,1 0,0 0,0 0,0 0,24 0,1 0,-25 0,24 0,1 0,-25 0,24 0,-24 0,0 0,25 0,-1 0,-49 0,99 0,1 0,-26 0,25 0,-24 0,-1 0,-24 0,24 0,-49 0,25 0,-1 0,26 0,-26 0,1 0,-25 0,-1 0,51 0,-50 0,-1 0,1 0,-25 0,50 0,-1 0,-24 0,0 0,0 0,0 0,-1 0,51 0,-50 0,-1 0,26 0,-25 0,0 0,24 0,-24 0,0 0,0 0,0 0,-1 0,1 0,0 0,25 0,-1 0,-24 0,25 0,-26 0,1 0,0 0,0 0,0 0,-1 0,26-24,-50 24,25 0,-25 0,25 0,-1 0,-24 0,25 0,-25 0,50 0,24 0,-24-25,-25 25,24 0,26 0,-26 0,1 0,-25 0,-25 0,25 0,49 0,-24 0,24 0,-24 0,-1 0,26 0,-1 0,-49 0,0 0,-1 0,1 0,0 0,-25 0,25 0,24 0,-49 0,25 0,-25 0,25 0,0 0,-25 0,25 0,-1 0,26 0,0 0,24 0,-24 0,-26 0,1 0,0 0,-25 0,25 0,0 0,-25 0,0 0,-25 0</inkml:trace>
   <inkml:trace contextRef="#ctx0" brushRef="#br0" timeOffset="360607.6256">5482 12105,'0'0,"-49"-50,24 0,25 26,-25-1,25 25,0-25,0 0,-50 25,50-25,0 25,0-49,0 49,0-25,0 0,0 0,0 1,0-1,0 0,0 25,0-25,0 25,0-25,0 1,0 24,25 0,-25-25,25 25,0-25,-25 0,25 25,-25 0,24 0,-24 0,0-25,25 25,-25 0,0 0,25 0,-25-24,25 24,0-25,-1-25,1 50,0-49,0 24,-25 25,25-25,-1 0,-24 25,25-25,-25 25,25-24,-25 24,25 0,-25-25,25 0,-25 25,0 0,0-25,24 25,-24 0,0-25,25 25,0-25,-25 25,0 0,25-24,-25 24,25 0,24-25,-49 25,25-25,0 25,0 0,-25-25,24 25,1 0,0-25,25 1,-1 24,-24 0,25 0,-25 0,49-25,0 0,-24 25,0-25,-26 25,26 0,24 0,-24-25,0 25,-26 0,51 0,-26 0,1 0,-25 0,49 0,1 0,-1 0,1 0,-26 0,1 0,-25 0,-1 0,1 0,0 0,-25 0,25 0,0 0,24 0,1 25,-25 0,24-25,-24 25,0 0,0-25,-25 24,49-24,-49 0,25 25,-25 0,0-25,0 0,25 25,-25 0,0-1,0-24,25 25,-25 25,0-50,0 50,24-50,1 24,-25 1,0 0,0 25,0-50,0 24,0-24,0 50,25-50,-25 25,0 0,0-1,0 1,0 25,-25-1,25-49,0 25,-25 50,25-51,-24 1,24-25,0 25,0-25,-25 0,25 50,-25-50,0 24,0 1,1 25,-26-50,50 0,-25 25,0-25,25 0,0 0,-24 24,-1 1,0-25,0 0,0 25,-49 25,24-50,26 0,-26 24,25-24,0 25,-24-25,24 0,0 0,-24 25,-1 0,-25 0,26-25,-26 0,1 0,-25 0,49 0,-74 0,50 0,24 0,-24 0,24 0,-24 0,49 0,0 0,0 0,25 0,-49 0,-1 0,25 0,-24 0,24 0,-25 0,50 0,-25 0,1 0,24 0,-25 0,0 0,-25 0,1 0,-1 0,-24 0,24 0,1 0,24 0,25 0,0-25,-25 25,25-25,-25 25,25-25,0 0</inkml:trace>
   <inkml:trace contextRef="#ctx0" brushRef="#br0" timeOffset="362647.7423">11609 12154,'0'0,"74"25,1-25,-1 0,1 0,49 0,0-25,0-24,24 24,1 0,0-25,0 26,-25 24,25 0,-50-50,0 0,-24 1,-26-1,-24 1,25-1,-25-74,-25 50,24-1,-24-24,25-25,0 74,-25 1,25-51,-25 51,0 24,0 0,25 0,-1 1,1-26,0 0,-25 26,25-26,24 25,-49 0,50-49,-25 49,24-24,-24 24,25 0,-25 0,24-24,-24 49,0-50,24 25,-24 0,0 1,0 24,99-75,-75 26,26-1,-25 25,-1 0,-24 0,-25 25,25 0,-25 0,49-24,-49-1,25 25,99 0,-74 0,24-25,-49 25,25 0,-1 0,-49 0,25 0,-25 0,25 25,0-25,-1 49,1-49,0 50,0 0,-25-50,0 25,25 24,-25-24,24 25,-24-50,0 24,0 26,25-25,0 24,-25 26,0-50,25-1,-25 26,0 0,25-1,-1 1,1-25,0-1,-25 26,25 0,0 98,-1-48,26-1,-25-49,0 24,-25-49,0 0,25 24,-25-49,24 25,-24 0,25 24,0-24,0 50,0-51,-1 1,-24-25,25 25,-25-25,0 0,25 25,-25-25,25 25,0-25,24 24,1 1,-50-25,49 25,-24-25,25 25,-25-25,49 0,-24 0,24 0,0 0,-24 0,24 0,-24 0,0 0,-1-50,26 25,-1 25,-49-24,25-1,-1 0,-49 25,50 0,-50 0,25 0,-25 0</inkml:trace>
-  <inkml:trace contextRef="#ctx0" brushRef="#br0" timeOffset="364143.8279">11113 12626,'25'0,"-1"-25,1 25,25 0,-25 0,49-25,1 25,24 0,-50 0,100 0,-50 0,1 0,73 0,1 0,49 0,50 0,471 50,-421-26,98 1,150-25,-199 25,-50-25,-49 0,-74 0,-26 0,1 0,-100 0,1 0,24-25,-50 25,1-25,0 25,-1 0,51-24,-26-1,0 25,-24-25,24 0,1 25,-1 0,1 0,-1 0,0 0,1 0,-26 0,51 0,-26 0,-24 0,-1 0,1 0,0-25,-1 1,-24 24,-25 0,25 0,0 0,-1 0,1 0,0 0</inkml:trace>
+  <inkml:trace contextRef="#ctx0" brushRef="#br0" timeOffset="364143.8278">11113 12626,'25'0,"-1"-25,1 25,25 0,-25 0,49-25,1 25,24 0,-50 0,100 0,-50 0,1 0,73 0,1 0,49 0,50 0,471 50,-421-26,98 1,150-25,-199 25,-50-25,-49 0,-74 0,-26 0,1 0,-100 0,1 0,24-25,-50 25,1-25,0 25,-1 0,51-24,-26-1,0 25,-24-25,24 0,1 25,-1 0,1 0,-1 0,0 0,1 0,-26 0,51 0,-26 0,-24 0,-1 0,1 0,0-25,-1 1,-24 24,-25 0,25 0,0 0,-1 0,1 0,0 0</inkml:trace>
   <inkml:trace contextRef="#ctx0" brushRef="#br0" timeOffset="367543.0223">12527 12502,'0'24,"0"-24,0 25,0-25,0 25,0 0,0 0,0-25,0 24,0 1,0 0,0-25,0 0,0 0,0-25,0 0,0 25,0-24,0 24,0-25,0 0,0 25,0-25,0 25,25-49,-25 24,0 25,0 49,0-49,0 25,0-25,0 25,0 0,0-25,0 25,0-25,0 24,0 1,0 0,0 0,0 0,0-1,0-24,0 0,0-24,0-1,0 0,0 0,0 0,0-99,0 75,0 24,0 25,0 25,0 0,0-1,0-24,0 25,0 0,0 0,0 24,0-24,0-25,0 25,0 0</inkml:trace>
   <inkml:trace contextRef="#ctx0" brushRef="#br0" timeOffset="370167.1724">12527 12973,'0'0,"-25"-25,25 25,-50 0,50 0,-25 0,25 0,-24 25,-1-25,25 25,0-1,-25-24,25 25,0-25,0 25,0-25,0 25,0 0,0-1,0-24,0 25,0 0,0-25,0 25,0-25,25 0,-25 0,0 0,25 0,-1 0,-24 0,25-25,-25 0,25 25,0 0,-25-25,25 25,-25 0,0-24,0-1,0 0,0-25,0 50,0-49,0 49,0 25,0-25,0 24,0-24,0 25,0-25,0 50,0-50,0 25,0-25,0 24,0 1,25-25,-25 0,0 0,24 0,1 0,-25 0,25 0,-25 0,25 0,-25 0,25 0,-25-25,24 25,1 0,-25 0,0 0</inkml:trace>
   <inkml:trace contextRef="#ctx0" brushRef="#br0" timeOffset="429023.5388">5705 9897,'0'-25,"75"25,98 0,-24 0,-49 0,-26 0,-24 0,-1 0,-49 0,25 0,0 0,0 0,24 0,1 0,-1 0,1 0,0 0,-50 0,24 0,1 0,0 0,-25 0,25 0,-25 0,25 0,-1 0,-24 0,25 0,-25 0,-25 0,-24 0,-1 0,25 0,-24 0,-26 0,26 0,-50 0,49 0,-24 0,-1 0,1 25,24 0,0 0,26-25,-1 0,0 0,50 0,24-25,51 25,-1 0,25-25,-50 25,26 0,-51 0,-24 0,0 0,0 0,-25 0,24 0,-48 0,-51 0,26 0,-26 0,1 0,-25 0,24 0,-24 0,24 0,-49 0,50 0,-50 0,74 0,1 0,24 0,25 0,0 0,74 0,26 0,-1 0,50 0,24 0,-24 0,-50 0,-24 0,-50 0,-1 0,-24 0,25 0,-25 0,0 0</inkml:trace>
@@ -654,13 +654,13 @@
   <inkml:trace contextRef="#ctx0" brushRef="#br0" timeOffset="519511.7144">16024 13419,'25'0,"0"0,-25 0,25 0,-25 0,0 0,0 0,0 0,-50 0,50 0,-25 0,-24 0,49 0,-25 0,25 25,0 25,0-50,0 25,0-1,0-24,0 25,0 0,0 0,25 49,-25-49,0 25,0-1,0 26,24-1,1-74,-25 0,25 0,-25 0,25 0,0 0,-25 0,24 0,1 0,0 0,0 0,-25 0,25 0</inkml:trace>
   <inkml:trace contextRef="#ctx0" brushRef="#br0" timeOffset="520615.7775">16619 13643,'-24'-25,"-1"0,-50 0,75 25,-24 0,-1 0,0 0,25 0,0 0,-25 25,25-25,0 50,0-1,-25-49,1 50,24-25,0-25,0 49,0 26,0-51,0 1,0 0,24 0,-24-25,0 25,50-25,0 24,-50 1,49-25,-24 0,-25 0,25 0,0 0,-25 0,24-25,-24 1,0-26,0 0,0 1,0-26,0 51,0-1,0 0,0 25,0-25,0 25,0-25,0 1,0 24,0 24,0-24,0 25,0 25,0-1,0-24,0 0,0 49,0-49,0 50,25-75,-25 0,25 0</inkml:trace>
   <inkml:trace contextRef="#ctx0" brushRef="#br0" timeOffset="521039.8018">16967 13915,'0'0,"0"0,0 25,0-25,0 25,0-25,0 50,0 24,0-74,0 0,0 0</inkml:trace>
-  <inkml:trace contextRef="#ctx0" brushRef="#br0" timeOffset="522038.8589">17314 13494,'0'0,"0"0,0 25,0-25,25 24,-25-24,0 50,0-25,0 24,0 1,0 0,0-1,0-24,0 25,0-1,0-24,0 0,0 0,0-25,0 24,25-24,-1-49,-24-1,0 1,0-1,25 25,0 25,-25 0,25 0,0 0,-1 0,-24 0,50 0,-25 0,0 25,-1 0,1-25,-25 25,0-1,25 26,-25-25,0 24,0-49,0 0,0 0,0 0,-50 0,50 0,-24 0,24 0,0 0,0-24,0-1,0 25</inkml:trace>
+  <inkml:trace contextRef="#ctx0" brushRef="#br0" timeOffset="522038.8588">17314 13494,'0'0,"0"0,0 25,0-25,25 24,-25-24,0 50,0-25,0 24,0 1,0 0,0-1,0-24,0 25,0-1,0-24,0 0,0 0,0-25,0 24,25-24,-1-49,-24-1,0 1,0-1,25 25,0 25,-25 0,25 0,0 0,-1 0,-24 0,50 0,-25 0,0 25,-1 0,1-25,-25 25,0-1,25 26,-25-25,0 24,0-49,0 0,0 0,0 0,-50 0,50 0,-24 0,24 0,0 0,0-24,0-1,0 25</inkml:trace>
   <inkml:trace contextRef="#ctx0" brushRef="#br0" timeOffset="522942.9106">17810 13469,'0'0,"0"0,25 0,-25 25,0-25,25 0,-25 0,25 0,-1 0,1 0,-25 0,50 0,-1 0,1 0,0 0,-26 0,26 25,-50-25,25 24,-25-24,0 25,0-25,0 25,0 0,-25-25,25 25,0 24,0-24,0 25,0-26,0 26,0 0,0-1,0 1,0-1,0 26,0-50,25-1,-25 1,-25-50,25 25,-25-24,0 24,25 0,-24-25,24 25,0 0</inkml:trace>
   <inkml:trace contextRef="#ctx0" brushRef="#br0" timeOffset="523422.9381">18827 13692,'50'0,"-1"0,1 0,0 0,-26 0,26 0,24 0,-49 0,0 0,0 0,-25 0,25 0,-1 0,1 0,0 0,0 0,0 0</inkml:trace>
   <inkml:trace contextRef="#ctx0" brushRef="#br0" timeOffset="523998.971">19075 13965,'0'0,"0"0,99 0,-74 0,50 0,-51 0,1 0,25 0,-50 0,0 0,25 0,-25 25,24-25,-24 0,25 0,0 0,-25 0</inkml:trace>
   <inkml:trace contextRef="#ctx0" brushRef="#br0" timeOffset="524863.0205">19943 13395,'0'0,"0"0,25 74,0-24,-25 24,0 0,0 1,0-1,0 25,25-74,-25 25,0-1,0-24,0 25,0-50,0 25,25-25,-25-25,24-25,-24 25,25 1,-25-26,0 25,25 0,0 1,0-1,24-50,-49 75,25 0,0 0,0 0,-25 0,24 0,1 25,0-25,0 50,0-50,-25 25,0-1,0 1,0 0,0-25,0 25,0-25,0 25,0-25,0 24,-25 1,0-25,25 25,-25 0,-24 0,49-25,-25 0,0 0,0 0,25 0,0 0,0-25,0 0</inkml:trace>
   <inkml:trace contextRef="#ctx0" brushRef="#br0" timeOffset="525327.047">20687 13767,'0'0,"50"0,0 0,-1 0,1 0,49-25,-24 25,24 0,-25 0,-24 0,-1 0,-24 0,0 0</inkml:trace>
-  <inkml:trace contextRef="#ctx0" brushRef="#br0" timeOffset="526479.1129">22077 13717,'0'-25,"0"0,0 25,0-24,-25 24,25-25,-50 0,50 0,-50 0,50 1,-24 24,24 0,-25 0,0 0,25 0,-25 0,25 0,-25 24,1 1,-1 0,25 0,-25-25,25 0,0 25,0-1,0 1,0 25,0-50,0 0,0 25,25-1,-25 1,0-25,0 25,25 25,-1-50,-24 24,25 1,-25-25,25 0,0 0,0 0,-1 0,1 0,-25 0,25 0,-25-25,25-24,-25 24,50-49,-50 49,24 0,1-49,-25 74,0-25,0 25,0 0,-25 0,25 25,-24-1,24-24,0 25,0 0,0 25,-25-26,25 26,0 24,0-49,0 0,0 0,0 0,0-1,0-24,0 0,25 0,-25 0,24 0,1 0</inkml:trace>
+  <inkml:trace contextRef="#ctx0" brushRef="#br0" timeOffset="526479.1128">22077 13717,'0'-25,"0"0,0 25,0-24,-25 24,25-25,-50 0,50 0,-50 0,50 1,-24 24,24 0,-25 0,0 0,25 0,-25 0,25 0,-25 24,1 1,-1 0,25 0,-25-25,25 0,0 25,0-1,0 1,0 25,0-50,0 0,0 25,25-1,-25 1,0-25,0 25,25 25,-1-50,-24 24,25 1,-25-25,25 0,0 0,0 0,-1 0,1 0,-25 0,25 0,-25-25,25-24,-25 24,50-49,-50 49,24 0,1-49,-25 74,0-25,0 25,0 0,-25 0,25 25,-24-1,24-24,0 25,0 0,0 25,-25-26,25 26,0 24,0-49,0 0,0 0,0 0,0-1,0-24,0 0,25 0,-25 0,24 0,1 0</inkml:trace>
   <inkml:trace contextRef="#ctx0" brushRef="#br0" timeOffset="530543.3454">7591 13965,'-25'0,"25"0,-25 0,0 0,0 0,25 0,-24 0,24 0,-25-25,0 25,0-25,0 1,1 24,-1-25,25 0,0 25,0-25,0 25,0 0,0 0,0-25,0 1,0-1,0-25,0 1,0-1,0 25,0 0,0 1,0 24,0 0,0-25,25 0,24-25,-49 26,0-1,25 25,0-25,-25 25,49-25,-49 25,25 0,-25-25,50 25,-25 0,-1 0,1 0,-25 0,25 0,-25 0,25 25,0-25,-25 25,0-25,24 25,-24 0,0-25,0 24,0-24,0 25,0 0,0 0,0 0,0-1,25 26,0-25,-25 0,25 24,-25-24,0 0,0 0,0-1,0 1,0 0,0 0,0 0,0-1,0 26,0-50,-25 25,25-25,-25 25,25-1,-25-24,1 25,24-25,-25 50,25-50,-25 25,0-25,25 0,-25 0,25 24,-24-24,-1 0,25 0,-25 0,0 0,0 0,-24 0,49 0,0-49,0 49,0-25,0 25</inkml:trace>
   <inkml:trace contextRef="#ctx0" brushRef="#br0" timeOffset="532087.4337">18777 10666,'0'0,"75"0,-25 0,-1 25,26-25,-51 0,1 0,0 0,-25 0,25 0,-25 0</inkml:trace>
   <inkml:trace contextRef="#ctx0" brushRef="#br0" timeOffset="532655.4662">18852 10740,'0'25,"0"50,0-1,0-49,0 24,0-24,0 25,0-1,0 1,0 25,0-51,0 26,0-50,0 50,0-50,0 0,25 0,49 0,-24 0,-1 0,-24 0,0 0</inkml:trace>
@@ -668,18 +668,18 @@
   <inkml:trace contextRef="#ctx0" brushRef="#br0" timeOffset="535823.6474">18877 11658,'0'0,"25"25,-1 0,1 0,0-1,0-24,0 75,-1-50,26-1,-25 1,0-25,-1 0,26 0,124 0,-100 0,0-25,-24 25,49-24,-24-1,-26 0,26 25,-75 0,49 0,1 0,0 0,-1 0,199 50,-99-26,-25-24,99 25,-99-25,25 25,-25 25,-99-50,0 0,-25 24,0 1,0-50,0 1,25-1,-25 0,0 25,74-74,0 49,-24 0,0 0,-1 25,26 0,24 0,0 0,-49 0,74 0,-25 0,50 0,24 0,1 0,0 50,-75-50,-25 25,-24-1,-25 1,0-25,-1 0,1 0,-25 0,50 0,-25 0,-1 0,-24 0,0 0,0 0,-24 0</inkml:trace>
   <inkml:trace contextRef="#ctx0" brushRef="#br0" timeOffset="539919.8817">6797 15404,'-25'-25,"0"0,25 25,-25 0,1 0,-1 0,25 0,-25 0,0 0,25 0,0-25,-49-49,24 49,25-25,-25 1,-25 24,50 0,-24 0,24 25,0-24,-25 24,25-50,0 25,0 25,0-25,0 1,0 24,0-25,0 0,0-25,0 26,0 24,0-25,0 25,25-25,-1 0,-24 25,25-49,-25 49,0 0,25 0,-25-25,50 25,-26-50,1 50,0-25,0 25,-25-24,0 24,25 0,-25-25,24 25,1 0,-25 0,25 0,-25 0,50 0,-1 0,-24 0,0 0,0 0,-25 0,24 0,1 0,-25 25,0-25,0 0,25 24,-25 1,50-25,-50 25,24-25,-24 25,25 0,0-25,-25 24,0-24,0 25,0 0,0 0,25-25,-25 49,0-24,0-25,0 25,0 0,0-25,0 25,0-25,0 24,0 1,0 0,0-25,0 25,0 0,0-25,0 24,0-24,0 25,0-25,0 25,0 0,0-25,0 25,0-25,0 0,-25 0,25 24,-25 1,0-25,25 25,0-25,-24 25,-1-25,25 0,0 0,-25 0,25 0,-50 25,26-1,-1-24,25 0,-25 0,-25 0,50 0,-24 0,-1 25,25 0,-25-25</inkml:trace>
   <inkml:trace contextRef="#ctx0" brushRef="#br0" timeOffset="542777.0451">16446 10046,'49'0,"26"25,49-25,-50 0,26 0,-26 0,-49 0,0 0</inkml:trace>
-  <inkml:trace contextRef="#ctx0" brushRef="#br0" timeOffset="543295.0747">16644 9922,'0'49,"0"1,0 0,0 24,0-24,0-1,0-24,0 0,0-25,0 0,0 0</inkml:trace>
+  <inkml:trace contextRef="#ctx0" brushRef="#br0" timeOffset="543295.0746">16644 9922,'0'49,"0"1,0 0,0 24,0-24,0-1,0-24,0 0,0-25,0 0,0 0</inkml:trace>
   <inkml:trace contextRef="#ctx0" brushRef="#br0" timeOffset="544759.1585">17488 10096,'0'-25,"0"0,-25 25,-25 0,50 0,-25 0,1 0,-26 25,25 24,-24 1,49 0,-25-50,25 24,0 26,0-25,0 0,0 24,0-24,0 0,25-25,-1 0,1 0,25-25,24-49,-24 49,-25-50,49 51,-74-26,50 25,-26 0,26 1,-50-26,0 50,25 0,0 25,24-25,-24 0,25 0,-1 25,-24-1,0 1,-25 0,0-25,0 25,0 0,0-25,0 24,0 1,0 0,0 25,0-1,0 1,-25-25,25-25,-49 0,49 0,-50 0,25-25,0 0,-24 25,49-25,-50 25,50-49,-25 24,0-50,25 51,0-1</inkml:trace>
   <inkml:trace contextRef="#ctx0" brushRef="#br0" timeOffset="547864.3361">17240 15007,'-25'-50,"-25"1,25 49,-24-25,24 25,0 0,-24 0,49 0,-50 0,0 0,-24 0,24 0,26 0,-26 49,25-24,25-25,-25 0,25 25,0-25,0 25,25 0,0-25,25 0,-50 0,49 0,-49 0,50 0,-25 0,24 0,-24-50,0 50,0 0,-1-25,1 25,0 0,0 0,0-49,-1 49,26-50,-50 50,25 0,0 0,-25 0,24 0,-24 0,50 0,-25 0,0 0,-1 0,1 0,0 0,-25 0,0 0,25 25,-25 0,25-25,-25 24,24-24,-24 25,25 0,-25 0,25 0,0-1,-25 1,0 0,0-25,0 25,0-25,0 25,-25-25,25 24,0-24,-25 0,0 0,25 0,-24 0,-1 0,25-24,-25 24,0 0,-24-25,-1 0,50-25,-25 26,25-26,0 50,0-25,-25 25,25-25</inkml:trace>
-  <inkml:trace contextRef="#ctx0" brushRef="#br0" timeOffset="548616.3791">16371 15429,'0'0,"0"-25,50 25,24 0,26 0,-1 0,0 0,0 0,149 0,-99 0,0 0,74 0,-74 0,25 0,-25 0,-50 0,50-25,-50 0,0 25,-49-25</inkml:trace>
+  <inkml:trace contextRef="#ctx0" brushRef="#br0" timeOffset="548616.379">16371 15429,'0'0,"0"-25,50 25,24 0,26 0,-1 0,0 0,0 0,149 0,-99 0,0 0,74 0,-74 0,25 0,-25 0,-50 0,50-25,-50 0,0 25,-49-25</inkml:trace>
   <inkml:trace contextRef="#ctx0" brushRef="#br0" timeOffset="549943.455">17339 15875,'0'0,"-25"0,0 0,0-25,-49 25,24 0,26 0,-26 0,-24 0,24 0,25 25,0-25,1 25,-1-25,25 25,0 24,0-49,0 25,0-25,0 25,0 0,0-25,0 0,25 24,-1-24,26 0,0 0,-1 0,1 0,-1 0,1 0,49 0,-74 0,0 0,-25 0,25-49,-1-50,-24 49,0 25,0-24,50-1,-25 25,0 0,-1 1,26 24,-25-25,0 0,-25 25,24 0,1 0,-25 0,0 0,25 0,-25 0,25 25,-25 24,25-24,-25 0,0 25,25-50,-25 24,24 1,26 25,-50-50,0 25,25 24,-25 1,0-25,0-1,0 1,0-25,0 0,-25 0,0 0,0 0,1-25,-1 25,-25-49,25 24,-24 0,24-24,-25 49,25 0,25 0,-24 0,24-25,0 25,0-25</inkml:trace>
   <inkml:trace contextRef="#ctx0" brushRef="#br0" timeOffset="551048.5182">16768 14957,'0'0,"0"0,25 0,-25 0,25 0,0 0,-25 0,25 0,-25 0,74 0,-24 0,24 0,-24 0,24 0,-49 0,0 0,-25 0,0 0,0 0,0 0,-25 0,25 0,-25 0,25 25,-25-25,0 25,1-25,-26 25,25-1,0-24,-24 0,49 0,-25 0,0 0,0 25,25-25,-24 0,48 0,76 0,-1 0,74 0,-49 0,-49 0,-1 0,-49 0,0 0,-25 0,0 0,-50 0</inkml:trace>
   <inkml:trace contextRef="#ctx0" brushRef="#br0" timeOffset="551823.5625">16148 14287,'0'25,"-25"-25,25 25,-24-25,24 75,-25-26,0 1,25-1,0 1,0-25,0 49,0-24,0-25,25 24,0 1,-25-25,49-1,-49-24,25 0,25 25,-50 0,24-25,1 0,-25 0</inkml:trace>
-  <inkml:trace contextRef="#ctx0" brushRef="#br0" timeOffset="552575.6055">15975 15007,'49'0,"-49"0,25 0,0 0,0 0,-25 0,24 0,51 25,-50-25,-1 0,26 0,-50 0,25 0,0 0,-1 0,-24-50,0-24,0-26,25 51,-25-1,0 25,0 1,0 24</inkml:trace>
-  <inkml:trace contextRef="#ctx0" brushRef="#br0" timeOffset="555534.7748">4862 18430,'25'0,"24"0,1 0,25 0,24 0,-25 0,1 0,24 0,-74 0,49 0,0 0,-24 0,49 0,-49 0,99 0,-100-25,1 0,-1 25,-24 0,25 0,0 0,-1 0,50 0,-24 0,74 0,-75 0,0 0,-24 0,24 0,-74 0,25 25,-25-25,25 25,0-25,0 25,74-25,25 0,-74 0,-1 0,-24 0,0 0</inkml:trace>
+  <inkml:trace contextRef="#ctx0" brushRef="#br0" timeOffset="552575.6054">15975 15007,'49'0,"-49"0,25 0,0 0,0 0,-25 0,24 0,51 25,-50-25,-1 0,26 0,-50 0,25 0,0 0,-1 0,-24-50,0-24,0-26,25 51,-25-1,0 25,0 1,0 24</inkml:trace>
+  <inkml:trace contextRef="#ctx0" brushRef="#br0" timeOffset="555534.7747">4862 18430,'25'0,"24"0,1 0,25 0,24 0,-25 0,1 0,24 0,-74 0,49 0,0 0,-24 0,49 0,-49 0,99 0,-100-25,1 0,-1 25,-24 0,25 0,0 0,-1 0,50 0,-24 0,74 0,-75 0,0 0,-24 0,24 0,-74 0,25 25,-25-25,25 25,0-25,0 25,74-25,25 0,-74 0,-1 0,-24 0,0 0</inkml:trace>
   <inkml:trace contextRef="#ctx0" brushRef="#br0" timeOffset="557446.8842">10617 17388,'25'74,"-25"-74,0 25,0 0,0 0,0 0,0-25,0 25,0-25,24-25,1 0,-25 0,0-49,25 49,0 0,-25 25,25-50,-1 50,1-24,-25 24,25 0,-25 0,25 0,-25 24,25-24,-25 0,24 50,-24-25,25 0,-25 24,0-24,25 25,-25-1,0-24,25-25,-25 25,0 0,0-25,0 25,0-25,0 0,0 0,0-50,0 25,0 0,0-24,25 49,-25-50,24 25,-24-24,50 24,-50 0,0 25,25 0,0 0,-25 0,24 0,1 0,0 0,-25 0,25 0,-25 0,0 0,25 25,-1 24,-24-24,0 0,0 0,0 0,0-25,0 25,0 49,0-24,0-26,0 1,0 25,0-25,0-25</inkml:trace>
   <inkml:trace contextRef="#ctx0" brushRef="#br0" timeOffset="558095.9213">10691 17587,'0'0,"0"0,0 49,0-49,0 50,0-25,0-25,0 24,0 1,0 25,0-25,0-1,0 1,0 0,0 0,0-25</inkml:trace>
-  <inkml:trace contextRef="#ctx0" brushRef="#br0" timeOffset="559390.9953">11634 17810,'0'-25,"0"25,0 0,-25 0,25 0,-50-25,50 25,-49-25,24 25,0 0,0 0,25 0,0 25,0 25,0-25,0-1,0 1,0 25,0-25,0-1,0 1,0 0,25-25,-25 0,25 0,0 0,-25 25,25-25,-25 0,0 0,0 0,0 0,0 0,-25-25,0 0,25 25,-25-25,25 25,0 0,25 0,0 0,0-24,-25 24,24 0,-24 0,50 0,-25 24,0-24</inkml:trace>
+  <inkml:trace contextRef="#ctx0" brushRef="#br0" timeOffset="559390.9952">11634 17810,'0'-25,"0"25,0 0,-25 0,25 0,-50-25,50 25,-49-25,24 25,0 0,0 0,25 0,0 25,0 25,0-25,0-1,0 1,0 25,0-25,0-1,0 1,0 0,25-25,-25 0,25 0,0 0,-25 25,25-25,-25 0,0 0,0 0,0 0,0 0,-25-25,0 0,25 25,-25-25,25 25,0 0,25 0,0 0,0-24,-25 24,24 0,-24 0,50 0,-25 24,0-24</inkml:trace>
   <inkml:trace contextRef="#ctx0" brushRef="#br0" timeOffset="560295.0471">11882 17909,'0'-25,"0"25,0 0,-25 25,25-25,0 25,0 0,0-25,0 24,0 1,0 0,0 0,0 0,0-1,0-24,25 0,-25 0,0 0,25 25,-25-25,24 0,-24 0,0 0,25 0,-25-25,0 25,0 0</inkml:trace>
   <inkml:trace contextRef="#ctx0" brushRef="#br0" timeOffset="561175.0974">12279 17735,'24'0,"1"0,0 0,-25 0,50 0,-50 0,24 0,-24 0</inkml:trace>
   <inkml:trace contextRef="#ctx0" brushRef="#br0" timeOffset="561728.129">12279 17959,'0'0,"0"-25,24 25,1 0,0-25,0 25,0 0,-1 0,1 25,0-25,0 0,-25 25,0-25,0 0,-25 0</inkml:trace>
@@ -688,33 +688,33 @@
   <inkml:trace contextRef="#ctx0" brushRef="#br0" timeOffset="567487.4584">16173 16570,'0'0,"0"0,0 0,0 24,-25 26,25-25,0 0,0-1,0-24,0 25,0 0,0-25,75 0,-51 0,26 0,0 0,24 0,-24 0,-1 0,1-25,-25 25,-25 0,0-25,24 25,1 0,-25-24,50-1,-50 0,25-25,0 26,24 24,-24-25,0 25,24 0,-49 0,25 0,-25 0,25 25,-25-25,25 49,-25-49,25 25,-25 0,24 0,-24 49,0-24,0-1,0-24,-24-25,24 0,-25 0,-25 0,1 0,24 0,-25 0,1-50,24 50,-50-49,26-1,24 1,0 49,0-50,0 50,1-25,-26 0,50 25,-25-24,25 24,0 0,0-25,-25 25,1 0,24-25,-75 25,26-25,24 25,25 0,-25 0,25 0,0 0,0 25,0-25</inkml:trace>
   <inkml:trace contextRef="#ctx0" brushRef="#br0" timeOffset="568103.4937">15900 17338,'0'0,"50"0,24 0,25 0,125-24,-26-1,50 25,-124 0,50 0,-1 0,-49 0,-74 25,-25-25,0 0</inkml:trace>
   <inkml:trace contextRef="#ctx0" brushRef="#br0" timeOffset="569383.5669">16396 17711,'0'0,"0"0,-25 0,1 0,-26 0,0 24,1 1,-1 0,50 0,-25-25,25 0,25 25,-25-1,25 1,-25-25,50 50,-50-50,24 0,1 0,0 0,0 25,-25-25,49 0,-24 0,0 0,25 0,-26 0,51-50,-1-24,-24-1,0-24,-1 49,-49 1,25 24,0 25,0 0,24 0,1 0,-25 0,-1 25,1 0,-25-25,25 24,-25-24,0 50,0-50,0 50,25-26,-25 26,0 0,0-26,0 1,0-25,0 25,0-25,-25 0,0 0,-24 0,-1 0,-24 0,-1 0,26 0,24 0,-50 0,50-25,1 0,24-24,-25 49,0-25,25 0,-25 25,25-25,0 1</inkml:trace>
-  <inkml:trace contextRef="#ctx0" brushRef="#br0" timeOffset="570295.6191">15280 16148,'0'25,"0"24,0 26,25-51,0 26,-25 49,0-24,0 49,0-50,0 1,0-1,0-24,0-26,0 26,0-50,0 0,0-25</inkml:trace>
-  <inkml:trace contextRef="#ctx0" brushRef="#br0" timeOffset="571590.6931">15280 16123,'25'0,"0"-25,-25 25,24 0,1 0,0 0,-25 0,50 50,-1-25,-24-1,0-24,-25 25,0-25,0 25,0 0,0 0,0-1,0 1,0-25,0 50,-25-50,0 25,25 0,-25-25,25 24,-24-24,-1 0,25 0,-25 0,25 0,-50 25,50-25,-24 0,-1 0,0 0,0 0,25 25,0-25,0 0,25 0,0 0,0 0,-1 25,1-25,0 25,0-1,0 1,-1 0,26 25,-25-26,0-24,-1 0,1 0,-25 0,50 25,0-25,-26 0,1 0,0 0,-25 25,50 0,-50-25,0 25,0-25,0 24,0 1,0-25,0-25,0 25</inkml:trace>
+  <inkml:trace contextRef="#ctx0" brushRef="#br0" timeOffset="570295.619">15280 16148,'0'25,"0"24,0 26,25-51,0 26,-25 49,0-24,0 49,0-50,0 1,0-1,0-24,0-26,0 26,0-50,0 0,0-25</inkml:trace>
+  <inkml:trace contextRef="#ctx0" brushRef="#br0" timeOffset="571590.693">15280 16123,'25'0,"0"-25,-25 25,24 0,1 0,0 0,-25 0,50 50,-1-25,-24-1,0-24,-25 25,0-25,0 25,0 0,0 0,0-1,0 1,0-25,0 50,-25-50,0 25,25 0,-25-25,25 24,-24-24,-1 0,25 0,-25 0,25 0,-50 25,50-25,-24 0,-1 0,0 0,0 0,25 25,0-25,0 0,25 0,0 0,0 0,-1 25,1-25,0 25,0-1,0 1,-1 0,26 25,-25-26,0-24,-1 0,1 0,-25 0,50 25,0-25,-26 0,1 0,0 0,-25 25,50 0,-50-25,0 25,0-25,0 24,0 1,0-25,0-25,0 25</inkml:trace>
   <inkml:trace contextRef="#ctx0" brushRef="#br0" timeOffset="574038.8332">5705 16793,'0'0,"0"0,50 0,-25 0,0 0,-1 0,-24 0,50 0,-50 0,0 0,0 0,50 0,-26 0,-24 0,50 0,0 0,-1 0,-24 0,50 25,-1-1,-24-24,-1 0,26 0,-26 0,1 0,49 0,-49 0,-1 0,-24 0,25 0,-1 0,1 0,-1 0,-24 0,25 0,-25 0,49 0,-49 0,0 0,0 0,-1 0,1 0,-25 25,25-25,0 0</inkml:trace>
   <inkml:trace contextRef="#ctx0" brushRef="#br0" timeOffset="576806.9915">17711 17115,'25'0,"-25"0,0 0,74 0,25 0,-24 0,-26 0,-24 0,0 0,-25 0,0 0,-25 25</inkml:trace>
   <inkml:trace contextRef="#ctx0" brushRef="#br0" timeOffset="577367.0235">17761 17363,'24'-25,"1"25,50 0,-1 0,-49 0,0 0,24 0,-24 0,-25 0,25 0,0 0,-25 0,24 0,-24 0,50 0,-25 0,24 0</inkml:trace>
   <inkml:trace contextRef="#ctx0" brushRef="#br0" timeOffset="577967.0578">18381 17041,'0'0,"0"25,24 24,-24 1,25-1,-25 1,0 0,0-26,0 1,0 25,0-50,0 25</inkml:trace>
-  <inkml:trace contextRef="#ctx0" brushRef="#br0" timeOffset="580343.1937">5854 14883</inkml:trace>
+  <inkml:trace contextRef="#ctx0" brushRef="#br0" timeOffset="580343.1936">5854 14883</inkml:trace>
   <inkml:trace contextRef="#ctx0" brushRef="#br0" timeOffset="584975.4587">5805 16892,'24'50,"26"-50,0 0,24 0,-49 0,24 0,-24 0,25 0,-50 0,25 0,24 0,-24 0,25 0,-25 0,-1 0,26 0,-25 0,0 24,-1-24,1 25,0-25,25 0,-50 0,24 0,-24 0,25 0,0 0,-25 0,99 0,-49 0,-1 0,1 0,24 0,-74 0,25 0,-25 0,25 0,-25 0,25 0,0 0,-1 0,-24 0,25 0,0 0,-25 0</inkml:trace>
-  <inkml:trace contextRef="#ctx0" brushRef="#br0" timeOffset="588919.6843">10170 16842,'0'0,"50"0,-1 0,26 0,-25 0,24 0,-24 0,24 0,-24 0,-26 0,26-24,24 24,26 0,-1 0,25 0,49 0,-24 0,-49 24,24-24,-100 25,1-25,0 0,0 0,-25 0,-25 0,25 0,-25 0,-49 0,74 0,-25 0,0 0,0 0,-49 0,0 0,-1 0,-24 0,24 0,26 0,24 0,0 0,25 0,-49 0,49 0,-75 0,50 0,-49 0,49 0,-24 0,-1 0,0 0,1-25,-1 25,25 0,1 0,-1 0,0 0,-25 0,26 0,-1 0,-50 0,1 0,-1 0,26 0,-1 0,1 0,-1 0,50 0,0-24,25-1,24 0,1 25,0 0,24 0,-24-25,49 25,-49 0,-1 0,-24 0,0 0,0 0,-1 0,1 0,-25 0,25 0,25 0,-26-25,51 25,-26 0,1 0,0 0,-1 0,-24 0,0 0,0 0,24 0,-24 0,-25 0,50 0,-1 0,1 0,-1 0,-24 0,0 0,-25 0,0 0,-25 0,25 0,-25 0,1 0,24 0,-50 0,0 0,1 0,24 0,0 0,0 0,25 0,-24 0,-1 0,0 0,0 0,-24 0,-26 0,1 0,-1 0,26 0,24 0,-49 0,-1 0,1 0,-26 25,-24-25,75 0,49 0,0 0,25 0,-1 0,1 0,0 0,-25 0,25 0,0 0,74 0,0 0,0 0,1 0,-51 0,26 0,-26 0,1 0,-25 0,-25 0,49 0,-49 0,25 0,0 0,0 0,-25 0,0 0,0 0,-50 25,50-25,-25 0,25 0,-49 0,49 0,-75 0,1 0,24 0,-24 0,24 0,-24 0,-1 0,51 0,-1 0,0 0,0 0,0 0,-24 0,49 0,0 0,24 0,1 0,25 0,-25 0,0-25,-1 25,-24 0,25 0,-25 0</inkml:trace>
-  <inkml:trace contextRef="#ctx0" brushRef="#br0" timeOffset="590471.7731">5730 16842,'50'0,"24"-24,25 24,1-25,-26 25,25-25,1 25,-76 0,1 0,0 0,0 0,-25 0,25 0,-25 0,24 0,-24 0,25 0,0 0,-25 0,25 0,0 0,-1 0,-24 0,25 0,25 25,-25-25,-1 0,1 0</inkml:trace>
+  <inkml:trace contextRef="#ctx0" brushRef="#br0" timeOffset="588919.6842">10170 16842,'0'0,"50"0,-1 0,26 0,-25 0,24 0,-24 0,24 0,-24 0,-26 0,26-24,24 24,26 0,-1 0,25 0,49 0,-24 0,-49 24,24-24,-100 25,1-25,0 0,0 0,-25 0,-25 0,25 0,-25 0,-49 0,74 0,-25 0,0 0,0 0,-49 0,0 0,-1 0,-24 0,24 0,26 0,24 0,0 0,25 0,-49 0,49 0,-75 0,50 0,-49 0,49 0,-24 0,-1 0,0 0,1-25,-1 25,25 0,1 0,-1 0,0 0,-25 0,26 0,-1 0,-50 0,1 0,-1 0,26 0,-1 0,1 0,-1 0,50 0,0-24,25-1,24 0,1 25,0 0,24 0,-24-25,49 25,-49 0,-1 0,-24 0,0 0,0 0,-1 0,1 0,-25 0,25 0,25 0,-26-25,51 25,-26 0,1 0,0 0,-1 0,-24 0,0 0,0 0,24 0,-24 0,-25 0,50 0,-1 0,1 0,-1 0,-24 0,0 0,-25 0,0 0,-25 0,25 0,-25 0,1 0,24 0,-50 0,0 0,1 0,24 0,0 0,0 0,25 0,-24 0,-1 0,0 0,0 0,-24 0,-26 0,1 0,-1 0,26 0,24 0,-49 0,-1 0,1 0,-26 25,-24-25,75 0,49 0,0 0,25 0,-1 0,1 0,0 0,-25 0,25 0,0 0,74 0,0 0,0 0,1 0,-51 0,26 0,-26 0,1 0,-25 0,-25 0,49 0,-49 0,25 0,0 0,0 0,-25 0,0 0,0 0,-50 25,50-25,-25 0,25 0,-49 0,49 0,-75 0,1 0,24 0,-24 0,24 0,-24 0,-1 0,51 0,-1 0,0 0,0 0,0 0,-24 0,49 0,0 0,24 0,1 0,25 0,-25 0,0-25,-1 25,-24 0,25 0,-25 0</inkml:trace>
+  <inkml:trace contextRef="#ctx0" brushRef="#br0" timeOffset="590471.773">5730 16842,'50'0,"24"-24,25 24,1-25,-26 25,25-25,1 25,-76 0,1 0,0 0,0 0,-25 0,25 0,-25 0,24 0,-24 0,25 0,0 0,-25 0,25 0,0 0,-1 0,-24 0,25 0,25 25,-25-25,-1 0,1 0</inkml:trace>
   <inkml:trace contextRef="#ctx0" brushRef="#br0" timeOffset="591494.8316">6648 16123,'25'0,"24"74,1-49,-50 0,25 0,0 0,-1-25,-24 0,50-25,-50 0,50-25,-26 1,51-1,-50 1,-1 49,-24 0,25 0,0 0,-25 0,25 0,-25 0</inkml:trace>
   <inkml:trace contextRef="#ctx0" brushRef="#br0" timeOffset="592561.8926">10914 15825,'0'0,"0"25,0 0,0 25,0-26,25-24,-25 50,0-50,25 50,0-26,-25 1,0-25,0 0,25 25,-25-25,24 0,1-25,74-24,-49-51,74-24,0 50,-74 49,24 0,-74 25,25 0,-25 0,0 0</inkml:trace>
   <inkml:trace contextRef="#ctx0" brushRef="#br0" timeOffset="602535.4631">12676 17115,'0'0,"49"0,1 0,-25 0,24 0,26 0,-51 0,1 0,50 0,-26 0,1 0,24 0,-24 0,74 0,-50 0,50 0,-49 0,-26 0,1 0,0 0,-26 0,-24 0,25 0,-25 0,0 25,-49-25,-75 0,0 0,-1 0,26 0,25 0,-25 0,49 0,0 0,26 0,24 0,-25 0,-50 0,75 0,-74 0,24 0,26 0,-51 0,75 0,-25 0,-24 0,24 0,0 0,0 0,1 0,24 0,24 0,26 0,0 0,-50 0,24 0,26-25,-50 25,25 0,0 0,24 0,-49 0,25 0,-25 0,25 0,-25 0,25 0</inkml:trace>
-  <inkml:trace contextRef="#ctx0" brushRef="#br0" timeOffset="605095.6095">3448 14759,'-25'0,"25"25,-74 49,49-24,-49-1,24 26,25-26,-24 1,49-50,0 25,49-1,-49 1,25 50,-25-51,25 1,-25 25,0-50,25 50,0-26,-1 76,-24-51,50 50,-50-24,0-50,0-1,0 26,0-50,-50 50,1-1,24-24,-49 0,24-25,0 0,26 0,48 0,-24 0,25 0,0 0,25 49,-26-49,-24 25,25 0,-25-25,25 0,-25 25,0-25,0 49,0 1,25 49,-25-49,0 24,0-24,0 24,0-24,0 24,25-49,-25 25,0-25,0-1,0 1,0-25,24 25,-24 25,0-1,25 1,-25 49,0 25,0-25,0-49,0-1,0 1,0 0,0-50,0 49,0-49,0 50,0 0,0-26,0 1,0 25,0-25,0-25,0 24,0 1,0-25,0 0,0 25,0-25,25 25,-25 0,25-25,-25 24,25-24,-25 0</inkml:trace>
+  <inkml:trace contextRef="#ctx0" brushRef="#br0" timeOffset="605095.6094">3448 14759,'-25'0,"25"25,-74 49,49-24,-49-1,24 26,25-26,-24 1,49-50,0 25,49-1,-49 1,25 50,-25-51,25 1,-25 25,0-50,25 50,0-26,-1 76,-24-51,50 50,-50-24,0-50,0-1,0 26,0-50,-50 50,1-1,24-24,-49 0,24-25,0 0,26 0,48 0,-24 0,25 0,0 0,25 49,-26-49,-24 25,25 0,-25-25,25 0,-25 25,0-25,0 49,0 1,25 49,-25-49,0 24,0-24,0 24,0-24,0 24,25-49,-25 25,0-25,0-1,0 1,0-25,24 25,-24 25,0-1,25 1,-25 49,0 25,0-25,0-49,0-1,0 1,0 0,0-50,0 49,0-49,0 50,0 0,0-26,0 1,0 25,0-25,0-25,0 24,0 1,0-25,0 0,0 25,0-25,25 25,-25 0,25-25,-25 24,25-24,-25 0</inkml:trace>
   <inkml:trace contextRef="#ctx0" brushRef="#br0" timeOffset="623928.6867">1042 14833,'-25'25,"25"-25,-24 25,24-25,0 49,0-49,0 25,0 0,0 0,0-25,0 0,0 25,24-25,-24 0,0 24,50 1,-50-25,25 25,-25-25,25 0,-1 25,-24 0,25-25,-25 24,25-24,-25 0,25 0,0 0,-1 0,1-24,-25 24,25 0,-25-25,0 25,0-25,0 25,0-25,0 0,0 25,0-24,0-51,0 75,0-25,0 25,0 0,0-24,0 24,-25-25,0 25,25 0,-24 0,24 0,-25 0,0 0,25 0,-25 0,0 0,1 0,-1 0,25 0,-25 0,0 0,25 0,-25 0,25 0</inkml:trace>
-  <inkml:trace contextRef="#ctx0" brushRef="#br0" timeOffset="638191.5025">2307 11336,'0'0,"-25"49,1 51,-1-76,25 1,-25 25,0-50,25 49,-25-49,25 25,0 25,0-25,0-1,0 26,0-25,0 0,0-1,0-24,0 25,0 0,0 0,0 0,0 24,0 1,0-25,0-1,0 26,0 0,0 24,0-24,0-25,0 24,0-24,0-25,0 25,0 0,0-25,-24 24,24-24,-25 25,0 0,0-25,0 0,-24 0,24 0,0 0,25 0,0 50,0-50,25 24,-25-24,0 50,25-50,0 50,-1-26,1 1,-25 0,0 0,25 24,-25-49,0 25,0 0,0 0,0 24,0 26,0-26,0-24,0 0,0 25,0-1,0-24,0 0,0 25,0-50,0 49,0 1,0-25,0-1,0 26,0-25,25 0,-25-1,0 1,0 0,0-25,0 50,0-50,0 24,0 1,0 0,25 0,-25 0,0-1,0-24,0 25,24-25,-24 25,25-25,-25 0,25 25,0-25,-25 0</inkml:trace>
+  <inkml:trace contextRef="#ctx0" brushRef="#br0" timeOffset="638191.5024">2307 11336,'0'0,"-25"49,1 51,-1-76,25 1,-25 25,0-50,25 49,-25-49,25 25,0 25,0-25,0-1,0 26,0-25,0 0,0-1,0-24,0 25,0 0,0 0,0 0,0 24,0 1,0-25,0-1,0 26,0 0,0 24,0-24,0-25,0 24,0-24,0-25,0 25,0 0,0-25,-24 24,24-24,-25 25,0 0,0-25,0 0,-24 0,24 0,0 0,25 0,0 50,0-50,25 24,-25-24,0 50,25-50,0 50,-1-26,1 1,-25 0,0 0,25 24,-25-49,0 25,0 0,0 0,0 24,0 26,0-26,0-24,0 0,0 25,0-1,0-24,0 0,0 25,0-50,0 49,0 1,0-25,0-1,0 26,0-25,25 0,-25-1,0 1,0 0,0-25,0 50,0-50,0 24,0 1,0 0,25 0,-25 0,0-1,0-24,0 25,24-25,-24 25,25-25,-25 0,25 25,0-25,-25 0</inkml:trace>
   <inkml:trace contextRef="#ctx0" brushRef="#br0" timeOffset="648575.0964">11088 16247,'0'0,"25"25,0-25,-1 0,1 0,-25 25,25-25,-25 0,0 0,-50 0,50 0,-24 0,-26 0,50 24,-50 1,50-25,0 25,-24-25,24 25,24 0,1 0,0 24,-25-24,25-25,-25 0,0 0,0 25,-25-25,25 0,-25 0,25 25,0-1,-25 1,25-25,0 25,0 0,0 0,0-25,0 24,0-24</inkml:trace>
   <inkml:trace contextRef="#ctx0" brushRef="#br0" timeOffset="649735.1627">11758 16173,'0'0,"0"0,25 0,-25 24,24-24,-24 25,0 0,25 0,-25 0,25-1,0 26,-25-25,0 25,0-1,0-49,0 25,0-25,0 25,0-25,0 25,0-1,0-24,0 25,0-25,0 25,0 0,0 0,0-25,0 24,0 1,0-25,0 25,-25-25,25 25,0 0,-25-25,25 0,0 24,-25 1,25 0,0 0,0 0</inkml:trace>
   <inkml:trace contextRef="#ctx0" brushRef="#br0" timeOffset="662799.91">794 10021,'-50'0,"50"0,-24 25,-1 25,0-26,-25 26,26-25,-1 0,25-25,0 49,0 1,0-25,0-1,0 51,0-26,0-24,0 0,0 25,0-26,0 1,0-25,0 25,25 0,-25 0,24-25,1 49,25 1,-50-50</inkml:trace>
-  <inkml:trace contextRef="#ctx0" brushRef="#br0" timeOffset="669271.2801">819 10616,'0'0,"25"-24,-25 24,25-25,-25 25,24 0,-24-25,25 25,0 0,-25 50,0-50,0 24,0 1,0-25,0 25,0-25,0 25,0-25,0 25,0-1,25-24,0 0,-25 0,24 0,51 0,-50-49,-1 49,-24-25,25 25,-25-25,0 0,25 25,-25-49,0 24,0-25,0 26,0-1,0 0,0 0,-25 0,25 25,0-24,-25-1,25 25,-24-25,24 25,0 0,-25-25,25 0,0 25,0-24,0 24,0-25,0 25,0-25,0 0,0 25,0-25,0 25,25 0,-1 0,-24 0,25 0,0 0,0 0,24 0,-24 0,-25 0,0 0,25 0,0 0,0 25,24 0,-24-25,-25 0,25 25,-25 0,0-25,0 0,0 24,0-24,0 25,0 0,0 0,0 0,0-1,0 1,0 0,0 0,0-25,0 25,0-1,0 1,0 0,0 0,0-25,0 25,0-25,0 24,0 1,0-25,0 25,0 0,0 0,0-25,0 24,0 1,0 0,0-25,25 0,-1 0,-24 0,25 25,-25-25,25 0,0 0,-25 0,25 0,-25 0,24 0,-24 0,0 0,25 0,0 0,-25-25,0 0,0 25,0-25,0 1,0 24,-25-25,25 0,0 25,0-25,0 25,-25-49,25 24,0 0,0 25,0 0,25 0,0 0,-25 0</inkml:trace>
+  <inkml:trace contextRef="#ctx0" brushRef="#br0" timeOffset="669271.28">819 10616,'0'0,"25"-24,-25 24,25-25,-25 25,24 0,-24-25,25 25,0 0,-25 50,0-50,0 24,0 1,0-25,0 25,0-25,0 25,0-25,0 25,0-1,25-24,0 0,-25 0,24 0,51 0,-50-49,-1 49,-24-25,25 25,-25-25,0 0,25 25,-25-49,0 24,0-25,0 26,0-1,0 0,0 0,-25 0,25 25,0-24,-25-1,25 25,-24-25,24 25,0 0,-25-25,25 0,0 25,0-24,0 24,0-25,0 25,0-25,0 0,0 25,0-25,0 25,25 0,-1 0,-24 0,25 0,0 0,0 0,24 0,-24 0,-25 0,0 0,25 0,0 0,0 25,24 0,-24-25,-25 0,25 25,-25 0,0-25,0 0,0 24,0-24,0 25,0 0,0 0,0 0,0-1,0 1,0 0,0 0,0-25,0 25,0-1,0 1,0 0,0 0,0-25,0 25,0-25,0 24,0 1,0-25,0 25,0 0,0 0,0-25,0 24,0 1,0 0,0-25,25 0,-1 0,-24 0,25 25,-25-25,25 0,0 0,-25 0,25 0,-25 0,24 0,-24 0,0 0,25 0,0 0,-25-25,0 0,0 25,0-25,0 1,0 24,-25-25,25 0,0 25,0-25,0 25,-25-49,25 24,0 0,0 25,0 0,25 0,0 0,-25 0</inkml:trace>
   <inkml:trace contextRef="#ctx0" brushRef="#br0" timeOffset="669967.32">2084 10592,'0'24,"0"1,0 0,0-25,0 25,0 0,-25-25,25 24,0 1,0 0,-25-25,25 25,0-25,0 0</inkml:trace>
   <inkml:trace contextRef="#ctx0" brushRef="#br0" timeOffset="670888.3726">2506 10120,'0'0,"49"0,1 0,-1 0,26 0,-26 25,1-25,0 25,-1-25,-49 0,25 0,-25 0,50 0,-50 0,25 0,-25 0,24 0</inkml:trace>
   <inkml:trace contextRef="#ctx0" brushRef="#br0" timeOffset="671631.4151">2654 10145,'0'0,"0"50,0-1,0 1,0 0,0-1,0 26,0-26,0 50,0-49,0 24,0-74,0 50,0 0,0-26,0 1,0 25,0-25,0-1,0 26,0-25,0 0,0-25</inkml:trace>
   <inkml:trace contextRef="#ctx0" brushRef="#br0" timeOffset="672399.4591">2679 10641,'0'0,"0"0,0-49,0 49,0-50,0 50,0-25,0 25,75 0,-51-25,1 25,0 0,0 0,0 0,-25 0,24 0,1 0,-25 0,25 0</inkml:trace>
   <inkml:trace contextRef="#ctx0" brushRef="#br0" timeOffset="673087.4984">3572 10740,'0'0,"0"50,0-50,-25 25,1 0,24-1,-25 1,25 0,0-25,0 25</inkml:trace>
   <inkml:trace contextRef="#ctx0" brushRef="#br0" timeOffset="675639.6444">4044 10096,'0'49,"0"-24,0 25,0 24,0 0,0 1,0 24,0-25,0-24,0 49,0-24,0-1,0 0,0-24,0-25,0 0,0-25,0 24</inkml:trace>
-  <inkml:trace contextRef="#ctx0" brushRef="#br0" timeOffset="676799.7107">4068 10170,'25'0,"0"0,-25-25,0 0,25 25,0 0,-1 0,1 0,-25 0,50 0,-50 0,49 25,-24-25,-25 0,25 25,0-25,0 25,-1-25,1 0,-25 0,25 0,-25 25,25-25,-25 24,0 1,0 0,0 0,0 0,0-1,0 1,0-25,-25 0,0 0,25 0,-25 0,1 0,-1 0,25 0,-25 0,0 0,25 0,-25 0,25 0,-24 0,24 0,-25 0,0 0,25 0,-25 0,25 0,-25 0,1 0,24 0,-25 0,25 0,-25 0,25 0,0 0,-25 0,0 0,25 0,-24 0</inkml:trace>
+  <inkml:trace contextRef="#ctx0" brushRef="#br0" timeOffset="676799.7106">4068 10170,'25'0,"0"0,-25-25,0 0,25 25,0 0,-1 0,1 0,-25 0,50 0,-50 0,49 25,-24-25,-25 0,25 25,0-25,0 25,-1-25,1 0,-25 0,25 0,-25 25,25-25,-25 24,0 1,0 0,0 0,0 0,0-1,0 1,0-25,-25 0,0 0,25 0,-25 0,1 0,-1 0,25 0,-25 0,0 0,25 0,-25 0,25 0,-24 0,24 0,-25 0,0 0,25 0,-25 0,25 0,-25 0,1 0,24 0,-25 0,25 0,-25 0,25 0,0 0,-25 0,0 0,25 0,-24 0</inkml:trace>
   <inkml:trace contextRef="#ctx0" brushRef="#br0" timeOffset="677775.7666">4837 10071,'25'0,"25"0,-50 0,49 25,-24-1,-25-24,25 0,0 50,0-50,-1 25,1 24,0-24,-25 0,25-25,-25 25,0 0,0-25,0 24,0-24,0 25,0 0,-25 25,25-1,0-24,0 0,0 24,0-24,-25 0,25 49,-25-74,25 0,0 25,0-25,0 25,-24 0,-1-25,25 25,-25-1,-25 26,50-50,-49 0,49 25,-25-25,25 0,-25 0,0 0,0 0,25 0,-24 0,24 0</inkml:trace>
   <inkml:trace contextRef="#ctx0" brushRef="#br0" timeOffset="678536.8101">3994 11212</inkml:trace>
   <inkml:trace contextRef="#ctx0" brushRef="#br0" timeOffset="679806.8827">4019 11212,'0'0,"25"0,-25 0,74 0,25 0,0 0,-24 0,-26 0,26 0,-75 0,0 25,0-25,-25 24,25-24,-25 0,-49 0,-75 0,50 0,0 0,24 0,1 0,74 0,0 0,124 0,-75 0,51 0,-26 0,0 0,-49 0,0 0,-25 0,0 0,-50 0,26 0,-1 0,-25 0,25 0,1 0,-1 0,0 0,75 0,-1 0,26 0,-75 0,24 0,-24 0,0 0,-24 0,-51 0,75 0,-25 0,25 0,25 0,50 0,-26 0,-24 0,25 0,-50 0,24 0,1 0,0 0,-50 0</inkml:trace>
@@ -748,57 +748,57 @@
   <inkml:trace contextRef="#ctx0" brushRef="#br0" timeOffset="1409.0806">16719 10145,'0'0,"25"50,24-1,26 51,24 24,-50-50,-24 25,25-49,-50-25,25-25,-25 24,24-24,-24 0,25 0,0 0,25 0,-1 0,-24 0,25-49,-26-1,26 25,-50 25,25-49,24-26,1 26,24-26,-49 26,50 49,-50-25,-1 25,-24 0,25 0</inkml:trace>
   <inkml:trace contextRef="#ctx0" brushRef="#br0" timeOffset="5111.2923">3746 12179,'0'0,"0"0,49 0,1 0,0 0,24 0,-49 0,25 0,-1 0,1 0,-25 0,49 0,-49 0,24 0,-49 0,50 0,-50 0,25 0,24 0,-49 0,25 0,0 0,25 0,24 0,-24 0,-1 0,1 0,49 0,0 0,25 0,-49 0,24 0,0 0,0 0,50 0,-74 0,24 0,0 0,-25 0,75 0,-25 0,0 0,25 0,0 0,-50 0,-24 0,24 0,-50 0,26 0,-26 0,1 0,49 0,-49 0,24 0,1 0,-1 0,25 0,-49 0,0 0,-26 25,1-25,0 25,49 0,1-25,-1 24,1 1,-1-25,-24 0,24 25,-24-25,24 0,-49 0,0 0,24 0,-24 0,0 0,0 0,-25 0,49 0,-49 0,25 0,-25 25,124-25,-25 0,-24 0,49 0,-50 0,-24 0,-1 0,-24 0</inkml:trace>
   <inkml:trace contextRef="#ctx0" brushRef="#br0" timeOffset="15783.9028">3820 12229,'-49'0,"-1"-25,25-25,-24 1,-1 24,0-50,-24 26,49 24,-24 0,49 0,-25 1,0-26,25 50,-50-50,50 50,0-24,-24 24,24-25,0 0,0-74,0 24,0 26,0-26,0 1,0 24,0 26,0-26,24 50,1-50,0 25,0-24,-25 49,74-50,-49 1,0 24,49 0,-49-25,0 50,0 0,49-49,25-1,-24 50,-1-49,100-1,-100 0,-24 50,-1 0,26 0,-1 0,25-24,100-1,-26 0,1 0,25-24,-51 24,51 25,-125-25,75 25,49-25,75 25,-74 0,49 0,-25 0,25 0,25 0,-99 0,-50 0,74 0,-49 0,25 0,24 0,-49 0,0 25,-25 0,0 0,-50-1,0 1,26 25,-51-50,1 25,0 24,49-24,-74-25,-1 50,1-26,25 1,-25 0,-1 25,26-26,0 51,-1-50,-24 24,49 1,-49-25,25 24,-25-49,-1 50,-24-50,25 50,0-26,-25 1,0 0,0 25,0-1,0 1,0 24,-25-49,0 25,-24-1,24-24,-49 49,49-49,-25 25,-24-50,74 49,-50-49,50 0,-25 25,1-25,-26 25,0 0,1-25,-1 49,25-49,1 0,-26 25,0-25,1 0,-26 50,26-50,-26 0,26 0,-1 0,0 0,26 0,-51 0,75 0,-25 0,1 25,-1-25,25 0,-50 0,25 24,1-24,-26 25,-24-25,49 25,-25-25,1 0,49 0,-25 0,-25 0,25 25,-24 0,-1-25,1 0,-1 25,-25-1,1 1,24-25,26 0,-1 0,-25 0,50 0</inkml:trace>
-  <inkml:trace contextRef="#ctx0" brushRef="#br0" timeOffset="20096.1494">10170 12129,'0'0,"25"0,49 0,1 0,-1 0,-24 0,0 0,24 0,-24 0,-1 0,-49 0,25 0,-25 0,25 0,24 0,-49 0,25 0,0 0,0 0,-25 0,25 0,-1 0,26 0,-50 0,0 25,0-25,25 0,24 0,-24-25,25 25,-1 0,-24 0,0 0,25 0,-50 0,24 0,1 0,0 0,-25 0,25 0,0 0,0 0,-1 0,1 0,0 0,25 0,-50 0,24 0,1 0,0 0,-25 0,0 0,-50 0,-24 0,0 0,-1 0,1 0,24 25,0-25,26 0,-1 0,0 0,0 0,0 0,1 0,-26 0,25 0,-49 0,-1 0,26 0,-1 0,25 0,-24 0,24 0,25 0,-25 0,0 0,1 25,24-25,-25 0,0 0,0 25,0-25,1 0,-26 0,0 0,1 0,-26 0,50 0,1 0,24 0,-25 0,0 0,0 0,25 0,-25 0,1 0,-1 0,-25 0,1 0,24 0,-25 0,25 0,25 0,-24 0,-1 0,-25 0,50 0,0 0,25 0,25 0,-26 0,26 0,24 0,1 0,-1 0,-24 0,49 0,-74 0,0 0,-25 0,49 0,-49 0,25 0,25 0,-25 0,-1 0,-24 0,25 0,0 0,0 0,0 0,24 0,-24 0,25 0,-1 0,-24 0,0 0,24 0,-24 0,0 0,-25 0,25 0,0 0,-1 0,26 0,-25 0,0 0,-1 0,1 0,0 0,-25 0,25 0,-25 0,49 0,-49 0,50 0,-25 0,0 0,-1 0,26 0,-25 0,0 0,24 0,-49 0,50 0,0 0,-50 0,24 0,-24 0,50 0,-50 0,25 0,-25 0</inkml:trace>
+  <inkml:trace contextRef="#ctx0" brushRef="#br0" timeOffset="20096.1493">10170 12129,'0'0,"25"0,49 0,1 0,-1 0,-24 0,0 0,24 0,-24 0,-1 0,-49 0,25 0,-25 0,25 0,24 0,-49 0,25 0,0 0,0 0,-25 0,25 0,-1 0,26 0,-50 0,0 25,0-25,25 0,24 0,-24-25,25 25,-1 0,-24 0,0 0,25 0,-50 0,24 0,1 0,0 0,-25 0,25 0,0 0,0 0,-1 0,1 0,0 0,25 0,-50 0,24 0,1 0,0 0,-25 0,0 0,-50 0,-24 0,0 0,-1 0,1 0,24 25,0-25,26 0,-1 0,0 0,0 0,0 0,1 0,-26 0,25 0,-49 0,-1 0,26 0,-1 0,25 0,-24 0,24 0,25 0,-25 0,0 0,1 25,24-25,-25 0,0 0,0 25,0-25,1 0,-26 0,0 0,1 0,-26 0,50 0,1 0,24 0,-25 0,0 0,0 0,25 0,-25 0,1 0,-1 0,-25 0,1 0,24 0,-25 0,25 0,25 0,-24 0,-1 0,-25 0,50 0,0 0,25 0,25 0,-26 0,26 0,24 0,1 0,-1 0,-24 0,49 0,-74 0,0 0,-25 0,49 0,-49 0,25 0,25 0,-25 0,-1 0,-24 0,25 0,0 0,0 0,0 0,24 0,-24 0,25 0,-1 0,-24 0,0 0,24 0,-24 0,0 0,-25 0,25 0,0 0,-1 0,26 0,-25 0,0 0,-1 0,1 0,0 0,-25 0,25 0,-25 0,49 0,-49 0,50 0,-25 0,0 0,-1 0,26 0,-25 0,0 0,24 0,-49 0,50 0,0 0,-50 0,24 0,-24 0,50 0,-50 0,25 0,-25 0</inkml:trace>
   <inkml:trace contextRef="#ctx0" brushRef="#br0" timeOffset="21304.2185">15354 11956,'25'0,"-25"0,25 0,-25 25,25-25,0 0,24 0,-24 0,0 0,-25-25,49 0,1 25,25 0,-51 0,51-25,-1-24,1 24,-51-25,26 50,-25 0,0-25,24 25,1-74,49 24,-74 1,99-75,-50 49,25 26,-24-26,-25 75</inkml:trace>
   <inkml:trace contextRef="#ctx0" brushRef="#br0" timeOffset="35992.0586">9029 13841,'0'0,"25"0,-25 25,0 24,25-24,-25 25,25 49,-25-25,0 26,24 24,-24 0,0 74,0-148,0-25,0-1,0 1,0-25,0 0,0-25,0 25</inkml:trace>
   <inkml:trace contextRef="#ctx0" brushRef="#br0" timeOffset="36903.1107">9128 13816,'0'0,"0"0,25 0,0 0,0 0,0 0,-1 0,1 0,0 0,-25 25,25 0,-25 0,25-25,-25 0,0 49,0-49,0 25,0-25,0 50,0-50,0 24,0 1,0 0,-25 0,25-25,0 49,-50-24,25 0,1 0,-1 24,-25-49,25 25,1-25,-1 25,0-25,0 0,50-25</inkml:trace>
-  <inkml:trace contextRef="#ctx0" brushRef="#br0" timeOffset="37575.1491">9798 13742,'0'25,"0"-25,0 24,-25-24,1 25,24 0,0 0,-25 0,25-1,-25 1,25 0,-25 0,25-25,0 25,-25-1,25-24,0 25,0-25,0 50,0-25,0-1,0 26,0-25,0 0,0-1,0 26,0-25,0 0,50 0,-50 24,25-49,0 0,-25 0,24 25,26-25,-50 0,50 0,-50 0,24 0,-24 0,0 0</inkml:trace>
+  <inkml:trace contextRef="#ctx0" brushRef="#br0" timeOffset="37575.149">9798 13742,'0'25,"0"-25,0 24,-25-24,1 25,24 0,0 0,-25 0,25-1,-25 1,25 0,-25 0,25-25,0 25,-25-1,25-24,0 25,0-25,0 50,0-25,0-1,0 26,0-25,0 0,0-1,0 26,0-25,0 0,50 0,-50 24,25-49,0 0,-25 0,24 25,26-25,-50 0,50 0,-50 0,24 0,-24 0,0 0</inkml:trace>
   <inkml:trace contextRef="#ctx0" brushRef="#br0" timeOffset="38408.1968">9947 14114,'25'0,"-25"0,25 0,-25 25,24 49,-24-24,0-26,0 1,25-25,0 0,-25 0,25 0,0 50,24-25,1 0,-25-1,-1 1,1 0,-25-25</inkml:trace>
   <inkml:trace contextRef="#ctx0" brushRef="#br0" timeOffset="38800.2192">10245 14139,'0'0,"-25"0,25 24,-25 1,25-25,-74 75,24-51,25 26,0 0,1-25,24 24,0-49,0 25,0-25,0 25,0-25,0 0,49 0,-49 0,50 0</inkml:trace>
-  <inkml:trace contextRef="#ctx0" brushRef="#br0" timeOffset="39183.2411">10443 14213,'25'0,"-25"0,25 0,-25 0,49 0,1 0,-25 0,0 25,-1-25,1 0,-25 0,-25 0,1 0</inkml:trace>
-  <inkml:trace contextRef="#ctx0" brushRef="#br0" timeOffset="39567.2631">10493 14486,'0'0,"25"0,24 0,-24 0,0 0,24 0,1 0,-50 0,25-25,-25 25,0 0,0 0</inkml:trace>
-  <inkml:trace contextRef="#ctx0" brushRef="#br0" timeOffset="40199.2992">10939 14287,'0'0,"0"25,0 0,0-25,25 50,-25-1,25-24,-25 25,0-1,25-24,-25 0,24 0,1 0,25-25,-25-25,-1 0,-24-25,25 1,-25 24,0-25,25 26,0-1,-25 0,0 25,0-25,0 0,0 25,-25 0,25 0,-25 0,25 0,-49 0,24 0,25 0,-25 0,0 0,25 0,0 0,-25 25,25-25</inkml:trace>
+  <inkml:trace contextRef="#ctx0" brushRef="#br0" timeOffset="39183.241">10443 14213,'25'0,"-25"0,25 0,-25 0,49 0,1 0,-25 0,0 25,-1-25,1 0,-25 0,-25 0,1 0</inkml:trace>
+  <inkml:trace contextRef="#ctx0" brushRef="#br0" timeOffset="39567.263">10493 14486,'0'0,"25"0,24 0,-24 0,0 0,24 0,1 0,-50 0,25-25,-25 25,0 0,0 0</inkml:trace>
+  <inkml:trace contextRef="#ctx0" brushRef="#br0" timeOffset="40199.2991">10939 14287,'0'0,"0"25,0 0,0-25,25 50,-25-1,25-24,-25 25,0-1,25-24,-25 0,24 0,1 0,25-25,-25-25,-1 0,-24-25,25 1,-25 24,0-25,25 26,0-1,-25 0,0 25,0-25,0 0,0 25,-25 0,25 0,-25 0,25 0,-49 0,24 0,25 0,-25 0,0 0,25 0,0 0,-25 25,25-25</inkml:trace>
   <inkml:trace contextRef="#ctx0" brushRef="#br0" timeOffset="40775.3322">11609 13866,'0'25,"25"-25,-25 0,25 0,-25 49,49 1,-49 24,50-24,-50-1,49 1,-49 24,50 26,-50-51,0-24,0 25,0-50,0 25,0-25,-25 24,25 1,-25-25,1 25,-26 0,25 24,0-49,1 75,-1-75,25 25,0 24,0-49,0 25,0-25,0 0</inkml:trace>
   <inkml:trace contextRef="#ctx0" brushRef="#br0" timeOffset="41367.3661">12204 14263,'25'0,"0"0,24 0,1 0,-25 0,24 0,-24 0,25 0,0 0,-26 0,-24 0,25 0</inkml:trace>
   <inkml:trace contextRef="#ctx0" brushRef="#br0" timeOffset="42207.4141">12427 14511,'0'0,"0"0,25 0,0 0,25 0,-50 0,25 0,-25 0,24 0,1 0,-25 0</inkml:trace>
   <inkml:trace contextRef="#ctx0" brushRef="#br0" timeOffset="42863.4516">13097 14089,'0'0,"0"25,0 0,25 24,-25 1,0 49,0-24,25-1,-25-49,0 24,0 1,0-25,0 0,0-1,0-24,0 50,0-50,0 25,0 0,0-1,0-24,0 25</inkml:trace>
   <inkml:trace contextRef="#ctx0" brushRef="#br0" timeOffset="44479.5441">15206 14486,'0'0,"0"0,0 25,0-25,0 25,0-25,0 24,0 1,24 25,1-25,-25 24,25 1,-25-25,0-1,25 1,-25-25,0 25,25-25,-1 0,-24 25,0-25,25 0,0 0,0 0,-25 0,25 0,-25 0,0 0,24-25,1-49,-25 74,0-25,0 25,0-25,25 0,-25 25,0-25,0 1,0-1,0 0,0 0,0 0,0-24,-25 24,25 0,0 25,0 0,-25 0,25-25,-24 25,-1 0,0-24,0 24,0 0,1-25,24 25,-25 0,0 0,25 0,0 25,0-25,-25 0,25 0,-25 0,1 0,24 24,-50 1,50 0,-25-25,25 25,0-25,0 25</inkml:trace>
   <inkml:trace contextRef="#ctx0" brushRef="#br0" timeOffset="50007.8603">9203 15180,'49'0,"1"0,0 0,24 0,1 0,73-24,-48-1,98 0,-49 0,-50 25,-25-25,-24 25,-50 0,25 0,0 0,0 0,-25 0,49 0,-49 0,50 0,-1 0,26 0,-1 0,25 0,1 0,24 0,49 0,26 0,-50 0,49 0,75 0,-75 0,25 0,1 0,-26 0,-24 0,-1 0,-24 0,-50 0,75 0,-75 0,50 0,-25 0,-25 0,25-24,-74 24,0 0,-26 0,1 0,0 0,0 0,0 0,24-25,-24 25,25 0,-25-25,49 25,-74 0,25 0,0 0,-1 0,1 0,0 0,49 0,75 0,-74 0,24 0,-25 0,1 0,-51 0,1 0,25 0,-50 0,25 0,-25 0</inkml:trace>
-  <inkml:trace contextRef="#ctx0" brushRef="#br0" timeOffset="52480.0017">16843 13767,'0'0,"-25"-25,25 25,0 25,0-25,0 24,0 51,0-1,0 1,0-51,0 26,0 24,0-49</inkml:trace>
-  <inkml:trace contextRef="#ctx0" brushRef="#br0" timeOffset="65095.7232">10071 16619,'0'0,"0"0,25 0,0 25,24-25,1 25,49-25,0 0,-24 0,-1 0,-24 0,-25 0,-1 0,-24 0,25 0,-25 0,50 0,-50 0,49 0,-24 0,0 0,0 0,0 0,-1 0,26 0,-50 0,25 0,-25 0,49 0,26 0,-26 0,1 0,24 0,-24 0,-25 0,0 0,-25-25,0 25,0-25,0 0,0 1,0-26,0 25,0 0,0-24,0 49,-25-25,25 25,0-25,0 0,0 25,0-25,0 25,-25-24,0-26,0 0,25 1,-24 49,24-25,-25 25,0-25,25 0,0 25,-25-24,0 24,25-25,-24 25,24 0,-25 0,25 0,-25 0,0 0,0 0,25 0,-24 0,-1-25,0 25,25 0,-25 0,0-25,25 25,-24 0,24 0,-50 0,0 0,50 0,-49 0,-1 0,50 0,-25 0,1 0,24-25,-25 25,25-24,-25 24,25 0,-25 0,0 0,25 0,-24 0,-1 0,0 0,0 0,0-25,-24 25,49 0,-25 0,-25 0,50 0,-25 0,1 0,-1 0,25 0,-25 0,25 0,-50 25,50-25,-24 0,-1 0,0 0,25 0,-25 24,25-24,-25 0,1 0,24 25,0-25,-25 0,25 25,0 0,0-25,0 25,0-1,0 1,0 0,0 0,-25 0,25-1,0 1,0 0,0-25,0 25,0 0,0-25,0 24,0-24,0 0,25 25,-25-25,25 0,-1 50,-24-50,0 0,25 25,-25-25,25 0,0 0,0 25,-1 24,-24-49,25 25,-25-25,25 0,0 25,0 0,-25-25,24 0,1 24,-25-24,0 25,-25-25</inkml:trace>
+  <inkml:trace contextRef="#ctx0" brushRef="#br0" timeOffset="52480.0016">16843 13767,'0'0,"-25"-25,25 25,0 25,0-25,0 24,0 51,0-1,0 1,0-51,0 26,0 24,0-49</inkml:trace>
+  <inkml:trace contextRef="#ctx0" brushRef="#br0" timeOffset="65095.7231">10071 16619,'0'0,"0"0,25 0,0 25,24-25,1 25,49-25,0 0,-24 0,-1 0,-24 0,-25 0,-1 0,-24 0,25 0,-25 0,50 0,-50 0,49 0,-24 0,0 0,0 0,0 0,-1 0,26 0,-50 0,25 0,-25 0,49 0,26 0,-26 0,1 0,24 0,-24 0,-25 0,0 0,-25-25,0 25,0-25,0 0,0 1,0-26,0 25,0 0,0-24,0 49,-25-25,25 25,0-25,0 0,0 25,0-25,0 25,-25-24,0-26,0 0,25 1,-24 49,24-25,-25 25,0-25,25 0,0 25,-25-24,0 24,25-25,-24 25,24 0,-25 0,25 0,-25 0,0 0,0 0,25 0,-24 0,-1-25,0 25,25 0,-25 0,0-25,25 25,-24 0,24 0,-50 0,0 0,50 0,-49 0,-1 0,50 0,-25 0,1 0,24-25,-25 25,25-24,-25 24,25 0,-25 0,0 0,25 0,-24 0,-1 0,0 0,0 0,0-25,-24 25,49 0,-25 0,-25 0,50 0,-25 0,1 0,-1 0,25 0,-25 0,25 0,-50 25,50-25,-24 0,-1 0,0 0,25 0,-25 24,25-24,-25 0,1 0,24 25,0-25,-25 0,25 25,0 0,0-25,0 25,0-1,0 1,0 0,0 0,-25 0,25-1,0 1,0 0,0-25,0 25,0 0,0-25,0 24,0-24,0 0,25 25,-25-25,25 0,-1 50,-24-50,0 0,25 25,-25-25,25 0,0 0,0 25,-1 24,-24-49,25 25,-25-25,25 0,0 25,0 0,-25-25,24 0,1 24,-25-24,0 25,-25-25</inkml:trace>
   <inkml:trace contextRef="#ctx0" brushRef="#br0" timeOffset="69527.9767">1389 16768,'0'0,"0"25,0 24,25-24,-25 0,25 0,-25-25,0 25,0-1,0-24,0 25,0-25,0 25,0 0,0 0,0 49</inkml:trace>
   <inkml:trace contextRef="#ctx0" brushRef="#br0" timeOffset="70320.022">943 17289,'0'0,"25"0,24 0,26 0,-1 0,25 25,50-25,-99 24,49-24,-49 25,74 0,-100-25,1 25,25-25,-50 0,25 0,49 0,-74 0,50 0,24 0,-24 0,-1 0,26 0</inkml:trace>
-  <inkml:trace contextRef="#ctx0" brushRef="#br0" timeOffset="71089.066">1513 17686,'0'0,"0"25,0-1,0 51,0-1,0 25,0-49,0 24,0 1,0-50,0-1,0-24,0 25,0-25,0 25,0-25</inkml:trace>
+  <inkml:trace contextRef="#ctx0" brushRef="#br0" timeOffset="71089.0659">1513 17686,'0'0,"0"25,0-1,0 51,0-1,0 25,0-49,0 24,0 1,0-50,0-1,0-24,0 25,0-25,0 25,0-25</inkml:trace>
   <inkml:trace contextRef="#ctx0" brushRef="#br0" timeOffset="72218.1306">1786 17636,'0'0,"-25"0,25 25,0-25,-49 50,49-1,0 1,0-50,0 25,0-25,0 0,0 24,25-24,-25 25,24-25,1 0,0 0,-25 25,0-25,0 25,0 0,-25-25,25 24,0 26,0-50,-25 0,25 0,0 0,-24 0,-1-25</inkml:trace>
   <inkml:trace contextRef="#ctx0" brushRef="#br0" timeOffset="72887.1689">2506 17487,'24'0,"-24"0,25 0,0 0,0 0,49 0,-49 0,25 0,-1 0,26 0,-1 0,-49 25,0-25,0 0,-1 0,-24 25</inkml:trace>
   <inkml:trace contextRef="#ctx0" brushRef="#br0" timeOffset="73416.1991">2927 17388,'0'0,"0"0,0 50,0-26,0 26,0-25,0 0,0 24,0-24,25-25,-25 0,25 0,0 0</inkml:trace>
   <inkml:trace contextRef="#ctx0" brushRef="#br0" timeOffset="73823.2224">3547 17438,'0'0,"25"0,0 0,74 0,50 0,0 0,0 0,-25 24,-50-24,-24 0,-25 0,-1 0</inkml:trace>
   <inkml:trace contextRef="#ctx0" brushRef="#br0" timeOffset="74727.2741">3994 17760,'0'0,"50"0,-26 0,-24 0,25 0,-25 0,0 0,0 25,0 0,0-25,0 25,0-25,0 24,0 1,0 0,0-25,0 25,-25 0,25-1,-24 1,24 25,-50-25,25-1,-74 51,49 24,1-99,49 0,-25 0,25 0,0 0,25 0,-25 0,24 0,1 0,-25 0,50 25,-1-25,1 25,0-25,-1 0,1 0,-25 0,0 0,-25 0</inkml:trace>
   <inkml:trace contextRef="#ctx0" brushRef="#br0" timeOffset="75500.3183">4341 17859,'0'0,"0"0,-25 0,1 0,24 0,-25 25,25 0,0-25,0 25,0 0,25-1,-1-24,1 0,0 0,-25 0,0 25,25-25,-25 25,0-25,0 25,0-25,0 0,0 25,-25-25,0 0,25 0,-25 0,25 0,-24 0,24 0,-25 0,0 0</inkml:trace>
-  <inkml:trace contextRef="#ctx0" brushRef="#br0" timeOffset="75999.3469">4118 16743,'0'0,"0"25,0 25,0-1,0-24,0 0,0 0,0-1,0 1,0 0,0 0,0-25,0 25,0-1,0 1,0-25</inkml:trace>
+  <inkml:trace contextRef="#ctx0" brushRef="#br0" timeOffset="75999.3468">4118 16743,'0'0,"0"25,0 25,0-1,0-24,0 0,0 0,0-1,0 1,0 0,0 0,0-25,0 25,0-1,0 1,0-25</inkml:trace>
   <inkml:trace contextRef="#ctx0" brushRef="#br0" timeOffset="76607.3817">4639 17587,'0'0,"25"0,-1 0,26 0,0 0,24 0,-24 0,-1 0,-24 0,25 0,-25 0,-1 0,-24 0</inkml:trace>
   <inkml:trace contextRef="#ctx0" brushRef="#br0" timeOffset="76951.4013">4912 17413,'0'0,"0"0,0 25,0-25,0 49,0 1,0 0,0-1,0 1,0-25,0 24,0-49,0 25</inkml:trace>
   <inkml:trace contextRef="#ctx0" brushRef="#br0" timeOffset="77255.4187">5482 17587,'0'0</inkml:trace>
   <inkml:trace contextRef="#ctx0" brushRef="#br0" timeOffset="77464.4307">5854 17587,'25'0</inkml:trace>
-  <inkml:trace contextRef="#ctx0" brushRef="#br0" timeOffset="77671.4425">6375 17611</inkml:trace>
-  <inkml:trace contextRef="#ctx0" brushRef="#br0" timeOffset="78111.4677">6970 17661,'25'0,"0"0,25 0,-26 0,26 0,-25 0,49 0,-49 0,0 0,-25 0,25 0,-25 0,25 0</inkml:trace>
-  <inkml:trace contextRef="#ctx0" brushRef="#br0" timeOffset="78527.4915">7219 17487,'0'25,"0"-25,0 25,0 0,0 0,0 24,0-24,0 0,0 49,24-24,-24-1,0-24,0 0,0 0,0-25,0 25</inkml:trace>
+  <inkml:trace contextRef="#ctx0" brushRef="#br0" timeOffset="77671.4424">6375 17611</inkml:trace>
+  <inkml:trace contextRef="#ctx0" brushRef="#br0" timeOffset="78111.4676">6970 17661,'25'0,"0"0,25 0,-26 0,26 0,-25 0,49 0,-49 0,0 0,-25 0,25 0,-25 0,25 0</inkml:trace>
+  <inkml:trace contextRef="#ctx0" brushRef="#br0" timeOffset="78527.4914">7219 17487,'0'25,"0"-25,0 25,0 0,0 0,0 24,0-24,0 0,0 49,24-24,-24-1,0-24,0 0,0 0,0-25,0 25</inkml:trace>
   <inkml:trace contextRef="#ctx0" brushRef="#br0" timeOffset="78991.518">7913 17760</inkml:trace>
   <inkml:trace contextRef="#ctx0" brushRef="#br0" timeOffset="79207.5304">8236 17785</inkml:trace>
-  <inkml:trace contextRef="#ctx0" brushRef="#br0" timeOffset="79415.5423">8459 17785</inkml:trace>
-  <inkml:trace contextRef="#ctx0" brushRef="#br0" timeOffset="92964.3172">7243 16619,'50'0,"-50"0,25 0,24 0,-49 0,25 0,0 0,-25 0,25 0,0 0,-25 0,49 0,-49 0,25 0,0 0,0 0,-1 0,1 0,-25 0,25 0,-25 0,50 0,-50 0,49 0,-24 0,25 0,-26 0,1 0,25 0,-25 25,-1-25,1 0,0 0,-25 0,25 0,-25 0,25 0,-1 0,26 0,0 0,-25 0,-1 0,-24 0,50 0,-50 0,25 0,0 0,-1 0</inkml:trace>
-  <inkml:trace contextRef="#ctx0" brushRef="#br0" timeOffset="94599.4108">9327 17785,'0'0,"25"0,0 25,-1-25,26 0,0 0,-1 0,26 0,-51 0,51 0,-26 0,1 0,0 0,24 25,0-25,1 0,24 0,-49 0,24 0,-49 0</inkml:trace>
-  <inkml:trace contextRef="#ctx0" brushRef="#br0" timeOffset="95615.4689">10195 17611,'0'25,"0"-25,25 25,24 0,-24 0,25 24,-50-49,25 0,-25 25,25-25,-25 0,24 25,1 0,-25-25,50 24,-25 1,-1 0,26 0,-25-25,0 0,-25 0,0 25,0-25,0 0,-25 0,0 24,25 1,-25-25,25 0,0 25,-25 0,1 0,-1-25,25 24,0-24,-25 0</inkml:trace>
+  <inkml:trace contextRef="#ctx0" brushRef="#br0" timeOffset="79415.5422">8459 17785</inkml:trace>
+  <inkml:trace contextRef="#ctx0" brushRef="#br0" timeOffset="92964.3171">7243 16619,'50'0,"-50"0,25 0,24 0,-49 0,25 0,0 0,-25 0,25 0,0 0,-25 0,49 0,-49 0,25 0,0 0,0 0,-1 0,1 0,-25 0,25 0,-25 0,50 0,-50 0,49 0,-24 0,25 0,-26 0,1 0,25 0,-25 25,-1-25,1 0,0 0,-25 0,25 0,-25 0,25 0,-1 0,26 0,0 0,-25 0,-1 0,-24 0,50 0,-50 0,25 0,0 0,-1 0</inkml:trace>
+  <inkml:trace contextRef="#ctx0" brushRef="#br0" timeOffset="94599.4107">9327 17785,'0'0,"25"0,0 25,-1-25,26 0,0 0,-1 0,26 0,-51 0,51 0,-26 0,1 0,0 0,24 25,0-25,1 0,24 0,-49 0,24 0,-49 0</inkml:trace>
+  <inkml:trace contextRef="#ctx0" brushRef="#br0" timeOffset="95615.4688">10195 17611,'0'25,"0"-25,25 25,24 0,-24 0,25 24,-50-49,25 0,-25 25,25-25,-25 0,24 25,1 0,-25-25,50 24,-25 1,-1 0,26 0,-25-25,0 0,-25 0,0 25,0-25,0 0,-25 0,0 24,25 1,-25-25,25 0,0 25,-25 0,1 0,-1-25,25 24,0-24,-25 0</inkml:trace>
   <inkml:trace contextRef="#ctx0" brushRef="#br0" timeOffset="97519.5778">11187 17859,'-25'0,"25"0,0 25,0 0,0 0,0-25,0 25,0-25,0 24,0 1,0-25,0 25,0-25,0 25,0-25,0 0,0 25,0-25,50 24,-50-24,25 0,-25 0,25 0,-1 0,-24 0,0 0,25 0,-25 0,0 0,25-24,-25-1,25 25,-25-25,0 25,0-25,0 25,0-25,0 1,0-1,0 25,0-50,0 25,0 1,0 24,0-25,-25 0,0 25,0-25,1 25,24 0,-25 0,0 0,25 0,-25 0,25 0,-25 0,25 25,-24 0,24 0</inkml:trace>
   <inkml:trace contextRef="#ctx0" brushRef="#br0" timeOffset="99439.6876">11559 16222,'0'0,"0"0,0 0,0 50,0-25,0-1,25 1,0 0,-25 25,0-50,0 25,25-1,-25 1,0-25,0 25,25-25,-1 0,-24 0,25-25,-25 0,25-24,0 49,-25 0,0-25,25 25,24-25,1-74,24 49,1 1,-1-1,-49 25,24 0,-24 1,-25 24</inkml:trace>
-  <inkml:trace contextRef="#ctx0" brushRef="#br0" timeOffset="105679.0445">447 16545,'49'0,"75"0,-24 0,49 0,-50 0,50 0,-50 0,-25 0,1 0,-51 0,51 0,-26 0,26 0,24 0,0 0,199 0,-124 0,-1 0,1 0,-50 0,0 0,25 0,-25 0,-50 25,100-25,-1 0,26 0,-26 0,-48 0,23 0,-73 0,-26 0,1 0,0 0,24 0,25 0,0 0,-24 0,49 0,-25 0,50 0,0 0,-50 0,25 0,0 0,-50 24,26-24,-1 0,0 0,124 0,-99 0,25 0,-50 0,25 0,0 0,50 0,-75 25,1-25,-1 0,0 0,0 0,0 0,-24 0,-1-49,50 49,0-25,0 25,-49 0,-26 0,-24 0,25 0,-50 0,25 0,49 0,0 0,50 0,50 0,-50 0,50-25,-26 25,-73 0,-1 0,-49 0,-25 0,25 0,-25 0,0 0</inkml:trace>
+  <inkml:trace contextRef="#ctx0" brushRef="#br0" timeOffset="105679.0444">447 16545,'49'0,"75"0,-24 0,49 0,-50 0,50 0,-50 0,-25 0,1 0,-51 0,51 0,-26 0,26 0,24 0,0 0,199 0,-124 0,-1 0,1 0,-50 0,0 0,25 0,-25 0,-50 25,100-25,-1 0,26 0,-26 0,-48 0,23 0,-73 0,-26 0,1 0,0 0,24 0,25 0,0 0,-24 0,49 0,-25 0,50 0,0 0,-50 0,25 0,0 0,-50 24,26-24,-1 0,0 0,124 0,-99 0,25 0,-50 0,25 0,0 0,50 0,-75 25,1-25,-1 0,0 0,0 0,0 0,-24 0,-1-49,50 49,0-25,0 25,-49 0,-26 0,-24 0,25 0,-50 0,25 0,49 0,0 0,50 0,50 0,-50 0,50-25,-26 25,-73 0,-1 0,-49 0,-25 0,25 0,-25 0,0 0</inkml:trace>
   <inkml:trace contextRef="#ctx0" brushRef="#br0" timeOffset="107503.1488">6028 17661,'25'-25,"74"25,0 0,0 0,-24 0,-75 0,49 0</inkml:trace>
   <inkml:trace contextRef="#ctx0" brushRef="#br0" timeOffset="108487.2051">5978 17909,'0'25,"25"24,0 1,-25 24,0-49,0 0,0-25,0 25,0 0,0-1,0-24,0 25,0 0,0 0,0-25,0 25,0-25,0 24,0-24,0 25,0 0,0 0,0-25,0-50,0 25,0 1,0-26,0 25,0-24,0-1,0-24,0-1,25 1,-25-1,24 75,-24-24,0 24,25 0,0 24,50 26,-75-25,24-25,26 49,-50-49,25 25,-25-25</inkml:trace>
-  <inkml:trace contextRef="#ctx0" brushRef="#br0" timeOffset="109176.2445">6499 17909,'0'0,"0"0,-25 0,25 0,-24 25,24-25,-25 25,25-1,0-24,0 25,0 0,0 0,25-25,-25 25,24-25,1 49,0-49,-25 0,0 0,25 25,-25-25,0 25,0 0,0-25,0 0,-25 0,0 0,25 0,-25 0,-24 0,49 0</inkml:trace>
+  <inkml:trace contextRef="#ctx0" brushRef="#br0" timeOffset="109176.2444">6499 17909,'0'0,"0"0,-25 0,25 0,-24 25,24-25,-25 25,25-1,0-24,0 25,0 0,0 0,25-25,-25 25,24-25,1 49,0-49,-25 0,0 0,25 25,-25-25,0 25,0 0,0-25,0 0,-25 0,0 0,25 0,-25 0,-24 0,49 0</inkml:trace>
   <inkml:trace contextRef="#ctx0" brushRef="#br0" timeOffset="109711.2751">6102 17066,'0'24,"0"1,0 0,0-25,0 50,0 49,0-50,0 26,0-50,0-1,0-24,0 25</inkml:trace>
   <inkml:trace contextRef="#ctx0" brushRef="#br0" timeOffset="110983.3479">3523 15528,'24'0,"-24"25,0 24,25 1,0-25,0 24,0 1,-25-25,0 24,24 26,-24-26,0-24,0 0,0 0,0-1,0-24,0 0,0 0,0-24,0-1,0 25,0-50,0 25,0 1,0-26,0 25,0 0,25-49,-25 49,25-24,-25 24,25 0,-25 25,25-25,-25 25,49 0,-49 0</inkml:trace>
   <inkml:trace contextRef="#ctx0" brushRef="#br0" timeOffset="111743.3913">4118 15379,'0'-25,"0"25,0 0,-25 0,0 0,25 0,-24 0,-1 0,0 25,25-25,0 25,0-25,0 25,0-1,0-24,0 25,25-25,24 25,-49 0,25-25,-25 25,25-25,0 24,-25-24,0 25,0-25,0 25,0 0,0-25,0 0,-25 25,25-25,-50 24,26 1,-26-25,25 0,25 0,-50 0,50 0,-24 0,24 0,-25 0</inkml:trace>
-  <inkml:trace contextRef="#ctx0" brushRef="#br0" timeOffset="112607.4408">3324 15304,'75'0,"123"0,-24 0,-26 0,-23 0,-76 0,26 0,-26 0,-49 0,50 0,-25 0,-1 0,26 0,-25 0,-25-24,25 24,-1 0</inkml:trace>
+  <inkml:trace contextRef="#ctx0" brushRef="#br0" timeOffset="112607.4407">3324 15304,'75'0,"123"0,-24 0,-26 0,-23 0,-76 0,26 0,-26 0,-49 0,50 0,-25 0,-1 0,26 0,-25 0,-25-24,25 24,-1 0</inkml:trace>
   <inkml:trace contextRef="#ctx0" brushRef="#br0" timeOffset="113143.4714">3820 14784,'0'49,"0"26,0-1,0-49,0 0,0 24,0 1,0-25,0 24,0-24,0 25,0-50,0 24,0 1</inkml:trace>
   <inkml:trace contextRef="#ctx0" brushRef="#br0" timeOffset="123607.0699">17587 15106,'25'0,"-25"0,49 0,26 0,-1 0,-24 0,-25 0,24 0,-49 0,25 0,-25 0,50 0,-1 0,-49 0,0 0</inkml:trace>
   <inkml:trace contextRef="#ctx0" brushRef="#br0" timeOffset="124432.1171">17661 15354,'25'-25,"50"25,-51-25,1 25,0 0,0 0,0 0,-1 0,26 0,0-24,-1 24,-24 0,0 0</inkml:trace>
@@ -807,17 +807,17 @@
   <inkml:trace contextRef="#ctx0" brushRef="#br0" timeOffset="134247.6785">20191 13915,'50'0,"-50"0,50 0,-1 0,1 0,-1 0,1-24,24-1,-24 0,-25 25,0 0,-25 0</inkml:trace>
   <inkml:trace contextRef="#ctx0" brushRef="#br0" timeOffset="134767.7082">20291 13965,'0'25,"-25"24,0 26,25 24,0 0,0 75,0-50,0-50,0-24,0 0,0-1,0 1,0 24,0-49,0 25,0-1,0 1,0-25,0-25,0 0,0-50,50-24</inkml:trace>
   <inkml:trace contextRef="#ctx0" brushRef="#br0" timeOffset="135360.7422">20291 14486,'0'0,"24"0,76 0,-51-25,1 25,-25 0,-1 0,1 0,0 0,-25 0,25-25,-25 25,25 0,-1 0,1-24</inkml:trace>
-  <inkml:trace contextRef="#ctx0" brushRef="#br0" timeOffset="155679.9044">19794 12204,'0'0,"25"0,75 0,-26 0,50 0,-25 0,-49 0,-25 0,-1 0</inkml:trace>
-  <inkml:trace contextRef="#ctx0" brushRef="#br0" timeOffset="156711.9634">19844 12378,'25'0,"0"0,0 0,-25 0,24 0,1 0,0 0,25 0,-1 24,1 1,-25-25,24 0,-49 25,25-25,0 0,-25 25,25 0,-25-25</inkml:trace>
+  <inkml:trace contextRef="#ctx0" brushRef="#br0" timeOffset="155679.9043">19794 12204,'0'0,"25"0,75 0,-26 0,50 0,-25 0,-49 0,-25 0,-1 0</inkml:trace>
+  <inkml:trace contextRef="#ctx0" brushRef="#br0" timeOffset="156711.9633">19844 12378,'25'0,"0"0,0 0,-25 0,24 0,1 0,0 0,25 0,-1 24,1 1,-25-25,24 0,-49 25,25-25,0 0,-25 25,25 0,-25-25</inkml:trace>
   <inkml:trace contextRef="#ctx0" brushRef="#br0" timeOffset="159200.1057">21109 11683,'0'0,"0"50,0-50,0 24,0 1,0 0,0-25,0 25,0 0,0-25,0 24,0-24,0 50,0 0,0-1,0-24,25 25,-25-26,25 51,-25-50,0 24,0-24,0 0,0 0,0-25,0 25,0-1,0 1,0 0,0 0,0-25,0 25,0-25,0 24,0 1,0 0,0 0,0 0,0-1,0-24,0 25,0 50,0-75,0 24,0-24,0 25</inkml:trace>
   <inkml:trace contextRef="#ctx0" brushRef="#br0" timeOffset="162479.2933">12328 16917,'25'0,"0"0,0 49,-1-49,1 0,0 50,-25-50,0 25,25 0,-25-25,0 24,0-24,25 25,-25-25,0 0,0 25,0 0,25-25,24 0,-24-25,49-25,1-24,24-25,25 49,-74-24,24 49,-24-25,-50 50,49-49,-49 49,25 0,-25 0,25-25</inkml:trace>
   <inkml:trace contextRef="#ctx0" brushRef="#br0" timeOffset="165888.4883">3225 9798,'0'0,"50"0,24 0,-24 0,24 0,-49 0,0 0,24 0,-24 0,0 0,24 0,26 0,24 0,-49 0,-1 0,1 0,0 0,-1 0,1 0,-25 0,24 0,26 0,-51 0,1 0,25 0,-50 0,-25 0,-49 0,24 25,-24-25,-1 0,1 0,-75 0,74 0,-49 0,-49 0,74 0,24 0,-24 0,74 0,-24 0,49 0,-25 0,74 0,100 0,25 0,-1 0,75 0,-99 0,0 0,-50 0,-49 0,-25 0,24 0,-24 0,0 0,-25 0,-50 0,26 0,-26 0,-49 0,-25 49,25-49,-50 50,49-50,1 25,0-25,0 0,0 0,24 0,50 0,1 0,98 0,50 0,0 0,0 0,25 0,-25 0,25 0,0-25,-75 25,0-25,-49 25,-25 0,0-25,0 25,-49 0,-26 0,26 25,-26-25,-24 0,0 25,-25 0,74-25,0 0,26 0,-1 0,0 0,50 0,24 0,51-25,123-25,50 25,-199 25,-49-24,0 24,-25 0,0 0,-50 0,25 0,1 0,-1 24,-25-24,25 0,-49 0,0 25,-1-25,-24 25,24-25,1 25,0-25,-1 25,-24 24,99-49,0 0,0 0,74 0,26-25,-1 1,50-1,-75 0,-24 25,-1 0,-49 0</inkml:trace>
   <inkml:trace contextRef="#ctx0" brushRef="#br0" timeOffset="168623.6447">18281 8062,'0'24,"25"51,25-1,-50-49,0 49,0-49,25 0,-25 25,0-50,0 49,0 1,0 24,0-24,0-1,0-24,0-25</inkml:trace>
-  <inkml:trace contextRef="#ctx0" brushRef="#br0" timeOffset="171967.836">2481 11112,'0'0,"-50"0,25 25,1-25,-1 0,0 50,-25-25,50 0,-24-25,24 24,-25 1,25 0,0 0,0 0,0-1,0-24,25 25,-1 0,-24-25,50 0,-50 0,25 25,24-25,1 74,0 1,-26 49,1-50,-25-24,0-26,0 1,0-25,0 0,-49 0,-1 0,-24 0,-1 0,-49 50,75-50,-51 25,26-1,24-24,26 0,24 0,24 0,-24 0,25 25,0 0,-25-25,0 50,50-1,-26 51,1-26,0 0,-25-24,0 0,0 24,0 0,0-24,0 24,0-24,0 0,0 24,0 25,0-49,0-25,0-1,0-24,25 50,-25-25,25 0,-25 0,0-25,0 24,0 1,0-25,0 50,24-25,-24-1,0 1,0 0,0-25,0 25,25 0,-25-25,25 0,-25 0,25 0,0 0,24 0,-24 0</inkml:trace>
-  <inkml:trace contextRef="#ctx0" brushRef="#br0" timeOffset="174120.9591">16322 8334,'-25'0,"25"25,0 0,-25 0,25 0,0 24,0-49,0 25,0 0,0-25,0 25,0 24,0-49,0 50,0-50,25 0,0 0,-25 25,25-25,-25 0,24 0,-24 0,50 0,-25 0,0 0,-1 0,1 0,0 0,-25-25,25 0,-25 25,25-25,-25 25,0-25,0 1,0 24,0 0,24-25,-24 25,0-25,0 25,0-25,0 0,0 25,0-24,0-1,0 0,0 25,0-25,0 0,-24 25,-1 0,25 0,-50 0,25 0,-24 0,24 0,0 0,-24 0,-1 0,25 0,-24 0,-1 0,0 0,26 0,24 0</inkml:trace>
+  <inkml:trace contextRef="#ctx0" brushRef="#br0" timeOffset="171967.8359">2481 11112,'0'0,"-50"0,25 25,1-25,-1 0,0 50,-25-25,50 0,-24-25,24 24,-25 1,25 0,0 0,0 0,0-1,0-24,25 25,-1 0,-24-25,50 0,-50 0,25 25,24-25,1 74,0 1,-26 49,1-50,-25-24,0-26,0 1,0-25,0 0,-49 0,-1 0,-24 0,-1 0,-49 50,75-50,-51 25,26-1,24-24,26 0,24 0,24 0,-24 0,25 25,0 0,-25-25,0 50,50-1,-26 51,1-26,0 0,-25-24,0 0,0 24,0 0,0-24,0 24,0-24,0 0,0 24,0 25,0-49,0-25,0-1,0-24,25 50,-25-25,25 0,-25 0,0-25,0 24,0 1,0-25,0 50,24-25,-24-1,0 1,0 0,0-25,0 25,25 0,-25-25,25 0,-25 0,25 0,0 0,24 0,-24 0</inkml:trace>
+  <inkml:trace contextRef="#ctx0" brushRef="#br0" timeOffset="174120.959">16322 8334,'-25'0,"25"25,0 0,-25 0,25 0,0 24,0-49,0 25,0 0,0-25,0 25,0 24,0-49,0 50,0-50,25 0,0 0,-25 25,25-25,-25 0,24 0,-24 0,50 0,-25 0,0 0,-1 0,1 0,0 0,-25-25,25 0,-25 25,25-25,-25 25,0-25,0 1,0 24,0 0,24-25,-24 25,0-25,0 25,0-25,0 0,0 25,0-24,0-1,0 0,0 25,0-25,0 0,-24 25,-1 0,25 0,-50 0,25 0,-24 0,24 0,0 0,-24 0,-1 0,25 0,-24 0,-1 0,0 0,26 0,24 0</inkml:trace>
   <inkml:trace contextRef="#ctx0" brushRef="#br0" timeOffset="175367.0304">18083 8930,'-25'0,"25"0,75 0,-1 0,0 0,50 0,-74 0,-50 0,0 0,0 0,-25 0,0 0,25 0,-74 0,0 0,-26 0,-48 0,73 0,50 0,1 0,24 0,0 0,49 0,1 0,24 0,1 0,-1 0,0 0,1 0,-1 0,-49 0,-25 0,-25 0</inkml:trace>
   <inkml:trace contextRef="#ctx0" brushRef="#br0" timeOffset="176384.0886">16123 8954,'25'0,"0"0,-25 0,25 0,74 0,-25 0,26 25,98 0,-99-25,50 25,-50-25,-24 0,-100 0,0 0,-24 0,-1-25,0 25,-24-25,49 25,-74 0,49 0,50 0,-49 0,49 0,-25 0,-25 0,1 0,24 0,0 0,25 0,-25 0,25 0</inkml:trace>
-  <inkml:trace contextRef="#ctx0" brushRef="#br0" timeOffset="282200.1409">3051 15974,'0'25,"0"25,0-1,25 1,-25-25,0 24,25-49,0 25,-25 0,0-25,0 25,25 24,-1 1,-24-25,0 24,0-24,25 0,-25-25,0 0,0 0,25-25,0 0,0 25,-1-49,1 49,0-25,0 0,24-25,100-49,-25 0,-49 49,-26 1,1 24,-25 25,-1-25,-24 25,0-25,25 25,-25 0,25 0,-25-49,0 49</inkml:trace>
+  <inkml:trace contextRef="#ctx0" brushRef="#br0" timeOffset="282200.1408">3051 15974,'0'25,"0"25,0-1,25 1,-25-25,0 24,25-49,0 25,-25 0,0-25,0 25,25 24,-1 1,-24-25,0 24,0-24,25 0,-25-25,0 0,0 0,25-25,0 0,0 25,-1-49,1 49,0-25,0 0,24-25,100-49,-25 0,-49 49,-26 1,1 24,-25 25,-1-25,-24 25,0-25,25 25,-25 0,25 0,-25-49,0 49</inkml:trace>
   <inkml:trace contextRef="#ctx0" brushRef="#br0" timeOffset="283431.2113">3126 14387,'0'25,"0"24,0 1,25 49,-1-49,-24-26,0 1,25-25,-25 25,0-25,0 25,25-25,0 0,24 0,26-50,-26 25,1 1,49-26,-74 50,49-25,1 0,-1 1,-24-1,-1-25,51 1,-26-1,-24 25,-25 0,-1 25</inkml:trace>
 </inkml:ink>
 </file>
@@ -846,29 +846,29 @@
   </inkml:definitions>
   <inkml:trace contextRef="#ctx0" brushRef="#br0">19373 5879,'0'0,"49"0,-24 0,-25 0,50 0,49 0,-25 0,26 0,-26 0,25 0,1 0,-76 0,51 0,-1-25,-24 25,-1 0,1 0,0 0,-26 0,26 0,0-25,24 0,50 25,-25-25,25 25,0-24,0-1,0 25,0 0,-49 0,24 0,0 0,0 0,50 0,-49 0,24 0,24 0,1 0,-25 0,50 0,-75 0,50 49,0-49,-50 25,75-25,-50 25,0-25,-25 0,0 0,-49 0,-1 25,1-25,-25 0,0 0,-1 0,-24 0,25 0,74 0,-74 0,0 0,25 0,24 0,-24 0,49 0,-74 0,-1 0,26 0,-50 0,0 0,-25 0,0 0,25-25,-24 0,24 0,-25 1,0 24,25-50,-25 50,25-50,-25 26,25-1,0-25,-24 1,-1-26,0 26,25-1,0 25,-25 0,25 1,0-1,-25 0,25 25,0-50,0 50,0-24,0-26,0 25,0 0,0 25,-24-24,24 24,0-25,0 0,0-25,0 50,0-24,0 24,0 0,-50 0,0 0,1 0,24 0,-25 0,50-25,-24 25,-1 0,0 0,25 0,-25 0,0 0,25 0,-25 0,25 0,-49 0,49 0,-149 0,25 0,-25 0,50 0,-25 0,25 0,24 0,51 0,24 0,-50 0,25 0,0 0,0 0,1 0,-1 0,0 0,-25 0,1 0,-1 0,25 0,1 0,-51 0,26 0,-1 0,0 0,-49 0,25 0,-25 0,24 0,1 0,-26 0,26 0,49 0,-24 0,-1 0,-24 0,-26 0,51 0,-50 0,-1 0,26 0,-100 0,50 0,25 0,-75 0,100 0,-50 0,25 0,0 25,24-25,26 0,-26 0,-24 0,74 0,-24 0,24 0,25 0,-25 0,0 0,-74 0,24 0,-49-25,25 25,0 0,49 0,1 0,24 0,0 0,25 0,0 25,0-1,0 26,0-50,0 50,0-50,0 24,0-24,0 50,0-25,-25 24,25 1,-24-25,24 74,0-99,0 25,0-25,0 25,0-25,0 49,0 26,0-26,0 1,0-1,0 26,0-75,0 25,0-25,0 24,0-24,0 25,0 0,0 0,0-25,0 25,0 24,0-24,0-25,0 25,0-25,0 0,0 0,0 0,24 0,1 0,-25 0,25 0,25 0,-26 0,1 0,0 0,-25 0</inkml:trace>
   <inkml:trace contextRef="#ctx0" brushRef="#br0" timeOffset="22177.2685">5061 5730,'0'0,"0"0,49 0,-49 0,25 0,25 0,-50 0,49 0,-49-25,25 25,-25 0,25 0,-25 0,25 0,-1 0,1 0,-25 0,25 0,0 0,-25 0,25 0,-25 0,24 0,1 0,0 0,-25 0,50 0,-50 0,24 0,26 0,-50 0,25 0,-25 0,25 0,-1 0,-24 0,25 0,-25 0,25 0,0-25,0 25,-25 0,24 0,1 0,-25 0,25 0,0 0,0 0,-25 0,24 0,1 0,0 0,0 0,0 0,-1 0,1 0,0 0,0 0,0 0,0 0,-1 0,-24 0,50 0,-25 0,0 0,-25 0,24 0,1 0,0 0,0 0,-25 0,25 0,-1 0,1 0,-25 0,50 0,-50 0,49 0,-49 0,25 0,25 0,-25 0,-1 0,1 0,0 0,0 0,24 0,-24 25,25-25,-25 0,-1 0,1 0,25 0,-25 0,-1 0,26 0,-25 0,0 0,24 0,-24 25,0-25,25 0,-26 25,1-25,0 0,0 0,0 0,24 0,-49 0,50 24,-50-24,25 0,-25 0,49 0,-24 0,25 0,-1 0,-24 0,0 0,0 0,24 25,-24-25,0 0,24 0,1 0,-25 0,0 0,-25 0,49 0,-49 0,25 0,25 0,-50 0,25 0,-1 0,-24 0,25 0,-25 0,25 0,0 0,24 0,-24 0,25 0,-25 0,-1 0,26 0,-50 25,25-25,0 0,-1 0,1 0,-25 0,50 0,-50 0,25 0,-25 0,24 0,-24 0,25 0,0 0,-25 0,25 0,-25 0,25 0</inkml:trace>
-  <inkml:trace contextRef="#ctx0" brushRef="#br0" timeOffset="37376.1378">5309 5829,'-25'0,"25"0,74 0,-49 0,25 0,-1 0,1 0,-1 0,-24 0,0 0,0 0,0 0,-1 0,1 0,0 0,49 0,-49 0,25 25,-25-25,49 0,-24 0,-1 0,75 0,-49 0,-1 0,25 0,-24 0,-1 0,25 0,-49 0,0 0,24 0,-24 0,-26 0,1 0,-25 0,25 0,-25 0,50 0,-1 0,1 0,0 0,-1 0,26 0,-1 0,-24 0,24 0,25 0,-24 0,-1 0,50 25,0-25,0 0,-49 0,24 0,74 0,-73 0,48 0,-48 0,-51 25,26-1,-26 1,-24-25,25 0,-50 0,24 0,26 0,-50 0,25 0,-25 0,25 0,-1 0,-24 0,25 0,0 0,0 0,0 0,-25 0,25 0,-1 0,-24 0,25 0,0 0,0-25,-25 25,25 0,-25 0,0 0,-25 0,0 0,0 0,0 0,1 0,24-24,-25 24,25 0,-50 0,50 0,-99 0,49 0,1 0,-1 0,25 0,0 0,1 0,24 0,-25 0,25-25,-50 25,1 0,-1 0,25 0,-49 0,24 0,-49 0,0-25,24 25,1-25,-25 25,24 0,1-25,-25 25,49 0,-24 0,49 0,-25 0,25 0,25 0,-24 0,24 0,-50 0,-49 0,-25 0,25 0,-1 0,51 0,-26 0,-49 0,75 0,24 0,-25 0,1 0,24-49,-25 49,1 0,-26 0,50 0,-49 0,24 0,-49 0,25-25,-25 25,24 0,50 0,-74-50,49 50,-24 0,24-49,1 49,-1 0,-24 0,24 0,1 0,-1 0,25 0,0 0,1 0,-1 0,25 0,-25 0,0 0,25 0,-25 0,1 0,-1 0,-25 0,25 0,-24 0,24 0,-25 0,1 0,-26 0,50 0,50 0,25 0,0 0,24 49,50-24,-50 0,-24-25,24 0,1 25,24-1,0-24,-24 25,-1-25,-49 25,24 0,-24-25,0 0,0 0,24 0,-24 0,25 0,49 0,-24 0,24 0,25 0,0 0,49 0,1 0,-25 0,49 0,-74 0,0 0,-99 0,0 0,0 0,-25 0,25 0,-25 0,49 0,-49 0,25 25,-25-25,25 0,0 0,-25 0</inkml:trace>
-  <inkml:trace contextRef="#ctx0" brushRef="#br0" timeOffset="38832.2211">13569 5730,'74'0,"-24"0,49 0,-25 0,50 0,50 0,-100 0,1 0,24 0,0 0,-49 0,24 0,1 0,-1 0,-24 0,24 0,-49 0,24 0,1 0,0 0,-1 0,1 0,-25 0,74 0,-50 0,1 0,24 25,-24-1,24 1,-24-25,-50 0,50 0,24 0,-49 0,0 0,24 0,26 0,-1 0,-49 0,49 0,1 0,-50 0,24 0,-24 0,0 0,-25 0,49 0,1 0,0 0,-26 0,26 0,-25 0</inkml:trace>
-  <inkml:trace contextRef="#ctx0" brushRef="#br0" timeOffset="112008.4065">2778 7516,'0'0,"0"49,-24-49,24 25,-25-25,0 50,25-50,0 25,-25-25,25 24,0 1,-25 0,25-25,-24 50,24-50,-25 24,25-24,-50 25,25 25,1-50,24 0,-25 25,0-1,25-24,0 0,0 25,0-25,-25 25,25-25,-25 25,1 0,24 24,-50-49,25 75,0-75,1 25,-1-1,0-24,0 25,25-25,0 25,0 0,-25-25,25 25,0-1,-24 1,-1-25,25 25,0 0,-25 24,0 1,25-25,-25 0,1 24,-1-24,25-25,-25 25,25 0,-50 24,50-24,-49 49,24-49,0 50,-25 24,50-49,-24-26,24 1,-25 0,25 0,0-25,0 25,-25-1,25-24,-25 25,25 0,-25 0,1 0,-1-1,0 26,0-50,0 25,25 0,-24-1,24 1,-25 0,25-25,-25 0,25 25,0 0,0-25,0 0,-25 0,25 24,-25-24,25 25,-24-25</inkml:trace>
+  <inkml:trace contextRef="#ctx0" brushRef="#br0" timeOffset="37376.1377">5309 5829,'-25'0,"25"0,74 0,-49 0,25 0,-1 0,1 0,-1 0,-24 0,0 0,0 0,0 0,-1 0,1 0,0 0,49 0,-49 0,25 25,-25-25,49 0,-24 0,-1 0,75 0,-49 0,-1 0,25 0,-24 0,-1 0,25 0,-49 0,0 0,24 0,-24 0,-26 0,1 0,-25 0,25 0,-25 0,50 0,-1 0,1 0,0 0,-1 0,26 0,-1 0,-24 0,24 0,25 0,-24 0,-1 0,50 25,0-25,0 0,-49 0,24 0,74 0,-73 0,48 0,-48 0,-51 25,26-1,-26 1,-24-25,25 0,-50 0,24 0,26 0,-50 0,25 0,-25 0,25 0,-1 0,-24 0,25 0,0 0,0 0,0 0,-25 0,25 0,-1 0,-24 0,25 0,0 0,0-25,-25 25,25 0,-25 0,0 0,-25 0,0 0,0 0,0 0,1 0,24-24,-25 24,25 0,-50 0,50 0,-99 0,49 0,1 0,-1 0,25 0,0 0,1 0,24 0,-25 0,25-25,-50 25,1 0,-1 0,25 0,-49 0,24 0,-49 0,0-25,24 25,1-25,-25 25,24 0,1-25,-25 25,49 0,-24 0,49 0,-25 0,25 0,25 0,-24 0,24 0,-50 0,-49 0,-25 0,25 0,-1 0,51 0,-26 0,-49 0,75 0,24 0,-25 0,1 0,24-49,-25 49,1 0,-26 0,50 0,-49 0,24 0,-49 0,25-25,-25 25,24 0,50 0,-74-50,49 50,-24 0,24-49,1 49,-1 0,-24 0,24 0,1 0,-1 0,25 0,0 0,1 0,-1 0,25 0,-25 0,0 0,25 0,-25 0,1 0,-1 0,-25 0,25 0,-24 0,24 0,-25 0,1 0,-26 0,50 0,50 0,25 0,0 0,24 49,50-24,-50 0,-24-25,24 0,1 25,24-1,0-24,-24 25,-1-25,-49 25,24 0,-24-25,0 0,0 0,24 0,-24 0,25 0,49 0,-24 0,24 0,25 0,0 0,49 0,1 0,-25 0,49 0,-74 0,0 0,-99 0,0 0,0 0,-25 0,25 0,-25 0,49 0,-49 0,25 25,-25-25,25 0,0 0,-25 0</inkml:trace>
+  <inkml:trace contextRef="#ctx0" brushRef="#br0" timeOffset="38832.221">13569 5730,'74'0,"-24"0,49 0,-25 0,50 0,50 0,-100 0,1 0,24 0,0 0,-49 0,24 0,1 0,-1 0,-24 0,24 0,-49 0,24 0,1 0,0 0,-1 0,1 0,-25 0,74 0,-50 0,1 0,24 25,-24-1,24 1,-24-25,-50 0,50 0,24 0,-49 0,0 0,24 0,26 0,-1 0,-49 0,49 0,1 0,-50 0,24 0,-24 0,0 0,-25 0,49 0,1 0,0 0,-26 0,26 0,-25 0</inkml:trace>
+  <inkml:trace contextRef="#ctx0" brushRef="#br0" timeOffset="112008.4064">2778 7516,'0'0,"0"49,-24-49,24 25,-25-25,0 50,25-50,0 25,-25-25,25 24,0 1,-25 0,25-25,-24 50,24-50,-25 24,25-24,-50 25,25 25,1-50,24 0,-25 25,0-1,25-24,0 0,0 25,0-25,-25 25,25-25,-25 25,1 0,24 24,-50-49,25 75,0-75,1 25,-1-1,0-24,0 25,25-25,0 25,0 0,-25-25,25 25,0-1,-24 1,-1-25,25 25,0 0,-25 24,0 1,25-25,-25 0,1 24,-1-24,25-25,-25 25,25 0,-50 24,50-24,-49 49,24-49,0 50,-25 24,50-49,-24-26,24 1,-25 0,25 0,0-25,0 25,-25-1,25-24,-25 25,25 0,-25 0,1 0,-1-1,0 26,0-50,0 25,25 0,-24-1,24 1,-25 0,25-25,-25 0,25 25,0 0,0-25,0 0,-25 0,25 24,-25-24,25 25,-24-25</inkml:trace>
   <inkml:trace contextRef="#ctx0" brushRef="#br0" timeOffset="126776.2512">2258 11162,'0'25,"0"0,0 0,24-25,-24 24,0-24,0 25,25-25,0 25,-25-25,0 25,25-25,-25 49,25-49,-1 0,-24 25,25-25,-25 0,0 0,25 0,-25 0,25 0,0 25,-25-25,24 25,-24-25,25 0,25 0,-25 0,-1 25,-24-25,25 0,0 24,-25-24,25 0,-25 25,0-25,25 0,-1 0,-24 0,25 0,0 25,0-25,-25 0,25 0,-1 0,1 0,-25 0,25 0,-25 0,25 0,0 0,0 0,-1 0,1 0,-25 0,25 0,-25 0,25 0,0 0,24 25,-24-25,0 0,0 25,-1-25,1 0,-25 0,50 0,-50 24,25-24,-1 0,-24 0,25 0,-25 0,50 0,-50 0,25 0,-1 0,1 0,0 0,0 0,0 0,-1 0,1 0,-25 0,25 0,49 0,-74 0,50 0,-25 0,24 25,-24-25,0 0,-25 0,25 0,-25 0,25 0,-25 0,25 0,-1 0,1 0,0 0,0 0,0 0,-1 0,1 0,0 0,0 0,-25 0,25 0,-1 0,1-25,-25 25,25 0,0 0,-25-24,25 24,-25 0,49-50,-49 50,25 0,0-25,0 0,-25 25,24 0,-24-24,25 24,0-25,-25 0,25 25,-25-25,49 25,-49-25,25 1,-25-1,25 25,-25-25,0 0,25 25,-25-25,25 25,-1-24,-24-1,0 25,25-25,-25 25,25-25,-25 25,25-50,-25 50,25-24,24-1,-24 25,25-25,-50 0,25 25,-1-49,1 49,-25-25,0 25,25 0,0-25,-25 0,25 25,-25-25,0 25,0-24,24 24,-24 0,0-25,0 25,0-25,25 25,0-25,-25 25,0-25,0 1,25-1,-25 25,0-25,25 0,-1 0,-24 25,0-24,25-1,0-25,-25 25,0 1,0 24,25-25,-25 25,25-25,-25 0,0 25,24-25,-24 25,0-24,25-1,-25 25,0-25,0 25,0-25,25 0,-25 1,25-1,-25 0,0 25,0-25,0 25,0-25,0 1,0 24,0-25,0 25,0-50,25 25,-25 0,0 25,0-24,0 24,0-75,0 50,0 1,0-1,0 0,24 25,-24 0,0 25,0 0,0-1,0 1,0-25,0 25,0-25,0 25,0-25,0 25,0-1,0-24,0 25,0-25,0 25,0 0,0 25,0-26,0-24,0 25,0 0,0-25,0 25,0-25,0 49,0-49,0 25,0-25,-24 50,24-1,0-49,0 50,-25-50,25 25,0-25,-25 25,25-25,0 24,0 1,0-25,0 25,0 0,-50 24,50-24,0-25,0 25,-24-25,24 25,0-25,-25 0,25 25,-25-25,25 24,0 1,-50 25,50-50,-24 25,24-1,-25-24,0 25,0-25,25 25,-25 0,25-25,-24 25,-1-1,25-24,-25 25,25 0,0 0,-25-25,0 25,25-1,-24-24,24 25,-25-25,25 0,-50 25,50-25,-50 25,26-25,-1 25,25-25,-25 25,25-25,-50 24,50 1,-24-25,24 25,-25-25,0 25,25-25,-25 0,25 0,-25 25,1-25,-1 0,0 0,0 0,25 0,-25 0,25 0,-24 0,-1 0,25 0,-25 24,0-24,0 25,1-25,-26 0,50 0,-50 0,50 0,0 0,-24 0,24 25,-25-25,0 0,25 25,-25-25,25 0,-25 0,1 25,24-25,-25 0,25 0,-25 0,25 0,-50 0,50 0,-24 0,-26 0,50 0,-25 0,0 0,25 0,-25 0,1 0,-1 0,0 0,25 0,-25 0,0 0,25 0,-24 0,24 0,-25 0,0 0,0 0,0 0,1 0,-1 0,25 0,-50 0,50 0,-25 0,-24 0,49 0,-50 0,25 0,25 0,-49 0,24 0,0 0,0 0,1 0,-1 0,0 0,0 0,25 0,-25 0,-24 0,49 0,-25 0,25 0,-25 0,0 0,25 0,-24 0,24 0,-25 0,25 0,-25 0,0 0,25 0,-25 0,25 0,-25 0,1 0,24 0,-25 0,0-25,0 25,0-25,25 25,-24 0,-1-25,25 25,-25 0,25-25,-25 25,25-24,-25 24,1 0,24 0,-25-25,0 25,0-25,25 25,-25 0,-24-25,24 25,25 0,-25 0,25-25,0 25,-25-24,25 24,-24 0,-1 0,25 0,-25-25,25 25,-25 0,25 0,0 0,-25-25,1 25,24 0,24 0,-24 0,25 25,0 0,0-25,-25 24,25-24,-25 0,0 25,24-25,-24 0,0 0,25 0,0 25,0 0,0-25,-25 0,24 0,-24 25,25-25,-25 0,25 24,0-24,-25 25,25-25,-1 0,1 0,-25 0,50 50,-50-50,25 0,-25 0,24 0,1 25,-25-25,25 0,-25 0,25 0,0 0,-1 0,-24 0,50 24,-25-24,-25 25,25-25,0 0,-25 0,49 0,-49 0,25 0,0 0,0 0,-1 0,-24 0,50 0,-25 0,0 0,-25 0,24 0,-24 0,25 0,0 0,-25 0,25 0,0 0,-25 0,24 0,1 0,0 0,0 0,24 0,-49 0,25 0,0 0,-25 0,25 0,0 0,-25 0,24 0,1 0,0 0,-25 0,25 0,-25 0,25 0,-1 0,-24 0,25 0,-25 25,25-25,0 0,0 0,-1 0,1 0,25 0,-25 0,0 0,24 0,-24 0,0 0,-25 0,25 0,-25 0,49 0,-24 0,0 0,0 0,24 0,-24 0,0 0,0 0,-1-25,1 25,-25 0,25 0,0 0,-25 0,25 0,-25 0,24 0,1-25,0 25,-25-24,50-1,-50 0,24 25,1-25,0 25,-25 0,25-25,0 25,-25-24,24 24,-24 0,25-25,0 25,0-25,-25 25,25-25,-1 25,-24-25,0 25,25-24,-25 24,25-25,-25 0,25 25,0-25,-25 25,0 0,25-25,-25 25,0-25,24 25,-24-24,25 24,-25-25,0 0,25 25,-25 0,25-25,-25 25,0-25,0 1,25-1,-25 25,24 0,-24-25,0 0,25 25,-25 0,25 0,0-25,-25 25,0-24,25 24,-25 0,0-25,0 0,24 25,1-25,-25 25,25-25,-25 25,25-24,-25-1,0 25,25-25,-25 25,0-25,49 0,-49 25,25-24,-25-1,0 25,0-25,25 25,0-50,-25 50,24-24,-24-26,0 50,0-25,25 25,-25-25,0 25,0-24,0-1,25 0,-25 25,0-25,25 25,-25-25,0 1,0-26,0 25,0-24,0 49,0-25,0 25,25-25,-25 0,0 25,24-25,-24 0,0 1,0 24,0-25,0 25,0-25,0 0,0 0,0 25,0-24,0-1,0 25,0-25,0 0,0 0,0 25</inkml:trace>
   <inkml:trace contextRef="#ctx0" brushRef="#br0" timeOffset="128744.3638">4614 12427,'25'0,"-25"0,49 0,-24 0,50 0,-26 0,1 0,24 25,-49-25,0 0,0 0,49 0,-74 0,25 0,0 0,0 0,-25 0,0 0</inkml:trace>
   <inkml:trace contextRef="#ctx0" brushRef="#br0" timeOffset="130464.4621">4738 12774,'0'0,"0"0,50-24,-26 24,1 0,0 0,0 0,0 0,-25 0,24 0,1 0,-25 0,25 0,-25 0,25 0,0 24,-25 1,25 0,-25 25,0-50,0 24,0 1,0-25,0 25,0 0,0-25,-50 74,0-24,25-50,-24 49,49-49,-25 0,0 0,25 0,0 0,0 0,25 0,25 0,-1 0,-24 0,0 0,0 0,-25 0,25 0,-1 25,-24 0,0 0,25-25,-25 25,0 0,0-1,0 1,0 0,0 0,0 0,0-25,0 24,0-24,0 0,0 25,0-25,-25 0,1 25,24 0,0-25,-25 0,25 25,-50-25,50 0,-25 0,25 0,-49 0,24 0,0 0,0 0,25 0,-25 0,25 0,-24-25,24 0,0 25,0-25,0 0</inkml:trace>
-  <inkml:trace contextRef="#ctx0" brushRef="#br0" timeOffset="131552.5244">4862 11807,'0'0,"0"0,0 25,0 24,0 1,0 0,0-1,0 1,0-25,0-25,0 24,0-24,0 25,0-25,0 25,0 0,0 0,0-25,0 25,0-1,0-24,0 25,0-25,0 25,0 0,0-25,0 25,0-25</inkml:trace>
+  <inkml:trace contextRef="#ctx0" brushRef="#br0" timeOffset="131552.5243">4862 11807,'0'0,"0"0,0 25,0 24,0 1,0 0,0-1,0 1,0-25,0-25,0 24,0-24,0 25,0-25,0 25,0 0,0 0,0-25,0 25,0-1,0-24,0 25,0-25,0 25,0 0,0-25,0 25,0-25</inkml:trace>
   <inkml:trace contextRef="#ctx0" brushRef="#br0" timeOffset="142824.1691">11559 11584,'0'0,"75"-50,-75 50,25 0,-1 0,1 0,-25 0,25 0,0-25,0 25,-25-24,49 24,-49-25,25 25,0-25,0 25,-25 0,24 0,1 0,0 0,0-25,0 25,24-25,26 25,-51-24,1-1,0 25,0 0,0 0,-25-25,24 25,1-25,0 25,0-25,24 1,1-26,-25 50,-25 0,0 0,25-25,-25 0,49 25,-24-25,0 25,0 0,-25 0,49-24,-24 24,0 0,0 0,0 0,-25-50,49 50,-24-25,0 0,-25 25,25 0,-25 0,24 0,1 0,-25-24,25 24,0 0,0-25,-1 25,1 0,0 0,0 0,0 0,24-25,-24 0,25 0,-50 25,49-24</inkml:trace>
-  <inkml:trace contextRef="#ctx0" brushRef="#br0" timeOffset="145624.3292">11659 9401,'0'0,"-25"0,0 0,25 0,-25 0,25-25,0 25,0 0,0 0,-25 0,1 0,24 0,-25 0,74 0,-24 0,-25 0,25-25,-25 25,25 0,-25 0,0 25,0-25,-25 0,25 25,0-25,-25 0,-24 0,24 0,25 0,25 0,-25 0</inkml:trace>
+  <inkml:trace contextRef="#ctx0" brushRef="#br0" timeOffset="145624.3291">11659 9401,'0'0,"-25"0,0 0,25 0,-25 0,25-25,0 25,0 0,0 0,-25 0,1 0,24 0,-25 0,74 0,-24 0,-25 0,25-25,-25 25,25 0,-25 0,0 25,0-25,-25 0,25 25,0-25,-25 0,-24 0,24 0,25 0,25 0,-25 0</inkml:trace>
   <inkml:trace contextRef="#ctx0" brushRef="#br0" timeOffset="153751.7941">12353 11013,'0'0,"25"0,-25-25,0 25,25 0,-1 0,-24 0,0 25,0-25,25 25,-25-25,0 25,0 0,25-25,-25 24,0-24,25 50,-25-50,25 25,-25 0,0 0</inkml:trace>
   <inkml:trace contextRef="#ctx0" brushRef="#br0" timeOffset="156863.9721">12080 10443,'0'0,"0"0,0 0,0 0,0 0,0 0,0 25,0-25,-25 24,25-24,-24 25,24 0,0-25,-25 0</inkml:trace>
-  <inkml:trace contextRef="#ctx0" brushRef="#br0" timeOffset="158232.0504">13618 10220,'0'0,"-25"0,25 0,-49 0,24 0,0 24,0-24,0 25,-24-25,24 25,0 25,-49-26,49 1,-49-25,-1 50,1-1,-1 1,26-25,-26 24,26-24,-1 0,1 0,-1 24,25-24,-49 0,24 25,0-1,1-24,24 0,-49 24,24-49,25 25,-24 0,24 0,0 0,25-1,-25 1,0-25,25 25,-24 0,-1-25,0 25,-25-25,-24 25,24-25,1 24,-1-24,25 0,1 0,-1 0,0 0,0 0,0 0,1 0,-26 0,0 25,26-25,-1 0</inkml:trace>
-  <inkml:trace contextRef="#ctx0" brushRef="#br0" timeOffset="161800.2544">12055 10418,'0'0,"0"0,50 0,-50 0,0 0,0 0,0 25,-25-25</inkml:trace>
-  <inkml:trace contextRef="#ctx0" brushRef="#br0" timeOffset="167608.5867">10865 7466,'0'0,"0"0,0 25,0 25,0-50,0 24,0-24,0 50,0-50,25 25,-25 49,24-24,1-1,-25 1,0 0,25 24,-25-49,0 0,25 0,-25-1,25 26,-1-25,-24 0,0-25,25 49,-25-49,0 25,0-25,25 25,0 0,0 24,-1 26,26-26,-25 1,24-25,-49 24,25-24,0 0,-25-25,0 25,0-25,25 24,0 1,-25 0,0-25,0 50,25-50,-25 0,0 24,0-24,0 50,0-25,0 24,0-24,0 50,0-75,0 25,0-1,0 1,0-25,0 50,0-1,0 26,24-50,-24-1,25 1,-25 0,0-25,25 25,-25-25,0 25,0-25,50 49,-50-24,0-25,24 25</inkml:trace>
+  <inkml:trace contextRef="#ctx0" brushRef="#br0" timeOffset="158232.0503">13618 10220,'0'0,"-25"0,25 0,-49 0,24 0,0 24,0-24,0 25,-24-25,24 25,0 25,-49-26,49 1,-49-25,-1 50,1-1,-1 1,26-25,-26 24,26-24,-1 0,1 0,-1 24,25-24,-49 0,24 25,0-1,1-24,24 0,-49 24,24-49,25 25,-24 0,24 0,0 0,25-1,-25 1,0-25,25 25,-24 0,-1-25,0 25,-25-25,-24 25,24-25,1 24,-1-24,25 0,1 0,-1 0,0 0,0 0,0 0,1 0,-26 0,0 25,26-25,-1 0</inkml:trace>
+  <inkml:trace contextRef="#ctx0" brushRef="#br0" timeOffset="161800.2543">12055 10418,'0'0,"0"0,50 0,-50 0,0 0,0 0,0 25,-25-25</inkml:trace>
+  <inkml:trace contextRef="#ctx0" brushRef="#br0" timeOffset="167608.5866">10865 7466,'0'0,"0"0,0 25,0 25,0-50,0 24,0-24,0 50,0-50,25 25,-25 49,24-24,1-1,-25 1,0 0,25 24,-25-49,0 0,25 0,-25-1,25 26,-1-25,-24 0,0-25,25 49,-25-49,0 25,0-25,25 25,0 0,0 24,-1 26,26-26,-25 1,24-25,-49 24,25-24,0 0,-25-25,0 25,0-25,25 24,0 1,-25 0,0-25,0 50,25-50,-25 0,0 24,0-24,0 50,0-25,0 24,0-24,0 50,0-75,0 25,0-1,0 1,0-25,0 50,0-1,0 26,24-50,-24-1,25 1,-25 0,0-25,25 25,-25-25,0 25,0-25,50 49,-50-24,0-25,24 25</inkml:trace>
   <inkml:trace contextRef="#ctx0" brushRef="#br0" timeOffset="170447.7491">9352 9178,'25'0,"24"0,26 0,-1 0,-24-25,24 0,-24 25,24-49,-49 49,0-25,24 25,-49 0,25 0,25-25,-26 0,26 25,0-25,-26 0,26 1,-25 24,24-50,26 25,-75 25,50 0,-26 0,51-25,-26 1,1 24,0-25,-1 25,1-50,-25 50,24 0,-49-25,25 25,0 0,0 0,-1 0,1 0,25-24,-25 24,-1 0,1 0,0 0,0 0,-25 0,25-25,24 25,1 0,-1-25,26 0,-25 0,-1 25,1-24,-1-1,-24 0,0 25,49-25,-49 0,25 1,24-26,-24 25,-1 0,26-24,-50 49,-1-25,26 0,-50 25,50-25,-50 25,24 0,1-24,0 24,0-25,0 0,-1 25,1 0,0-25,-25 25,50 0,-50 0,24-25,1 25,0 0,25-24,-50 24,49-25,-49 25</inkml:trace>
-  <inkml:trace contextRef="#ctx0" brushRef="#br0" timeOffset="171977.8366">11237 8806,'0'0,"0"0,-25 0,0 24,25-24,-25 25,-24 25</inkml:trace>
+  <inkml:trace contextRef="#ctx0" brushRef="#br0" timeOffset="171977.8365">11237 8806,'0'0,"0"0,-25 0,0 24,25-24,-25 25,-24 25</inkml:trace>
   <inkml:trace contextRef="#ctx0" brushRef="#br0" timeOffset="174287.9687">11262 8830,'0'0,"-25"0,25 0,-50 0,50 0,-25 25,25-25,-24 0,-1 25,25-25,0 25,0 0,0-1,0-24,0 50,0-25,0 0,0 24,0-24,25 0,-25 0,0 0,24-25,1 24,-25-24,25 25,-25 0,50 0,-50 0,49-25,-49 0,25 24,-25-24,25 0,0 50,-25-50,25 25,-25 0,24-1,1-24,-25 25,0 0,0 0,0 0,0-25,0 24,0 1,0 0,0 0,0 0,0-1,0 1,0-25,-25 25,25 25,-24-26,-1 26,25-25,0 0,-25-1,25 1,-25-25,25 0,0 25,-25-25,25 0,25-25,0 0,0 25,-25 0,25 0,-25 0,24 0,-24 0,50 25,0 0,-50-25,0 0,0 0,0 25,0-25,0 25,0-25,0 25,24-1,-24 26,25-50,-25 25,50 24,-50-49,25 25,-1-25,-24 25,0-25,25 0,0 25,0-25,0 0,-25 0,49 25,-24-25,25 24,-1 1,-24 0,-25-25</inkml:trace>
   <inkml:trace contextRef="#ctx0" brushRef="#br0" timeOffset="176896.1179">11361 8731,'0'0,"25"50,-25-25,25 24,-1-24,-24 0,0-25,0 25,25-25,-25 49,0-49,0 25,0 0,25 0,-25 24,0 26,0-50,0-1,50 1,-50 0,0 0,0-25,24 25,1-1,-25 26,0-25,25 24,0-24,-25 0,0 25,25-26,-25 1,0 25,24-50,-24 25,25-1,-25 1,0 0,25 0,0 24,-25 1,25-25,-1 24,1-24,-25 0,25-25,-25 0,0 25,0-25,25 25,-25 0,0-25,25 49,-1 1,-24-50,0 49,25-24,-25 0,0 0,25 0,-25-1,0 1,50-25,-50 25,0 0,0 0,0-25,0 24,24-24,-24 0,0 0,-24-49,-1-1,0 1,0-51,25 51,-25-1,25 25,0-24,-49-1,49 25,-25-24,25 24,-25-25,25 25,0 1,-25 24,25-25,0 0,0 0,0 25,-24-25,24 25,-25-49,25 24,-25-25,25 26,-25-1,0-25,25 25,0 25,0-24,0-1,-24 25,24-25,-25-25,25 50,-25-49,25 24,0 0,0 25,-25-25,25 1,-25-1,25 25,0-25,0 0,0 0,-24 25,24-24,0 24,0-25,-25 0,0 0,25 25,-25-50,25 50,0-24,-25-1,1 25,24-25,0 25,-25-25,25 0,0 1,-25 24,25-25,-25 25</inkml:trace>
   <inkml:trace contextRef="#ctx0" brushRef="#br0" timeOffset="178328.1998">12552 12402,'0'0,"24"0,1 0,0 0,0 0,24 0,1 25,0 0,-26-25,-24 0,25 0,0 0,-25 0,25 0</inkml:trace>
   <inkml:trace contextRef="#ctx0" brushRef="#br0" timeOffset="179840.2863">12552 12824,'-25'0,"25"0,49 0,-49-25,50 25,-50-25,25 25,-25 0,25 0,-1 0,-24 25,25 0,-25 0,0-25,25 49,0 1,-25 0,0-1,25 1,-25-50,0 25,0-1,0 1,0-25,0 25,0 0,0 0,-25-25,25 25,-25-25,25 0,-25 49,0-49,1 25,-1 0,0-25,25 0,-25 0,0 0,25 0,-24 0,24 0,0 0,0 0,24 0,1 0,50 0,-51 0,1 0,25 0,-50 0,25 0,-25 0,24 0,1 0,-25 0,25 0,0 0,0 0,-25 0,0 0,0 25,24-25,-24 0,25 0,-25 24,25-24,0 0,-25 0,0 0,25 0,-25-24,0-1,0 25,0-25</inkml:trace>
   <inkml:trace contextRef="#ctx0" brushRef="#br0" timeOffset="180840.3435">12725 11733,'0'24,"0"1,0 0,0 49,0-24,0 0,0-26,0 1,0 0,0 0,0-25,0 25,0-25,0 49,0-49,0 25,0 0,0 25,0 24,0-49,0 0,0 24,0-74,0 25,0-49</inkml:trace>
   <inkml:trace contextRef="#ctx0" brushRef="#br0" timeOffset="197336.287">19373 8359,'0'0,"-25"0,25-25,-25 25,25 0,0 0</inkml:trace>
-  <inkml:trace contextRef="#ctx0" brushRef="#br0" timeOffset="198688.3643">19794 9500</inkml:trace>
+  <inkml:trace contextRef="#ctx0" brushRef="#br0" timeOffset="198688.3642">19794 9500</inkml:trace>
   <inkml:trace contextRef="#ctx0" brushRef="#br0" timeOffset="207970.8953">19373 8384,'0'-25,"0"0,25 1,-25 24,0 0,0 0,0 0,0 0,0 0,0 0,0 24,0-24,-25 0,25 0,0 0,0 0,0 0,0 0,-25 0,25 0,25 0,-25 0,0 0,25 0</inkml:trace>
   <inkml:trace contextRef="#ctx0" brushRef="#br0" timeOffset="217546.4429">19447 8359</inkml:trace>
   <inkml:trace contextRef="#ctx0" brushRef="#br0" timeOffset="227369.0048">20613 12328,'25'-25,"24"25,1 0,0 0,24 0,25 0,-49 0,0 0,-26 0,51 0,-50 0,-25 0</inkml:trace>
@@ -880,10 +880,10 @@
   <inkml:trace contextRef="#ctx0" brushRef="#br0" timeOffset="342176.5714">8260 5854,'0'0,"50"0,49 0,100-25,-100 25,25-25,-25 0,-74 25,-25 0,0 0,49 0,-49 0,50 0,-25 0,0 0,-25 0,24 0,26 0,24 0,-74 0,25 0,0 0</inkml:trace>
   <inkml:trace contextRef="#ctx0" brushRef="#br0" timeOffset="344736.7178">2778 7466,'0'25,"0"25,0-26,0 1,0 0,-24 25,24-26,-25 1,25 0,-25 0,25 0,0-1,-50 26,50-25,-24 49,24-74,-25 50,0 24,-25 1,26-26,-26 26,0-1,26 1,-51-1,50-24,1-1,-1-49,25 50,-25-25,25-1,-25 26,25-25,-25 49,1-24,24-50,0 25,0-1,0 1,0-25,-25 50,0 0,25-1,-50 1,26 24,24-24,-25-1,25-24,-25 25,25-1,0-24,0-25,-25 25,25-25,0 25,0 0,-25 24,25-24,-24 25,24-26,0 51,0-26,-25-24,25 25,-25-25,25-1,-25 26,25-50,-25 50,25-25,-49-1,49 26,0-25,0 0,-25-25,25 24,0-24,0 25,-25 0,25-25,0 25,0 0,-25-1,25 1,0-25,0 25,0 0,0-25,0 25,0-25,0 24,0-24,0 25,0-25</inkml:trace>
   <inkml:trace contextRef="#ctx0" brushRef="#br0" timeOffset="346608.8249">6995 12452,'0'0,"0"0,-25 25,1-25,24 25,-50-1,-24 1,24 25,-24 24,-26 25,51-49,-50 49,24-24,26-1,24-74,25 25,0-25,49 0,26-75</inkml:trace>
-  <inkml:trace contextRef="#ctx0" brushRef="#br0" timeOffset="347087.8523">6797 12799,'0'0,"49"124,-49-25,0 50,25-25,-25 25,0-25,0-49,0-1,0-24,0-26,0 1,0-25,25 0,25-49,-50 24,24-50</inkml:trace>
+  <inkml:trace contextRef="#ctx0" brushRef="#br0" timeOffset="347087.8522">6797 12799,'0'0,"49"124,-49-25,0 50,25-25,-25 25,0-25,0-49,0-1,0-24,0-26,0 1,0-25,25 0,25-49,-50 24,24-50</inkml:trace>
   <inkml:trace contextRef="#ctx0" brushRef="#br0" timeOffset="348423.9287">7591 12675,'0'0,"-25"0,-25 0,1 25,24 0,-50 0,-24-1,25 1,49 25,-50-25,51-1,-1-24,25 0,0 25,0-25,25 0,74 75,-25-26,-24 1,0-1,-1-24,-49 0,25-25,-25 0,25 0,-25 0,0 0,25-25,-1 0,-24 25,25-24,-25 24,25-25,-25-25,0 1,0-1,0 50,0 0,-25 0,0 25,1-25,-26 25,50-25,-50 24,50 26,-24-50,-1 50,25-26,-25 26,25 0,-25-1,25 26,0-26,0-49,0 25,0 0,25 25,-25-26,0 26,25 24,0-49,-1 25,-24-25,0-1,0 1,0-25,0 0,-24 0,24 0,-25 0,0 0,0 0,0 0,50 0,0 0,25 0,49 0,-25 0,1 0,73-25,-24 1,-24-26,-76 50,1-25,-25 0,0 25,-25 0,1 0,24 0</inkml:trace>
   <inkml:trace contextRef="#ctx0" brushRef="#br0" timeOffset="350201.0304">7938 12799,'49'0,"-24"0,25 0,-1-25,1 1,25-1,-26 25,-49 0,25 0,-25 25,-50-1,26 26,-26 24,0-49,25 25,1-50,-1 49,25-49,0 25,0 0,0-25,0 25,0 124,0-75,0 25,0-24,0-26,0-24,0 25,0-75,0-49,0-1,0 26,25-26,-25 26,24-26,-24 50,0 0,0 25,25 0,-25 0,25 25,-25-25,25 25,0 0,-25-25,0 25,0 0,25-1,-25-24,0 25,0-25,-25 0,0 25,-50-25,75 0,-24 25,48-25,1 0,50 0,-26 0,1 25,0 24,-50-49,24 25,-24 25,0-50,0 49,-24 1,-26-25,0 49,-49-24,49-1,-49-24,25 25,24-1,50-49,0 25,0-25,25 0,25 0,24-25,-24 0,-1 25,1 0,0-24,-26-1,1 25,50-99,-51 74,26-25,-25 1,0-1,24-24,-49 24,25 0,-25 1,0-1,0 25,-25-24,0-1,25 25,0-24,0 24,-24 0,24 25,0-25,0 75,0-1,24 51,-24 73,0-73,0 98,0-24,0 49,0-25,0-74,0 25,0 25,0-75,0 0,0-24,0-26,0-49,0 0,0-25,0 1,0-1,25-25,0 25,-25-49,50-25,-50 0</inkml:trace>
-  <inkml:trace contextRef="#ctx0" brushRef="#br0" timeOffset="351440.1012">8682 13419,'25'-24,"-25"-1,0 25,0 0,0-25,25 25,-1 0,-24 0,25-25,-25 25,25 0,0 0,24-25,1 25,-50 0,50 0,-1 25,-49 0,0 0,0-25,25 49,-25-24,0 0,0 0,0 24,0 1,-25-25,0 49,-24 1,24-26,0 1,25-50,-25 0,1 25,24-25,0 24,-25-24,25 25,0-25,-25 0,0 0,0 0,25-25,-24-24,-26 24,50-25,0 26,-25-1,25 0,0 0,0 25,0-25,25-24,0 24,-25 0,25 25,-25-25,24 25,-24 0,25 0,0 0,0 25,0-25,-1 50,1-25,0-25,0 24,-25 1,25 0,-25-25,24 25,-24-25,25 0,0 0,-25 0,25 0,0 25,-1-1,1-24,-25 0</inkml:trace>
+  <inkml:trace contextRef="#ctx0" brushRef="#br0" timeOffset="351440.1011">8682 13419,'25'-24,"-25"-1,0 25,0 0,0-25,25 25,-1 0,-24 0,25-25,-25 25,25 0,0 0,24-25,1 25,-50 0,50 0,-1 25,-49 0,0 0,0-25,25 49,-25-24,0 0,0 0,0 24,0 1,-25-25,0 49,-24 1,24-26,0 1,25-50,-25 0,1 25,24-25,0 24,-25-24,25 25,0-25,-25 0,0 0,0 0,25-25,-24-24,-26 24,50-25,0 26,-25-1,25 0,0 0,0 25,0-25,25-24,0 24,-25 0,25 25,-25-25,24 25,-24 0,25 0,0 0,0 25,0-25,-1 50,1-25,0-25,0 24,-25 1,25 0,-25-25,24 25,-24-25,25 0,0 0,-25 0,25 0,0 25,-1-1,1-24,-25 0</inkml:trace>
   <inkml:trace contextRef="#ctx0" brushRef="#br0" timeOffset="351633.1123">9625 13965</inkml:trace>
   <inkml:trace contextRef="#ctx0" brushRef="#br0" timeOffset="353032.1923">7640 14759,'0'0,"0"25,0-1,0-24,0 50,-25-50,25 50,-49-1,24-49,0 50,0-25,25-1,-24 26,24-50,0 25,-25 0,25-25,25 0,24 0,1 0,24 0,1 0,-26 0,26 0,-51 0,1 0,-25 0,25 0,-25 0,0-25,0 25,-25-25,0 0,1 0,-1-24,0-26,-25 26,50 24,0-25,-24 26,24-1,0 0,0 25</inkml:trace>
   <inkml:trace contextRef="#ctx0" brushRef="#br0" timeOffset="355328.3236">8136 11336,'0'0,"0"-25,-25-74,1-25,-1-25,0-50,-25-49,-24-49,24 24,1 25,-1 0,25 74,25 50,0-25,0 50,0-50,0 75,0-50,0-25,0 50,0 0,0-1,0 51,0-75,0 24,0 1,0 0,0 0,0 24,0 1,0 49,0-74,0-50,0 75,0 24,0 25,0 1,0-26,0 0,-24 25,24 1,0-1,-25 25,25-25,0 25,-25-25,25-49,0-25,0 74,0 25,0-25,0 75,0-26,-25 26,0 0,1-26,-1 26,0 0,0-26,25 51,-25-50,-24 24,-1 26,50-75,-25 0,25 25,0-25,0-75,0 75,0-49,0-1,50 25,-50-49,0 49,25 0,-25 0,0 25,25-25,-1 1,26-51,-25 26,0 24,-25 25,49-25,-49 0,25 0,-25 25,0 0,25 0,0 0,-1 0,1 0,0 25,0-25,0 50,24-25,-24-25,0 24,-25 1,0-25,0 25</inkml:trace>
@@ -895,11 +895,11 @@
   <inkml:trace contextRef="#ctx0" brushRef="#br0" timeOffset="365583.9102">4217 15801,'0'0,"0"0,0 49,0-49,0 25,0 49,0-49,0 25,0 24,0 1,-25-1,1 25,24-49,0 74,0-50,0 75,0-99,0-1,0 1,0-25,-25-25,25-50,0 1</inkml:trace>
   <inkml:trace contextRef="#ctx0" brushRef="#br0" timeOffset="366023.9354">4143 16098,'74'0,"75"0,-75 0,1 0,-26 0</inkml:trace>
   <inkml:trace contextRef="#ctx0" brushRef="#br0" timeOffset="367520.0209">4316 17190,'-24'0,"24"0,-25 0,25 0,-50 49,25-49,1 25,-1-25,25 25,-50 0,50-25,-25 49,1-24,-1 0,0-25,25 25,0-25,-25 0,25 0,50 0,-1 0,26 0,-26 0,1 0,-25 0,-25 0,25 0,-1 0,-24 0,25 0,-25 0,25 0,25 0,-26 0,26 0,-25 0,0 0,-25 0,24 0,-48 0,24 0,-25-25,-25 0,1-25,-26-24,50 24,1 26,24-1,0 0,0 25</inkml:trace>
-  <inkml:trace contextRef="#ctx0" brushRef="#br0" timeOffset="376911.5581">5457 16570,'-24'0,"24"24,-50 1,50 0,-25 0,25 24,-25-24,1 0,24-25,0 25,0 0</inkml:trace>
+  <inkml:trace contextRef="#ctx0" brushRef="#br0" timeOffset="376911.558">5457 16570,'-24'0,"24"24,-50 1,50 0,-25 0,25 24,-25-24,1 0,24-25,0 25,0 0</inkml:trace>
   <inkml:trace contextRef="#ctx0" brushRef="#br0" timeOffset="384111.9699">4292 17190,'0'0,"-25"0,25 0,0 24,0 1,0-25,-25 50,0-50,25 25,-25-25,25 24,0-24,0 0,25 0,0 0,-25 0,25 0,0 25,-1-25,-24 0,25 0,-25 0,25 0,-25 25,0-25,0 25,0-25,0 25,0-1,0-24,0 0,-50 0,50 0,-24 0,24 0,-50 0,50 0,-25 0,25 0,-25 0,25 0,-24 0,-1 0,0 0,25 0,0 0,-25-24,25 24,0-25,25 0,0-25,-25 50,25 0,-25 0,24 0,1 0,-25 0,25 0,0 0,0 0,-25 0,24 0,-24 25,25-25,0 0,-25 0,0 25,-25-25,25 25,-25 0,25-25,0 24,-24-24,-1 0,25 0,0 0,0-49,0 24,0 0,0-24,0 24,0 25,0 0,25 0,-25-25,24 0,-24 25,0 25,0-25,0 25,-49 0,49-1,0-24,-25 0,25 25,-25-25,0 0,1 0,24 0,-25 0,25 0,0 0,25 0,24 0,-49 0,25-25,0 25,-25 0,25 0,-25 0,0 0,24 0,-24 0,0 25,0-25,0 25,0-25,0 25,-24 0,24-25,49 0,1 0,-25 0,49 0,-49 0,0 0,-1 0,-24 0,0 0,0 0,-24 0,-26 0,0 0,26 0,-1 0,0 0</inkml:trace>
-  <inkml:trace contextRef="#ctx0" brushRef="#br0" timeOffset="385489.0487">4093 15404,'-49'-25,"-51"25,51 0,-26 0,26 0,-26 0,50 0,-49-50,74 50,-50-25,26 25,-1 0,-25 0,50 0,-25 0,25 0,-24 0,-1 0,0 0,0 0,-24 25,-51 0,1-25,25 25,-1 0,26-25,49 25,0-25,-25 0,25 24,-25-24,0 25,25 0,-25 0,25 0,-24-1</inkml:trace>
+  <inkml:trace contextRef="#ctx0" brushRef="#br0" timeOffset="385489.0486">4093 15404,'-49'-25,"-51"25,51 0,-26 0,26 0,-26 0,50 0,-49-50,74 50,-50-25,26 25,-1 0,-25 0,50 0,-25 0,25 0,-24 0,-1 0,0 0,0 0,-24 25,-51 0,1-25,25 25,-1 0,26-25,49 25,0-25,-25 0,25 24,-25-24,0 25,25 0,-25 0,25 0,-24-1</inkml:trace>
   <inkml:trace contextRef="#ctx0" brushRef="#br0" timeOffset="386264.093">2729 15429,'0'24,"0"-24,0 50,0-50,0 25,0 0,0-1,0 1,0-25,0 25,0 0,0-25,0 49,0-24,0-25,0 50,0-50,25 0,24 0,1 0,-1-25,1 25,0 0,-25 0</inkml:trace>
-  <inkml:trace contextRef="#ctx0" brushRef="#br0" timeOffset="387104.1411">3225 14486,'0'25,"0"0,0-1,25 26,-25-25,0 0,0 24,25 1,-25-1,0-24,0 25,0-25,24-1,-24 1,0 0</inkml:trace>
+  <inkml:trace contextRef="#ctx0" brushRef="#br0" timeOffset="387104.141">3225 14486,'0'25,"0"0,0-1,25 26,-25-25,0 0,0 24,25 1,-25-1,0-24,0 25,0-25,24-1,-24 1,0 0</inkml:trace>
   <inkml:trace contextRef="#ctx0" brushRef="#br0" timeOffset="388776.2367">3299 14412,'0'0,"25"0,-25-25,25 25,-25 0,25 0,-25 0,25 0,-25 0,24 0,-24 25,25-25,-25 24,0 1,0 0,0 0,0 0,0 24,0-24,0 25,-25-26,1 26,-1-25,25 0,0-25,-25 0,25 0,-25 0,0 0,25 24,25-24,-25 0,50-24,-50 24,25 0,-25-25,24 25,1 0,-25 0,25 0,-25 0,25 0,-25 0,25 0,-25 25,24-25,-24 0,0 24,25 1,-25-25,0 0,0 25,25-25,-25 25,0 0,0-1,0 1,0 0,0-25,-25 50,25-50,-25 0,1 0,24 0,-25 0,25 0,-25 0,25 0,-25 0,0 0,25 0,-49 0,49 0,-25 0,-25 0,26 0,-1 0</inkml:trace>
   <inkml:trace contextRef="#ctx0" brushRef="#br0" timeOffset="403867.0999">7739 14759,'-24'0,"24"0</inkml:trace>
   <inkml:trace contextRef="#ctx0" brushRef="#br0" timeOffset="405250.179">6698 14709,'24'0,"-24"0,50-25,0 1,74-1,-25 25,0 0,50 0,-50 0,-24 0,-26 0,26 0,-26 0,-24 0,25 0,24 0,0 0,26 0,48 0,-48 0,49 0,-25 0,24 0,-24 0,-49 0,-26 0,1 0,-25 0,0 0,-25 0,24 0,1 0,0 0,-25 0,25 0,0 0</inkml:trace>
@@ -929,7 +929,7 @@
     </inkml:brush>
   </inkml:definitions>
   <inkml:trace contextRef="#ctx0" brushRef="#br0">1464 9401,'0'0,"0"0,25 0,-1 0,1 0,0 0,0 0,-25 0,0 0,0 0,0 25,0 0,-25-25,0 0,25 24,-25-24,25 0,-49 25,49-25,-25 0,0 0,25 0,-25 0,25 0,0 0,0-25,0 25,0-24,0-1,0 25</inkml:trace>
-  <inkml:trace contextRef="#ctx0" brushRef="#br0" timeOffset="4806.2749">4416 12477,'0'-25,"24"25,1 0,0 0,0 0,24 0,1 0,24 0,-24 0,24 0,-24 0,0 0,-26 0,1 25,0-25,-25 0,25 0,0 0</inkml:trace>
+  <inkml:trace contextRef="#ctx0" brushRef="#br0" timeOffset="4806.2748">4416 12477,'0'-25,"24"25,1 0,0 0,0 0,24 0,1 0,24 0,-24 0,24 0,-24 0,0 0,-26 0,1 25,0-25,-25 0,25 0,0 0</inkml:trace>
   <inkml:trace contextRef="#ctx0" brushRef="#br0" timeOffset="6061.3467">4614 12799,'0'0,"50"0,-1-25,-24 25,0 0,0 0,-1 0,26 0,-50 0,25 0,-25 0,0 0,25 25,-25-25,0 0,24 25,1-25,-25 50,0-50,0 24,0 1,0 0,0 25,0-50,-25 24,25-24,-24 0,-26 0,25 0,0 25,-24-25,49 0,-50 0,25 0,1 0,-26 0,50 0,0 0,74 0,-49 0,25 0,-25 0,-1 0,1 25,0 0,-25 0,0-25,25 49,0-24,-25 0,0 0,0-25,0 25,0-1,0 1,0 25,0-50,0 25,0-1,0 1,0-25,-25 25,25 0,0-25,-25 25,25-25,-50 0,50 0,-24 0,24 0,-50 0,0 0,1 0,-1 0,1-25,-1 25,25-50,0 50,1-25,-1 1,25 24,0-25</inkml:trace>
   <inkml:trace contextRef="#ctx0" brushRef="#br0" timeOffset="6885.3939">4713 11609,'0'0,"0"24,0-24,0 50,0-25,0 0,0 24,25 1,-25-25,0 24,0 1,0-1,0-24,0 0,0 0,0 0,0-25,0 24</inkml:trace>
 </inkml:ink>
@@ -984,24 +984,24 @@
     </inkml:brush>
   </inkml:definitions>
   <inkml:trace contextRef="#ctx0" brushRef="#br0">10567 9227,'50'0,"-25"0,-1 0,1 0,25 0,-1 0,1 0,24 0,1 0,-1 0,-49 0,25 0,24 0,-74 0,50 0,-50 0,24 0,-24 0,25 0,0 0,0 0,-25 0,50 0,-1 0,-24 0,0 0,24 0,1 0,-25-24,0 24,24 0,-49 0,50-25,-50 25,25 0,24 0,-49 0,25 0,0 0,-25 0,25 0,24 0,1 0,24 0,1 0,-1 0,0 0,-24 0,24 0,1 0,-1 0,-24 0,0 0,-26 0,26 0,-25 0,0 0,-1 0,-24 0,50 0,-25 0,-25 0,49 0,26 0,-1 0,1 0,-1 0,-24 0,-26 0,26 0,-50 0,25 0,0 0,-1 0,-24 0,25 0,0 0,0 0,25 0,24 0,0 0,-24 0,0 0,-1 0,1 0,-25 0,-1 0,26 0,-25 0,49 0,-49 0,0 0,0 0,-1 0,51 0,-75 0,25 0,24 0,1 0,-1 0,-24 0,124 0,-99 0,24 0,-49 0,49 0,-24 0,0 0,-50 0,24 0,1 0,0 0,0 0,24 0,-49 0,50 0,-50 0,25 0,0 0,-1 25,26-25,49 0,-74 0,0 0,49 0,-49 0,0 0</inkml:trace>
-  <inkml:trace contextRef="#ctx0" brushRef="#br0" timeOffset="2952.1689">18802 9252,'0'0,"50"0,-50 0,25 0,0 0,24 0,-49 0,25 0,0 0,0 0,-25 0,24 0,1 0,0 0,-25 0,25 0,-25 0,49 0,-49 0,25 0,-25 0,25-49,0 49,24 0,1 0,-25 0,0 0,-1 0,1 0,0 0,0 0,0 0,24 0,-24 0,0 0,24 0,1 0,-25 0,0 0,-25 0,24 0,1 0,0 0,25 0,-25 0,-1 0,26 0,-25 0,0 0,-25 0,24 0,-24 0,25 0,-25 0,25 0,0 0,0 0,49 0,-49 0,24 0,-49 0,25 0,-25 0,25 0,0 0,0 0,-25 0,49 0,-49 0</inkml:trace>
+  <inkml:trace contextRef="#ctx0" brushRef="#br0" timeOffset="2952.1688">18802 9252,'0'0,"50"0,-50 0,25 0,0 0,24 0,-49 0,25 0,0 0,0 0,-25 0,24 0,1 0,0 0,-25 0,25 0,-25 0,49 0,-49 0,25 0,-25 0,25-49,0 49,24 0,1 0,-25 0,0 0,-1 0,1 0,0 0,0 0,0 0,24 0,-24 0,0 0,24 0,1 0,-25 0,0 0,-25 0,24 0,1 0,0 0,25 0,-25 0,-1 0,26 0,-25 0,0 0,-25 0,24 0,-24 0,25 0,-25 0,25 0,0 0,0 0,49 0,-49 0,24 0,-49 0,25 0,-25 0,25 0,0 0,0 0,-25 0,49 0,-49 0</inkml:trace>
   <inkml:trace contextRef="#ctx0" brushRef="#br0" timeOffset="4896.2801">21432 9376,'-25'0,"149"0,-25 0,-25 0,26 0,-51 0,-24 0,-25 0,50 0,-26 0,1 0,50 0,-50 0,24 0,-24 0,-25 0,25 0,24 0,-49 0,25 0,-25 0,50 0,24 0,-49 0,25 0,-26 0,1 0,0 0,-25 0,25 0,-25 0,25 0,-25 0,24 0,1 0,0 0,25 0,-26 0,1 0,0 0,0 0,0 0,-25 0,0 0,24 0,1 0</inkml:trace>
-  <inkml:trace contextRef="#ctx0" brushRef="#br0" timeOffset="6551.3748">9897 10368,'0'0,"75"0,-26 0,26-24,-26 24,1 0,24 0,1 0,-1 0,1 0,49 24,25-24,-50 0,-50 0,-24 0,-25 0,50 0,-50 0,25 0,-1 0,1 0,25 0,-25 0,-1 0,1 0,-25 0,25 0,-25 0,25 0,0 0,24 0,1 0,-50 0,74 0,1 0,-26 0,26 0,-75 0,25 0,24 0,1 0,-1-24,1 24,-25 0,24-25,-49 25,25 0,0 0</inkml:trace>
+  <inkml:trace contextRef="#ctx0" brushRef="#br0" timeOffset="6551.3747">9897 10368,'0'0,"75"0,-26 0,26-24,-26 24,1 0,24 0,1 0,-1 0,1 0,49 24,25-24,-50 0,-50 0,-24 0,-25 0,50 0,-50 0,25 0,-1 0,1 0,25 0,-25 0,-1 0,1 0,-25 0,25 0,-25 0,25 0,0 0,24 0,1 0,-50 0,74 0,1 0,-26 0,26 0,-75 0,25 0,24 0,1 0,-1-24,1 24,-25 0,24-25,-49 25,25 0,0 0</inkml:trace>
   <inkml:trace contextRef="#ctx0" brushRef="#br0" timeOffset="8551.4892">12775 9971,'0'0,"49"50,1 25,-25-1,-25 0,25-24,-25-25,0 24,0-49,0 25,24-25,-24 25,25-25,-25 0,75-50,-51 26,1-1,-25 0,0 0,25 25,0-25,0-24,-1 24,-24 0,25-24,0 24,0-25,24 0,-24 26,0-26,25 25,24 0,-49 25,0 0,0 0,24 0,-49 0,50 0,-1 0,1 0,0-24,-1 24,26-25,-51 25,26-25,-25 25,-25-25,25 25,-25 0,24 0,1 0,-25 0,25 0,0 25,0-25,-25 0,24 0</inkml:trace>
   <inkml:trace contextRef="#ctx0" brushRef="#br0" timeOffset="17400.9953">10840 13419,'0'0,"25"0,-25 0,25 0,-25 0,24 0,1 0,25 0,-50 0,25 0,-1 0,1 0,0 0,-25 0,25 0,24 0,-24 0,25 0,24 0,-24 0,-25 0,24 0,1 0,-50 0,25 0,-25 0,25 0,-25 0,49 0,-24 0,0 0,0 0,-1 0,1 0,25 0,-25 0,-1 0,26 0,-25 0,0 0,-25 0,24 0,-24 0,25 0,0 0,-25 0,25 0,0 0,-1 0,1 0,0 0,0 0,0 0,-1 0,1 0,0 25,0-25,24 0,26 0,-26 0,51 0,-26 0,-24 0,-1 25,1-25,-50 0,25 0</inkml:trace>
-  <inkml:trace contextRef="#ctx0" brushRef="#br0" timeOffset="20568.1765">9054 13568,'-25'0,"25"-25,-25 1,1-26,24 50,0-25,0 25,-25-25,25 1,-25-26,25 50,0-50,-25 50,25-24,0-26,0 50,0-50,0 50,0-25,0 25,0-49,0 24,0-25,25 1,-25-1,25 1,-25 24,0 25,0-25,0 25,0-25,25 25,-25-25,0 1,24 24,-24 0,0-25,25 25,0-50,25 50,-50-25,49 1,-49-1,0 25,0 0,25 0,-25-25,25 25,0 0,24-25,1 25,-25 0,0 0,-1 0,-24 0,25 0,0 0,-25 0,25 0,0 0,-1 0,1 0,-25 0,50 0,-50 25,25 0,-25-25,24 0,1 0,-25 0,25 0,-25 0,25 25,0-25,-25 0,0 0,24 24,-24-24,25 25,-25-25,25 0,0 25,-25-25,25 25,-25-25,24 25,1-1,-25-24,0 25,0-25,0 25,25 0,-25 0,0-1,0 1,0 0,0 0,0-25,0 25,0-1,0 1,25 0,-25-25,0 25,0 0,0-25,0 24,0 1,0 0,0-25,0 25,0 0,0 0,0-25,0 0,0 24,0 1,0 0,-25 0,25-25,0 25,0-1,0-24,0 25,0 0,-25 0,25 0,-25-25,25 0,0 0,-24 0,24 0,-25 24,0-24,25 0,-25 0,25 25,-49-25,49 0,-25 0,0 0,-25 0,1 25,-26 0,51-25,-26 25,25-25,25 0,-25 0,1 0,-1 0,0 0,0 0,-25 0,26 0,-1 0,0 0,25 0,-25 0,0 0,25 0,-24 0,24 0,0 0,-25 0,0 0,25 0,-25 0,25-25,-25 25,1 0,24 0</inkml:trace>
-  <inkml:trace contextRef="#ctx0" brushRef="#br0" timeOffset="23697.3555">8781 15304,'0'0,"0"0,25 25,0-25,-25 0,25 0,24 0,1 0,-1 0,1 0,0 0,-50 0,24 0,-24 0,50 0,-50 0,25 0,0 0,-1 0,-24 0,-24 0,24 0,-50 0,0 0,1 25,24-25,0 0,0 0,1 0,24 0,-25 0,25 0,-25 0,25 0,-25 0,25 0,50 0,-25 0,-1 0,1 0,-25 0,25 0,0 0,24 0,1-25,-50 25,50 0,-50 0,24 0,-24 0</inkml:trace>
+  <inkml:trace contextRef="#ctx0" brushRef="#br0" timeOffset="20568.1764">9054 13568,'-25'0,"25"-25,-25 1,1-26,24 50,0-25,0 25,-25-25,25 1,-25-26,25 50,0-50,-25 50,25-24,0-26,0 50,0-50,0 50,0-25,0 25,0-49,0 24,0-25,25 1,-25-1,25 1,-25 24,0 25,0-25,0 25,0-25,25 25,-25-25,0 1,24 24,-24 0,0-25,25 25,0-50,25 50,-50-25,49 1,-49-1,0 25,0 0,25 0,-25-25,25 25,0 0,24-25,1 25,-25 0,0 0,-1 0,-24 0,25 0,0 0,-25 0,25 0,0 0,-1 0,1 0,-25 0,50 0,-50 25,25 0,-25-25,24 0,1 0,-25 0,25 0,-25 0,25 25,0-25,-25 0,0 0,24 24,-24-24,25 25,-25-25,25 0,0 25,-25-25,25 25,-25-25,24 25,1-1,-25-24,0 25,0-25,0 25,25 0,-25 0,0-1,0 1,0 0,0 0,0-25,0 25,0-1,0 1,25 0,-25-25,0 25,0 0,0-25,0 24,0 1,0 0,0-25,0 25,0 0,0 0,0-25,0 0,0 24,0 1,0 0,-25 0,25-25,0 25,0-1,0-24,0 25,0 0,-25 0,25 0,-25-25,25 0,0 0,-24 0,24 0,-25 24,0-24,25 0,-25 0,25 25,-49-25,49 0,-25 0,0 0,-25 0,1 25,-26 0,51-25,-26 25,25-25,25 0,-25 0,1 0,-1 0,0 0,0 0,-25 0,26 0,-1 0,0 0,25 0,-25 0,0 0,25 0,-24 0,24 0,0 0,-25 0,0 0,25 0,-25 0,25-25,-25 25,1 0,24 0</inkml:trace>
+  <inkml:trace contextRef="#ctx0" brushRef="#br0" timeOffset="23697.3554">8781 15304,'0'0,"0"0,25 25,0-25,-25 0,25 0,24 0,1 0,-1 0,1 0,0 0,-50 0,24 0,-24 0,50 0,-50 0,25 0,0 0,-1 0,-24 0,-24 0,24 0,-50 0,0 0,1 25,24-25,0 0,0 0,1 0,24 0,-25 0,25 0,-25 0,25 0,-25 0,25 0,50 0,-25 0,-1 0,1 0,-25 0,25 0,0 0,24 0,1-25,-50 25,50 0,-50 0,24 0,-24 0</inkml:trace>
   <inkml:trace contextRef="#ctx0" brushRef="#br0" timeOffset="26367.5082">4837 15379,'0'0,"0"0,0 0,25 0,49 0,-24 0,-25 0,0 0,0 0,-1 0,26 0,-25 0,0 0,-1 0,-24 0,25 0,0 0,-25 0,25 0,24 0,-24 0,0 0,25 0,-50 0,24 0,-24 0,25 0,0 0,0 0,-25 0,25 0,-25 0,0 0,0 0,0 0,-25 0,25 0,-25 0,-49 0,49 0,0 0,-25 0,50 0,-24 0,24 0,-50 0,50 0,-25 0,-24 0,49 0,-50 0,50 0,-25 0,0 0,1 0,24 0,-25 0,25 0,-25 0,25 0,0 0,50 0,-1 0,1 0,-25 0,-1 0,1 0,-25 0,25 0,0 0,0 0,24 0,-24 0,25 0,-1 0,-24 0,0 0,-25 0,25 0,-25 0,24 0,-48 0,-26 0,0 0,1 0,24 0,0 0,-24 0,24 0,0 0,25 0,-25 0,0 0,1 0,-26 0,50 0,-25 0,0 0,1 0,-26 0,50 0,-25 0,25 0,-25 0,0 0,25 0,-24 0,-1 0,0 0,25 0,0 0</inkml:trace>
   <inkml:trace contextRef="#ctx0" brushRef="#br0" timeOffset="27431.569">6177 16148,'0'25,"0"49,0-24,0 74,0-75,25 51,-25-51,0-24,0 49,0-49,0 25,0-1,0-24,0-25,0 25,0 0,0 0,0-1,0 1,0 0,0 0,0-25,0 49,0-49,0 0,0-24,0-26,0 0,0 26,0-26</inkml:trace>
   <inkml:trace contextRef="#ctx0" brushRef="#br0" timeOffset="29071.6628">6053 16098,'0'0,"0"0,24 0,1 0,-25 0,25 0,-25 0,25 0,0 0,24 0,1 0,-50 0,50 0,-26 0,1 0,0 0,0 0,-25 25,0 0,25-25,-1 25,1-1,0 1,-25-25,0 25,0-25,0 50,0-50,0 24,0-24,0 25,0-25,-25 25,25-25,-25 0,1 25,-1-25,25 25,-50 0,50-25,0 24,-25 1,25 0,0-25,-24 0,24 25,-25-25,0 0,25 0,-50 0,1 0,49 25,-25-1,25-24,0 0,0 0,0 0,25 0,-25 0,25 0,-1 0,1 0,-25 0,50 25,-25 0,-1-25,1 25,0-25,-25 25,25-1,-25-24,0 0,25 25,-1-25,-24 25,25 0,-25 0,50-25,-50 24,25 1,-25-25,24 25,1-25,0 25,0 0,-25-25,25 24,-25 1,24-25,-24 25,25-25,25 0,-25 0,24 25,-24-25,0 25,-25-25,25 0,-25 0</inkml:trace>
   <inkml:trace contextRef="#ctx0" brushRef="#br0" timeOffset="31625.8089">6276 17388,'0'0,"50"0,-26 0,1 0,0 0,-25 0,25 0,0 0,-1 0,-24 0,25 0,25 0,24 0,-24 0,-25 0,-1 25,1-25,-25 0,0 0,25 0,-25 0,50 0,-50 0,24 0,-24 0,0 0,-24 0,-1 0,0 0,0 0,-24 0,49 0,-25 0,0 0,0 0,-49 0,24 0,25 0,1 0,-1 0,0 0,0 0,25 0,-25 0,25 0,-24 0,-1 0,0 0,50 0,24 0,-24 0,0 0,0 0,0 0,-1 0,-24 0,50 0,-25 0,24 0,-49 0,25 0,0 0,-25 0,-25 0</inkml:trace>
   <inkml:trace contextRef="#ctx0" brushRef="#br0" timeOffset="33672.926">6003 16842,'-25'0,"0"0,1 0,24 0,-25-24,-25-1,25 0,-24-25,49 50,-25 0,25-24,-50 24,50-25,-24 25,-1-25,25 0,-25 25,0-74,-24 49,49 0,-25 0,0 1,25-26,-25 25,0-25,25 50,-49-49,49-1,-25 1,0 24,25 0,0 0,0 25,0-25,-25 25,25-49,-24-1,24 25,0 1,-25-26,25 50,0-25,0 0,0 25,0-24,-25-1,25 0,0 25,0-25,0 25,0 50,0 24,0-24,0-1,0-24,0 0,0-25,0 25,0 0,0-25,-25 0,25 24,0-24,0 25</inkml:trace>
-  <inkml:trace contextRef="#ctx0" brushRef="#br0" timeOffset="34535.9754">5209 15925,'25'0,"0"24,0-24,24 25,-49 0,25-25,-25 0,0 25,25-25,0 0,0 0,-1 25,51-25,-50 0,-1 0</inkml:trace>
-  <inkml:trace contextRef="#ctx0" brushRef="#br0" timeOffset="39839.2787">8831 15329,'0'0,"0"0,0 0,25 0,24 0,-49 0,25 0,0 0,24 0,-49 0,25 0,-25 0,25 0,0 0,-25 0,25 0,-25 0,24 0,26 0,-25 0,0 0,-25 0,24 0,-73 0,24 0,0 0,25 0,-25 0,1 0,-1 0,-50 0,26 0,-1 0,-24 0,24 0,25 0,25 0,-24 0,-1 0,25 0,0 0,0 0,25 0,24 0,1 0,-1 0,26 0,-50 0,24 0,-49 0</inkml:trace>
+  <inkml:trace contextRef="#ctx0" brushRef="#br0" timeOffset="34535.9753">5209 15925,'25'0,"0"24,0-24,24 25,-49 0,25-25,-25 0,0 25,25-25,0 0,0 0,-1 25,51-25,-50 0,-1 0</inkml:trace>
+  <inkml:trace contextRef="#ctx0" brushRef="#br0" timeOffset="39839.2786">8831 15329,'0'0,"0"0,0 0,25 0,24 0,-49 0,25 0,0 0,24 0,-49 0,25 0,-25 0,25 0,0 0,-25 0,25 0,-25 0,24 0,26 0,-25 0,0 0,-25 0,24 0,-73 0,24 0,0 0,25 0,-25 0,1 0,-1 0,-50 0,26 0,-1 0,-24 0,24 0,25 0,25 0,-24 0,-1 0,25 0,0 0,0 0,25 0,24 0,1 0,-1 0,26 0,-50 0,24 0,-49 0</inkml:trace>
   <inkml:trace contextRef="#ctx0" brushRef="#br0" timeOffset="45079.5784">17736 15329,'25'0,"24"0,-24 0,25 0,-26 0,1 0,0 0,0 0,0 0,-25 0,24 0,1 0,-25 0,25 0,-25 0,25 0,-25-25,0 25,25 0,-1 0,-24 0,100 0,-51 0,-24 0,74 0,-49 0,-25 25,-1 0,1-25,0 0,0 0,0 0,-1 0,1 0,0 0,0 0,0 0,-1 0,-24 0,25 0,-25 0,25 0,0 0,-25 0,25 0,-25 0,25 0,-1 0,26 0,-25 0,0 0,-1 0,-24 0,25 0,-25 0,25 0,0 0</inkml:trace>
   <inkml:trace contextRef="#ctx0" brushRef="#br0" timeOffset="49847.8512">20539 15255,'0'0,"24"0,1 0,0 0,25 0,-50 0,24 0,-24 0,25 0,-25 0,25 0,0 0,0 0,-25 0,24 0,1 0,-25 25,25-25,0 0,0 0,-25 0,25 0,-25 0,24 0,1 0,-25 0,25 0,-25 0,25 0,-25 0,49-25,-49 0,50 25,-50-25,0 25,0-25,25 25,-25-24,0-1,0 0,25-25,-1 26,-24 24,0-25,0 0,0 25,0-25,0 25,0-25,0-24,0-1,0 1,0-26,0 1,0 24,0 50,0-25,-24 25,-1 0,25-49,0 24,-50-25,25 1,25 24,-24 0,-1 25,25-25,-25 0,0 25,-24 0,24-24,0 24,-25-25,1 25,24-50,-25 50,50 0,-49-25,49 25,-25 0,25 0,-25 0,25-24,-25 24,0 0,-24 0,49-25,-25 25,25 0,-25 0,0 0,25 0,-24 0,-1 0,0 0,0 0,25 0,-25 0,1 0,24 0,-50 0,50 0,-25 0,0 25,1-25,24 24,-25 1,0-25,25 25,-25 0,25-25,-25 25,1-25,-1 49,25-24,0 0,0-25,0 25,0 0,0-1,0 26,0-25,0 24,0 1,0 0,0-26,0 1,0-25,0 25,0 0,0 0,0 24,0-49,25 50,-25-25,24-1,1 26,-25-50,0 50,25-50,-25 0,0 24,25-24,0 25,-25-25,24 25,-24 0,25-25,0 25,-25-1,25-24,0 0,-1 25,-24-25,25 0,-25 25,25-25,-25 25,25-25,0 0,-1 25,1-25,0 0,-25 0,25 24,0 1,-1-25,1 0,0 0,0 25,0 0,-1-25,-24 0,25 0,-25 25,25-25</inkml:trace>
   <inkml:trace contextRef="#ctx0" brushRef="#br0" timeOffset="52079.9788">4986 15304,'-50'-49,"50"49,-24 0,24-25,-25 0,0 25,25 0,-25 0,25 0,-25 0,-123-74,98 74,0-50,1 25,49 25,-25-24,0 24,0-50,25 50,-24-74,-1 24,25 0,-25 26,25-26,-50 25,50 0,0-24,0-1,0 1,0-1,0 0,0 26,0-1,0 0,0 25,0-50,25 25,-25 1,25-51,25 26,-50 24,24-25,1 50,-25-25,25 25,25-24,-1-1,1 0,-1 0,-24 25,0-25,0 25,-25 0,25-24,-1 24,-24-25,25 25,25 0,-1-25,-24 25,50 0,-26 0,1 0,0 0,-26 0,26 0,-25 0,0 0,-1 0,1 0,25 0,-50 0,25 0,-1 0,1 25,25 24,-50-24,49 0,-24 0,25 24,-1-49,-24 25,0 0,-25-25,50 25,-26 0,1-1,-25-24,0 25,25 0,-25-25,0 25,0 24,0-24,0 0,0 50,0-75,25 49,-25-24,0 0,0 0,0-1,0-24,0 25,0 0,0 0,0 24,0 1,0-25,0 24,0-24,0 0,0 0,0 24,0-49,0 25,0 0,0-25,-25 25,25-25,-25 25,25-1,-25 1,1 0,24 0,-25 24,0-24,0 0,0 0,25 0,0-1,-24 1,24 0,-50-25,50 0,-50 50,26-50,-26 0,0 0,26 0,-26 0,0 0,1 0</inkml:trace>
-  <inkml:trace contextRef="#ctx0" brushRef="#br0" timeOffset="53248.0457">10443 14213,'0'0,"25"0,0 74,24 75,1-49,-25 48,-25 1,0-99,0-25,0-1,0 26,0-50,0 25,0 0,0-1,0-24,0 50,0-25,0 24,0-24,0 0,0 0,0-25,0 25,0-25,0 24,0 26,0 0,0-1,0-49,-25-24</inkml:trace>
+  <inkml:trace contextRef="#ctx0" brushRef="#br0" timeOffset="53248.0456">10443 14213,'0'0,"25"0,0 74,24 75,1-49,-25 48,-25 1,0-99,0-25,0-1,0 26,0-50,0 25,0 0,0-1,0-24,0 50,0-25,0 24,0-24,0 0,0 0,0-25,0 25,0-25,0 24,0 26,0 0,0-1,0-49,-25-24</inkml:trace>
   <inkml:trace contextRef="#ctx0" brushRef="#br0" timeOffset="56920.2557">10468 14139,'0'0,"50"0,24-25,25 25,25-25,-49 0,73 25,-73-25,-26 25,1 0,-25 0,24 0,-24 0,0 0,25 0,24 0,1 0,-26 25,1-25,-1 0,1 25,-25-25,0 0,49 0,25 0,-24 0,49 0,-25 0,50 0,-25 0,-50 0,1 0,-1 0,-49 0,0 0,24 0,75-25,-25 25,25 0,25 0,-50 0,1 0,24 0,-50 0,1 0,-26 0,26 0,-26 0,50 0,-24 0,-1 0,-24 0,-1 0,1 0,-25 0,0 0,-25 0,24 0,1 0,50 0,-1 0,1 0,24 0,-50 0,51 0,-51 0,26 0,-75 0,24 0,-24 0,25 0,-25 0,25 0,0 0,-25 0,49 0,-24 0,50 0,-1 0,-24 25,-1 0,-24-25,-25 25,0 24,0-24,0 0,0 0,0-25,0 24,0 26,0-50,0 50,0-25,0-1,0 1,0 0,0 0,0 0,0 24,0-24,25 25,-25-1,0-49,0 25,0 0,0 0,0-25,0 24,0 1,0 0,0-25,0 50,0-50,0 49,0 1,0-50,25 49,-25-49,0 25,0-25,0 25,0 0,0 0,0 24,0-24,0 0,24 0,-24-25,-24 0,-1 0,-25 0,25 0,1 0,-1 0,0 0,0 0,-24 0,-26 0,75 0,-25 0,25 0,-24 0,-1 0,0 0,-25 0,-24 0,24 0,-24 0,49 0,-24 0,24 0,0 0,-25 0,26 0,-1 24,25-24,-25 0,-25 0,26 25,-51-25,1 25,-1-25,-24 0,0 0,0 0,49 0,25 0,0 0,1 0,-26 0,25 0,-24 0,-1 0,25 0,-24 0,-26 25,75-25,-25 0,1 0,-1 25,-25-25,-24 0,49 0,-50 0,1 0,0 0,-26 0,1 0,-50 0,50 0,25 0,-75 0,50 0,24 0,1 0,49 0,0 0,0 0,1 0,-26 25,-24-25,24 0,0 0,1 24,-1-24,50 0,-49 25,24-25,25 0,-50 0,50 0,-25 0,-24 0,49 0,-25 0,0 0,25 25,-25-25,25 0,-24 0,-26 0,25 0,-24 0,-1 0,-25 0,26 0,-1 0,-24 0,49 0,-25 0,26 0,-1 0,25 0,-25 0,-49 0,24 0,-24 0,24 0,25 0,-24 0,49 0,-25 0,25 0,-25 0</inkml:trace>
 </inkml:ink>
 </file>
@@ -1072,33 +1072,33 @@
   <inkml:trace contextRef="#ctx0" brushRef="#br0" timeOffset="28679.6404">15454 8607,'0'0,"0"0,24 0,1 0,0 0,0 0,-25 0,25 0,-1 0,-24 25,0 0,0-25,0 25,0-25,0 24,0-24,-49 25,24 0,0 0,25-25,0 0,0 0,0 0,25 0,0 0,0 0,-25 25,24-25,1 0,-25 0,0 0,-25 0,25 0</inkml:trace>
   <inkml:trace contextRef="#ctx0" brushRef="#br0" timeOffset="34479.9721">3944 7615,'25'0,"25"0,-25 0,24 0,1 0,-25 0,-1 0,26 0,-50 0,25 0,-25 0,49 0,1 0,0 0,-26 0,51 0,-26 0,26 0,-1 0,-49 0,0 0,24 0,1 25,0-25,-1 0,1 0,0 0,-1 0,26 0,-26 0,50 0,-24 25,74-25,24 0,1 0,-1 0,-98 0,-1 0,-49 0,0 0,25 0,-50 0,49 0,-24 0,0 0,24 24,-24-24,25 0,24 0,-49 0,49 0,1 0,24 0,-25 0,-49 0,50 0,49 0,-50 0,1 0,-1 0,0 0,1 0,-1 0,-24 0,24 0,-24 0,24 0,1 0,-1 0,0 0,1 0,-25 0,-26 0,1 0,25 0,-50 0,25 0,-25 0,49 0,-24 0,25 0,-1-24,-24 24,0 0,24 0,-49 0,25 0</inkml:trace>
   <inkml:trace contextRef="#ctx0" brushRef="#br0" timeOffset="43895.5107">13891 5135,'25'49,"0"50,-1-24,1-1,0 1,0-51,0 26,-25 0,24-50,1 49,-25-49,25 0,-25-49,50-26,74-98,-25 49,0 49,50-24,-25 0,-25 24,-49 75,49-74,25-1,-50 51,-24-1,-25 25</inkml:trace>
-  <inkml:trace contextRef="#ctx0" brushRef="#br0" timeOffset="47895.7395">13767 10344,'0'0,"-25"0,-24 0,-1-25,25 25,-24 0,-26 0,1 0,49 0,0 0,-25 0,26 0,24 0,-25 0,0 0,0 0,0 0,1 0,-1 0,0 0,-49 0,49 0,-25 0,25 0,-24 0,-50 0,49 0,-74 0,0 0,25 0,24 0,-49 0,50 0,-1 0,-24 0,74 0,-49 0,0 0,24 0,-49 0,49 0,1 0,-26 0,1 0,24 0,-49 0,49-25,25 25,-24 0,-1-25,25 25,-24 0,49 0,-25 0,0 0,25 0,-25 0,1 0,-1 0,-25 0,25 0,-49 0,0 0,-1 0,1 0,-1 0,26 0,-26 0,1 0,24 0,-49 0,25 0,-1 0,26 0,-1 0,0 0,1 0,-26 0,51 0,-51 0,1 0,-1 0,26 0,-51 0,26 0,0 0,-1 0,75 0,-49 0,-26 0,1 0,24 0,1 0,24 0,-50 0,-98 0,98 0,-24 0,-25 0,74 0,26-25,-51 25,26 0,-26 0,1 0,-1 0,-24 0,-25 0,50 0,-50 0,25 0,24 0,25 0,26 0,-51 0,26 0,-1 0,0 0,1 0,-26 0,1 0,0 0,-1 0,75 0,-74 0,-1 0,1 0,-25 0,49 0,-49 0,-50 0,50 0,-50 0,99 0,-24 0,-25 0,0 0,24 0,-24 0,-25 0,49 0,26 0,24 0,-25 0,-24 0,49 0,-24 0,-1 0,-24 0,-1 0,75 0,-49 0,-1 0,0 0,-49 0,25 0,-1 25,1-25,-1 0,26 0,-1 0,1 0,-26 0,-24 0,49 0,26 0,-100 0,24 0,26 0,-25 0,74 0,-25 0,1 0,-26 0,-74 0,1 0,24 0,-50 0,100 0,-26 0,1 0,50 0,49 0,-50 0,50 0,-50 0,1 0,-1 0,50 0,-25 0,-24 0,24 0,-50 0,51 0,-26 0,25 0</inkml:trace>
+  <inkml:trace contextRef="#ctx0" brushRef="#br0" timeOffset="47895.7394">13767 10344,'0'0,"-25"0,-24 0,-1-25,25 25,-24 0,-26 0,1 0,49 0,0 0,-25 0,26 0,24 0,-25 0,0 0,0 0,0 0,1 0,-1 0,0 0,-49 0,49 0,-25 0,25 0,-24 0,-50 0,49 0,-74 0,0 0,25 0,24 0,-49 0,50 0,-1 0,-24 0,74 0,-49 0,0 0,24 0,-49 0,49 0,1 0,-26 0,1 0,24 0,-49 0,49-25,25 25,-24 0,-1-25,25 25,-24 0,49 0,-25 0,0 0,25 0,-25 0,1 0,-1 0,-25 0,25 0,-49 0,0 0,-1 0,1 0,-1 0,26 0,-26 0,1 0,24 0,-49 0,25 0,-1 0,26 0,-1 0,0 0,1 0,-26 0,51 0,-51 0,1 0,-1 0,26 0,-51 0,26 0,0 0,-1 0,75 0,-49 0,-26 0,1 0,24 0,1 0,24 0,-50 0,-98 0,98 0,-24 0,-25 0,74 0,26-25,-51 25,26 0,-26 0,1 0,-1 0,-24 0,-25 0,50 0,-50 0,25 0,24 0,25 0,26 0,-51 0,26 0,-1 0,0 0,1 0,-26 0,1 0,0 0,-1 0,75 0,-74 0,-1 0,1 0,-25 0,49 0,-49 0,-50 0,50 0,-50 0,99 0,-24 0,-25 0,0 0,24 0,-24 0,-25 0,49 0,26 0,24 0,-25 0,-24 0,49 0,-24 0,-1 0,-24 0,-1 0,75 0,-49 0,-1 0,0 0,-49 0,25 0,-1 25,1-25,-1 0,26 0,-1 0,1 0,-26 0,-24 0,49 0,26 0,-100 0,24 0,26 0,-25 0,74 0,-25 0,1 0,-26 0,-74 0,1 0,24 0,-50 0,100 0,-26 0,1 0,50 0,49 0,-50 0,50 0,-50 0,1 0,-1 0,50 0,-25 0,-24 0,24 0,-50 0,51 0,-26 0,25 0</inkml:trace>
   <inkml:trace contextRef="#ctx0" brushRef="#br0" timeOffset="62646.5832">3572 12675,'0'0,"50"0,-1 0,-24 0,25 0,-1 0,-24 0,25 0,-25 0,-25 0,24 0,-24 0,25 0,0 0,0 0,-25 0,50 0,-1 0,1 0,-25 0,-1 0,26 0,-50 0,50 0,-26 0,1 0,25 0,-1 0,-24 0,0 0,25 0,-26 0,1 0,25 0,-50 0,25 0,-1 0,1 0,25 0,-25 0,24 0,-24 0,0 0,0 0,24 0,-24 0,-25 0,50 0,-1 0,-24 0,25 0,-25 0,24 0,-24 0,0 0,0 0,24 0,-24 0,25 0,-26 0,1 0,50 0,-51 0,1 0,0 0,0 0,0 0,24 0,1 0,-25 0,24 0,1 0,24 0,-74 0,25 0,25 0,-26 0,1 0,25 0,-25 0,0 0,49 0,-74 0,25 0,24 0,-24 0,25 0,-25 0,49 0,-24 0,-1 0,1 0,49 0,-25 0,-24 0,0 0,-26 0,51 0,-26 0,1 0,-25 0,0 0,24 0,-24 0,25 0,-1 0,1 0,0 0,49 0,-74 0,24 0,1 0,-50 0,49 0,-24 0,0 0,0 0,0 0,-1 0,1 0,0 0,0 0,24 0,-24 0,0 0,0 0,-25 0,25 0,-1 0,-24 0,25 0,-25 0</inkml:trace>
-  <inkml:trace contextRef="#ctx0" brushRef="#br0" timeOffset="64567.693">10418 12254,'0'0,"0"0,-24 0,-26 0,50 0,0-25,0 0,0 0,0 25,-25 0</inkml:trace>
+  <inkml:trace contextRef="#ctx0" brushRef="#br0" timeOffset="64567.6929">10418 12254,'0'0,"0"0,-24 0,-26 0,50 0,0-25,0 0,0 0,0 25,-25 0</inkml:trace>
   <inkml:trace contextRef="#ctx0" brushRef="#br0" timeOffset="65431.7425">6797 12204,'0'0,"49"50,26 49,-1-50,-24 1,-1-25,1 49,-50-74,25 25,-25-25,0 0,25 0,0-25,-25-49,24 24,1-24,25-50,-25 49,49 26,-49-1,0 25,24 0,1 1,-25 24,-1 0,-24 0</inkml:trace>
   <inkml:trace contextRef="#ctx0" brushRef="#br0" timeOffset="66807.8212">10369 12427,'0'25,"25"0,-1 0,1 24,0-24,0 0,-25-25,25 25,-25-1,0-24,49 0,-49-49,50-1,-1-24,1-25,0 49,-1 25,-24-49,25 49,-26 0,1 25</inkml:trace>
   <inkml:trace contextRef="#ctx0" brushRef="#br0" timeOffset="72655.1556">9377 12452,'0'0,"99"0,0 0,-25 0,1 0,-1 0,-49 0,49 0,26 0,-51 0,26 0,-51 0,1 0,25 0,-25 0,49 0,-49 0,49 0,-24 25,-25 0,-25-25,25 0,-1 0,1 0,-25 24,25-24,-25 0,25 0,0 0,24 0,100-24,-50-1,-24 0,49 0,-50 25,-49 0,0 0,24 0,-74 0,-49 0,24 0,1 0,-1 0,1 0,-26 0,1 0,-25 0,24-25,1 25,-1 0,26 0,24 0,-25 0,26-24,-26 24,0 0,25-25,-24 25,24 0,-25 0,50 0,-49 0,49 0,-25 0,0 25,0-25,-24 0,24 0,0 0,25 24,-49-24,49 0,-25 0,25 0,-25 0,0 25,-24-25,-1 0,50 0,-25 0,0 0,25 0,25 25,50-25,49 0,-25 0,-25 0,1 0,-26 0,-24 0,49 0,-49 0,0 0,25 0,24 0,-49 0,49 0,-49 0,25 0,-25 0,-25 0,-50 0,50 0,-25 0,0 0</inkml:trace>
   <inkml:trace contextRef="#ctx0" brushRef="#br0" timeOffset="75815.3364">2654 10096,'0'0,"0"49,50-24,-50 25,25-50,0 24,-25 26,0-25,49 24,-24 26,-25-1,50-24,-26-1,1 1,0 0,-25-26,0 1,75-124,73-25,26-25,-25 0,0-24,123-100,-98 124,25 50,-100 49,-25 1,-49 49,0 0,-25 0,25 0,-25 0</inkml:trace>
   <inkml:trace contextRef="#ctx0" brushRef="#br0" timeOffset="82727.7317">2654 14684,'0'0,"0"0,0 25,0-25,0 25,25 0,0 49,0 1,24-1,-24 0,50 75,-75-74,49 24,-24 0,50 0,-75-49,49 24,-49-49,0-25,-25 0</inkml:trace>
-  <inkml:trace contextRef="#ctx0" brushRef="#br0" timeOffset="83759.7908">3027 14784,'0'0,"0"0,-25 49,0-24,0 25,-25-1,50-24,-74 49,74 1,-50-1,26-24,-1-1,25 1,-25-25,0 25,0-1,25-24,-24 25,-1-1,25 1,0-25,-25-1,0 1,25-25,0 25,0 0</inkml:trace>
-  <inkml:trace contextRef="#ctx0" brushRef="#br0" timeOffset="85615.8969">5581 14833,'25'0,"25"75,24 98,-24-74,-1 50,1 0,0 50,-1-75,1-50,-25-24,-25-26,0-24</inkml:trace>
+  <inkml:trace contextRef="#ctx0" brushRef="#br0" timeOffset="83759.7907">3027 14784,'0'0,"0"0,-25 49,0-24,0 25,-25-1,50-24,-74 49,74 1,-50-1,26-24,-1-1,25 1,-25-25,0 25,0-1,25-24,-24 25,-1-1,25 1,0-25,-25-1,0 1,25-25,0 25,0 0</inkml:trace>
+  <inkml:trace contextRef="#ctx0" brushRef="#br0" timeOffset="85615.8968">5581 14833,'25'0,"25"75,24 98,-24-74,-1 50,1 0,0 50,-1-75,1-50,-25-24,-25-26,0-24</inkml:trace>
   <inkml:trace contextRef="#ctx0" brushRef="#br0" timeOffset="86111.9253">6053 15056,'0'0,"-50"0,-24 50,24-25,25 0,-24 49,-1-24,25 24,0-24,25-1,0 26,0-26,0 1,0-50</inkml:trace>
-  <inkml:trace contextRef="#ctx0" brushRef="#br0" timeOffset="86583.9523">6152 14461,'0'0,"25"0,0 0,-25 0,49 0,-49 0,50 25,-1 0,1-25,-25 0,0 0,-1 0</inkml:trace>
+  <inkml:trace contextRef="#ctx0" brushRef="#br0" timeOffset="86583.9522">6152 14461,'0'0,"25"0,0 0,-25 0,49 0,-49 0,50 25,-1 0,1-25,-25 0,0 0,-1 0</inkml:trace>
   <inkml:trace contextRef="#ctx0" brushRef="#br0" timeOffset="87078.9806">6375 14536,'-25'0,"25"24,0-24,0 25,0 0,0 25,0-1,0 1,0-25,25 49,-25-24,0-1,0-24,0 25,0-26,0 1,0-25,25 0</inkml:trace>
   <inkml:trace contextRef="#ctx0" brushRef="#br0" timeOffset="87583.0094">6822 15081,'0'0,"24"25,-24 0,50 24,-25 26,-25-26,49 1,-24 25,25-26,-1 26,-24-1,50 75,-26-75,-24-24,0-1,0-24,-25 0,0-25,0 0</inkml:trace>
-  <inkml:trace contextRef="#ctx0" brushRef="#br0" timeOffset="88160.0425">7541 15379,'0'0,"-25"25,25 0,0-25,-25 49,25-24,-49 25,24-26,0 1,-24 0,24 25,-25-26,25 1,1 0,-26 25,25-26,0 1,25-25,0 0,-49 50,49-50,-25 49,25-49</inkml:trace>
+  <inkml:trace contextRef="#ctx0" brushRef="#br0" timeOffset="88160.0424">7541 15379,'0'0,"-25"25,25 0,0-25,-25 49,25-24,-49 25,24-26,0 1,-24 0,24 25,-25-26,25 1,1 0,-26 25,25-26,0 1,25-25,0 0,-49 50,49-50,-25 49,25-49</inkml:trace>
   <inkml:trace contextRef="#ctx0" brushRef="#br0" timeOffset="92672.3005">5581 16197,'0'0,"0"0,25 0,-25 0,25 0,-25 25,25-25,74 25,-25 0,-49-25,25 49,49-49,-49 0,-26 50,26-50,-50 0,25 0,-25 0,25 0,0 0,24 0,1 0,24 0,-74 0,75 0,-51 25,26-25,-50 0,25 25,-25-25,0 49,0-49,0 25,0-25,0-25,0 1,0-26,0 50,0-25,49 0,-49 25,25 0,0 0,0 0,0 0,-1 0,1 0,25 0,24 0,1 0,-26 0,1 0,24 0,-24 25,0-25,24 25,-49-25,49 0,-49 0,25 0,-26 0,-24 0,0 0,25 0,-25 0,25 0,0 0,-25 0,25 0,-1 0,1 0,0 0,-25 0,25 0</inkml:trace>
   <inkml:trace contextRef="#ctx0" brushRef="#br0" timeOffset="94215.3888">2456 16148,'0'0,"74"0,-24 0,124 0,-125 0,50 0,-24 0,-25 0,-1 0</inkml:trace>
-  <inkml:trace contextRef="#ctx0" brushRef="#br0" timeOffset="95176.4438">2282 16346,'0'0,"25"0,-25 0,25 0,0 25,0-25,-25 0,24 0,26 0,0 0,-1 0,-24 0,49 0,-74 0,50 0,-25 0,0 0,-1 0,26 0,0 0,-1 0,-24 0,0 0,-25 0</inkml:trace>
+  <inkml:trace contextRef="#ctx0" brushRef="#br0" timeOffset="95176.4437">2282 16346,'0'0,"25"0,-25 0,25 0,0 25,0-25,-25 0,24 0,26 0,0 0,-1 0,-24 0,49 0,-74 0,50 0,-25 0,0 0,-1 0,26 0,0 0,-1 0,-24 0,0 0,-25 0</inkml:trace>
   <inkml:trace contextRef="#ctx0" brushRef="#br0" timeOffset="96759.5343">3523 7491,'0'25,"-50"49,-24 50,49-74,-25-1,-74 51,50-1,-50 25,0 50,0 24,-25-49,74-25,51-75,-51 75,1-24,24-1,1 25,-51 50,26-26,24 26,1 0,-1-25,-24 74,24-74,50-25,-50 99,50-99,-24 25,24 99,0-124,0 0,0-25,0-25,49 50,1-49,-25-26,49 100,1-25,24 25,-25 25,1-25,-75-100,49 100,-49-99,0-26,25 51,-25-50,0-1,0 26,25-25,-25 0,25 0,-25-1,0 26,0 0,24-1,-24 26,25-51,0 51,-25-75,0 25,0-1,25 26,24 0,-49 24,50-24,-25-1,-25-24,0 0</inkml:trace>
   <inkml:trace contextRef="#ctx0" brushRef="#br0" timeOffset="97503.5769">2158 13940,'0'0,"0"0,25 0,-25 0,25 0,25 50,-50-50,24 0,1 49,0-24,0 25,-25-1,49-24,-24 0,-25-25,25 25,-25 0,50-25,-50 0,24 0,-24 0,50 0,-50 0,25 0,0 0,-1 0,-24 0,25-25,-25-25,25 1,-25-26,0 26,25-1,0 25,-1-24,51-26,-50 50,24 1,-24-1,25 0</inkml:trace>
   <inkml:trace contextRef="#ctx0" brushRef="#br0" timeOffset="98927.6583">3597 14932,'0'0,"0"-49,25 24,0 0,24-24,-49 49,50-50,-25 0,49 1,50-50,-25-1,25 1,-99 74,50-24,-51 24,1 25,-25 0,25 0,0 0,0 0,24 0,-24 0,-25 0,50 0,-50 0,49 0,-24 0,0 0,0 0,-25 0,49 0,-49 49,25-49,0 50,0-25,-1 0,1 0,0 24,-25-49,0 25,25 0,-25-25,0 25,25-25,-1 0,-24 0,25 24,-25-24,25 0,-25 0,25 0,0 0,-25 50,25-25,-1 24,-24-24,0 0,0-50,0 0</inkml:trace>
   <inkml:trace contextRef="#ctx0" brushRef="#br0" timeOffset="99623.6981">5085 14263,'25'0,"-25"0,25 0,-25 49,0-24,25 0,0 25,-25-1,0-24,24 25,1-1,-25-24,25 49,-25-49,25 0,0 0,-25-25,0 0,0 0,0 0,-25 25,-25-1,-24-24,49 25,0 25,0-1,25-49,-24 50,24-25,0 0,-50-1</inkml:trace>
-  <inkml:trace contextRef="#ctx0" brushRef="#br0" timeOffset="102111.8405">10741 13866,'25'0,"-1"0,26 25,-25-1,0 26,-25 24,0 1,0-26,0 1,0-25,0 24,0-49,0 25,-25-25,0 50,0-25,-24 0,49-25,-25 0,25 0,25 0,-1 0,26-25,-50 0,74-50,26-49,-51 25,1-25,-25 75,-1-1,-24 25,0 25,0 0,-24 0,24 0,-25 0,0 0,25 0,-50 0,1 25,-1 49,1 26,24-51,25-24,-25 25,25-50,25 0,0 49,-1-49,1 0,-25 25,25-25,49 0,1 0,-26 0,-24 0,25 0,-25 0,-1 0,-24 0,25 0</inkml:trace>
+  <inkml:trace contextRef="#ctx0" brushRef="#br0" timeOffset="102111.8404">10741 13866,'25'0,"-1"0,26 25,-25-1,0 26,-25 24,0 1,0-26,0 1,0-25,0 24,0-49,0 25,-25-25,0 50,0-25,-24 0,49-25,-25 0,25 0,25 0,-1 0,26-25,-50 0,74-50,26-49,-51 25,1-25,-25 75,-1-1,-24 25,0 25,0 0,-24 0,24 0,-25 0,0 0,25 0,-50 0,1 25,-1 49,1 26,24-51,25-24,-25 25,25-50,25 0,0 49,-1-49,1 0,-25 25,25-25,49 0,1 0,-26 0,-24 0,25 0,-25 0,-1 0,-24 0,25 0</inkml:trace>
   <inkml:trace contextRef="#ctx0" brushRef="#br0" timeOffset="102896.8854">11237 13395,'0'0,"0"0,0 0,0 24,25 1,-1 0,-24-25,25 50,-25-26,25 1,-25 25,25-50,-25 0,0 25,0-1,0-24,0 25,0-25,0 25,0 0,0-25,0 25,0-25,0 24,-25-24,25 0,0 0,50 0,-25 0,24 0,1 0,-1 0,1 0,-25 0,0 0,-25 0,0 0</inkml:trace>
   <inkml:trace contextRef="#ctx0" brushRef="#br0" timeOffset="103311.9091">12105 14039</inkml:trace>
   <inkml:trace contextRef="#ctx0" brushRef="#br0" timeOffset="109295.2513">8211 15205,'25'-25,"-1"-24,51 24,-50-25,24 1,1-1,-25 1,24-1,-24 25,-25 0,25-24,0 24,-1 0,26-24,0-1,-26 50,26-50,0 26,-26-1,26 0,-50 25,74-50,50-24,-24 24,-51 50,51-49,-76 49,51 0,-26-25,1 25,-25 0,-25 0,25 0,-1 0,1 0,0 0,-25 0,25 0,0 0,-25 0,24 0,26 0,24 0,1 0,24-25,-49 0,49 25,-74-25</inkml:trace>
-  <inkml:trace contextRef="#ctx0" brushRef="#br0" timeOffset="110080.2962">10096 13891,'0'0,"0"0,25 0,-1 0,1 0,-25 24,50 1,-50-25,49 50,-49-50,25 25,0-25,0 24,-25-24,0 25,0 0,0-25,0 50,0-50,0 24,0-24,0 25,0 25,0-25,0-1,0 51,0-25,0 24,0-24,0-26</inkml:trace>
+  <inkml:trace contextRef="#ctx0" brushRef="#br0" timeOffset="110080.2961">10096 13891,'0'0,"0"0,25 0,-1 0,1 0,-25 24,50 1,-50-25,49 50,-49-50,25 25,0-25,0 24,-25-24,0 25,0 0,0-25,0 50,0-50,0 24,0-24,0 25,0 25,0-25,0-1,0 51,0-25,0 24,0-24,0-26</inkml:trace>
   <inkml:trace contextRef="#ctx0" brushRef="#br0" timeOffset="119943.8604">9203 10096,'-25'0,"0"0,25-25,-25 0,1 0,-26 0,25-24,0 49,1-25,-1 0,25-25,-25 26,0-1,0-25,1 1,24-1,-25 25,0-24,25 49,0-25,0-25,0 25,0-24,0-1,0 1,0-1,0 0,25 1,-25 24,0-25,25 26,24-26,-24-25,25 26,-26 24,26-25,24 1,-24-1,0 1,-1 24,1-25,-50 50,50-25,24 25,-24-24,49-1,-50 25,-24-25,25 25,-50 0,49 0,1-25,0 0,49 25,-25 0,25 0,-24 0,24 0,-49 0,49 0,-49 0,24 25,25-25,25 25,0-25,-25 0,25 0,0 0,25 0,-124 0,99 0,-25 0,-24 25,74-25,-50 0,74 0,-73 0,-26 0,0 0,1 0,-75 0,50 0,-26 0,26 0,-25 25,24-1,26-24,-26 0,-49 0,75 50,-26-25,-49 24,75-24,-50 0,24 0,-24 24,25-24,-26 0,1 0,50 0,-51-1,1 1,50 0,-51 25,26-25,-25-1,0 1,-25 0,49 25,-49-50,0 49,25-49,-25 0,0 50,0-1,0-24,25 50,-25-26,0 1,0-25,0-1,0 1,0 0,0 0,-25 24,25 26,-49-1,24-24,0-1,0 26,0-75,25 25,-25 0,25-25,-24 0,-1 0,25 24,0-24,-50 25,25 0,-24 25,49-26,-50 1,-24 0,49 0,-25 24,1-49,-1 25,1 0,-1-25,0 0,1 25,-26 0,26-1,-1-24,25 0,1 25,-1-25,0 0,0 0,-25 0,-49 0,25 0,-1 0,1 0,-25 0,24 0,1 0,0 0,-26 0,76 0,-51 0,-24 0,25 0,-26 0,-73 0,24 25,50-25,24 25,1-25,-1 25,1-25,24 0,-24 0,0 0,-1 0,50-25,-49 25,24 0,-24-25,49 25,-25 0,50 0,-49-25,-1 0,-24 25,-1 0,1 0,0 0,-1 0,-49 0,50 0,24-24,0 24,26-25,-26 25,50 0,-25 0,0-25,1 0,24 25,-50 0,50 0,-25 0,0-25,1 1,-1 24,25-25,0-25,-25 50,0-25</inkml:trace>
   <inkml:trace contextRef="#ctx0" brushRef="#br0" timeOffset="123008.0356">9476 6424,'-25'0,"-25"-24,26 24,-1 0,25 0,-25 0,0-25,0 0,-24 25,-1-25,-49-49,49 24,-24 1,49 24,-25-25,50 25,0 25,-24 0,-26-24,0-1,1-25,-1 50,50 0,0-25,-25-99,25 75,0-1,-24 25,-1-24,25 49,0-50,0 50,0-25,0 25,0-49,0 49,0-25,0-25,0 25,0-24,0-26,0-24,0 0,0 25,25-1,-1-24,1-25,-25 49,50-73,24 24,-24 49,24-49,-49 50,25 24,-26-24,-24 49,50 0,-25 0,-25 1,25 24,24-50,-24 50,49-25,-24 0,0 1,24-1,1 25,49-50,-25 25,-25 25,1 0,24-25,-25 25,1 0,-1 0,25 0,50 0,-74 0,24 0,25 0,0 0,-50 0,25 0,1 0,-1 0,25 0,25 50,-25-50,74 25,-49 0,-99 0,74-1,-25 1,25 25,0-1,-25-24,-24 25,-1-1,25-24,-24 0,49 25,-25-50,-50 49,-24-24,25 25,-25-26,24 26,-24 0,0-26,0 1,24 0,-49 25,50-26,-25 26,24 24,-24-49,0 74,0-74,0 0,-25 0,0 0,0 24,0-49,0 50,0 0,0-1,0 1,0-1,0 1,0 0,0-26,0 1,0 25,0-1,0 1,0-25,-25 0,0 24,0 1,0-25,25-1,-24 1,-1-25,0 50,-50-50,26 49,-1-24,1 25,-51 24,51-49,-1 0,-24 25,24-50,1 0,-26 0,26 0,-1 0,-74 24,74 1,-24-25,-25 25,24-25,-49 0,-25 25,75-25,-50 0,25 0,49 0,-49 0,49 0,26 0,-100 0,49 0,-24 25,0-25,49 0,-49 0,-50 0,50 0,-50 0,124 0,-49 0,-25 0,49 0,-25 0,-24 0,50 0,-51 24,1 1,25-25,-50 0,99 0,-25 0,1 0,24 0,0 0,0 0,-49 0,24 0,1 0,49 0,-75 0,50 0,1 0,-1 0,0 0,0 0,0 0,1 0,-1 0,25 0</inkml:trace>
   <inkml:trace contextRef="#ctx0" brushRef="#br0" timeOffset="125527.1797">9029 3969,'0'0,"-25"-50,1 25,-26 1,50-1,-50 0,26 25,-26-50,-49 1,49-1,-24 0,-25 26,-1-26,-48-24,48-1,51 50,-1 1,0-26,1 25,-50 0,-25-24,-25-1,0 1,50-1,-50-24,25 49,74 0,-49-25,25 50,-1-24,1 24,24-50,-49 0,-25 26,99 24,-49-50,24 0,25 25,1 1,-1 24,0-25,0 0,25 25,-25-25,25 0,-25 1,1 24,24 0,0-25,-25 25,25 0,-25-25,25 25,-25-25,0 0,25 25,-24 0,-1-24,25 24,-25-25,25 25,0 0,-25 25,0 24,25-24,0 0,-24 0,24 24,-25 1,0-1,25 1,0 0,0-50,0 25,0-25</inkml:trace>
@@ -1132,12 +1132,12 @@
     </inkml:brush>
   </inkml:definitions>
   <inkml:trace contextRef="#ctx0" brushRef="#br0">4044 5829,'-25'-25,"-25"25,50-25,-50 1,50-26,-49 25,49 25,-25 0,25-25,-25 1,25-26,-25-24,1 49,24 0,-25-25,0 26,25-1,-25 0,25 25,0-50,0 26,-25-1,25 0,0 0,0 0,0 1,0-1,0 0,0 0,0-24,0 24,25-25,0 25,0-24,0 24,-1-25,-24 50,25-49,-25 49,0-25,75-25,-51 25,1-24,0 49,0-50,0 50,0 0,-25-25,49 1,1 24,49-50,-25 25,-24 0,0 1,24 24,-24 0,24-50,-24 50,-1 0,-49 0,75 0,-26-25,26 0,-1 1,1 24,-26 0,26-25,-1 25,0-25,1 25,-1 0,50-25,-25 25,1 0,-26 0,0 0,-24 0,24 0,1 0,24 25,-24 0,-26-25,26 25,-26-25,1 24,-1 1,1-25,-25 25,0-25,-1 25,1-25,0 25,0-1,24-24,-24 50,0-25,25-25,-26 49,1-24,25 25,-50-25,25-1,-1 26,1-25,-25 0,50-1,-50 1,0 0,25 0,0 0,-25 0,24 24,-24-24,25 0,-25 0,0-25,0 24,0 1,0 0,25-25,-25 50,0-26,0 1,0 25,0-50,0 25,0-1,0 1,0 25,0-50,-25 25,25-1,-25 1,25-25,-24 25,-1 25,0-26,0-24,25 25,-50 0,26 0,-1 0,-25 24,25-24,1 0,24-25,-25 0,0 0,-25 25,1-1,24-24,-25 50,26-50,-1 0,0 25,0-25,0 0,1 25,-1 0,-74-1,49-24,0 25,1 25,-26-50,26 25,-1-1,25 1,-24-25,49 0,-50 0,50 0,-50 25,1 0,24-25,-25 0,26 25,-51-1,50-24,1 0,-26 0,25 0,-24 25,-1-25,0 0,50 0,-49 25,-1-25,-24 0,49 0,-25 0,1 0,-1 0,25 0,-24 0,-1 0,50 0,-50 0,50 0,-24 0,-26 0,25 0,-49 0,24 0,1-25,24 25,-25 0,50-25,-25 25,25 0,-24-24,-1 24,25-25,-50 0,1 25,24 0,0-50,-25 50,50 0,-24 0,24-24,-50-1,50 0,-50 0,26-24,-1 49,25-25,0 25,-25 0,25-25,0 25,-25 0</inkml:trace>
-  <inkml:trace contextRef="#ctx0" brushRef="#br0" timeOffset="8848.5061">4713 8310,'-25'0,"1"0,24 0,-25 0,25 0,-25 0,0 24,25-24,-25 0,25 25,0 0,-24-25,-1 25,25-25,-25 25,0 24,0-24,-24 0,24 0,0 24,-24-49,24 0,0 0,0 0,25 0,0 0,0 25,-25 0,1 24,24-49,-25 25,25 0,-25 0,0 24,25-49,-25 50,25-25,-24 0,-1 24,25-49,0 25,0-25,0 25,0 0,0 0,0-1,0 1,0 0,0 0,0 24,0-24,0-25,0 50,0-25,0-1,0 26,0-50,0 25,0 0,0-1,0 26,0-25,0 0,0-1,0 26,0-25,0 0,0 24,0-49,0 50,0-1,0-24,25 25,-25-1,24 1,-24 0,0-25,0 49,0-24,0-1,0 1,50-1,-50-24,25 25,-25 24,25 1,24-51,-49 1,0 25,25-25,0-1,-25 1,0 0,25-25,-1 25,1 0,-25-1,25 1,0 0,0 0,-1 0,26 24,0-49,-26 50,51-25,-50-25,-1 49,1-49,0 50,49-50,-24 50,0-26,24 26,25 0,-49-26,49 1,-24 0,-1 25,0-50,-24 24,24 1,-24-25,0 25,24 0,-24-25,24 25,-49-25,24 24,1 1,49-25,-49 0,24 0,1 25,-1-25,75 25,-75 0,-24-25,24 24,1-24,-26 0,75 25,-74 0,0-25,-1 0,1 25,0-25,24 25,-49-25,24 24,-24-24,25 25,24 0,-24-25,-25 25,24-25,26 25,24-25,-25 24,1-24,-26 0,1 25,99 0,-100-25,51 25,-26-25,25 0,-24 25,24-1,-25-24,-49 25,25-25,24 0,0 0,1 0,74 0,-50 0,0 0,50 0,-75 0,1 0,49 25,-25-25,75 25,-26 0,1-25,50 49,-26-49,1 0,-75 0,-24 0,73 0,-48 0,49 0,-25 0,49 25,-24 0,25-25,-75 25,50 0,0-25,-25 0,24 0,-24 0,25 0,-50 0,75 0,-75 0,1 0,73 0,-49 0,25 0,-25 0,-25-25,50 25,-50-25,50-25,0 26,0 24,-50-25,50 25,-25 0,25-25,-50 25,-25 0,1-25,-1 25,25 0,1 0,-51 0,50-25,1 0,-26 25,-24-24,-26 24,51-25,-1 0,-24 25,24 0,1-50,-26 50,51-24,-51-1,50 25,-49 0,0-25,24 25,-24 0,24-25,-49 0,49 25,-24 0,24-24,1-1,98-25,-49 1,-49 24,74 25,-75 0,0-25,-24 0,0 0,74 1,-75 24,26-25,-26 0,26 25,-1-25,-24 25,-1-25,-24 1,25-1,-25-25,49 50,-24-49,-26 24,51 0,-26-25,26 26,-1-1,-24 0,-25 0,24 25,1-25,-1 0,-24 25,0 0,0 0,0 0,-1-24,26-26,-25 50,0-50,24 26,1-26,0 50,-26-50,1 26,0 24,0-25,0 25,24-25,-24 0,0 0,24 1,-24 24,-25-50,50 50,-50-25,25 0,24 25,-24-24,25-1,49-50,-74 51,24-1,1-25,-25 50,49-49,-49 24,25 0,-26-25,-24 26,25-1,0-25,0 1,-25 24,0 0,25 0,-25 0,0 25,0-25,0 25,24-24,-24-1,25 0,-25 0,0 0,25 1,-25-1,0 0,0-25,0-24,0 0,0-1,0-49,-25 25,0 49,1 1,24-1,0 25,-25 1,25 24,0-25,-25 0,0-25,0 25,25 1,-49-26,24 25,25 0,-50 1,25-1,1 0,-1 25,0-25,25 25,-25 0,25-25,-25 1,1 24,-26-50,0 25,1 0,24 1,-25 24,26 0,-1 0,0 0,0 0,25-25,-25 25,-24-25,-1 0,25 25,-49-25,24 25,26 0,-26-24,50 24,-50 0,1-25,-1 25,-24-25,24 0,0 0,-49 1,0-1,0-25,24 25,-24-24,0 24,0 25,24-25,1 25,-50-49,49 24,1 0,0-25,-50 50,49-25,26 1,-26 24,26 0,-26-25,26 25,-1 0,25 0,-49-25,49 0,-25 25,1 0,-100-49,74 24,-73 0,24 0,0 0,0 25,-25 0,50 0,-50-24,49 24,-48 0,24 0,-50 0,0 0,-74 0,50 0,-1 0,-73 0,73-25,-24 25,74 0,0 0,-198-25,74 25,75-25,-100 25,124-25,-74 1,25 24,0-25,49 25,-74 0,0 0,-50 0,26 0,-26 0,-74 0,124 0,49 0,1 0,0 0,24 0,0 0,1 0,24 0,99 0,-49 0,0 0,0 0,-25 25,24-25,1 0,-25 0,25 0,24 0,-49 0,-24 0,98 0,-24 0,-1 0,1 24,-1-24,26 0,-1 25,0 0,-49 0,50-25,-1 25,0-1,1 1,-1 0,25 0,-24 0,-26-1,51 26,-26-50,25 25,0 0,-49-25,0 49,24-24,25-25,-74 25,49 0,25 0,-24-1,-1-24,-24 25,49 0,-25-25,1 0,-1 50,25-50,-24 24,-1-24,1 25,-1 0,0-25,-24 25,24-25,1 25,24-1,-25-24,1 0,-1 25,-24-25,24 25,-24-25,-1 25,1 0,-25-1,24-24,26 0,24 0,0 0,-25 25,50-25,-24 0,-1 0,0 0,25 25,-74-25,74 0,-25 0,25 0</inkml:trace>
+  <inkml:trace contextRef="#ctx0" brushRef="#br0" timeOffset="8848.506">4713 8310,'-25'0,"1"0,24 0,-25 0,25 0,-25 0,0 24,25-24,-25 0,25 25,0 0,-24-25,-1 25,25-25,-25 25,0 24,0-24,-24 0,24 0,0 24,-24-49,24 0,0 0,0 0,25 0,0 0,0 25,-25 0,1 24,24-49,-25 25,25 0,-25 0,0 24,25-49,-25 50,25-25,-24 0,-1 24,25-49,0 25,0-25,0 25,0 0,0 0,0-1,0 1,0 0,0 0,0 24,0-24,0-25,0 50,0-25,0-1,0 26,0-50,0 25,0 0,0-1,0 26,0-25,0 0,0-1,0 26,0-25,0 0,0 24,0-49,0 50,0-1,0-24,25 25,-25-1,24 1,-24 0,0-25,0 49,0-24,0-1,0 1,50-1,-50-24,25 25,-25 24,25 1,24-51,-49 1,0 25,25-25,0-1,-25 1,0 0,25-25,-1 25,1 0,-25-1,25 1,0 0,0 0,-1 0,26 24,0-49,-26 50,51-25,-50-25,-1 49,1-49,0 50,49-50,-24 50,0-26,24 26,25 0,-49-26,49 1,-24 0,-1 25,0-50,-24 24,24 1,-24-25,0 25,24 0,-24-25,24 25,-49-25,24 24,1 1,49-25,-49 0,24 0,1 25,-1-25,75 25,-75 0,-24-25,24 24,1-24,-26 0,75 25,-74 0,0-25,-1 0,1 25,0-25,24 25,-49-25,24 24,-24-24,25 25,24 0,-24-25,-25 25,24-25,26 25,24-25,-25 24,1-24,-26 0,1 25,99 0,-100-25,51 25,-26-25,25 0,-24 25,24-1,-25-24,-49 25,25-25,24 0,0 0,1 0,74 0,-50 0,0 0,50 0,-75 0,1 0,49 25,-25-25,75 25,-26 0,1-25,50 49,-26-49,1 0,-75 0,-24 0,73 0,-48 0,49 0,-25 0,49 25,-24 0,25-25,-75 25,50 0,0-25,-25 0,24 0,-24 0,25 0,-50 0,75 0,-75 0,1 0,73 0,-49 0,25 0,-25 0,-25-25,50 25,-50-25,50-25,0 26,0 24,-50-25,50 25,-25 0,25-25,-50 25,-25 0,1-25,-1 25,25 0,1 0,-51 0,50-25,1 0,-26 25,-24-24,-26 24,51-25,-1 0,-24 25,24 0,1-50,-26 50,51-24,-51-1,50 25,-49 0,0-25,24 25,-24 0,24-25,-49 0,49 25,-24 0,24-24,1-1,98-25,-49 1,-49 24,74 25,-75 0,0-25,-24 0,0 0,74 1,-75 24,26-25,-26 0,26 25,-1-25,-24 25,-1-25,-24 1,25-1,-25-25,49 50,-24-49,-26 24,51 0,-26-25,26 26,-1-1,-24 0,-25 0,24 25,1-25,-1 0,-24 25,0 0,0 0,0 0,-1-24,26-26,-25 50,0-50,24 26,1-26,0 50,-26-50,1 26,0 24,0-25,0 25,24-25,-24 0,0 0,24 1,-24 24,-25-50,50 50,-50-25,25 0,24 25,-24-24,25-1,49-50,-74 51,24-1,1-25,-25 50,49-49,-49 24,25 0,-26-25,-24 26,25-1,0-25,0 1,-25 24,0 0,25 0,-25 0,0 25,0-25,0 25,24-24,-24-1,25 0,-25 0,0 0,25 1,-25-1,0 0,0-25,0-24,0 0,0-1,0-49,-25 25,0 49,1 1,24-1,0 25,-25 1,25 24,0-25,-25 0,0-25,0 25,25 1,-49-26,24 25,25 0,-50 1,25-1,1 0,-1 25,0-25,25 25,-25 0,25-25,-25 1,1 24,-26-50,0 25,1 0,24 1,-25 24,26 0,-1 0,0 0,0 0,25-25,-25 25,-24-25,-1 0,25 25,-49-25,24 25,26 0,-26-24,50 24,-50 0,1-25,-1 25,-24-25,24 0,0 0,-49 1,0-1,0-25,24 25,-24-24,0 24,0 25,24-25,1 25,-50-49,49 24,1 0,0-25,-50 50,49-25,26 1,-26 24,26 0,-26-25,26 25,-1 0,25 0,-49-25,49 0,-25 25,1 0,-100-49,74 24,-73 0,24 0,0 0,0 25,-25 0,50 0,-50-24,49 24,-48 0,24 0,-50 0,0 0,-74 0,50 0,-1 0,-73 0,73-25,-24 25,74 0,0 0,-198-25,74 25,75-25,-100 25,124-25,-74 1,25 24,0-25,49 25,-74 0,0 0,-50 0,26 0,-26 0,-74 0,124 0,49 0,1 0,0 0,24 0,0 0,1 0,24 0,99 0,-49 0,0 0,0 0,-25 25,24-25,1 0,-25 0,25 0,24 0,-49 0,-24 0,98 0,-24 0,-1 0,1 24,-1-24,26 0,-1 25,0 0,-49 0,50-25,-1 25,0-1,1 1,-1 0,25 0,-24 0,-26-1,51 26,-26-50,25 25,0 0,-49-25,0 49,24-24,25-25,-74 25,49 0,25 0,-24-1,-1-24,-24 25,49 0,-25-25,1 0,-1 50,25-50,-24 24,-1-24,1 25,-1 0,0-25,-24 25,24-25,1 25,24-1,-25-24,1 0,-1 25,-24-25,24 25,-24-25,-1 25,1 0,-25-1,24-24,26 0,24 0,0 0,-25 25,50-25,-24 0,-1 0,0 0,25 25,-74-25,74 0,-25 0,25 0</inkml:trace>
   <inkml:trace contextRef="#ctx0" brushRef="#br0" timeOffset="13335.7627">18877 6449,'0'0,"25"0,-1 50,1-1,50 75,-1-24,-49-26,49 50,-74-49,50-1,-25-49,-25 0,0-25,0 24,0 1,0 25,24-25,-24-1,0 1,0-25,0 50,0-50,0 25,0-1,0 26,0-25,0 0,0-1</inkml:trace>
   <inkml:trace contextRef="#ctx0" brushRef="#br0" timeOffset="14095.8062">19001 7367,'25'0,"-1"0,1 0,0 0,-25 0,25 0,0 25,-1 0,1-25,-25 24,25-24,0 50,24 0,1 24,-25-24,49-26,-49 51,0-75,-25 49,49-49,-49 0,0 0,25 0,-25 0,0 0,25-24,-25 24,25 0,-25-25,49-25,51 1,-51-1,1 25,0 0,-26 25,-24 0,0-24</inkml:trace>
   <inkml:trace contextRef="#ctx0" brushRef="#br0" timeOffset="21000.2011">6921 10889,'0'0,"0"25,-25 25,25-26,0 1,-25 0,25-25,0 50,0-50,0 49,-25 1,1-50,24 50,0-50,0 24,0-24,0 25,0 0,24-25,51 0,-26 0,-24 0,25-25,-50 25,25 0,-25 0,24 0,-24 0,0-25,-24-24,-1-1,0 25,25 0,-25-24,0 49,25-25,0-25,-24 50,24-49,0-1,-25 50,25-25,0 25,-25 0,25 0,0 0,0 50,0-50,0 25,0 0,0-25,0 24,0-24,0 25,0 50,0-26,0 1,0-25,0 0,0 24,0-24,0-50,0 0,0 1,0-26,0 50,25-50,-25 50,0-25,0 25,0-24,0 24,0-50,0 50,0-25,0 25,0 0,0 25,0 0,0 0,0-1,0 1,25 0,-25-25,0 25,0 0,0 0,0-25,0 0,0 0,-25 0,25 0,0 0,0-50,0 50,0-25,0 25,0 0,49 0,-49 0,25 25,0 0,-25 0,25 24,-25-49,0 25,0-25,-25-50,25 26,0-26,0 25,0 0</inkml:trace>
   <inkml:trace contextRef="#ctx0" brushRef="#br0" timeOffset="80791.621">4986 10964,'0'0,"25"0,-25 0,25 0,-25 0,49 0,-24 0,50 0,-51 0,26 0,-25 0,-25 0,49 0,1 0,-25 0,24 0,-24 0,25 0,-50 0,49 0,-49 0,25 0,0 0,0 0,0 0,-1 0,26 0,0 0,-1 0,-24 0,49 0,1 0,-26 0,26 0,-25 0,-1 0,26 0,-1 0,25 0,-49 0,24 0,1 0,-1 0,-24 0,-1 0,1 0,-1 0,1 0,-25 0,24 0,1 0,0 0,-1 0,-49 0,100 0,-26 0,0 0,26 0,-51 0,26 0,24 0,-50 0,1 0,24 0,-24 0,49-25,-49 25,-25 0,24 0,1 0,0 0,-1 0,1 0,-25 0,49 0,-24 0,-26 0,1 0,25 0,-1 0,-24 0,0 0,25 0,-26 0,1 0,-25 0,25 0,25 0,-26 0,1 0,0 0,0 0,0 0,-1 0,1 0,0 0,0 0,0 0,-1 0,1 0,25 0,-25 0,0 0,-1 0,26 0,-25 0,0 0,24 0,-24 0,0 0,24 0,1 0,-50 0,50 0,-50 0,24 0,51 0,-50 0,24 0,1 0,24 0,-24 0,-1 0,1 0,-25 0,-25 0,49 0,-49 0,25 0,25 0,-25 0,0 0,24 0,1 0,-1 0,-24 0,0 0,0 0,0 0,-1 0,-24 0,50 0,-50 0,25 0,0 0,-1 0,26 0,-50 0,50 0,-26 0,-24 0,25 0,0 0,0 0,-25 0,25 0,-1 0,1 0,-25 0,25 0,0 0,-25 0,25 0,-1 0,1 0,0 0,-25 0,25 0</inkml:trace>
-  <inkml:trace contextRef="#ctx0" brushRef="#br0" timeOffset="140288.024">10989 4812,'0'25,"0"-25,49 25,-49-25,0 74,0-24,25 24,-25-24,25 49,0 75,0-26,-25-48,24-26,-24-24,0 24,0-24,0-75,0 0</inkml:trace>
+  <inkml:trace contextRef="#ctx0" brushRef="#br0" timeOffset="140288.0239">10989 4812,'0'25,"0"-25,49 25,-49-25,0 74,0-24,25 24,-25-24,25 49,0 75,0-26,-25-48,24-26,-24-24,0 24,0-24,0-75,0 0</inkml:trace>
   <inkml:trace contextRef="#ctx0" brushRef="#br0" timeOffset="141484.0924">11038 4911,'0'0,"75"0,24 0,-25 0,51-24,-76 24,-24 0,0 0,-25 24,0 1,0 25,0-1,0-24,0 0,0 25,0-26,0 1,0 25,0-50,0 25,0-25,0 49,-25-49,25 25,-25-25,25 0,-25 0,-49 0,49 0,-25 0,26 0,-26 0,-24 0,49 0,25 0,0 0,0 0,25 0,24 25,-49-25,25 0,-25 25,0-25,25 0,0 0,-25 24,49 1,-24 25,0-1,-25-24,25 25,0-50,-1 25,26 24,-25-24,0 0,-25 24,24-49,1 25,-25-25,25 25,-25-25,25 0,-25 0,25 0,-25 0</inkml:trace>
   <inkml:trace contextRef="#ctx0" brushRef="#br0" timeOffset="146025.3521">10567 5829,'25'-74,"0"24,24 50,-24-74,0 74,0-25,0 25,-25 0,24 0,1 0,-25 0,25 25,-25-1,25 1,0-25,-25 25,24 0,-24 0,25-1,-25 1,0-25,0 50,0-50,0 25,0 0,0-1,0 1,0-25,0 50,-25-50,25 49,-24-24,-1 0,25 0,-25 0,25-1,-25-24,0 25,1 0,-1-25,25 25,0-25,-25 0,25 0,-25 0,25 0,-25 0,25 0,0 0,-24 0,24-25,0 0,0 25,0-25,74 25,-74 25,25-25,0 0,-1 0,-24 25,0-25,25 0,-25 0,25 0,-25 25,0-25,25 0,-25 0,25 25,-25-1,24-24,1 0,-25 0,25 0,-25 0,50 25,-50-25,49 0,-24 25,0-25,-25 25,25-25,-25 0,24 0,-24 0,25 0,0 0,-25-25</inkml:trace>
   <inkml:trace contextRef="#ctx0" brushRef="#br0" timeOffset="148560.4971">13891 4663,'0'0,"0"0,0 25,0-25,0 25,0-25,0 25,0 24,0 1,0 0,0-1,0-24,0 0,0 0,0 24,0-24,0 0,25 24,0-24,-25 0,24 0,-24 0,0-25,0 24,0-24,0 75,0-50,0 24,0-49,0 25,0 0,0-25,0 0,0-25</inkml:trace>
@@ -1145,7 +1145,7 @@
   <inkml:trace contextRef="#ctx0" brushRef="#br0" timeOffset="150511.6087">13172 5507,'-25'0,"-25"0,-24 0,24 0,-74 0,75 0,24 0,-50 24,1-24,0 25,-1-25,25 0,-24 25,24 0,1 0,-1-25,25 0,-49 0,49 0,0 0,-24 0,24 24,0-24</inkml:trace>
   <inkml:trace contextRef="#ctx0" brushRef="#br0" timeOffset="151103.6426">12006 5482,'0'0,"0"25,0-1,0 1,-25-25,0 50,25-25,-25-1,1 1,24 0,0-25,0 25,0-25,0 25,0-25,0 0,0 24,24-24,-24 0,124 25,-74-25,24 25,-24-25,0 0</inkml:trace>
   <inkml:trace contextRef="#ctx0" brushRef="#br0" timeOffset="161848.2572">13916 5705,'0'0,"25"0,-1 0,1 0,25 0,-25 0,24 0,50 0,-24 0,-26 0,-24 0,25 0,-25 0,-1 25,1-25,0 0,0 0,-25 0,25 0,0 0,-1 0,-24 0</inkml:trace>
-  <inkml:trace contextRef="#ctx0" brushRef="#br0" timeOffset="163478.3504">14040 5904,'0'0,"49"24,-24-24,0 0,0 0,-25 0,49 0,-49 0,25 0,-25 0,50 0,-1 0,-49 0,25 0,0 0,-25 0</inkml:trace>
+  <inkml:trace contextRef="#ctx0" brushRef="#br0" timeOffset="163478.3503">14040 5904,'0'0,"49"24,-24-24,0 0,0 0,-25 0,49 0,-49 0,25 0,-25 0,50 0,-1 0,-49 0,25 0,0 0,-25 0</inkml:trace>
   <inkml:trace contextRef="#ctx0" brushRef="#br0" timeOffset="171320.799">12006 5631,'0'0,"0"0</inkml:trace>
   <inkml:trace contextRef="#ctx0" brushRef="#br0" timeOffset="283872.2365">17736 4713,'0'0,"99"0,-25 0,1 25,-1-25,-24 0,24 24,-24 1,-25 0,-1 0,1-25,-25 25,0 0,0-1,0 1,0 0,0 49,0-49,0 25,-25-1,1 26,-26-50,25 49,-24-49,49 0,0-25,-25 24,0-24,25 0,-25 0,25 0,-25 0,1 25,24-25,0 0,0 0,49 0,1 0,74 0,-25 25,75 25,-75-50,-50 0,1 0,0 0,-50 0,0 0,0 0</inkml:trace>
   <inkml:trace contextRef="#ctx0" brushRef="#br0" timeOffset="284576.2768">18629 4118,'0'0,"0"74,0-24,0-26,0 26,-25 24,25 1,0 24,0-49,0 24,0-24,0-26,0 1,0 0,0-25,0 0</inkml:trace>
@@ -1155,17 +1155,17 @@
   <inkml:trace contextRef="#ctx0" brushRef="#br0" timeOffset="331335.9513">10468 6648,'25'0,"24"0,1 0,-50 0,25 0,24 0,-24 0,0 0,49 0,-49 0,25 0,-1 0,1 0,0 0,-1 0,-24 0,25 0,24 0,0-25,-24 0,49 0,1 0,-1 1,0 24,-25-25,-24 25,0-25,-26 25,26 0,-50 0,50 0,-1 0,26 0,-1 0,0 0,1-25,-1 25,75 0,0-25,-25 25,99 0,-49-24,24-1,1 0,-50 25,-50-25,-25 25,-49 0,0-25,0 25,-1 0,26-24,-50 24,50-25,-1 0,-24 25,0-25,0 25,24-25,-24 25,49-24,-49-1,0 25,0 0,-25-25,25 25,-25-25,25 25,-1 0,1-25,25 25,-25 0,-1 0,1 0,-25 0,25-24</inkml:trace>
   <inkml:trace contextRef="#ctx0" brushRef="#br0" timeOffset="334816.1504">13221 11237,'0'0,"0"0,25-25,-25 25,25-25,0 25,-1-25,1 25,0-25,-25 25,25 0,0 0,-25 25,24 0,-24 25,0-50,0 24,0 1,0 25,0-25,0 24,0 1,0-25,0 49,-24-74,24 25,-25-25,-25 49,25-24,-24 25,-26-50,1 74,24-49,26-25,-1 25,25-25,-25-75,25 75,0-24,0-26,25 25,0-24,24 49,-24-50,49 25,-49 25,0 0,0 0,0 0,-1 0,1 0,0 25,-25 25,25-50,0 49,-25-24,24 0,1 0,0-1,0 1,-25 0,25-25,-25-25,0 25,0-25,0-24,0 24,0 0</inkml:trace>
   <inkml:trace contextRef="#ctx0" brushRef="#br0" timeOffset="335448.1865">13643 10492,'0'0,"0"0,0 25,0 0,0 0,0 24,0-24,0 99,50-25,-50 1,0-51,0 26,0-26,0 1,0 0,0-50,0 24,0-24,0-24,0-1,0 0,0 25,0-25</inkml:trace>
-  <inkml:trace contextRef="#ctx0" brushRef="#br0" timeOffset="336536.2487">13693 10542,'0'0,"0"0,24 0,1 0,0 0,0 0,-25 25,25-25,-1 25,-24-25,0 24,0 26,0-25,0 0,0-1,0-24,0 50,0-25,0 0,0-25,0 24,-24-24,24 25,0 0,-25-25,25 0,-25 0,0 0,25 0,-25 0,25 0,0 0,0-25,0 25,25 0,0 0,25 25,-26-25,-24 25,25 0,-25-25,25 24,0-24,-25 25,25 0,-1 49,-24-74,50 50,-50-25,25-25,-25 50,25-50,-1 24,-24-24,25 0,-25 0,0 25,25-25,-25 0,25 0,0 0,-25 0,0 0</inkml:trace>
+  <inkml:trace contextRef="#ctx0" brushRef="#br0" timeOffset="336536.2486">13693 10542,'0'0,"0"0,24 0,1 0,0 0,0 0,-25 25,25-25,-1 25,-24-25,0 24,0 26,0-25,0 0,0-1,0-24,0 50,0-25,0 0,0-25,0 24,-24-24,24 25,0 0,-25-25,25 0,-25 0,0 0,25 0,-25 0,25 0,0 0,0-25,0 25,25 0,0 0,25 25,-26-25,-24 25,25 0,-25-25,25 24,0-24,-25 25,25 0,-1 49,-24-74,50 50,-50-25,25-25,-25 50,25-50,-1 24,-24-24,25 0,-25 0,0 25,25-25,-25 0,25 0,0 0,-25 0,0 0</inkml:trace>
   <inkml:trace contextRef="#ctx0" brushRef="#br0" timeOffset="349223.9744">14635 11361,'0'0,"0"0,0 24,-25 1,1-25,24 25,-50 25,50-1,-25-24,0-25,0 50,1-50,24 24,-25-24,-25 50,25 0,1-1,-26-24,50 0,-25 0,25-1,-25 1,25 0,0 0,-24 0,24-1,0-24,0 25,-25 0,0 25,0-1,-24-24,49 25,-25-50,25 25,0-25,-25 24,0-24,25 0,-25 0,1 0,-1 0,0 0,25 0,-50 0,50 0,-24 0,24 0,-25 0,-25 0,25 0,-49 0,74 0,-25 0,0 0,1 0,-1 0,25 0,-25 0,0 0,0 0,0-24,1 24,-1 0,50-25,-25 25,24-25,-24 25,25-25,-25 0,25-24,25 24,-50 0,25 0,-1 0,1 1,-25-1,0 0,25 25,0 0,-25-50,49 50,-24-49,0 24,0-25,24 50,-49-24,25 24,-25-25,25 25,0-25,0 0,-1 0,1 1,-25-1,25 25,0-25,-25 25,25 0,-25 0,24 0,1-25,-25 25,25-25,0 25,0-24,-25 24,24 0,-24 0,25-25,0 25,0-50,0 50,-1-25,1 25,0 0,0-24,0-1,-25 25,24 0,-24 0,25-25,0 25,0 0,-25 0,25 0,0 0,-25 0,24 0,-24 0,25 0</inkml:trace>
   <inkml:trace contextRef="#ctx0" brushRef="#br0" timeOffset="392865.4706">5085 13940,'0'0,"25"0,0 0,0 0,0 0,24 0,1 0,-25 0,24 0,1 0,-1 0,26 0,-50 0,24 0,1 0,-1 0,-49 0,50 0,0 25,24-25,0 25,1-25,74 0,-50 0,25 0,0 0,-25 0,25 0,-25 0,-24 0,-1 0,50 0,-24 0,24 0,-25 0,0 0,75 0,-75 0,-50-25,1 0,24 25,1 0,-1 0,-24 0,24 0,-24 0,24 0,-24 0,0 0,-26 0,1 0,0 0,-25 0,25 0,0 0,-1 0,1 0,25 0,-1 0,26 0,-26 0,1 0,0 0,-26 0,1 0,-25 0,50 0,-25 0,-1 0,26 0,198 0,-173 0,24 25,25-25,-75 0,-24 0,0 0,-25 0,25 0,-25 0,25 0,-1 0,-24 0,25 0,-25 0,25 0,-25 0,25 0,0 0,24 0,-24 0,0 0</inkml:trace>
   <inkml:trace contextRef="#ctx0" brushRef="#br0" timeOffset="395130.6001">15826 13915,'0'0,"0"0,0 25,-25 0,0 25,0-26,-24 26,24 0,-25 24,1-49,49 0,-25-25,25 24,0-24,0 25,0 0,0 0,0-25,49 0,-24 0,0 0,0 0,0 0,0 0,24 0,-49 0,50 0,-1 0,-49 0,25 0,-25 0,50-25,-25 25,-1 0,1 0,0-25,-25 25,0 0,0 0,-25 0,0-25,1 1,-1-1,0-25,25 25,0-24,-25 24,0-49,25 49,-24 0,-1 25,25-25,0 25,-25-25,25 1,0 24</inkml:trace>
   <inkml:trace contextRef="#ctx0" brushRef="#br0" timeOffset="397048.7099">5805 15056,'0'0,"49"0,50 0,50 0,-25 0,25 0,-50 0,-49 0,49 0,25 0,-49 0,24 0,-25 0,-49 0,25 0,-1 0,-24 0,0 0,25 0,24 0,-24 0,49 0,-50 0,26 0,-1 25,1 0,-75-25,24 0,-24 0,0 0,-24 0,-1 0,25 0</inkml:trace>
   <inkml:trace contextRef="#ctx0" brushRef="#br0" timeOffset="398303.7816">5929 15379,'-25'0,"25"0,49 0,-24 0,25 0,24 0,-24 0,24 0,-24 0,-25 0,24 0,1 0,24 0,-24 0,0 0,-1 0,1 0,-1 0,1 0,-25 0,0 0,24 0,-24 0,0 0,0 0,-25 0,49 0,1 0,-25 0,-1 0,-24 0,25 0,0 0,0 0,0 0,0 0,24 0,26 0,-51 0,1 0,-25 0,25 0,-25 0,50 0,-26 0,1 0,25 0,-1 0,-49 0,25 0,25 0,-50 0,49 0,-49 0,25 0,-25 0,25 0</inkml:trace>
-  <inkml:trace contextRef="#ctx0" brushRef="#br0" timeOffset="402326.0117">10344 15131,'0'0,"50"0,24 0,-49 0,0 0,24 25,-24-25,0 0,0 0,-25 0,49 0,1 0,-1 0,-24 0,0 0,25 0,24 0,-49 0,49 0,1 0,24 24,-25-24,1 0,-26 0,1 0,0 0,-1 0,26 0,-75 0,49 0,26 0,-1 0,-24 0,24 0,-49 0,0 0,24 0,-49 0,25 0,-25 0,25 0,-25 0,49 0,-49 0,25 0,-25 0,50 0,-25 0,-1 0,26 0,-50 0,50 0,24 0,-24 0,-50 0,25 0,-1 0,1 0,-25 0,25 0,49 0,1 0,-1 0,1 0,73 0,-48 0,-1 0,-25 0,-24 0,-1 0,26 0,-50 0,49 0,-49 0,0 0,0 0</inkml:trace>
+  <inkml:trace contextRef="#ctx0" brushRef="#br0" timeOffset="402326.0116">10344 15131,'0'0,"50"0,24 0,-49 0,0 0,24 25,-24-25,0 0,0 0,-25 0,49 0,1 0,-1 0,-24 0,0 0,25 0,24 0,-49 0,49 0,1 0,24 24,-25-24,1 0,-26 0,1 0,0 0,-1 0,26 0,-75 0,49 0,26 0,-1 0,-24 0,24 0,-49 0,0 0,24 0,-49 0,25 0,-25 0,25 0,-25 0,49 0,-49 0,25 0,-25 0,50 0,-25 0,-1 0,26 0,-50 0,50 0,24 0,-24 0,-50 0,25 0,-1 0,1 0,-25 0,25 0,49 0,1 0,-1 0,1 0,73 0,-48 0,-1 0,-25 0,-24 0,-1 0,26 0,-50 0,49 0,-49 0,0 0,0 0</inkml:trace>
   <inkml:trace contextRef="#ctx0" brushRef="#br0" timeOffset="403544.0814">15057 14709,'0'0,"0"0,0 0,-25 0,25 0,-50 25,50-25,-74 74,74 1,0-1,0-49,0 25,0-1,0-24,25 0,-25 0,0 24,25 1,-25 49,24-24,1-1,-25 0,0-24,0-25,0 0,0-25,0 49,0-49,0 25,0 0,0-25,0 25,-49-1,49 1,0-25,0 0,-50 0,25 25,0-25,-49 25,0 0,24-1,25 1,-24-25,49 0,0-25,0 25,0-24</inkml:trace>
   <inkml:trace contextRef="#ctx0" brushRef="#br0" timeOffset="404041.1098">14586 15230,'0'0,"99"0,0 0,0 0,124 0,-99 0,25 0,-50 0,-24 0,-50 0,-1 0</inkml:trace>
   <inkml:trace contextRef="#ctx0" brushRef="#br0" timeOffset="404344.1271">15776 15180</inkml:trace>
-  <inkml:trace contextRef="#ctx0" brushRef="#br0" timeOffset="404609.1423">15826 15503</inkml:trace>
+  <inkml:trace contextRef="#ctx0" brushRef="#br0" timeOffset="404609.1422">15826 15503</inkml:trace>
   <inkml:trace contextRef="#ctx0" brushRef="#br0" timeOffset="405808.2109">17885 13271,'0'0,"-25"74,-50 75,26-25,-1 25,0-1,26-24,24-49,0-1,0-49,0 49,24 1,1 49,0-50,-25 1,25-1,-25-24,25 24,-25 25,0-49,0 24,0-24,0 24,-75 1,50-26,-24-24,-26 0,51 0,-26 0,-24-25,24 0,0 0,50 0,-24 0,24 0,24 0,1 0,0 0,-25 0,25 0,-25 0,74 49,-24 1,-25 0,-1-26,1 1,-25 50,25-1,0-24,0 148,-1-24,-24-50,25 0,0-50,-25-24,0-1,0-24,0 25,0 24,0-49,0 49,0 1,25 24,0 0,0-49,-25-25,24 24,-24-49,25 0,0 0,0 0,-25 0,49 0</inkml:trace>
   <inkml:trace contextRef="#ctx0" brushRef="#br0" timeOffset="406584.2553">20787 13246,'0'0,"0"49,0 1,0 24,0 26,0-1,-25 99,25-99,-50 75,25 49,1-123,-1 24,25-50,0-49,0-25,0-50,0-24,0 24,0 25,0-49,0 24</inkml:trace>
   <inkml:trace contextRef="#ctx0" brushRef="#br0" timeOffset="407472.3061">20687 13444,'50'25,"0"0,-26-25,1 49,50 51,-75-51,49 1,-24 24,-25-49,25 0,-25-25,25 49,-25 1,0-50,25 50,-1-26,-24 26,25-25,-25 24,25 1,-25-50,0 25,0-25,0 25,0-1,-25-24,25 0,-49 0,24 0,0 0,-25 0,50 0,-74-74,74 74,-50-50,50 1,-25-1,1 1,24-1,0 0,24 50,1 0,0 0,50 0,-26 0,26 0,-51 0,-24 0,25 0,0 0</inkml:trace>
@@ -1200,12 +1200,12 @@
     </inkml:brush>
   </inkml:definitions>
   <inkml:trace contextRef="#ctx0" brushRef="#br0">2481 9079,'0'0,"25"0,-25 0,24 0,-24 0,25 0,25-25,24 25,-24 0,24 0,1 0,-1 0,1 0,73 0,-73 0,24 0,-49 0,24 0,-49 0,49 0,-74 0,25 0,25 0,-1 0,1 0,-25 0,-1 0,1 0,-25 0,25 0,-25 0,50 0,-50 0,74 0,-49 0,25 0,24 0,-49 0,-25 0,0 0</inkml:trace>
-  <inkml:trace contextRef="#ctx0" brushRef="#br0" timeOffset="1822.1042">2555 9351,'25'0,"25"0,24-24,0 24,-24 0,0 0,-1 0,1 0,-50 0,25 0,-25 0,25 0,-1 0,-24 0,25 0,-25 0,25 0,-25 0,25 0,0 0,24 0,-49 0,25 0,25 0,-26 0,1 0,0 0,0 0,0 0,-25 0,24 0,1 0,-25 0,25 0,0 0,0 0,24 0,-49 0,25 0,-25 0,50 0,-50 0,24 0,-24 0,25 0,-25 0,25 0,0 0,-25 0,25 0,-25 0,24 0,1 0,0 0</inkml:trace>
+  <inkml:trace contextRef="#ctx0" brushRef="#br0" timeOffset="1822.1041">2555 9351,'25'0,"25"0,24-24,0 24,-24 0,0 0,-1 0,1 0,-50 0,25 0,-25 0,25 0,-1 0,-24 0,25 0,-25 0,25 0,-25 0,25 0,0 0,24 0,-49 0,25 0,25 0,-26 0,1 0,0 0,0 0,0 0,-25 0,24 0,1 0,-25 0,25 0,0 0,0 0,24 0,-49 0,25 0,-25 0,50 0,-50 0,24 0,-24 0,25 0,-25 0,25 0,0 0,-25 0,25 0,-25 0,24 0,1 0,0 0</inkml:trace>
   <inkml:trace contextRef="#ctx0" brushRef="#br0" timeOffset="3488.1995">6251 9153,'0'0,"50"0,-1 0,1 0,0 0,-26 0,1 0,25 0,-50 0,25 0,24 0,-24 0,0 0,0 0,-1 0,26 0,-25 0,0 0,24 0,26 0,-1 0,0 0,1 0,-25 0,-1 0,-24 0,49 0,-24 0,-25 0,0 0,24 0,-24 0,0-25,49 25,-24 0,-25 0,24 0,1 0,24 0,-49 0,25 0,24 0,0 0,1 0,-1 0,-24 0,24 0,-24 0,0 0,24 0,-24 0,-1 0,1 0,-25 0,-1 0,1 0,25 0,-50 0,25 0,-1 0,1 0,0 0,-25 0,25 0,-25 0,25 0,-1 0,-24 0,25 0,-25 0,25 0,0 0</inkml:trace>
   <inkml:trace contextRef="#ctx0" brushRef="#br0" timeOffset="4895.28">11882 9178,'0'0,"0"0,0 0,25 0,-25 0,49 0,-24 0,0 0,0 0,-1 0,1 0,0 0,0 0,24 0,-24 0,25 0,-1 0,26 0,-50 0,-1 0,26 0,-25 0,25 0,-26 0,26 0,0 0,24 0,-24 0,24 0,0 0,26 0,-26 0,50 0,-50 0,1 0,24 25,-24-25,-1 0,0 0,1 0,-1 0,-24 0,24 24,1-24,-26 0,-24 25,49-25,-24 0,24 0,-24 0,0 0,-1 0,26 0,-1 0,1 0,-1 0,-24 0,49 0,-25 0,1 0,24 0,0 0,25 0,-25 0,-74 0,0 0,-25 0,25 0,-1 0</inkml:trace>
   <inkml:trace contextRef="#ctx0" brushRef="#br0" timeOffset="10190.5828">5929 7665,'-25'-25,"0"0,-25-49,-24 49,24-50,1 26,-26 24,26-25,-1 26,-49-1,49 0,1 25,-26-25,1 25,-25 0,-50 0,50-25,-125 1,51 24,49-25,-50 25,25 0,50 0,25 0,24 0,0 0,1 0,49 0,-25 0,25 0,-50 49,50-49,-49 50,49-50,-25 50,0-26,0 1,1 25,24-1,-50 1,25-25,0 0,25-1,-24 1,24-25,0 0,0 25,0-25,0 25,0-25</inkml:trace>
   <inkml:trace contextRef="#ctx0" brushRef="#br0" timeOffset="11126.6364">3027 7441,'24'0,"1"50,0-25,-25 0,25-1,0 26,-25-25,0 0,0-25,0 24,0 51,0-50,0 24,0-24,0 0,0 0,0-1,24-48,1-1,0 0,0 25,0-25,24-24,26-1,-1 25,0-49,-24 49,0 25,-26 0</inkml:trace>
-  <inkml:trace contextRef="#ctx0" brushRef="#br0" timeOffset="19435.1116">3895 9376,'24'-25,"1"25,0-24,0 24,25 0,-50 0,24 0,1 0,-25 0,25 0,0 0,-25 0,25 0,-25 0,24 0,1 0,-25 0</inkml:trace>
+  <inkml:trace contextRef="#ctx0" brushRef="#br0" timeOffset="19435.1115">3895 9376,'24'-25,"1"25,0-24,0 24,25 0,-50 0,24 0,1 0,-25 0,25 0,0 0,-25 0,25 0,-25 0,24 0,1 0,-25 0</inkml:trace>
   <inkml:trace contextRef="#ctx0" brushRef="#br0" timeOffset="29422.6828">15602 9227,'25'0,"-25"0,50 0,-50 0,25 0,-25 0</inkml:trace>
   <inkml:trace contextRef="#ctx0" brushRef="#br0" timeOffset="33470.9144">2952 12551,'-25'0,"0"0,1 0,-26 0,50 25,-50 0,1-25,-1 0,1 25,-1-1,0-24,1 25,49-25,-25 0,0 0,25 25,-25-25,1 25,-26 24,50-49,-25 25,-24 0,49-25,-25 25,0-25,25 25,0-25,-25 24,25 1,-25-25,1 0,24 25,0 0,0 0,0-25,-25 49,25-24,0 0,-25 0,25-1,-25-24,25 25,0-25,0 50,0 0,0-1,0 1,0 24,0-24,0 49,0-25,0-74,0 25,0 0,25 0,-25 24,0-24,25 0,-25 0,25 0,-25-25,24 24,-24-24,25 25,-25-25,25 0,0 50,24-25,-49-1,50 26,-25-25,0 24,-1-24,26 0,0 25,-1-26,26 26,-26-50,-24 50,49-50,1 25,-1-25,-24 0,49 24,-24 1,73-25,51 50,-50-1,24-24,51 0,-76 25,51-1,-50-24,-50 0,50 0,-50-25,-25 0,50 0,25 0,25 0,-1 24,-24 1,-74-25,73 25,-48-25,24 25,-50-25,-24 0,24 0,1 0,-26 0,50 0,-24-25,-26 25,51-25,-51 25,26-25,24 25,-25 0,-24-49,0 24,24-25,0 1,-49 49,50-50,-75 50,24-25,1 1,0 24,-25-25,25 0,0-25,-1 1,26-1,-50 0,25-24,-25 24,25-24,-1-25,-24 24,0 1,0-25,0-25,0 49,-24 51,24-26,-25 0,-25 1,50 24,-49-49,24 24,-25 0,25-24,1 49,-1 0,-25-49,1 49,24-25,-25 1,25 24,1 25,-1-50,0 50,-25-24,1-1,24 0,-25 0,1 0,24 1,-25-1,1 0,24-25,0 50,0-24,-24 24,24-25,0 25,0 0,0 0,-49-25,0-25,-26 26,1-1,25 0,-26-25,1 50,0-24,25-1,-1 25,-24 0,25-25,49 0,-25 25,-24-25,-1 25,-24-25,0 25,25 0,-26 0,1 0,-50 0,25 0,0 0,-49 0,73 0,1 0,-75 0,100 0,0 0,24 0,0 0,1 0,49 0,-25 0,25 0,-50 0,50 0,-24 0,-1 0,0 0,-25 0,26 25,-26-25,-24 25,49 0,-25 0,25-25,1 49,-26-49,50 25,-25-25,25 25,-25 0,25-25,-24 25,-1-25,25 24,0-24,-25 0,25 25,0-25,-25 25,0-25,25 0,-25 25,25-25,-49 0,49 25,-25-25,0 24,0 1,1 0,-1-25,25 0,-25 0,25 0,-25 25,25-25,-25 0,1 0,24 25</inkml:trace>
   <inkml:trace contextRef="#ctx0" brushRef="#br0" timeOffset="36103.0649">8707 13767,'0'0,"0"49,0 75,0-25,0 50,0-50,0-24,0 24,0-24,-25-26,25-24,0 0,0 24,0-49</inkml:trace>
@@ -1216,33 +1216,33 @@
   <inkml:trace contextRef="#ctx0" brushRef="#br0" timeOffset="41646.382">8657 13667,'0'0,"25"0,0 50,24-25,-24 24,25-24,-1 25,-24-25,25-1,-50-24,25 25,-25-25</inkml:trace>
   <inkml:trace contextRef="#ctx0" brushRef="#br0" timeOffset="42806.4484">12303 13692,'0'0,"0"50,0 49,0 0,0-24,0 24,0 50,0-75,0 1,0-26,0 1,0-1,0 1,0-50,0 50,0-50,0 24,0-24,0 0,0 25,0-25,0 0,0-25,0-49,0 0</inkml:trace>
   <inkml:trace contextRef="#ctx0" brushRef="#br0" timeOffset="43910.5115">12006 13618,'0'0,"25"0,-1 0,1 0,25 0,24 0,-49 0,25 0,49 0,-74 0,-25 0,0 0,24 25,1-25,-25 49,25 26,0-51,-25 51,25-1,24 25,-24-49,-25 0,50-1,-25 1,-25-25,24-1,1 1,-25 0,25 25,0-1,-25-24,25 25,-1-25,1 24,25 1,-1-50,-24 25,25-25,-50 0,25 0,-1 0,1 0,0-25,0 0,-25 25,25 0,-25-25,0 25,0-49</inkml:trace>
-  <inkml:trace contextRef="#ctx0" brushRef="#br0" timeOffset="44542.5477">12899 13543,'0'25,"0"-25,-25 25,25-25,0 25,0 24,-25 1,25-50,-25 50,25 24,-24-24,24-1,-25 26,25-26,0-24,0 0,0-25,0 25,0-25</inkml:trace>
-  <inkml:trace contextRef="#ctx0" brushRef="#br0" timeOffset="45070.5779">12725 13419,'0'0,"25"0,25 50,-26 0,51 24,-50-49,-1-25,-24 49,25-49,0 25</inkml:trace>
-  <inkml:trace contextRef="#ctx0" brushRef="#br0" timeOffset="45662.6117">13221 14238,'0'0,"0"25,0-1,0 26,0 25,0-51,0-24,0 50,0-50,0 25,0-25,0 25,25-1,-25-24,0 25,0-25,0-25</inkml:trace>
+  <inkml:trace contextRef="#ctx0" brushRef="#br0" timeOffset="44542.5476">12899 13543,'0'25,"0"-25,-25 25,25-25,0 25,0 24,-25 1,25-50,-25 50,25 24,-24-24,24-1,-25 26,25-26,0-24,0 0,0-25,0 25,0-25</inkml:trace>
+  <inkml:trace contextRef="#ctx0" brushRef="#br0" timeOffset="45070.5778">12725 13419,'0'0,"25"0,25 50,-26 0,51 24,-50-49,-1-25,-24 49,25-49,0 25</inkml:trace>
+  <inkml:trace contextRef="#ctx0" brushRef="#br0" timeOffset="45662.6116">13221 14238,'0'0,"0"25,0-1,0 26,0 25,0-51,0-24,0 50,0-50,0 25,0-25,0 25,25-1,-25-24,0 25,0-25,0-25</inkml:trace>
   <inkml:trace contextRef="#ctx0" brushRef="#br0" timeOffset="46926.684">10666 13915,'0'0,"0"0,-49 50,24-25,0 24,0-24,-24 0,24 0,-49 0,49-1,-25 1,0-25,1 25,24-25,-25 25,50-25,25 25,0-25,0 0,24 49,1-49,0 50,-1-50,26 25,-1 49,-74-74,0 0,0-49</inkml:trace>
-  <inkml:trace contextRef="#ctx0" brushRef="#br0" timeOffset="47782.733">11981 13891,'0'0,"-25"0,25 0,-25 0,25 0,-24 0,-1 24,0 1,25-25,-50 25,26 0,-26 0,25-1,0-24,25 25,0 0,0-25,0 25,0-25,0 25,0-25,0 24,0 1,0-25,0 0,25 0,25 0,-25 0,-25 0,49 50,-24-50,0 25,-25-25,-25 0</inkml:trace>
+  <inkml:trace contextRef="#ctx0" brushRef="#br0" timeOffset="47782.7329">11981 13891,'0'0,"-25"0,25 0,-25 0,25 0,-24 0,-1 24,0 1,25-25,-50 25,26 0,-26 0,25-1,0-24,25 25,0 0,0-25,0 25,0-25,0 25,0-25,0 24,0 1,0-25,0 0,25 0,25 0,-25 0,-25 0,49 50,-24-50,0 25,-25-25,-25 0</inkml:trace>
   <inkml:trace contextRef="#ctx0" brushRef="#br0" timeOffset="49654.8401">10691 14858,'0'0,"0"0,50 0,-25 0,-1-25,-24 25,50 0,-50 0,25 0,0 0,-1 0,1 0,0 0,0 0,-25 50,49-1,-49-24,0-25,25 25,0-25,-25 0,0 25,0 0,0-1,0-24,0 50,0 0,0-50,0 24,0-24,0-24,0 24,0-25,25 0,0 25,24-25,-24 0,74-24,-24 49,-50 0,-25 0,24 0,1 0,0 0,0 0,0 0,24 0,-49 0,25 0,-25-25,0 25,0 0,0-25,0 25,0-25,0 25,0 0,0 0,0-24,0 24,0-25,0 25,0-25,0 0,0 0,0 25</inkml:trace>
   <inkml:trace contextRef="#ctx0" brushRef="#br0" timeOffset="51046.9197">10691 14759,'0'0,"0"25,25-25,-25 24,0-24,0 0,0 0,0 0,0 0,-25 0,0 0,25 0,0 0,0 0,25 0,-25 50,0-50,0-25</inkml:trace>
-  <inkml:trace contextRef="#ctx0" brushRef="#br0" timeOffset="52463.0007">11063 15602,'-25'0,"25"0,-24 0,-1 25,-25 0,-24 24,24-24,1 25,-26 24,1 1,24-1,-49 0,49 1,-24-50,-1-25,1 0,24 24,1-24,-26 0,-49 0,50 0,-100 0,-24 0,-1 25,-24-25,-25 0,99 25,1-25,-26 0,124 0,-24 0,49 0,0 0,-49 0,49 0,-49-50,-50 1,0-1,24 25,-24-49,25 0,50 24,-1-24,-24 24,49 0,0 1,0 24,25-25,-50 26,50-1,-24 25,24-25,-25-49,-74-51,24 1,1 0,24 50,50 24,-25 50,25-24,0 24,0-25,0 0,0-25,0-24,0 49,0 25,0 0,0 0,0 50,0-25,0-1,0 51,0-75,0 49,0 26,0-26,0 26,0-50,0 24,-24 26,24-51,0-24,0 25,0-25,0 0,0-25,0-24</inkml:trace>
+  <inkml:trace contextRef="#ctx0" brushRef="#br0" timeOffset="52463.0006">11063 15602,'-25'0,"25"0,-24 0,-1 25,-25 0,-24 24,24-24,1 25,-26 24,1 1,24-1,-49 0,49 1,-24-50,-1-25,1 0,24 24,1-24,-26 0,-49 0,50 0,-100 0,-24 0,-1 25,-24-25,-25 0,99 25,1-25,-26 0,124 0,-24 0,49 0,0 0,-49 0,49 0,-49-50,-50 1,0-1,24 25,-24-49,25 0,50 24,-1-24,-24 24,49 0,0 1,0 24,25-25,-50 26,50-1,-24 25,24-25,-25-49,-74-51,24 1,1 0,24 50,50 24,-25 50,25-24,0 24,0-25,0 0,0-25,0-24,0 49,0 25,0 0,0 0,0 50,0-25,0-1,0 51,0-75,0 49,0 26,0-26,0 26,0-50,0 24,-24 26,24-51,0-24,0 25,0-25,0 0,0-25,0-24</inkml:trace>
   <inkml:trace contextRef="#ctx0" brushRef="#br0" timeOffset="52919.0268">6698 14808,'24'0,"51"0,-26 25,-24 0,50 0,-26 24,1-24,-1 25,-49-25,50-1,-25 1,25 0,-50-25</inkml:trace>
-  <inkml:trace contextRef="#ctx0" brushRef="#br0" timeOffset="57622.2958">2059 10071,'25'0,"25"74,49-24,-25 24,1-24,24-1,-50-24,51 50,-51-75,-24 49,0-24,0-25,-1 25,-24-25,25 0,0 25,-25-1,50 51,-26-26,26 1,-25 24,25 1,-1-26,26 1,-51 24,26-24,0 0,-1 24,-24-49,25 25,-1 24,-24-24,25-1,-1 50,50 25,1 0,-51-49,50 49,-24-75,24 76,-49-51,-1-24,26-1,-26 1,-24-25,50 49,-51-49,51 49,-26 1,26 24,-26-50,51 51,-26-26,-49 0,49 1,-24-25,24 49,1 0,-1-74,-49 24,0-49,-25 50,25-50,-25 25,24-25,-24 0,0 25,25-25,0 49,25 26,-1-51,1 76,-1-51,1 1,49 49,-74-74,-25 0,0-1,25-24,0 0,-25 25,24 0,1-25,0 50,0-26,0-24,-25 25,24-25</inkml:trace>
+  <inkml:trace contextRef="#ctx0" brushRef="#br0" timeOffset="57622.2957">2059 10071,'25'0,"25"74,49-24,-25 24,1-24,24-1,-50-24,51 50,-51-75,-24 49,0-24,0-25,-1 25,-24-25,25 0,0 25,-25-1,50 51,-26-26,26 1,-25 24,25 1,-1-26,26 1,-51 24,26-24,0 0,-1 24,-24-49,25 25,-1 24,-24-24,25-1,-1 50,50 25,1 0,-51-49,50 49,-24-75,24 76,-49-51,-1-24,26-1,-26 1,-24-25,50 49,-51-49,51 49,-26 1,26 24,-26-50,51 51,-26-26,-49 0,49 1,-24-25,24 49,1 0,-1-74,-49 24,0-49,-25 50,25-50,-25 25,24-25,-24 0,0 25,25-25,0 49,25 26,-1-51,1 76,-1-51,1 1,49 49,-74-74,-25 0,0-1,25-24,0 0,-25 25,24 0,1-25,0 50,0-26,0-24,-25 25,24-25</inkml:trace>
   <inkml:trace contextRef="#ctx0" brushRef="#br0" timeOffset="58391.3398">2233 15354,'0'0,"0"25,0 0,25 24,-25 1,24-25,-24 24,0 26,0 24,0-49,0-1,0 1,0-1,0 1,0-25,0 0,0-25,0 24,0-24,0 0,25 0,0 0,0 0</inkml:trace>
   <inkml:trace contextRef="#ctx0" brushRef="#br0" timeOffset="60806.4779">2778 15329,'-49'-25,"49"25,-25 0,0 0,0 0,1 0,24 0,-25 0,0 0,25 0,-25 0,0 25,1 0,24 25,-25-25,25 24,-25-24,25 0,0-25,0 0,0 25,50-1,-26 1,1-25,0 50,0-50,-25 0,25 0,-1 0,26 0,-50 0,50-25,-1-49,-24 49,0-50,-25 75,0 0,0 25,0-25,-25 50,25-25,0 24,0 26,0 24,0 25,0 0,25 25,-25-25,0-50,0-49,0-25,0 0,0-25,0 0,25-24,-25 49,49-25,-49-25,50 25,-25-24</inkml:trace>
   <inkml:trace contextRef="#ctx0" brushRef="#br0" timeOffset="61702.5292">3225 15304,'0'0,"0"0,0 0,0 25,0 0,0 0,-50 49,50-24,0 24,0-49,0 50,0-26,0 1,0-50,0 49,0 1,0-25,0 24,25-49,-25 0,25 0,0 0,0 0,-25 0,24 0,-24 0,25 0,0-24,-25 24,25-25,-25 25,0-25,0 0,0 0,0 25,0-24,0-1,-25 25,0 0,0-25,1 25,-1 0,0 0,0 0,25 0,0 0,25-25,-25 25,25 0,24-25,-24 25,0 0,25 0</inkml:trace>
   <inkml:trace contextRef="#ctx0" brushRef="#br0" timeOffset="62886.5969">3895 15404,'0'0,"-25"0,25 0,-25 0,0 0,25 0,-25 0,25 25,-24-25,24 0,-25 49,25-24,0 0,0 0,0 24,0-49,0 25,0 0,0 0,0-25,-25 24,25 1,0 0,0 0,0 0,0-1,0-24,0 25,0-25,0 25,0 0,25-25,0 25,-25-25,0 24,24-24,-24 0,25 0,-25 0,50 0,-1 0,-24 0,-25-24,25 24,-25-25,0 25,0-25,0 25,0-50,-25 1,25 24,0 25,0-25,0 25,-25-25,25 25,-24 0,24 0,-25-24,0 24,25 0,-25 0,25 0,-25 0,1 0,24 0,-25 0,25 24,-25-24,25 0,-25 25,25-25,0 25,-25 0,25-25,0 0,0-25,0 25,0 0,0 0,25 0</inkml:trace>
   <inkml:trace contextRef="#ctx0" brushRef="#br0" timeOffset="71223.0737">14089 7764,'0'-25,"-24"-74,24 74,0 25,-25-50,25 26,-25-1,0-25,-24 25,24-24,-25-1,1 1,-1-1,-49 0,49 26,-24-26,24 25,0-24,1-1,-26 25,51 0,-26 1,-24-26,24 25,0 0,1-24,-26 49,26-25,24 0,-25 0,26 25,-1 0,0-25,-25 25,1 0,-1-24,25-1,1 25,-26 0,50 0,-25 0,25 0,-25 0,0 0,1 0,24 0,-50-25,0 25,26 0,-26 0,-24 0,49 0,0 0,0-25,25 25,0 0,-25 0,1-25,-1 25,25 0,-50-24,1 24,-1 0,-24 0,24 0,-49 0,24 0,1 0,-25 0,24 0,1 0,-1 0,-24 0,50 0,-26 0,50 0,-49 0,0 0,49 0,-50 0,26 0,-26 0,26 0,-50 0,-1 0,26 0,24 0,25 0,-49 0,24 0,1 0,24 0,0 24,-24-24,49 0,-50 0,25 0,25 0,0 25,-49-25,49 25,-50-25,50 0,-25 0,-49 0,74 0,-25 0,0 25,0-25,25 0,-24 25,-1-25,0 0,0 24,0 1,-49-25,49 25,0 0,25-25,-25 0,25 25,-24-25,24 0,-50 24,50 1,-50-25,26 25,-1 0,-25 0,25-25,-24 25,49-25,-50 24,25-24,1 25,-1-25,-25 25,25 0,1-25,-1 0,0 0,25 25,-25-25,25 24,0 1,0-25,0 25,-25 0,1 24,24-49,-25 25,0-25,25 0,0 25,0-25,-50 50,50-26,-24 26,-1-25,-25 0,50-25,-25 24,1-24,24 0,0 25,-25 0,25-25,0 0,0 25,-25-25,25 0,0 25,-25-1,0-24,1 25,-1 0,25 0,-25-25,25 25,0-1,-25-24</inkml:trace>
   <inkml:trace contextRef="#ctx0" brushRef="#br0" timeOffset="72607.1529">8012 7392,'25'0,"-25"0,0 25,25-25,-25 0,25 0,-25 24,0-24,0 50,0-50,0 25,0-25,0 49,0-24,0 0,0-25,0 25,0 24,0-49,0 25,0-25,0 25,0 0,0-25,0 25,0-25,0 49,0-49,0 25,0-25,24 0,-24 25,0-25,25 0,-25 0</inkml:trace>
-  <inkml:trace contextRef="#ctx0" brushRef="#br0" timeOffset="73991.232">1712 15801,'49'0,"26"0,24 0,0 0,75 0,0 0,-50 0,24 0,-98 0,0 0,24 0,-24 0,24 0,25 0,1 0,-26 0,25 0,-49 0,-25 0,24 0,-49 0,0 0,25 0,0 0,0 0,-1 0,1 0,50 0,24 0,124 0,-49 0,74 0,-75 0,1 0,-25 24,-100-24,-24 0,-25 0,-25 0,1 0,-51 0,1 0</inkml:trace>
+  <inkml:trace contextRef="#ctx0" brushRef="#br0" timeOffset="73991.2319">1712 15801,'49'0,"26"0,24 0,0 0,75 0,0 0,-50 0,24 0,-98 0,0 0,24 0,-24 0,24 0,25 0,1 0,-26 0,25 0,-49 0,-25 0,24 0,-49 0,0 0,25 0,0 0,0 0,-1 0,1 0,50 0,24 0,124 0,-49 0,74 0,-75 0,1 0,-25 24,-100-24,-24 0,-25 0,-25 0,1 0,-51 0,1 0</inkml:trace>
   <inkml:trace contextRef="#ctx0" brushRef="#br0" timeOffset="75727.3313">4168 15751,'24'25,"-24"0,50 24,-50-24,25 0,0-25,-25 49,49-49,-49 25,0 0,25 25,-25-50,0 0,25 0,0-25,-25-25,24 1,1-1,25-74,-1 25,1 0,49-25,-49 99,49-50,-25-24,-24 99,-25-25</inkml:trace>
-  <inkml:trace contextRef="#ctx0" brushRef="#br0" timeOffset="77566.4365">8136 7937,'0'0,"0"0,0 0,25 0,-25-24,25 24,0 0,0-50,49 50,0-50,-24 26,0-1,-26 25,1 0,0-25,-25 25,50 0,-50 0,24 0</inkml:trace>
+  <inkml:trace contextRef="#ctx0" brushRef="#br0" timeOffset="77566.4364">8136 7937,'0'0,"0"0,0 0,25 0,-25-24,25 24,0 0,0-50,49 50,0-50,-24 26,0-1,-26 25,1 0,0-25,-25 25,50 0,-50 0,24 0</inkml:trace>
   <inkml:trace contextRef="#ctx0" brushRef="#br0" timeOffset="81550.6644">13841 7714,'25'0,"25"0,-50 0,49 25,-49-25,25 0,-25 0,50 50,-50-50,49 24,-49-24,25 50,25-50,-25 25,24 0,-49-25,25 0,-25 0,25 0,0 0,-25 0,0-75,24 1,-24 24,25 25,-25 1</inkml:trace>
-  <inkml:trace contextRef="#ctx0" brushRef="#br0" timeOffset="94344.3962">12403 9624,'-25'0,"0"0,-25 0,26-49,-26 49,0-50,26 25,-51-24,26 24,24 25,0-25,0 25,0 0,25 0,-24 0,24 0,-50-50,50 26,-50-26,26 25,-1 0,0-24,0 24,25 25,0-25,-25 0,25 1,0-26,0 25,-24-25,24 1,0-1,-25 1,25 49,-25-25,25 0,0 0,0-24,0 24,0-50,0 1,0 0,0 49,0 0,0 0,0 25,0-25,0 1,25 24,-25-25,25 0,-25 0,24 25,1-25,-25 25,50-24,-1-26,-24 50,25-50,-25 50,24-49,-24 24,0 25,-25 0,25-25,-1 25,26-25,49-24,124 24,-148 0,49 25,50-25,-75 25,25-25,-50 1,-24 24,24 0,-24-25,49 0,-49 0,-1-74,75 49,-24 50,-26 0,0 0,26 0,-26 0,-24 0,-50 0,49 0,26 25,-26-25,1 0,-25 0,49 0,-49 0,49 25,1-25,-50 0,49 50,-49-50,0 0,24 24,1-24,-25 25,49 25,-74-50,50 25,-1-1,-24-24,0 25,0-25,-1 25,26 0,-25-25,0 49,-1-49,1 25,0 25,0-25,-25 0,25 24,-1-49,1 50,0-1,-25-24,50 25,-50-50,24 49,-24-49,25 25,-25 0,0 0,50 24,-50-24,0 0,25 25,-25-50,24 0,-24 24,0-24,0 25,0 0,25-25,-25 25,0 0,0-1,0 1,0-25,0 50,0-25,0-1,0 26,0 0,0-50,0 74,-25-49,25 25,-24-26,24 1,-25 0,0 25,25-50,-25 24,25 1,-49 0,24-25,-25 74,25-74,-49 0,24 25,1 25,-1-25,1 24,-1-24,0 0,26 0,-1-25,0 24,0-24,-24 25,-1 0,-24 0,-75 24,25 1,24-50,-24 50,25-26,25-24,-1 0,1 25,0-25,24 25,0-25,-49 0,0 50,49-50,-74 0,75 0,-26 0,1 0,49 0,0 0,-49 0,74 0,-25 0,-49 0,-26 0,-24-50,25 50,25 0,-1-25,50 0,-24 25,24-49,0 49,25 0,0-25,-25 0,25 25,0-25,-24 25,24 0,0-24,0 24,-25-25,0 0,25-25,0 50,0-24,-25-1,25 0</inkml:trace>
+  <inkml:trace contextRef="#ctx0" brushRef="#br0" timeOffset="94344.3961">12403 9624,'-25'0,"0"0,-25 0,26-49,-26 49,0-50,26 25,-51-24,26 24,24 25,0-25,0 25,0 0,25 0,-24 0,24 0,-50-50,50 26,-50-26,26 25,-1 0,0-24,0 24,25 25,0-25,-25 0,25 1,0-26,0 25,-24-25,24 1,0-1,-25 1,25 49,-25-25,25 0,0 0,0-24,0 24,0-50,0 1,0 0,0 49,0 0,0 0,0 25,0-25,0 1,25 24,-25-25,25 0,-25 0,24 25,1-25,-25 25,50-24,-1-26,-24 50,25-50,-25 50,24-49,-24 24,0 25,-25 0,25-25,-1 25,26-25,49-24,124 24,-148 0,49 25,50-25,-75 25,25-25,-50 1,-24 24,24 0,-24-25,49 0,-49 0,-1-74,75 49,-24 50,-26 0,0 0,26 0,-26 0,-24 0,-50 0,49 0,26 25,-26-25,1 0,-25 0,49 0,-49 0,49 25,1-25,-50 0,49 50,-49-50,0 0,24 24,1-24,-25 25,49 25,-74-50,50 25,-1-1,-24-24,0 25,0-25,-1 25,26 0,-25-25,0 49,-1-49,1 25,0 25,0-25,-25 0,25 24,-1-49,1 50,0-1,-25-24,50 25,-50-50,24 49,-24-49,25 25,-25 0,0 0,50 24,-50-24,0 0,25 25,-25-50,24 0,-24 24,0-24,0 25,0 0,25-25,-25 25,0 0,0-1,0 1,0-25,0 50,0-25,0-1,0 26,0 0,0-50,0 74,-25-49,25 25,-24-26,24 1,-25 0,0 25,25-50,-25 24,25 1,-49 0,24-25,-25 74,25-74,-49 0,24 25,1 25,-1-25,1 24,-1-24,0 0,26 0,-1-25,0 24,0-24,-24 25,-1 0,-24 0,-75 24,25 1,24-50,-24 50,25-26,25-24,-1 0,1 25,0-25,24 25,0-25,-49 0,0 50,49-50,-74 0,75 0,-26 0,1 0,49 0,0 0,-49 0,74 0,-25 0,-49 0,-26 0,-24-50,25 50,25 0,-1-25,50 0,-24 25,24-49,0 49,25 0,0-25,-25 0,25 25,0-25,-24 25,24 0,0-24,0 24,-25-25,0 0,25-25,0 50,0-24,-25-1,25 0</inkml:trace>
   <inkml:trace contextRef="#ctx0" brushRef="#br0" timeOffset="101550.8083">15528 9847,'0'0,"25"25,0 25,-1-25,1-1,-25 1,50 0,-50 0,25 0,0 0,-25-1,0 1,24-25,-24 25,0 0,0-25,50-25,0-25,-1 1,26-51,-26 1,1 50,-1-26,-24 1,0 49,-25 0,25 0,0 1,-25 24,0-25</inkml:trace>
   <inkml:trace contextRef="#ctx0" brushRef="#br0" timeOffset="113942.5171">6375 9426,'25'25,"0"24,0-24,-1 0,26 24,-50 1,25 0,24-1,-49-49,25 50,-25-25,25-25,25-50,-26 25,26-24,0-1,-26 0,51-24,-50 49,-1-24,1-1,0 25,0-24,-25 24,25 0,-1 25,-24 0,0-25,0 25,25 0</inkml:trace>
   <inkml:trace contextRef="#ctx0" brushRef="#br0" timeOffset="126662.2446">12055 9426,'0'0,"25"0,74-25,1 0,-26 25,25 0,1 0,73 0,-74 0,-24 0,24 0,0 25,-49-25,-1 0,1 0,-25 0,24 0,-24 0,0 0,49 0,-49 0,25 0,-25 0,49 0,-24 25,-1 0,1-25,0 0,-26 0,26 24,24-24,-24 0,0 0,-1 0,1 0,-1 0,26 0,-50 0,-1 0,1 0,0 0,0 0,24 0,-49 0,25 0,25 0,0 0,-26 0,1 0,-25 0,25 0,0 0,0 0,-1 0,1 0,50 0,-51 0,51 0,-26 0,-24 0,50 0,-51 0,1 0</inkml:trace>
-  <inkml:trace contextRef="#ctx0" brushRef="#br0" timeOffset="189774.8545">7343 8979</inkml:trace>
-  <inkml:trace contextRef="#ctx0" brushRef="#br0" timeOffset="190287.8838">13990 9351</inkml:trace>
-  <inkml:trace contextRef="#ctx0" brushRef="#br0" timeOffset="190999.9245">7789 9227</inkml:trace>
+  <inkml:trace contextRef="#ctx0" brushRef="#br0" timeOffset="189774.8544">7343 8979</inkml:trace>
+  <inkml:trace contextRef="#ctx0" brushRef="#br0" timeOffset="190287.8837">13990 9351</inkml:trace>
+  <inkml:trace contextRef="#ctx0" brushRef="#br0" timeOffset="190999.9244">7789 9227</inkml:trace>
   <inkml:trace contextRef="#ctx0" brushRef="#br0" timeOffset="191390.9469">13395 9351</inkml:trace>
   <inkml:trace contextRef="#ctx0" brushRef="#br0" timeOffset="191814.9712">8211 9277</inkml:trace>
   <inkml:trace contextRef="#ctx0" brushRef="#br0" timeOffset="192231.995">13544 9475</inkml:trace>
@@ -1258,7 +1258,7 @@
   <inkml:trace contextRef="#ctx0" brushRef="#br0" timeOffset="241358.8049">14784 10567,'0'0,"0"25,25-1,0 26,-25-50,0 0,24 25,-24 0,0-25,0 24,25-24,0 25,-25 0,0-25,25 25,-25 0,0-1,25-24,-1 0,-24-24,0 24,0-25,25 25,-25-50,0 50,25-49,0 24,-25 0,25-25,-25 50,0-49,24 24,-24 0,25 0,-25 25,25-24,-25-1,25 25,0-50,-25 50,24-25,1-24,0 24,0-49,-25 49,25 0,24-25,-49 50,0-24,25 24</inkml:trace>
   <inkml:trace contextRef="#ctx0" brushRef="#br0" timeOffset="252230.4267">6400 9475,'0'0,"0"0,0 25,0 0,0-25,0 25,0 0,25 24,-25 1,25-1,-25 1,0-25,0 0,0-1,0-24,24 25,26 25,0-1,-50 1,24-25,1-25,25 50,-1-1,-24-24,25-25,-50 0,0 0,0-25,0-24,-25 24,25 0,0 25,0-25,0 25,25-74,0 49,24-50,-24 1,0 49,24-24,-49-26,25 50,0-24,0-26,-25 51,0 24,0-50,25-49,-1 74,-24 25,25-25,0 0,-25 25</inkml:trace>
   <inkml:trace contextRef="#ctx0" brushRef="#br0" timeOffset="259590.8477">6350 9674,'25'0,"0"25,-25-1,0-24,0 0,0 25,25-25,-25 25,0 0,25-25,-1 25,-24-1,50 1,-50 25,25-1,-25-24,0-25,49 50,-49-25,25 0,-25-1,25-24,0 0,0 0,-25 25,49-25,-49 0,25 0,-25 0,0 0,-25 0,25-25,-25 1,25 24,0-25,0 25,-24-50,24 25,0 0,-25 25,25-24,-25-1,25 0,0 25,-50-50,50 26,-24-1,24 0,0 25,0-25,-25 25,25-25,0 25,25 25,-25 25,0-1,0-24,24 50,26-1,-50-49,0 0,0 0,0-25,0 0,0 0,0-25,0 0,0 0,0 25,0-50,0 26,0-1,-25 25,25-25,0 25,0-25,-25 25,25-25,0 25,0-24,0 24,0-25,0 25,-24 0,24 0,0 0,0 25,0-1,0 1,0 0,0 0,0 0,0-1,0 1,0 0,0 0,0-25,0 25,0-25,0 0,-25-25,0 25,25-25,0 0,-25 25,25-49,0 49,0-25,0 0,0 0,0 0,-25 25,25 0,0-49,0-1,0 25,0 1,0 24,-24-25,24 0,0 0,0 25,0 25,24 0,-24-25,0 49,25 1,-25-50,25 50,-25-26,25 1,-25-25,0 25,0-25,25 25,-25 0,24-25,-24 24,25-24,-25 0,25 25,-25-25,0 0,0 0,0-25,0 25,0-24,25 24,0-50,-25 50,0-50,24 50,-24-24,25 24,0-50,0 50,24-50,-24 50,25-49,-50 49,0 0,25-25,-25 25,0-25,24 0,1 1,-25 24,0 0,25 0,-25-25,0 0,0 25,0 25,-50 0,26 24,-26 1,0-25,1 49,49-74,-50 25,50 0,0-1,0-24,-25 25,25 0,0-25,-24 25,-1 0,25-1,0-24,0 25,0-25,0 50,0-50,-25 25,25 0,0-25,0 0,0 0,0 0,25-25,0 25,-25 0,24 0,-24 0,25-25,0 0,-25 0,25 25,-25-49,25 49,-1 0,-24-50,0 50,25-25,-25 25,0-25,0 25,0-24,25-1,-25 0,25 25,-25-25,0 0,0 25,0-24,0 24,0-50,25 50,-25 0,0-25,0 25,0-49,24 24,-24 25,0 0,0 25,0-25,-24 24,24-24,-25 25,25 0,-25-25,0 25,25 0,0-1,-25-24,25 50,-24-50,-1 25,25 0,0-1,0 26,-25-50,0 25,25 0,0-1,0-24,-25 25,25 25,0-50,0 25,-24-25,24 25,-25-25,25 24,0-24,0 25,-25-25,25 0,0-49,25 49,0-50,-25 50,24-25,1-25,0 26,-25-1,25 25,-25-25,0 0,0-24,25 24,-1 0,-24 25</inkml:trace>
-  <inkml:trace contextRef="#ctx0" brushRef="#br0" timeOffset="260270.8866">6598 9500,'-24'0,"24"25,0-25,0 25,0 0,0-25,0 0,0 24,0-24,-25 0,25 25,0 0,0-25</inkml:trace>
+  <inkml:trace contextRef="#ctx0" brushRef="#br0" timeOffset="260270.8865">6598 9500,'-24'0,"24"25,0-25,0 25,0 0,0-25,0 0,0 24,0-24,-25 0,25 25,0 0,0-25</inkml:trace>
   <inkml:trace contextRef="#ctx0" brushRef="#br0" timeOffset="262455.0115">6474 9624,'0'-25,"0"25,0-49,-24 24,-1 25,25 0,0 0,0 25,25-25,-1 0,-24 25,0-25,25 24,-25 1,0-25,25 25,0 0,-25 0,0-25,0 24,25-24,-25 50,0-50,0 25,24-25,-24 25,25-1,-25-24,0 25,25-25,-25 25,25-25,-25 25,0 0,0-25,0 0,25 0,-1 0,-24 0,25 0,-25 0,25 0,0 0,-25 0,0 0,0-25,25 0,-1-25,-24 1,0-1,0 25,0 1,25-1,-25 25,0-25,25 25,0-25,-25 25,0-25,25 1,-25 24,24-25,-24 25,25-25,0 25,-25-25,50 0,-50 1,24-1,26-50,-50 75,25-24,-25-1,0 0,0-25,0 26</inkml:trace>
   <inkml:trace contextRef="#ctx0" brushRef="#br0" timeOffset="267783.3163">13841 9500</inkml:trace>
   <inkml:trace contextRef="#ctx0" brushRef="#br0" timeOffset="273846.6631">13469 10443,'-49'0,"24"25,-25-25,50 24,-25 1,1-25,-26 25,25 0,-24 24,-1-24,25 0,-49 49,49-24,0-25,0 24,25-49,0 25,0-25,25 0,-25 0,50 0,24 0,1 0,49-25,-25 25,0 0,25 0,-99 0,0 0,0 0,-25-49,0 49,-25-50,0 1,0 24,0-25,25 50,-49-49,49 24,-25 0,0 0,0 0,0-24,1-26,-1 51,25-1,0 25,-25 0,0 25,0-25,1 24,-1 26,0-50,25 50,-25-1,0-24,25 25,-24-1,-1-49,25 50,0-50,0 25,-25-25,25 0,0 24,-25-24,0 25,25-25,0 0,0 0,25 25,50-25,-51 0,1 0,0 0,0 0,0 0,-25 0,24 0,-24 0,0-25,0 25,0-25,0 1,0 24,0-25,0 25,0-25,25 0,-25 25,0 0,-25 0,25 0,-24 25,-1-25,25 25,-25-25,25 0,-25 0,0 0,25 25,0-25,-24 24,24-24,0 25,-50-25,75-25,0 1,-25-1,24-25,-24 50,0 50,0-50,0 49,0-24,0 0,0 25,0-50,0 24,0-24,0-24,0-1,0-25,0 25,0 1,25-26,-25 50,25 0,-25-25,25 25,0 0,-25-25,0 25,24 25,-24 25,0-50,0 49,0-49,0 25,0-25,0 25,0-25,-24 0,24 25,0 0,0-25,0-25,0 0,0 0,0 0,0-24,0 24,24 0,1 0,-25 1,25-1,0 25,-25 0,25 0,-25 49,0 26,0-50,0 24,0-24,0 25,0-50,0 24,0-24,0 0,0-74,-25 74,25-50,0 26,0-1,0 0,0 0,0 25,0-25,0 25,0 0,0 25,25-25,-25 50,0-50,0 25,0-1,0-24,0 50,0-50,0 25,0-25,0-50,0-24,0 24,0 25,-25-24,25 49,0-25,0 25,0 0,0 50,25-26,-25-24,24 25,1 0,-25 25,25-1,25 26,-25-51,-25-24,24 0,-24 0,0 25,0-74,0-26,0 26,0-1,-24 0,24 50,0 0,0 0,0 25,0-25,24 25,-24 0,25 0,0 24,-25-49,0 25,0-25,0 0,0 0,-25-74,0 24,-24 25,49-24,-25 49,0-25,25 0,-25 25,25 0,-25-25,25 25,0 50,0-25,0 24,0-24,0 0,0 0,-24-50,-1-74,0 49,0 0,0 1,25-1,0 50,0-25,0 25,0 50,25-25,0 24,-25-24,0 0,25 25,0-1,-25-24,0-25,0 25,0-25,0 25,0-25,0 0,0-25,0 25</inkml:trace>
@@ -1291,8 +1291,8 @@
   <inkml:trace contextRef="#ctx0" brushRef="#br0">6251 10145,'25'25,"25"-25,-1 0,1 0,-1 0,1 0,-25 0,24 0,-24 0,0 0,0 0,-25 0,25 0,-1 0,1 0,0 0,25 0,-1 0,1 0,-1 0,-24 0,0 0,25 0,24 0,-49 0,25 0,-26 0,26 0,49 0,-24 0,-26 0,1 0,-1 0,1 25,24-25,-49 0,0 0,49 0,-49 0,74 0,1 0,-51 0,26 0,-1 0,1 0,-26 0,75 0,-99 0,49 0,1 0,49 0,-50 0,25 25,-24-25,-1 0,1 0,-26 0,26 24,-26-24,-24 25,25-25,-1 0,1 0,0 0,24 0,0 0,-24 0,49 0,-24 0,24 0,0 0,-25 0,26 0,-26 0,25 0,1 0,-1 0,-25 0,25 0,50 0,-50 0,1 0,24 0,0 0,-25 0,50 0,-75 0,1 0,-1 0,-24 0,24 0,0 0,26 0,-26 0,-24 0,24 0,-24 0,24 0,1 0,-26 0,1 0,-1 0,1 0,-25 0,24 0,-24 0,25-25,24 25,1 0,-1 0,0 0,-24 0,0 0,-1 0,1 0,-25 0,0 0,-1 0,1 0,0 0,-25 0,25 0,0 0,-1 0,-24 0,0-24,0-1,0 25,0-25,0-25,0 50,0-24,0-1,0 0,0 25,0-50,0 1,0 24,-24 0,24-25,0 50,0-24,0 24,0-50,0 0,0 26,0-26,0-24,0 24,0-24,0 49,0-25,0 1,0-26,0 1,0 49,0 0,0-24,0 49,0-25,0-25,0 50,0 0,-25 0,25 0,-25-25,0 25,-24 0,-26-25,50 25,-24 0,-1 0,-24 0,49 0,25 0,-25 0,0 0,-24 0,24 0,-99 0,49 0,-24 0,-50 0,-49 0,24 0,1 0,-1 0,50 0,-25 0,25 0,0 0,0 0,-25 0,75 0,-1 0,26 0,24-24,-25-1,1 25,24 0,-49 0,24 0,-24 0,-26 0,1 0,-50 0,50 0,-50 0,25 0,-25 0,25 0,-24 0,24 0,49 0,-99 0,75 0,-25 0,-49 0,49 0,-25 0,25 0,25 0,49 0,0 0,1 0,-26 0,26 0,-1 0,0 0,1 0,-26 0,1 0,24 0,26 0,-26 0,50 0,-25 0,-24 0,24 0,-50 0,26 0,-26 0,1 0,-1 0,1 0,-50 0,50 0,-1 0,26 0,-1 0,0 0,1 0,24 0,-25 0,1 0,-75 0,49 0,-24 0,49 0,1 0,24 0,-25 0,1 25,-26-1,1-24,0 25,-26 0,51-25,24 25,-25-25,50 74,0-24,0-25,0 24,0 1,0 0,0-1,0-24,0 49,0-49,0 25,0-25,0-1,0 1,0 0,0 25,0-26,0 1,0 25,0-25,0-1,0-24,0 25,0-25,0 25,0 25,0-1,0-24,0 25,0-50,0 25,0-25,25 0,-25 0,25 0,25 0,98 24,-73-24,24 0,-49 0,24 0,25 0,-24 0,-26 0,-49 0,25 0,0 0,-25 0,25 0,24 0,1 0,-25 0,24 0,1 25,-25-25,0 0,-1 25,1-25</inkml:trace>
   <inkml:trace contextRef="#ctx0" brushRef="#br0" timeOffset="1520.087">4093 11187,'0'0,"25"0,-25 25,0-25,50 49,-50 1,49 0,-24-1,0 1,0-25,-1 49,1 0,-25-24,25-25,-25 0,0-1,0-24,25-24,24-76,1 51,24-75,1 49,-26-24,-24 25,50-50,24 0,-50 49,1 26,0-1,-25 25,-1 0,-24 1,25 24,-25 0,25 0,0-25,0 25,24-25,1-25,-25 50,-1-24</inkml:trace>
   <inkml:trace contextRef="#ctx0" brushRef="#br0" timeOffset="4303.2462">6326 11881,'0'0,"49"-24,26 24,24 0,-50-25,26 25,-26 0,26 0,-1 0,-24 0,-25 0,24 0,1 25,24-25,-24 0,0 24,24-24,-24 25,74 0,-25-25,0 0,50 0,24 0,-49 0,75 0,24 0,-99 0,75 0,-51 0,26 0,-75 0,1 0,-26 0,0 0,1 0,-1 0,1 0,-26 0,26 0,-26 0,50 0,-24 0,-26 0,26 0,24 0,-24 0,24 0,-50 0,26 0,-26 0,26 0,-26 0,26 0,-26 0,-49 0</inkml:trace>
-  <inkml:trace contextRef="#ctx0" brushRef="#br0" timeOffset="7688.4398">4242 7962,'-25'0,"0"25,1-25,-1 0,25 25,-25-25,25 0,-25 25,0 0,-24-1,24 1,-25 25,1-25,-1 24,-24 1,49-25,0-1,-25 1,50-25,-49 25,49 0,-25 0,0 24,25-24,-25 0,1 0,-1 24,0-24,0 25,-24 24,49-24,-50 49,0-25,26-24,-26-25,25 24,0-24,25 0,-24-25,-1 50,25-26,-25 1,0 0,25 0,0 24,0 1,-25-25,1 24,24-24,0 0,0 25,0-1,0 1,0-25,0 24,0 26,0-26,0 1,0-25,0 24,0-49,0 25,0 25,0-50,0 25,0-1,0 1,0 0,0 0,0 24,0-24,24 25,-24-50,0 25,25 24,0-49,-25 25,0-25,50 50,-50-26,24 1,-24-25,0 25,50 0,-50-25,0 0,25 25,0-1,-1 1,-24-25,25 0,0 0,0 25,0 0,24 0,-49-25,25 0,49 24,-49 1,0-25,74 0,-74 25,25-25,-1 25,-49-25,25 0,25 0,-1 25,1-25,0 0,-1 0,1 0,-25 0,-1 0,-24 0,25 0,0 0,-25 0,25 0,24 0,1 0,-25 0,0 0,24 0,-24 0,0 0,0 0,-1 0,-48 0,-1 0,-25 0</inkml:trace>
-  <inkml:trace contextRef="#ctx0" brushRef="#br0" timeOffset="9039.5171">4044 10641,'0'0,"49"0,1 25,-1 0,-24-25,0 25,-25-25,25 24,-25-24,49 0,-24 25,0 0,0-25,0 25,-1 0,1-1,0 1,-25-25,0 0,-25 25,25-25,-25 0,1 25,24-25,-25 0,25 0,-25 0,0 0,-24 0,-26 0,26 0,24 0,0 0,25 0,-25 0,25 0,-25 25,1-25,24 0,0 24,-25-24,25 25</inkml:trace>
+  <inkml:trace contextRef="#ctx0" brushRef="#br0" timeOffset="7688.4397">4242 7962,'-25'0,"0"25,1-25,-1 0,25 25,-25-25,25 0,-25 25,0 0,-24-1,24 1,-25 25,1-25,-1 24,-24 1,49-25,0-1,-25 1,50-25,-49 25,49 0,-25 0,0 24,25-24,-25 0,1 0,-1 24,0-24,0 25,-24 24,49-24,-50 49,0-25,26-24,-26-25,25 24,0-24,25 0,-24-25,-1 50,25-26,-25 1,0 0,25 0,0 24,0 1,-25-25,1 24,24-24,0 0,0 25,0-1,0 1,0-25,0 24,0 26,0-26,0 1,0-25,0 24,0-49,0 25,0 25,0-50,0 25,0-1,0 1,0 0,0 0,0 24,0-24,24 25,-24-50,0 25,25 24,0-49,-25 25,0-25,50 50,-50-26,24 1,-24-25,0 25,50 0,-50-25,0 0,25 25,0-1,-1 1,-24-25,25 0,0 0,0 25,0 0,24 0,-49-25,25 0,49 24,-49 1,0-25,74 0,-74 25,25-25,-1 25,-49-25,25 0,25 0,-1 25,1-25,0 0,-1 0,1 0,-25 0,-1 0,-24 0,25 0,0 0,-25 0,25 0,24 0,1 0,-25 0,0 0,24 0,-24 0,0 0,0 0,-1 0,-48 0,-1 0,-25 0</inkml:trace>
+  <inkml:trace contextRef="#ctx0" brushRef="#br0" timeOffset="9039.517">4044 10641,'0'0,"49"0,1 25,-1 0,-24-25,0 25,-25-25,25 24,-25-24,49 0,-24 25,0 0,0-25,0 25,-1 0,1-1,0 1,-25-25,0 0,-25 25,25-25,-25 0,1 25,24-25,-25 0,25 0,-25 0,0 0,-24 0,-26 0,26 0,24 0,0 0,25 0,-25 0,25 0,-25 25,1-25,24 0,0 24,-25-24,25 25</inkml:trace>
   <inkml:trace contextRef="#ctx0" brushRef="#br0" timeOffset="12655.7239">5829 13965,'0'0,"0"0,0 0,0 0,25 0,25 0,-25 0,24 0,1 0,24 0,-49 0,50 0,-51 0,51 0,-50 0,24 0,-24 0,0 0,0 0,-1 0,-24 0,25 0,25 0,-25 0,-1 0,26 0,0 0,-26 0,51 0,-1 0,-49 0,0 0,0 0,-25 0,49 0,-24 0,25 0,-26 0,51 0,24-25,-24 25,-1 0,0 0,26 0,-1 0,-25 0,25 0,25 0,-24 0,-26 0,25 0,-24 0,24 0,-49 0,24 0,0 0,1 0,24 0,-49 0,24 0,0 0,-24 0,24 0,26 0,-26 0,-24 0,-1 0,26 0,-50 0,123 0,-98 0,24 0,-24 0,24 0,1 0,-1 0,1 0,-1 0,0 0,1 0,24 0,-49 0,-1 0,1 0,0 0,49 25,-50-25,26 0,-26 0,1 0,0 0,24 0,-24 0,-50 0,49 0,-49 0,50 0,-50 0,25 0,-25 25,24-25,26 25,0-25,49 24,-74 26,49-50,1 0,-26 0,-24 0,0 0,24 25,1-25,-25 0,24 0,1 0,-25 25,0-25,-1 0,-24 24,25-24,0 0,-25 0,0 0,25 0,-25 0,25 0,-25 0,49 0,-24 0,0 0,0 0,-25 0,24 0,1 0,-25 0,0 0,0 0,25-24,-25 24,0 0,25-25,-25 25,25 0</inkml:trace>
   <inkml:trace contextRef="#ctx0" brushRef="#br0" timeOffset="17439.9975">15875 11237,'-24'0,"24"0,-25 0,0 24,0-24,25 0,-25 25,25-25,-24 0,-1 25,25 0,-25-25,25 0,-25 25,0-1,25 1,-25 0,1 0,24 24,-50-24,50 0,-25 0,25 24,-25 1,25 0,0-1,0 1,0-1,0 26,0-50,0 24,0 1,0-1,0-49,0 25,0-25,0 50,25-50,0 50,25-26,-50 26,49 0,-24-26,25 26,-50-50,49 25,-24 0,0-25,0 24,-25-24,99 25,-49-25,24 0,0 25,-24-25,24 25,-24 0,24-25,-24 0,0 0,-1 0,1 0,-1 0,26 0,-25 0,-26-25,1 25,0-25,0 0,0 25,24-49,1 49,-1-50,-24 50,25-50,-25 50,-1-24,-24-1,25-25,50-49,-75 49,0 25,0-24,0 24,0 0,0-24,0 24,0-25,0 25,0-49,-25 24,25 1,-25-1,25 25,-50 1,50-1,-24 0,-1 0,0 0,25 1,-25-26,-24 25,24-24,-50 24,26-25,24 25,-49 25,49 0,0-24,0 24,25 0,-25 0,0 0,1 0,24 0,-25 0,0 0,-25 0,26 0,-1 0,-25 0,25 0,1 0,-26 0,0 0,26 0,-1-25,0 25,0 0,25 0,-25 0,-24 0,24 0,0 0,-49 0,24 0,25 0,-24 0,-1 0,1 0,24 25,0-25,0 0,0 0,0 0,25 0,-24 0</inkml:trace>
   <inkml:trace contextRef="#ctx0" brushRef="#br0" timeOffset="18648.0666">16421 11261,'-25'0,"25"0,-25 0,25 0,-24 25,-1-25,25 0,0 0,-25 25,25-25,-25 0,0 0,25 25,-24-25,-1 25,0-1,-25 1,50 0,-49-25,49 25,0 0,-25-25,0 74,25-24,-25-26,25 1,-24 25,-1-50,25 49,0-49,-25 25,25 0,0 25,0-26,0 51,0-50,0-1,0 26,0-50,0 25,0 0,0-1,0 26,0-25,0 0,0 24,25-24,-25 0,0 0,0-25,0 25,0-1,0-24,25 25,-1 0,-24 0,0 0,50 24,-50-24,0-25,0 0,25 25,-25 0,25-25,-1 0,1 0,-25 24,25-24,-25 0,0 0,-25-49</inkml:trace>
@@ -1306,19 +1306,19 @@
   <inkml:trace contextRef="#ctx0" brushRef="#br0" timeOffset="22456.2845">16694 11733,'0'24,"0"1,0 25,0-25,0-1,0-24,0 25,0-25</inkml:trace>
   <inkml:trace contextRef="#ctx0" brushRef="#br0" timeOffset="22631.2945">16694 12080,'0'49,"0"1,0-50,0 0,-25 0</inkml:trace>
   <inkml:trace contextRef="#ctx0" brushRef="#br0" timeOffset="22800.3041">16644 12229,'0'0,"0"25,0 24,0-24,-25 25,25-50,0 49,-24-49,24 0,0 25,-25-25,0 0</inkml:trace>
-  <inkml:trace contextRef="#ctx0" brushRef="#br0" timeOffset="23000.3156">16446 12526,'-25'0,"25"25,0-25,0 0</inkml:trace>
+  <inkml:trace contextRef="#ctx0" brushRef="#br0" timeOffset="23000.3155">16446 12526,'-25'0,"25"25,0-25,0 0</inkml:trace>
   <inkml:trace contextRef="#ctx0" brushRef="#br0" timeOffset="27183.5548">17785 11832,'25'0,"-25"0,25 0,-25-25,25 25,-25 0,25 0,49 0,-24 0,24 0,-24-25,-1 25,1 0,24 0,-24 0,-1-25,1 25,24 0,-49 0,25 0,-25 0,24 0,1 0,-25 0,-25 0,24 0</inkml:trace>
   <inkml:trace contextRef="#ctx0" brushRef="#br0" timeOffset="28031.6033">18629 11485,'0'0,"0"0,0 0,24 24,1-24,25 50,-50-50,49 25,-24-25,0 25,25-1,-50-24,25 25,-1-25,1 0,-25 0,25 0,-25 25,0 0,-25-25,0 25,25-25,-24 0,-1 24,-25 26,25-50,25 25,0 0,0-25,0 24,0-24</inkml:trace>
   <inkml:trace contextRef="#ctx0" brushRef="#br0" timeOffset="29831.7063">20960 11112,'0'0,"0"0,-24 0,24 0,0 25,-25-25,25 25,-25 25,0-50,25 25,-25-1,25 1,0-25,0 25,0 0,0 24,0-24,0 0,0 0,0 0,0-25,0 49,100 1,-51-1,1-24,-1 0,1 0,24-25,-24 0,0 0,-26 0,1 0,25 0,-25 0,-1-25,-24 25,25 0,-25-25,0 25,0-49,0 49,0-50,0 0,0-49,0 25,-49-25,24 24,-25 1,25 24,-49-24,49 49,-49-25,24 1,25 24,25-25,-49 50,49-25</inkml:trace>
   <inkml:trace contextRef="#ctx0" brushRef="#br0" timeOffset="31222.7859">18033 13395,'0'0,"-24"24,-1 26,-25-25,50 0,-25-1,1 1,24 0,0 0,-25 49,25-24,-25 24,25-24,0-1,0 1,0 0,0-26,0 1,0-25,25 50,0-25,-1-1,1-24,0 0,25 0,-26 0,1 0,-25 0,25 0,-25 0,50 0,-26 0,1 0,50-24,-75 24,24 0,1 0,0 0,-25-25,0 0,0 0,0-24,0 24,0 0,0-49,0 24,0-24,0-50,0-25,0 50,0-1,0 76,0-1</inkml:trace>
   <inkml:trace contextRef="#ctx0" brushRef="#br0" timeOffset="37000.1163">21580 13866,'0'0,"0"25,0-25,0 24,0 1,0 0,0-25,0 50,0 24,0-74,0 25,0 0,0 24,0-24,0 0,0-25,0 25,0-1,0-24,25 50,0-50,-25 25,50 0,-50 0,24-25,1 0,0 24,0-24,24 0,-24 0,25 25,-1-25,-24 0,25 0,0 0,-26 25,26-25,24 0,-49 0,25 0,-25 0,-1 0,1-25,0 25,0-25,-25 25,25-24,-25-1,0 0,0 0,0 0,0-24,0-1,0 25,0-24,0-1,-25 25,0-24,25 24,0-25,-25 1,0-1,25 0,0 26,-24-26,-1 50,25-25,0 25,-25-49,0-26,0 50,25-24,-24 24,24 0,0 25,-25 0,0 0,0 0,0 0,-24 0,24 0,0 0,-25 25,1 0,49-25,-25 0,0 25,25-25,-25 49,25-24,-24 0,24 24,-25-24,0 25,25-25,0-1,-50 26,26-50,24 25,-25 0,25-25,0 24,-25-24</inkml:trace>
-  <inkml:trace contextRef="#ctx0" brushRef="#br0" timeOffset="38488.2014">18009 13419,'0'0,"0"0,49-24,-49 24,25-25,0 0,-25 0,25 25,-25 0,0-25,24 1,-24 24,25 0,0-25,-25 25,25 0,-25-25</inkml:trace>
-  <inkml:trace contextRef="#ctx0" brushRef="#br0" timeOffset="40104.2939">20985 10790,'0'0,"0"25,-25-25,25 25,0-1,-24 1,-1-25,25 25,0-25,0 25,-25 0,25-25,0 24,0-24,0 25,-25-25,0 25,25 0,0-25,0 25</inkml:trace>
+  <inkml:trace contextRef="#ctx0" brushRef="#br0" timeOffset="38488.2013">18009 13419,'0'0,"0"0,49-24,-49 24,25-25,0 0,-25 0,25 25,-25 0,0-25,24 1,-24 24,25 0,0-25,-25 25,25 0,-25-25</inkml:trace>
+  <inkml:trace contextRef="#ctx0" brushRef="#br0" timeOffset="40104.2938">20985 10790,'0'0,"0"25,-25-25,25 25,0-1,-24 1,-1-25,25 25,0-25,0 25,-25 0,25-25,0 24,0-24,0 25,-25-25,0 25,25 0,0-25,0 25</inkml:trace>
   <inkml:trace contextRef="#ctx0" brushRef="#br0" timeOffset="188815.7997">14461 16098,'0'-25,"0"25,0-24,0 24,0-50,0-24,0-26,25 1,0 50,-25-26,0 26,25 24,0 25,-25-25,0 25,0-50,49 26,-24-1,0 0,0 0,0 25,-25 0,24 0,1 0,0 0,25 0,-26-25,1 25,25 0,-25-25,-1 25,26 0,-25 0,0 0,24 0,-24 0,0 0,24 0,-49 0,25 0,0 25,0-25,-25 0,0 0,49 50,-24-50,0 25,-25 0,25-1,-25 1,25-25,-1 25,-24-25,0 50,25-26,-25 26,25 0,0-26,-25 1,25 25,24-1,-49-24,25 0,0 49,-25-74,0 50,0 0,25-26,-25 1,0-25,0 25,0-25,0 25,0-25,0 49,0-49,-25 50,0-25,25 0,-25-1,0 26,25-25,-49 0,49-25,-50 25,50-1,-49 1,-1-25,50 0,-25 25,-24-25,-1 25,0 0,1-25,24 0,0 0,-24 0,24 0,0 0,0 0,0 0,1 0,-1 0,0-25,0 25,0-25,25 25,-49-25,49 0,-25 25,0-24,0 24,25-25,-24 0,-1 25,25-25,-25 25,25-25,0 25,0-25,-25 25,25-24,0 24,0-25,0 25,0-25,0 0,0 25,0-25,0 25,0-24,0-1,0 25,0-25,0 25</inkml:trace>
-  <inkml:trace contextRef="#ctx0" brushRef="#br0" timeOffset="190423.8917">18157 15453,'-24'0,"-1"0,0 0,0 0,0 0,1 0,-1 0,25 0,-25 0,-49 0,24 0,0 0,26 25,-26 0,25 0,0 0,25-25,-25 24,1 1,-1 0,-50 74,75-49,-49-1,49 1,-25-25,0 24,0 1,25 0,0-1,0 26,0-26,0 26,0-51,0 1,0 25,0-50,0 25,0 24,0-24,25 0,0 0,0 0,0 24,-1-24,1 0,0 0,0-1,24 1,-49-25,50 0,-25 25,0 0,0-25,49 0,0 0,-24 0,0 25,-1-25,1 0,24 24,-24 1,-1-25,-24 0,50 25,-51-25,1 0,-25 0,25 0,-25 0,25 0,24-25,-24 0,-25-49,25 0,-25 49,25-25,0-24,-25 49,0 0,0 0,0-49,0-1,0 51,0-26,0 0,0-24,0 74,-25-74,25 24,0 0,-25 1,25-1,-25 1,0-26,1 26,-1-26,0 75,25-25,0 25,0 0,-25 0,25 0,-49 0,49-24,0 24,-25 0,25 0,-25 0,25 0,-50 0,50-25,-24 0,24 25,-50 0,50-25,-50 0,26 25,-1 0,25-24</inkml:trace>
+  <inkml:trace contextRef="#ctx0" brushRef="#br0" timeOffset="190423.8916">18157 15453,'-24'0,"-1"0,0 0,0 0,0 0,1 0,-1 0,25 0,-25 0,-49 0,24 0,0 0,26 25,-26 0,25 0,0 0,25-25,-25 24,1 1,-1 0,-50 74,75-49,-49-1,49 1,-25-25,0 24,0 1,25 0,0-1,0 26,0-26,0 26,0-51,0 1,0 25,0-50,0 25,0 24,0-24,25 0,0 0,0 0,0 24,-1-24,1 0,0 0,0-1,24 1,-49-25,50 0,-25 25,0 0,0-25,49 0,0 0,-24 0,0 25,-1-25,1 0,24 24,-24 1,-1-25,-24 0,50 25,-51-25,1 0,-25 0,25 0,-25 0,25 0,24-25,-24 0,-25-49,25 0,-25 49,25-25,0-24,-25 49,0 0,0 0,0-49,0-1,0 51,0-26,0 0,0-24,0 74,-25-74,25 24,0 0,-25 1,25-1,-25 1,0-26,1 26,-1-26,0 75,25-25,0 25,0 0,-25 0,25 0,-49 0,49-24,0 24,-25 0,25 0,-25 0,25 0,-50 0,50-25,-24 0,24 25,-50 0,50-25,-50 0,26 25,-1 0,25-24</inkml:trace>
   <inkml:trace contextRef="#ctx0" brushRef="#br0" timeOffset="195152.1621">8930 7764,'25'0,"24"49,1 1,-25 0,0 49,24-25,-49-24,25-25,0 0,-25-1,25-24,-1 0,26-24,0-26,-25 0,24 26,1-26,24-25,174-49,-124 25,25-25,-25 50,-25-1,1 26,-100 24,24 25</inkml:trace>
   <inkml:trace contextRef="#ctx0" brushRef="#br0" timeOffset="196392.233">15230 12526,'-49'25,"-1"0,1 74,24-99,0 50,0-25,-49 24,24-24,25 0,-24 24,49-24,-75 50,26 73,24-48,25-1,-25 25,-24-50,49-24,-25-25,25 0,0-25,0 49,-25-49,0 25,25 25,0 49,-25 25,0 0,1 0,-1 0,0-99,25 24,0 1,0-25,0 0,0-1,0 1,0 0,0-25</inkml:trace>
-  <inkml:trace contextRef="#ctx0" brushRef="#br0" timeOffset="197641.3045">15851 16718,'0'25,"24"-25,1 25,0-25,0 50,24-26,-49-24,25 0,0 0,0 50,0-50,24 50,-24-26,25 26,-26-50,26 25,24 0,-49-25,0 0,49 0,-74 24,25-24,25 0,-25 0,-1 0,26 0,-50 0,50 0,-1 0,1 0,-25 0,0 25,-1-25,1 0,0 0,25 0,-50 0,24 0,-24 0,50 0,-25 0,0 0,-1 0,-24 0,50-25,0 25,-50 0,49 0,-49 0,0-24</inkml:trace>
+  <inkml:trace contextRef="#ctx0" brushRef="#br0" timeOffset="197641.3044">15851 16718,'0'25,"24"-25,1 25,0-25,0 50,24-26,-49-24,25 0,0 0,0 50,0-50,24 50,-24-26,25 26,-26-50,26 25,24 0,-49-25,0 0,49 0,-74 24,25-24,25 0,-25 0,-1 0,26 0,-50 0,50 0,-1 0,1 0,-25 0,0 25,-1-25,1 0,0 0,25 0,-50 0,24 0,-24 0,50 0,-25 0,0 0,-1 0,-24 0,50-25,0 25,-50 0,49 0,-49 0,0-24</inkml:trace>
   <inkml:trace contextRef="#ctx0" brushRef="#br0" timeOffset="198935.3785">18877 15255,'0'-50,"25"-24,24 24,-24-24,49-25,-24 24,-25 1,0 49,-1 0,-24 0,0 25,0 0,0-24,25-1,-25-50,25 1,-25-25,0 24,0 1,0-25,0 49,0 0,0 1,-25-1,0 1,1-51,-26 26,0-25,1 0,24-1,-49 51,-1-50,25 49,1 0,-1 25,25 25,1-24,-26-1,50 25,-25-25,0 0,1 0,-26-24,50 24,-25 0,25 0,-25 25,1 0,-1-24,25 24,-50-25,50 0,-25 25,1-25,-1 0,0 1,0 24,0-50,1 50,-1 0,-25-50,50 50,-25-24,1 24,-1-25,0 0,25 25,-50-50,26 26,-26 24,25-25,0 25,25 0</inkml:trace>
   <inkml:trace contextRef="#ctx0" brushRef="#br0" timeOffset="208943.9509">5978 8086,'0'0,"50"0,24 0,-74 0,25 0,50 0,-51 0,26 0,-25 0,24-24,51 24,-26 0,0 0,1 0,-26 0,1 0,24 0,26 0,-26 0,25 0,-24 0,49 0,-50 0,1 0,-26 0,1 0,24 0,-24 24,-25-24,24 25,1-25,-1 0,-24 0,50 25,-26 25,1-50,-1 24,26 1,49 25,-50-50,-24 0,24 0,1 0,-1 0,-24 0,-50 0,49 0,-49 0,25 0</inkml:trace>
   <inkml:trace contextRef="#ctx0" brushRef="#br0" timeOffset="210936.0649">6202 8285,'24'0,"76"0,-1 0,25 0,0 0,-99 0,-1 0,1 0,0 0,49-25,1 25,-1 0,25 0,-49 0,0 0,-25 0,-25 25,24-25,26 0,-25 25,24-25,26 24,-26-24,1 0,-25 0,0 0,-25 0,24 0,1 0,25 0,-1 0,1 0,0 0,-1 0,1 0,-25 0,-1 0,-24 0,50 0,0 0,24 25,-49-25,0 25,24 0,1-25,-25 0,24 25,-24-25,0 0,49 0,-49 0,0 0,-25 0,25 0</inkml:trace>
@@ -1349,9 +1349,9 @@
     </inkml:brush>
   </inkml:definitions>
   <inkml:trace contextRef="#ctx0" brushRef="#br0">2282 5804,'-24'0,"24"-25,-25 1,0-51,0 26,-24-1,24 0,0 26,0-1,25 25,0 0,-25-25,1 0,-26-24,25-1,-24 25,49-24,-50 24,50 0,0 25,0-25,0-24,0 49,0-50,0 0,0-24,0 49,0 0,0 1,0-1,0-50,25 50,-25 1,25 24,-25-25,49 0,1 0,-1 0,1 1,0-1,-26 0,26 25,-50 0,25 0,-25 0,49-25,26 0,-26 25,1 0,-25 0,24 0,26 0,-75 0,49 0,-49 0,25 0,50 0,-26 0,1 0,-1 0,1 25,-25-25,0 0,-25 0,25 0,24 0,1 0,-1 0,1 25,0 0,-26-25,1 25,0-25,0 0,-25 24,25-24,-25 0,49 25,-49 0,50 0,-25 0,-1-1,1 1,0 0,0 0,0 25,-25-50,49 24,-49 1,0-25,25 25,0 0,0 24,-1-24,-24 0,0-25,0 25,0 0,0-1,25 1,-25 0,0 0,0-25,0 25,0 49,0-49,0 49,0-24,0-25,0-25,0 24,-49 1,49 0,-50-25,-24 74,24-74,25 50,-24-25,49-25,-25 0,25 0,-50 0,1 0,-1 0,0 0,-49-25,0 25,-25 0,49 0,1 0,49 0,0 0,25 0,-24 0,-51 0,1 0,24 0,25 0,1 0,24 0,-50 0,0 0,1 0,24 0,0 0,25 0,-25 0,1 0,-26 0,50 0</inkml:trace>
-  <inkml:trace contextRef="#ctx0" brushRef="#br0" timeOffset="4104.2348">3498 5829,'0'0,"0"0,0 0,25 0,-25 0,49 0,1 25,49 49,25-49,-50 25,1-25,-1-25,-24 24,0-24,-26 0,26 0,-25 0,0-24,-1-1,1 0,25 0,-1-24,1 24,24-25,26 25,-1 25,-50-49,1 24,-25 25,0 0,-1-25,1 0,0 25,-25-25,25 25,0-49,24 24,-49 0,25 25,-25 0,0 0,0 0,25 25,-25 0,25 24,-25-24,0 0,25-25,-1 25,1-25,0 49,0-49,49 25,-24 25,-25-25,24 0,-24-1,25-24,-50 0,24 0,1 0,0 25,25-25,-1 0,1 25,-1 0,1-25,24 0,-24 0,0 25,-1-1,-24-24,25 25,-25-25,24 0,-24 0,0 0,24 0,1 0,-25 0,24 0,26 0,-26-25,1 1,0 24,-1-25,-24 0,25 25,-1-25,-24 0,25-24,-50 49,24-25,-24 25,25-25,-25 0,25 0,-25 1,0-1,25-50,0 51,-25-1,24 0,1 25</inkml:trace>
+  <inkml:trace contextRef="#ctx0" brushRef="#br0" timeOffset="4104.2347">3498 5829,'0'0,"0"0,0 0,25 0,-25 0,49 0,1 25,49 49,25-49,-50 25,1-25,-1-25,-24 24,0-24,-26 0,26 0,-25 0,0-24,-1-1,1 0,25 0,-1-24,1 24,24-25,26 25,-1 25,-50-49,1 24,-25 25,0 0,-1-25,1 0,0 25,-25-25,25 25,0-49,24 24,-49 0,25 25,-25 0,0 0,0 0,25 25,-25 0,25 24,-25-24,0 0,25-25,-1 25,1-25,0 49,0-49,49 25,-24 25,-25-25,24 0,-24-1,25-24,-50 0,24 0,1 0,0 25,25-25,-1 0,1 25,-1 0,1-25,24 0,-24 0,0 25,-1-1,-24-24,25 25,-25-25,24 0,-24 0,0 0,24 0,1 0,-25 0,24 0,26 0,-26-25,1 1,0 24,-1-25,-24 0,25 25,-1-25,-24 0,25-24,-50 49,24-25,-24 25,25-25,-25 0,25 0,-25 1,0-1,25-50,0 51,-25-1,24 0,1 25</inkml:trace>
   <inkml:trace contextRef="#ctx0" brushRef="#br0" timeOffset="4951.2832">6822 5680,'0'0,"0"0,24 0,1 0,0 0,25 0,-26-25,1 1,25 24,-50-25,49 0,-24 0,-25 25,25 0,0-25,-25 25,25 0,-25 0,25 25,-25 25,24-50,-24 49,0 1,25 0,0-26,-25 1,25 25,-25-50,25 50,-25-50,0 0</inkml:trace>
-  <inkml:trace contextRef="#ctx0" brushRef="#br0" timeOffset="7655.4379">3671 5779,'0'0,"-24"0,24 0,-25 0,0 0,0-24,25 24,-25 0,1 0,-1 0,25 0,0 24,0 1,0 25,0-25,0 24,0-24,0 0,0 25,0-50,0 24,0-24,0 0,0 0,25 0</inkml:trace>
+  <inkml:trace contextRef="#ctx0" brushRef="#br0" timeOffset="7655.4378">3671 5779,'0'0,"-24"0,24 0,-25 0,0 0,0-24,25 24,-25 0,1 0,-1 0,25 0,0 24,0 1,0 25,0-25,0 24,0-24,0 0,0 25,0-50,0 24,0-24,0 0,0 0,25 0</inkml:trace>
   <inkml:trace contextRef="#ctx0" brushRef="#br0" timeOffset="12487.7143">5333 4266,'0'0,"0"25,0 25,0 24,0 25,25 50,0 50,0-125,0 75,-25 25,0-125,0-49,0 0,0-25,0 1,0-26,0 50</inkml:trace>
   <inkml:trace contextRef="#ctx0" brushRef="#br0" timeOffset="13352.7637">5433 4390,'0'0,"24"0,-24-24,25 24,-25-25,25 25,0 0,-25 0,25 0,-25 0,24 0,1 0,0 25,0-25,0 49,-1-24,1 25,0-50,-25 24,0 1,0 0,0-25,0 50,25-26,-25 1,0-25,0 25,-25-25,0 25,0-25,1 0,-1 0,-50 0,75 0,-49 0,24 0,25 0,-25 0,25 0,50-25</inkml:trace>
   <inkml:trace contextRef="#ctx0" brushRef="#br0" timeOffset="14392.8232">6970 4688,'0'-25,"0"0,0 1,0-1,-24 0,-1 0,0 0,25 25,-25-49,25 49,-25-25,25 25,-49-25,24 0,-124 1,124-1,1 25,-1 0,25 0,-25 0,0 0,0 0,1 0,-1 0,0 0,-25 0,1 0,-26 25,51-25,-26 0,25 0,0 24,-24-24,24 25,25 0,-25 0,0-25,0 25,1 24,-1-49,0 25,-25 25,50-50,-24 0,-1 24,0 1,-25 0,50-25,-24 50,24-50,0 24,0-24</inkml:trace>
@@ -1363,20 +1363,20 @@
   <inkml:trace contextRef="#ctx0" brushRef="#br0" timeOffset="41528.3753">10815 5085,'0'0,"75"0,-26 0,-24 0,25 0,-26 0,26 0,-25 0,-25 0</inkml:trace>
   <inkml:trace contextRef="#ctx0" brushRef="#br0" timeOffset="41961.4001">10815 5159,'-25'25,"25"-25,0 50,0-1,0 26,0 74,0-50,0 0,0-25,0-49,0 50,0 24,0-49,-24-1,-1-24,25 0,0 0,0-25,0 0,25 0,-25-25,24-25</inkml:trace>
   <inkml:trace contextRef="#ctx0" brushRef="#br0" timeOffset="42511.4315">10790 5407,'0'0,"50"0,49 0,-49 0,24 0,-24 25,-50 0,25-25,-1 0,-24 0</inkml:trace>
-  <inkml:trace contextRef="#ctx0" brushRef="#br0" timeOffset="44175.5267">10319 4663,'0'0,"0"0,25-25,-25 1,0-1,0 25,0-50,0 50,0-25,-25-24,25 49,-25-25,25 0,-49 0,-1-24,0 49,-24-50,0 1,24 49,25 0,0 0,25-25,-24 25,24 0,-25 0,0-25,0 0,-49 25,49 0,-25-49,-24 49,-25-25,74 0,-25 0,26 0,-1 25,0 0,25 0,-50 0,1 0,-26 0,26 0,-26 0,1 0,49 0,-25-24,26 24,-1-25,25 25,-25 0,25 0,-50 0,26 0,-26 0,-49 0,24 0,1 0,-25 0,0 25,49-1,-25-24,51 25,-26-25,0 0,26 0,-26 0,-74 25,74 0,-24 0,24-25,1 24,-26 1,51 0,-26 0,0 0,-49 24,50-49,-26 50,25-25,1-25,-1 49,1-24,24 0,0-25,0 25,0-1,25 1,0 0,-24 0,-26 0,50-1,-25 1,-24 0,-26 0,50-25,-24 25,-26-25,51 0,-1 0,25 24,-25-24,0 0,0 0,25 0,-24 0,24 0</inkml:trace>
-  <inkml:trace contextRef="#ctx0" brushRef="#br0" timeOffset="44823.5638">6276 4589,'0'0,"0"25,0-25,0 24,0-24,-25 25,25 0,0-25,-25 25,25 24,0-49,0 25,0-25,25 0,25 25,-1 0,1-25,-50 0,74 25,1-25,-50 0,-25 0</inkml:trace>
-  <inkml:trace contextRef="#ctx0" brushRef="#br0" timeOffset="47327.707">11286 5978,'0'0,"25"0,0 0,-25-25,0 25,25 0,-25 0,25 0,-25 0,49 0,-49 0,50 0,-25 0,-25 0,25 0,-1 0,-24 0,25 0,-25 0,0 0,-25 0,1 50,-1-50,0 0,0 0,0 0,1 0,-1 0,25 0,25 0,-1 0,1-25,0 25,49 0,-24 0,-25 0,0 0,-1 0,-24 0,0 0,-49 0,-1 0,1 0,-1 0,50 0,-50 0,50 0,-24 0,24 0,24 0,51-25,-1 25,-24 0,24 0,-49 0,0 0,-25 0,0 0,-25 0,-25 50,1-50,-1 25,25-50,1 25,-1 0,25 0,0 0,25-25,-1 0,-24 25,25 0,-25-25,25 25,-25 0,25 0,0 0,-50 0,25 0</inkml:trace>
+  <inkml:trace contextRef="#ctx0" brushRef="#br0" timeOffset="44175.5266">10319 4663,'0'0,"0"0,25-25,-25 1,0-1,0 25,0-50,0 50,0-25,-25-24,25 49,-25-25,25 0,-49 0,-1-24,0 49,-24-50,0 1,24 49,25 0,0 0,25-25,-24 25,24 0,-25 0,0-25,0 0,-49 25,49 0,-25-49,-24 49,-25-25,74 0,-25 0,26 0,-1 25,0 0,25 0,-50 0,1 0,-26 0,26 0,-26 0,1 0,49 0,-25-24,26 24,-1-25,25 25,-25 0,25 0,-50 0,26 0,-26 0,-49 0,24 0,1 0,-25 0,0 25,49-1,-25-24,51 25,-26-25,0 0,26 0,-26 0,-74 25,74 0,-24 0,24-25,1 24,-26 1,51 0,-26 0,0 0,-49 24,50-49,-26 50,25-25,1-25,-1 49,1-24,24 0,0-25,0 25,0-1,25 1,0 0,-24 0,-26 0,50-1,-25 1,-24 0,-26 0,50-25,-24 25,-26-25,51 0,-1 0,25 24,-25-24,0 0,0 0,25 0,-24 0,24 0</inkml:trace>
+  <inkml:trace contextRef="#ctx0" brushRef="#br0" timeOffset="44823.5637">6276 4589,'0'0,"0"25,0-25,0 24,0-24,-25 25,25 0,0-25,-25 25,25 24,0-49,0 25,0-25,25 0,25 25,-1 0,1-25,-50 0,74 25,1-25,-50 0,-25 0</inkml:trace>
+  <inkml:trace contextRef="#ctx0" brushRef="#br0" timeOffset="47327.7069">11286 5978,'0'0,"25"0,0 0,-25-25,0 25,25 0,-25 0,25 0,-25 0,49 0,-49 0,50 0,-25 0,-25 0,25 0,-1 0,-24 0,25 0,-25 0,0 0,-25 0,1 50,-1-50,0 0,0 0,0 0,1 0,-1 0,25 0,25 0,-1 0,1-25,0 25,49 0,-24 0,-25 0,0 0,-1 0,-24 0,0 0,-49 0,-1 0,1 0,-1 0,50 0,-50 0,50 0,-24 0,24 0,24 0,51-25,-1 25,-24 0,24 0,-49 0,0 0,-25 0,0 0,-25 0,-25 50,1-50,-1 25,25-50,1 25,-1 0,25 0,0 0,25-25,-1 0,-24 25,25 0,-25-25,25 25,-25 0,25 0,0 0,-50 0,25 0</inkml:trace>
   <inkml:trace contextRef="#ctx0" brushRef="#br0" timeOffset="55465.1724">1786 6102,'0'0,"0"0,25 0,-25 0,25 25,0-25,-25 0,25 0,-1 25,1-25,25 0,-25 0,-1 0,26 0,-25 0,0 0,24 0,26 0,-26 0,26 0,-1 0,0 0,-24 0,24 0,26 0,24 0,-25 0,0 0,50 0,-25 0,-50 0,26 0,48 0,-24 0,0 0,1 0,48 0,-24 0,49 0,-24 0,-75 0,-74 0,74 0,1 0,-1 0,74 0,-98 0,-1 0,1 0,-26 0,125 0,-25 0,-1 24,76-24,-51 0,1 0,-50 0,25 0,-50 0,75 0,-125 0,26 0,24 0,-25 0,26 0,-51 0,26 0,24 0,-25 0,-24 0,49 0,0 0,-24 0,24 0,0 0,50 0,-75 0,-24 0,0 0,-1 0,1 0,-25 0,-1 0,51 0,-26 0,26 0,-1 0,25 0,-24 0,-25 0,-26 0,26 0,-50 0,25 0,49 0,-49 0,-25 0,25 0,0 0,-25 0,24 0,-24 0,50 0,-25 0,0 0,24 0,26 0,-26 0,26 0,-75 0,24 0,1 0,25 0,-1 0,-24 0,0 0,25 0,-26 0,1 0,-25 0,25 0,-25 0,50 0,-1 0,26 0,49-24,-25 24,75 0,-26 0,-48-25,-1 25,-25 0,-24 0,-50-75,-25 26,25 24,0-49,-25 24,25 0,-49 1,49-1,-25 0,0 1,25 24,-25-25,0 1,1-1,24 1,-25-1,25 0,0-24,-25 49,25-49,0 49,0 0,-25 0,25 25,0-24,0-1,0 25,-25-50,25 1,0-26,-24 75,-1-50,25-24,-50 24,50 26,0-26,-25 0,1-74,24 0,-25 50,0 24,0 1,25-1,0 50,0-25,0 25,0-49,0 24,0 0,0 0,-25 25,1 0,24 0,0 0,-25 0,0 0,0 0,-24 0,-26 0,50 0,-74 0,50-24,-26 24,-99-25,26 25,24-25,-50 0,25 25,50-25,-50 25,99 0,-24 0,-25-24,49 24,-74 0,50 0,-25 0,-75-25,100 25,-26 0,1 0,0 0,0 0,-25 0,0 0,24 0,26 0,-50 0,-25 0,75 0,-1 0,-24 0,0-25,-50 0,-25 0,1 25,24-25,-25 25,50-24,-25 24,-24 0,98 0,1 0,24 0,1 0,-75 0,25 0,49 0,-24 0,-26 0,76 0,-76 0,26 0,49 0,-49 0,49 0,-50 0,26 0,-1 0,-49 0,-75 24,100-24,24 0,-74 25,75-25,-26 0,50 0,-24 0,-26 0,1 0,-50 25,-25 0,75 0,-50-25,-25 0,50 0,24 0,26 49,24-49,0 0,-99 25,74-25,-49 0,50 0,24 0,-25 0,50 0,-99 0,-50 50,100-50,-26 25,1-25,24 0,50 24,0 1,0 0,0 49,0-49,0 74,0-49,0 24,0 1,0-50,0 24,0-24,0 0,0-25,0 25,0-1,0-24,0 50,0 0,0-1,0 1,0 24,0-24,0 24,0-49,0-25,0 25,0 0,0 0,0-25,0 24,0 1,0 25,0 24,0-49,0 25,0-26,0 26,0-25,0 24,0-24,0 0,0 0,0 24,0 1,0-25,0 24,0 1,0-50,0 50,25-1,-25 1,0-25,0 0,0 24,0-49,0 25,0 25,0-50,25 49,-25-24,0 0,0 24,0-24,0 0,0 0,0-25</inkml:trace>
-  <inkml:trace contextRef="#ctx0" brushRef="#br0" timeOffset="70182.0142">3051 13122,'0'0,"0"0,25 0,0 0,25 0,-26 0,26 0,-25 0,49 0,1 0,-26 0,1 0,24 0,-24 0,-1 0,51 0,-26 0,-24 0,-1 0,1 0,0 0,-1 0,-24 0,0 0,24 0,-49 0,50 0,0 0,-1 0,26 0,-26 0,1 0,24 0,-24 0,24 24,-24-24,-1 0,1 0,0 0,24 0,-24 0,-1 0,1 0,0 0,-1 0,-24 0,0 0,24 0,-24 0,50 0,-51 0,26 0,0 0,-26 0,26 0,0 0,-26 0,26 0,0 0,24 0,0 0,1 0,-26 0,26 0,-25 0,-1 0,26 0,-1 0,-49 0,0 0,-1 0,1 0,0 0,0 0,-25 0,49 0,-49 0,50 0,-25 0,0 0,24 0,-24 0,0 0,0 0,24 0,-49 0,50 0,-25 0,-1 0,26 0,-25 0,0 0,24 0,-24 0,0 0,25 0,-1 0,1 0,-1 0,-24 0,25 0,-25 0,-1 0,51 0,-1 0,-24 0,24 0,1 0,-51 0,1 0,25 0,-50 0,25 0,-25 0,24 0,1 0,-25 0,25 0,0 0,24 0,-24 0,0 0,0 0</inkml:trace>
+  <inkml:trace contextRef="#ctx0" brushRef="#br0" timeOffset="70182.0141">3051 13122,'0'0,"0"0,25 0,0 0,25 0,-26 0,26 0,-25 0,49 0,1 0,-26 0,1 0,24 0,-24 0,-1 0,51 0,-26 0,-24 0,-1 0,1 0,0 0,-1 0,-24 0,0 0,24 0,-49 0,50 0,0 0,-1 0,26 0,-26 0,1 0,24 0,-24 0,24 24,-24-24,-1 0,1 0,0 0,24 0,-24 0,-1 0,1 0,0 0,-1 0,-24 0,0 0,24 0,-24 0,50 0,-51 0,26 0,0 0,-26 0,26 0,0 0,-26 0,26 0,0 0,24 0,0 0,1 0,-26 0,26 0,-25 0,-1 0,26 0,-1 0,-49 0,0 0,-1 0,1 0,0 0,0 0,-25 0,49 0,-49 0,50 0,-25 0,0 0,24 0,-24 0,0 0,0 0,24 0,-49 0,50 0,-25 0,-1 0,26 0,-25 0,0 0,24 0,-24 0,0 0,25 0,-1 0,1 0,-1 0,-24 0,25 0,-25 0,-1 0,51 0,-1 0,-24 0,24 0,1 0,-51 0,1 0,25 0,-50 0,25 0,-25 0,24 0,1 0,-25 0,25 0,0 0,24 0,-24 0,0 0,0 0</inkml:trace>
   <inkml:trace contextRef="#ctx0" brushRef="#br0" timeOffset="89448.1161">7938 7665,'25'24,"74"125,-25-25,26 0,-1 50,-50-50,1-99,0 74,-26-99,-24 25,25-50,0 0,25-49,49-75,0 75,50-1,-25-24,-25 0,100-1,-75 26,-25 0,0 24,-49 50,-26 0</inkml:trace>
   <inkml:trace contextRef="#ctx0" brushRef="#br0" timeOffset="91864.2543">8136 13246,'0'0,"50"0,-50 0,50-25,-26 25,26 0,-25 0,24 0,-24 0,0 0,0 0,-25 0,49 0,-49 0,25 0,25 0,-50 0,25 0,-1 0,1 0,0 0,-25 0,25 0,0 0,-1 0,-24 0,50 0,-50 0,25 0,0 0,-1 0,1 0,0 0,25 0,24 0,-49 0,-25 0,49 0,-49 0,25 0,-25 0,25 0,0 0,0 0,49 0,-49 0,25 0,-1 0,1 0,-1 0,-49 0,25 0</inkml:trace>
   <inkml:trace contextRef="#ctx0" brushRef="#br0" timeOffset="92647.2991">11286 13271,'0'0,"25"0,0 0,74 49,25 26,-24-1,48 0,-48-24,-51-50,1 50,-25-50,-1 24,26-24,-50 0,50-24,24-76,-24 26,-26-50,1 50,0-1,-25 1,0 49,25 0,-25-25,0 50,49-24</inkml:trace>
   <inkml:trace contextRef="#ctx0" brushRef="#br0" timeOffset="93239.333">13395 13271,'0'24,"74"100,1 25,-26-25,1 0,-25-74,0-1,24 26,-49-75,0 0,0-124,0 0,0-50,0 25,25 25,25 0,-26 99,26-24,0 24,-26 25,-24 0,25 0,-25 0,25 0</inkml:trace>
   <inkml:trace contextRef="#ctx0" brushRef="#br0" timeOffset="94120.3834">16074 13246,'0'0,"25"0,24 25,-24 24,25 1,-26 49,1-49,0 24,0-24,-25-26,0 1,49-25,-49 0,50-25,-25-49,24-25,1 24,-25-73,49-1,-24 0,74 0,-25-49,-49 123,-25 50,-1 1,1 24</inkml:trace>
-  <inkml:trace contextRef="#ctx0" brushRef="#br0" timeOffset="156679.9616">12031 11683,'0'0,"24"50,26-50,-50 49,50 1,-26-50,1 25,-25-25,0 24,25 1,25 25,-26 24,1-24,0-25,-25-1,0 1,25-50,0-49,49 24,-24-49,49 25,-49-25,-50 24,74 1,25 24,-49 1,-1-26,-24 50,0 25</inkml:trace>
+  <inkml:trace contextRef="#ctx0" brushRef="#br0" timeOffset="156679.9615">12031 11683,'0'0,"24"50,26-50,-50 49,50 1,-26-50,1 25,-25-25,0 24,25 1,25 25,-26 24,1-24,0-25,-25-1,0 1,25-50,0-49,49 24,-24-49,49 25,-49-25,-50 24,74 1,25 24,-49 1,-1-26,-24 50,0 25</inkml:trace>
   <inkml:trace contextRef="#ctx0" brushRef="#br0" timeOffset="166848.5432">3498 15032,'0'24,"49"-24,-49 25,0-25,25 0,-25 0,50 0,-25 0,-1 0,26 0,-25-25,24 1,1 24,-25 0,0 0,24 0,-24 0,0 0,0 0,-25 0,25 0,-1 0,26 0,0 0,-26 0,1 0,25 0,-25 0,24 0,-24 0,25 0,-26 0,26 0,24 0,-49 0,25 0,24 0,1 0,-1 0,50 0,99 0,-24 0,-26 0,1 0,24 0,-74 0,25 0,-99 0,24 0,1 0,-26 0,1 0,0 0,-26 0,26 0,0 0,-26 0,1 0,25 0,-50 0,25 0,-1 0,1 0,0 0,0 0,24 0,-24 0,25 0,-1 0,1 24,25-24,-1 25,-24-25,24 0,-24 25,24-25,-24 0,-1 0,-24 0,25 0,-26 0,1 0,0 0,0 0,0 0,24 0,1 0,74 0,-75 0,26 0,-1 0,-24 25,74-25,-50 0,26 0,73 0,-49 0,-49 0,-1 0,-49 0,0 0,-25 0,24 0,-24 0,50 0,0 0,49 0,-25 0,-24 0,0 0,-26 0,26 0,-25 0,-25 0,25 0,-1 0,1 0,0 0,-25 0,25 0,-25 0,74 0,-24-25,-1 0,75 25,-49 0,-50 0,24 0,-24 0,49 0,-49 0,-25 0,25 0</inkml:trace>
   <inkml:trace contextRef="#ctx0" brushRef="#br0" timeOffset="170663.7614">11733 15180,'-25'25,"-24"0,49-25,-25 25,25-25,-50 25,50-1,-25 1,1 0,24 0,-25 25,25-26,-25-24,25 25,0 0,0-25,-25 0,25 25,-25 0,1-1,-51 26,75-50,-25 25,0-25,25 0,50 0,-25 0,0 0,0 0,24 0,-24 0,0 0,0 0,-1 0,-24 0,25 0,0 0,0 0,-25 0,25 0,-25 0,49 0,-49 0,25 0,-25 0,50 0,-50 0,24 0,1 0,0 0,49 0,-49-50,0 50,0 0,0 0,-50 0,0-49,0 49,25 0,0-25,-25 0,25 25,-24-25,24-24,0 24,-50-25,50 50,-25-50,0 1,25 49,0-25,-24 0,-1 0,0-24,25 49,-25-25,0 0,1 25,24-25</inkml:trace>
-  <inkml:trace contextRef="#ctx0" brushRef="#br0" timeOffset="182263.4249">4093 13543,'0'0,"-49"0,49 0,-25 0,0 0,0 0,0 0,25 0,-49 0,49 0,-25 0,-25 0,25 25,1-25,24 0,-25 0,25 0,-50 25,25 0,-24 0,24-25,-25 24,-24 1,24 0,1-25,24 25,0-25,0 25,25-25,0 0,0 49,0 1,0-25,0-25,0 49,0-24,0 0,-24 0,24-25,-25 24,0 1,25-25,0 25,0-25,0 25,0 0,0 24,0-24,0 0,0 0,0-1,0 1,0 0,0 0,0-25,0 25,0-25,0 25,25-25,-25 24,0 1,0-25,25 0,-25 50,24-25,1-25,-25 24,25 1,0 25,-25-25,49-1,-49 26,25-50,0 25,-25 0,25-25,-25 24,25-24,-1 25,1 0,-25-25,25 0,0 0,-25 0,25 0,-25 0,49 25,50 0,-49 24,24-24,1 0,-25-25,-1 25,26 24,-26-49,-24 0,-25 0,25 25,0-25,24 0,-49 0,25 0,124 0,-50 0,0 0,50 0,-25 25,0-25,-25 25,1-25,-51 24,26-24,-26 0,1 0,24 0,1 0,-26 0,26 0,49 25,-75-25,26 0,24 0,0 0,0 0,25 0,-49 0,24 0,-25 0,26 0,-51 0,50 0,25 0,-24 0,-1 0,-49 0,24 0,0 25,26 25,-26-50,0 24,50 1,-24 0,-1-25,50 0,-50 0,25 0,0-25,-25 25,-49 0,-1 0,1 0,24 0,-24 0,24 25,1-25,-1 0,-24 0,-1 0,1 0,0 0,24 0,-24 0,-25 0,24-25,-24 25,25 0,-26 0,1-25,0 1,0 24,0-50,-1 25,1-24,50 24,-75 0,49 0,-24 25,0 0,0 0,49-25,-24 1,-1-26,26 25,-51 0,1 1,0 24,-25-25,25 25,0-25,-25 0,0 0,0 1,0-26,0-49,0 0,0 24,0 26,-25 49,0-50,25 25,-25-25,0 50,25-24,-49-26,49 25,-50-24,50 49,-49-50,49 50,-25-25,0 25,0-49,-24 49,-1-50,25 25,-24 0,-1 1,25-1,0 25,-24-25,24 25,0 0,-49 0,-1 0,26 0,-50 0,24 0,25 0,-24 0,-25 0,-25 0,49-25,1 25,-25-25,-50 1,50 24,-50-25,25 25,-25-25,0 25,-49 0,-75 0,149 0,-25 0,50 0,24 0,1 0,0 0,24 0,-74 0,74-25,1 25,-1 0,-24 0,-25 0,24 0,1-25,-1 25,1-24,-1 24,1 0,-75 0,75-25,-1 25,26 0,-26-25,51 25,-1 0,-25 0,1 0,-1 0,-24 0,-26 0,51 0,-1 25,25-25,0 0,1 0,24 0,-50 0,25 0,25 0,-25 0,1 0,-1 0,0 0,-25 0,-24 0,24 0,-49 0,50 0,-26 0,1 25,49-25,-25 0,50 0,-24 0,-1 0,-25 24,1-24,24 0,0 0,25 0,-25 0</inkml:trace>
+  <inkml:trace contextRef="#ctx0" brushRef="#br0" timeOffset="182263.4248">4093 13543,'0'0,"-49"0,49 0,-25 0,0 0,0 0,0 0,25 0,-49 0,49 0,-25 0,-25 0,25 25,1-25,24 0,-25 0,25 0,-50 25,25 0,-24 0,24-25,-25 24,-24 1,24 0,1-25,24 25,0-25,0 25,25-25,0 0,0 49,0 1,0-25,0-25,0 49,0-24,0 0,-24 0,24-25,-25 24,0 1,25-25,0 25,0-25,0 25,0 0,0 24,0-24,0 0,0 0,0-1,0 1,0 0,0 0,0-25,0 25,0-25,0 25,25-25,-25 24,0 1,0-25,25 0,-25 50,24-25,1-25,-25 24,25 1,0 25,-25-25,49-1,-49 26,25-50,0 25,-25 0,25-25,-25 24,25-24,-1 25,1 0,-25-25,25 0,0 0,-25 0,25 0,-25 0,49 25,50 0,-49 24,24-24,1 0,-25-25,-1 25,26 24,-26-49,-24 0,-25 0,25 25,0-25,24 0,-49 0,25 0,124 0,-50 0,0 0,50 0,-25 25,0-25,-25 25,1-25,-51 24,26-24,-26 0,1 0,24 0,1 0,-26 0,26 0,49 25,-75-25,26 0,24 0,0 0,0 0,25 0,-49 0,24 0,-25 0,26 0,-51 0,50 0,25 0,-24 0,-1 0,-49 0,24 0,0 25,26 25,-26-50,0 24,50 1,-24 0,-1-25,50 0,-50 0,25 0,0-25,-25 25,-49 0,-1 0,1 0,24 0,-24 0,24 25,1-25,-1 0,-24 0,-1 0,1 0,0 0,24 0,-24 0,-25 0,24-25,-24 25,25 0,-26 0,1-25,0 1,0 24,0-50,-1 25,1-24,50 24,-75 0,49 0,-24 25,0 0,0 0,49-25,-24 1,-1-26,26 25,-51 0,1 1,0 24,-25-25,25 25,0-25,-25 0,0 0,0 1,0-26,0-49,0 0,0 24,0 26,-25 49,0-50,25 25,-25-25,0 50,25-24,-49-26,49 25,-50-24,50 49,-49-50,49 50,-25-25,0 25,0-49,-24 49,-1-50,25 25,-24 0,-1 1,25-1,0 25,-24-25,24 25,0 0,-49 0,-1 0,26 0,-50 0,24 0,25 0,-24 0,-25 0,-25 0,49-25,1 25,-25-25,-50 1,50 24,-50-25,25 25,-25-25,0 25,-49 0,-75 0,149 0,-25 0,50 0,24 0,1 0,0 0,24 0,-74 0,74-25,1 25,-1 0,-24 0,-25 0,24 0,1-25,-1 25,1-24,-1 24,1 0,-75 0,75-25,-1 25,26 0,-26-25,51 25,-1 0,-25 0,1 0,-1 0,-24 0,-26 0,51 0,-1 25,25-25,0 0,1 0,24 0,-50 0,25 0,25 0,-25 0,1 0,-1 0,0 0,-25 0,-24 0,24 0,-49 0,50 0,-26 0,1 25,49-25,-25 0,50 0,-24 0,-1 0,-25 24,1-24,24 0,0 0,25 0,-25 0</inkml:trace>
   <inkml:trace contextRef="#ctx0" brushRef="#br0" timeOffset="186166.6481">10518 13419,'0'25,"0"25,0-1,0 1,0 24,0 1,0-1,0 25,-25-49,-25 74,25-25,1 25,-1 0,0 0,-25-49,1 24,49-74,-25 24,0 1,0 24,-24-24,24 0,25 24,0-49,0-25,-25 25,0-1,25 26,0-50,0 25,0 0,0-1,0-24,0 25,0 50,0 49,-25-50,25 1,-24-51,24 1,0-25,0 50,0-50,0 25,0-25,-50 74,25 0,-24-24,24 0,-25-1,50-49</inkml:trace>
   <inkml:trace contextRef="#ctx0" brushRef="#br0" timeOffset="187159.7049">13792 15776,'25'0,"24"0,50 0,75-25,0 0,74 0,-99 25,-25 0,-50 0,-24 0,-26 0,1 0</inkml:trace>
   <inkml:trace contextRef="#ctx0" brushRef="#br0" timeOffset="191567.9571">14263 16346,'0'0,"0"0,50-25,-50 25,24 0,1-24,0 24,-25 0,25 0,0 0,-1 0,26 24,-25-24,0 25,0 0,-1-25,1 25,-25-25,0 25,0-25,0 25,25 24,-25 1,0-25,0 24,0 1,0-25,0-25,0 24,0 1,-25-25,0 25,25-25,-24 0,-1 25,0 0,0-25,0 0,0 24,1-24,-1 0,-25 0,25 0,-49 0,49 0,-24 0,24 0,0 0,-25 0,50 0,0-24,0 24,25-25,-25 25,0-25,25 25,0 0,0 0,49 0,-24 0,-1 0,1 0,-25 0,49 25,-49 0,-25-1,25-24,-25 50,25-50,-1 25,-24-25,0 25,25-1,0-24,0 50,0-50,-1 50,1-50,0 24,0-24,-25 0,25 0,-1 0,-24 0,25 0,-25 0,0 0,50 0,-50 0,25 0,-25 0,0 0,0-49</inkml:trace>
@@ -1393,7 +1393,7 @@
   <inkml:trace contextRef="#ctx0" brushRef="#br0" timeOffset="227767.0275">12601 9847</inkml:trace>
   <inkml:trace contextRef="#ctx0" brushRef="#br0" timeOffset="228929.094">18430 9699</inkml:trace>
   <inkml:trace contextRef="#ctx0" brushRef="#br0" timeOffset="230936.2088">14883 13072,'0'-50,"-49"-24,24 24,-25 1,1-26,-1 26,50-1,-50-24,50-1,0 51,0-1,0 0,0 0,0 0,0 25,0 0,50-24,0-1,-26-25,51-24,-26-26,26 51,-26-26,51 1,-51 24,1 26,49-1,-49 0,49 25,124-50,-49 26,24-1,100 25,-100 0,26 0,73 0,-123 0,-1 0,-24 0,0 0,0 25,-50-25,25 24,0 1,-49-25,-51 0,26 25,0 0,-26 0,1-25,25 49,-25-49,24 50,-49-50,50 49,-1 1,-24-25,0 24,0-24,-25 25,25-25,-1 0,1 24,-25-49,0 50,0-50,0 25,0 24,0-24,0 0,0 49,-49-49,49 25,-25-1,0 1,0-1,-24 26,24-75,0 49,0-49,-24 50,-1-25,-24 0,-1 24,1-24,-174 0,124 24,-100-24,76 0,-51-25,-24 25,74 25,-74-1,24-24,26-25,-1 0,75 0,25 0,-50 0,0 0,24 0,-49-25,50 25,-25-49,25 49,0-50,0 50,24-50,1 50,24 0,25-25,-49 25,49 0,-24-24,24 24,25 0,-25-25,0 0,25 25,0 0,-25-25,25 25,0-25,0 25</inkml:trace>
-  <inkml:trace contextRef="#ctx0" brushRef="#br0" timeOffset="259358.8345">3845 14957,'25'0,"-25"0,25 0,24 0,-24 0,25 0,-25 0,74 0,-25 0,1 0,-1 0,0 0,1 0,-1 0,-24 0,24 0,1 0,-1 0,25 0,1 0,-1 0,0 0,-49 0,-26 0,26 0,24 0,-24 0,24 0,-24 0,24 0,26 0,-76 0,51 0,-1 0,25 0,1 0,-1 0,25 0,-99 0,24 0,75 0,25 0,-74 0,73 0,-73 0,24 0,-49 0,-1 0,26 0,24 0,-49 0,49 0,-50 0,26 0,24 0,-25 0,1 0,-1 0,1 0,-26 25,26-25,-26 0,1 0,24 0,-24 0,0 0,-1 0,1 0,24 0,1 0,-51 0,26 0,0 0,-1 0,-24 0,0 0,24 0,-24 0,0 0,0 0,49 0,-49 0,25 0,-1 0,26 0,-50 0,-1 0,1 0,25 0,-25 0,-1 0,-24 0,25 0,0 0,25 0,-26 0,51 0,-1 0,-24 0,24 0,-24 0,24 0,-24 0,-25 0,24 0,1 0,-25 0,24 0,26 0,-1 0,1 0,-1 0,25 0,50 0,-75 0,26 0,-1 0,-50 0,1 0,24 0,1 0,-1 0,26 0,-76 0,26 0,49 0,-24 0,-26 0,26 0,-26 0,26 0,-26 0,1 0,-1 0,26 0,-26 0,-24 0,25 0,-1 0,1 0,-25 0,0 0,49 25,-24-25,24 0,1 0,-75 0,99 0,-50 0,1 0,24 0,-49 0,25 0,-25 0,24 0,1 0,24 0,-49 0,25 0,49 0,-74 0,49 0,1 0,-51 0,26 0,49 0,-24 0,-26 0,26 0,24 0,-25 0,-24 0,49 0,-49 0,49 0,-49 0,-1 0,26 0,-51 0,26 0,49 0,-49 0,49 0,-25 0,1 0,-1 0,-24 0,-1 0,26 0,-26 0,-24 0,0 0,49 0,-24 0,49 0,-49 0,0 0,-26 0,51 0,-26 0,1 0,-25 0,49 0,25 0,-49 0,24-25,-49 25,25 0,-1-25,-24 25,25 0,-1 0,1 0,0 0,24 0,1 0,-1 25,0-25,1 0,-26 0,-24 0,0 0,0 0,0 0,24 0,-24 0,-25 0,50 0,-26 0,1 0,-25 0,25 0,25 0,-26 0,1 0,0 0,0 0,24 0,1 0,0 0,24 0,-24 0,-1 0,1 0,-25 0,0 0,24 0,1 0,24 0,1 0,-26 0,-24 0,25 0,-50 0,24 0</inkml:trace>
+  <inkml:trace contextRef="#ctx0" brushRef="#br0" timeOffset="259358.8344">3845 14957,'25'0,"-25"0,25 0,24 0,-24 0,25 0,-25 0,74 0,-25 0,1 0,-1 0,0 0,1 0,-1 0,-24 0,24 0,1 0,-1 0,25 0,1 0,-1 0,0 0,-49 0,-26 0,26 0,24 0,-24 0,24 0,-24 0,24 0,26 0,-76 0,51 0,-1 0,25 0,1 0,-1 0,25 0,-99 0,24 0,75 0,25 0,-74 0,73 0,-73 0,24 0,-49 0,-1 0,26 0,24 0,-49 0,49 0,-50 0,26 0,24 0,-25 0,1 0,-1 0,1 0,-26 25,26-25,-26 0,1 0,24 0,-24 0,0 0,-1 0,1 0,24 0,1 0,-51 0,26 0,0 0,-1 0,-24 0,0 0,24 0,-24 0,0 0,0 0,49 0,-49 0,25 0,-1 0,26 0,-50 0,-1 0,1 0,25 0,-25 0,-1 0,-24 0,25 0,0 0,25 0,-26 0,51 0,-1 0,-24 0,24 0,-24 0,24 0,-24 0,-25 0,24 0,1 0,-25 0,24 0,26 0,-1 0,1 0,-1 0,25 0,50 0,-75 0,26 0,-1 0,-50 0,1 0,24 0,1 0,-1 0,26 0,-76 0,26 0,49 0,-24 0,-26 0,26 0,-26 0,26 0,-26 0,1 0,-1 0,26 0,-26 0,-24 0,25 0,-1 0,1 0,-25 0,0 0,49 25,-24-25,24 0,1 0,-75 0,99 0,-50 0,1 0,24 0,-49 0,25 0,-25 0,24 0,1 0,24 0,-49 0,25 0,49 0,-74 0,49 0,1 0,-51 0,26 0,49 0,-24 0,-26 0,26 0,24 0,-25 0,-24 0,49 0,-49 0,49 0,-49 0,-1 0,26 0,-51 0,26 0,49 0,-49 0,49 0,-25 0,1 0,-1 0,-24 0,-1 0,26 0,-26 0,-24 0,0 0,49 0,-24 0,49 0,-49 0,0 0,-26 0,51 0,-26 0,1 0,-25 0,49 0,25 0,-49 0,24-25,-49 25,25 0,-1-25,-24 25,25 0,-1 0,1 0,0 0,24 0,1 0,-1 25,0-25,1 0,-26 0,-24 0,0 0,0 0,0 0,24 0,-24 0,-25 0,50 0,-26 0,1 0,-25 0,25 0,25 0,-26 0,1 0,0 0,0 0,24 0,1 0,0 0,24 0,-24 0,-1 0,1 0,-25 0,0 0,24 0,1 0,24 0,1 0,-26 0,-24 0,25 0,-50 0,24 0</inkml:trace>
 </inkml:ink>
 </file>
 
@@ -1420,7 +1420,7 @@
     </inkml:brush>
   </inkml:definitions>
   <inkml:trace contextRef="#ctx0" brushRef="#br0">8037 10021,'0'0,"0"0,0 0,25 0,-25 0,49 0,-49 0,25 0,-25 0,50 0,-50 0,25 0,24 0,-49 0,25 0,0 0,-25 0,25 0,24 0,1 0,-50 0,50 0,24 0,-24 0,-1 0,1 0,-25 0,24 0,-24 0,25 0,-1 0,26 0,-51 0,26 0,0 0,-1 0,1 0,-1 0,-24 0,50 0,-1 0,1 0,-1 0,0 0,1 0,-1 0,25 0,-49 0,24 0,1 0,-1 0,1 0,-1 0,1 0,-1 25,-24-25,24 25,0-25,1 0,-1 0,1 0,-1 0,0 0,26 0,-26 0,25 0,-24 0,-1 0,1 0,-26 0,50 0,-24 0,-26 0,51 0,-26 0,25 0,-49 0,49 0,-25 0,1 0,49 25,-50-25,26 0,-1 0,-25 0,75 0,-25 0,-25 0,0 0,-24 0,-1 0,26 0,-1 0,0 0,0 0,25 0,-25 0,75 24,-75 1,-24-25,-26 0,1 0,24 25,-24-25,0 0,-26 0,1 0,25 0,-1 0,-49 0,50 0,-25 0,0 0,49 0,-49 0,0 0,24 0,26 0,-51 0,26 0,-25 0,0 0,-1 0,1 0,-25 0,0-50,0 26,0-1,0 25,0-25,0 25,0-50,0 50,0-25,0-24,0 49,0-25,0 25,0-25,0-24,0 24,0 0,0 0,-25-24,25 49,0-25,0 0,0 0,0-24,-24 24,-1 0,25-25,0 50,-25-49,25 49,-25-25,25 25,0-25,-25 0,1-24,24 24,-25-25,0 26,25-26,-50 0,26 1,24 49,0-25,-25 0,25 0,-25 0,-25-24,1 24,-1-25,25 26,-24-1,24 0,0 25,25 0,-25 0,1 0,-1 0,-25-25,1 0,-26 1,25 24,26 0,-26-50,0 50,1-25,24 0,0 25,0 0,25 0,-24 0,-1 0,-50-24,26-1,-50 0,-1 0,26 25,-50-25,25 25,49 0,-24 0,24 0,25 0,-24 0,-1 0,-24 0,-1 0,1 0,-1 0,-49 0,50 0,24 0,-49 0,50 0,-51 0,26 0,-1 0,26 0,-1 0,-49 0,49 0,-24 0,0 0,24 0,25 0,0 0,1 0,-1 0,25 0,-25 0,0 0,0 0,1 25,-1-25,0 0,0 50,0-50,25 25,-24-25,24 0,-25 49,0 26,0-26,0-24,25 25,-24-26,24 1,-25 50,25-26,-25 1,25 0,0-26,-25 1,0 25,25-25,-25-1,25 1,0 25,0-25,-24 49,24-49,0 0,0 24,0 1,0-25,0-1,0 1,0-25,0 25,0 0,0 24,0-49,0 25,0 0,0 0,0 0,0-25,24 49,1-24,-25 25,25-1,-25-24,25 0,-25-25,25 0,0 25,-1-25,-24 0,25 25,0-25,0 0,0 24,24-24,-49 0,25 0,-25 0</inkml:trace>
-  <inkml:trace contextRef="#ctx0" brushRef="#br0" timeOffset="11711.6699">5879 13469,'25'0,"24"0,26 0,-26 0,26 0,-1 0,1 0,-26 0,1 0,0 0,-26 0,1 0,0 0,0 0,24 0,-49 0,100 0,-51 0,-24 0,25 0,-1 0,-24 0,0 0,0 0,-1 0,1 0,0 0,0 0,0 0,-1 0,-24 0,25 0,-25 0,25 0,-25 0,25 0,0 0,0 0,-25 0,24 0,1 0,-25 0,25 0</inkml:trace>
+  <inkml:trace contextRef="#ctx0" brushRef="#br0" timeOffset="11711.6698">5879 13469,'25'0,"24"0,26 0,-26 0,26 0,-1 0,1 0,-26 0,1 0,0 0,-26 0,1 0,0 0,0 0,24 0,-49 0,100 0,-51 0,-24 0,25 0,-1 0,-24 0,0 0,0 0,-1 0,1 0,0 0,0 0,0 0,-1 0,-24 0,25 0,-25 0,25 0,-25 0,25 0,0 0,0 0,-25 0,24 0,1 0,-25 0,25 0</inkml:trace>
   <inkml:trace contextRef="#ctx0" brushRef="#br0" timeOffset="25175.44">11882 13593,'49'-50,"100"26,74 24,-24 0,-75 0,50 0,-125 0,100 0,-50 0,0 0,-24 0,-1 0,1 0,-26 0,1 0,49 0,0 0,75 24,-25 1,0-25,24 25,-74-25,50 25,-25-25,-49 0,-26 0,-49 0,25 0</inkml:trace>
   <inkml:trace contextRef="#ctx0" brushRef="#br0" timeOffset="26127.4945">12800 9798,'0'0,"0"0,49 0,1 0,-25 0,24 0,26 0,-26 25,1-1,24-24,-24 25,24-25,-49 0,0 0,0 0,-25 0,24 0,1 0</inkml:trace>
   <inkml:trace contextRef="#ctx0" brushRef="#br0" timeOffset="26888.538">12527 6226,'25'0,"-1"0,26 0,-25 0,0 0,49 0,0 0,-24 0,0 0,-1-25,1 0,-25 25,-1 0,-24 0,25 0,25 0,-25-24,-1 24,-24 0</inkml:trace>
@@ -1429,8 +1429,8 @@
   <inkml:trace contextRef="#ctx0" brushRef="#br0" timeOffset="29702.6989">14685 6846,'0'0,"0"25,0 25,25-50,-25 24,0-24,0 25,24-25,1 0,0 0,-25 0,50 0,-1-25,1-24,-25 49,49-50,-24 0,-1-24,1 49,24-49,-24 49,24-49,-49 74</inkml:trace>
   <inkml:trace contextRef="#ctx0" brushRef="#br0" timeOffset="34111.9511">11807 13643,'50'0,"-75"-75,-24 1,-1 24,0-24,1 49,24 0,0 0,25 1,0-1,0-25,-25-74,25 0,0 50,0-1,0 1,0-1,0 26,0-1,0 25,50-24,-25-1,0 1,-1-26,26 26,0-1,-26 25,1 0,-25 25,25 0,0 0,0-49,24 49,-24-50,25 25,74 25,-50-25,25 1,0 24,26-25,-26 0,-25 25,25 0,1-25,-1 25,0-25,25 25,25-24,-50 24,25 0,25 0,-25 0,25 0,-50 0,50 0,-50 0,0 0,1 0,-26 0,75 0,-75 0,-49 0,74 0,-49 24,-25 1,24 0,-24 0,25 0,-50-1,24-24,1 50,0-25,-25 24,25-24,-25 0,25 25,-25-1,24-24,-24 25,0-1,0 1,0 0,0-26,0 51,0-26,0 1,0-25,0 24,0 1,0 0,0-26,-24 51,24-50,-25 24,0 1,0-1,25-49,-49 50,24-25,-25 0,50-25,-49 25,49-1,-25-24,-25 25,25-25,1 25,-1-25,0 0,-49 0,49 0,0 25,-25 0,-24-25,0 24,24-24,25 0,-49 25,24 0,50-25,-25 0</inkml:trace>
   <inkml:trace contextRef="#ctx0" brushRef="#br0" timeOffset="42303.4197">11584 9748,'0'0,"0"0,0-25,0 1,0-1,0-25,0 50,0-49,0 24,0 25,0-50,0 1,0 24,0 0,0 0,0 0,0 1,0 24,0-50,0 25,0-24,0 24,0-50,0 51,0-1,0 25,0-25,25 25,-25-25,0 0,0 0,25-24,-25 24,0 25,0-25,25 25,-1 0,1-25,0 1,25-26,-26 25,51-24,-75 49,49-25,1-25,0 25,-1-24,1 49,-1-50,-49 50,25 0,0 0,0 0,24 25,-49 0,25-25,25 0,-25 25,24-25,26 24,-26-24,-24 0,25 0,-1 0,-24 25,0-25,0 0,0 0,-25 25,24-25,26 0,-25 0,99 25,-50-25,1 0,-26 0,1 0,-25 25,-1-25,1 24,25 1,-50 0,25 0,-1 0,-24-25,25 24,-25-24,25 25,-25-25,25 0,-25 25,25 0,-25 0,0-1,0 1,0 0,0 0,0 0,0-25,0 25,0-1,0 1,0-25,0 50,0-50,0 49,0-24,0 0,0 25,0-1,0-49,0 25,0-25,0 25,0 0,-25-1,25-24,0 50,0-50,0 25,-25 0,25-25,0 24,-50 51,26-50,24-1,-25-24,25 25,-25-25,0 50,0-50,1 25,-1-1,0 1,0 0,0-25,1 0,24 0,-25 0,25 0,-25 0,0 25,0-25,1 0,-1 0,-50 25,51-25,-26 0,0 0,1 0,49 0,-25 0,25 24,-25-24,-49 25,49-25,0 0,0 0,1 0,24 0,-50 0,50 0,-25 0,0 0,0 0,-24 0,24 0,0 0,0 0,1 0,-1 0,25-25,-50 25,50-24,-49-1,49 25,-50-50,25 50,25-25,-25 25,25 0,-24-24,24 24,-25-25,25 25,-50-25,25-25,1 50,24 0,0 0,-25-24,0-1,0 25,25-25,0 0,0-49,0 24,0 1,0 24,25-25,-25 25,0 25</inkml:trace>
-  <inkml:trace contextRef="#ctx0" brushRef="#br0" timeOffset="43767.5034">13296 8632,'0'0,"24"-50,1 50,0-24,0-1,0 0,49-99,-49 124,0-74,0 74,-1-50,1 50,-25-50,50 50,-25-24,24-26,26 50,24-25,-50 0,26 25,24-24,0 24,-24 0,24 0,0 0,-24-25,24 25,-50 0,1 0,0 0,-50 0,24 0,26 0,-50 0,50 25,-50-25,24 24,26 1,-50-25,50 0,-50 25,24-25,1 25,-25 0,0 24,0-24,0 0,0 24,25-24,-25 0,0 0,0 24,0-49,0 50,0-50,-25 0,25 50,-25-50,1 24,24-24,0 25,0 0,-25 0,0 0,25 24,-50-24,50 0,-24 0,-1-1,25-24,-25 0,25 25,-25 0,0 0,25-25,-24 0</inkml:trace>
-  <inkml:trace contextRef="#ctx0" brushRef="#br0" timeOffset="44895.5679">14710 8657,'0'0,"0"25,0-1,0 51,0-75,0 25,0-1,0 1,0-25,0 25,0 0,0 0,0-25,0 24,0-24,0 50,0-50,24 0,51 0,-1 0,-49 0,0 0,0 0,-1 0,1 0,50 0,-26 0,-49 0,25 0,0 0,-25 0,25 0,-25-25,24 25,-24 0</inkml:trace>
+  <inkml:trace contextRef="#ctx0" brushRef="#br0" timeOffset="43767.5033">13296 8632,'0'0,"24"-50,1 50,0-24,0-1,0 0,49-99,-49 124,0-74,0 74,-1-50,1 50,-25-50,50 50,-25-24,24-26,26 50,24-25,-50 0,26 25,24-24,0 24,-24 0,24 0,0 0,-24-25,24 25,-50 0,1 0,0 0,-50 0,24 0,26 0,-50 0,50 25,-50-25,24 24,26 1,-50-25,50 0,-50 25,24-25,1 25,-25 0,0 24,0-24,0 0,0 24,25-24,-25 0,0 0,0 24,0-49,0 50,0-50,-25 0,25 50,-25-50,1 24,24-24,0 25,0 0,-25 0,0 0,25 24,-50-24,50 0,-24 0,-1-1,25-24,-25 0,25 25,-25 0,0 0,25-25,-24 0</inkml:trace>
+  <inkml:trace contextRef="#ctx0" brushRef="#br0" timeOffset="44895.5678">14710 8657,'0'0,"0"25,0-1,0 51,0-75,0 25,0-1,0 1,0-25,0 25,0 0,0 0,0-25,0 24,0-24,0 50,0-50,24 0,51 0,-1 0,-49 0,0 0,0 0,-1 0,1 0,50 0,-26 0,-49 0,25 0,0 0,-25 0,25 0,-25-25,24 25,-24 0</inkml:trace>
   <inkml:trace contextRef="#ctx0" brushRef="#br0" timeOffset="62430.5709">18604 13742,'25'25,"24"24,-24 1,49 24,-49-49,0 25,-25-26,50 51,-50-50,49 49,-49-24,25 24,0-24,0-25,-25-1,0-24,25 0,-1-24,51-51,-1-24,25 0,100-199,-50 100,49-26,-24 26,-25-75,24 75,1-26,-50 51,-50 74,-24 49,-25 25,-25 0</inkml:trace>
 </inkml:ink>
 </file>
@@ -1460,7 +1460,7 @@
   <inkml:trace contextRef="#ctx0" brushRef="#br0">9203 8533,'0'0,"25"0,-1 0,51 25,-25-25,24 24,0 1,-24-25,0 0,24 0,-74 0,25 25,0-25,-1 0,1 0</inkml:trace>
   <inkml:trace contextRef="#ctx0" brushRef="#br0" timeOffset="839.048">9203 8706,'0'0,"49"0,-24 0,0 0,-25 0,25 0,0 0,0 0,-1 0,-24 0,25 0,0 0,-25 0,25 0,0 0,-1 0,51 0,-50 0,-1 25,26-25,-50 0</inkml:trace>
   <inkml:trace contextRef="#ctx0" brushRef="#br0" timeOffset="6816.3898">11162 14684,'0'0,"0"25,25-25,0 25,0 49,0-49,-25 0,49-25,-24 74,25-24,-25-25,-1 24,1-24,-25 0,25-25,-25 25,50 0,-50-25,24 24,1-24,0 0,-25 25,25 0,0-25,-1 25,-24 0,50-1,-50-24,50 50,-26-50,1 25,0 0,0 24,24-24,1 25,-25-1,0-24,24 25,-49-50,25 49,25 1,-26-25,51 49,-50-49,49 25,-24 49,-1-50,1 26,24 24,1 0,-26 1,26-51,-50 1,24-1,-49-49,0 25,25 0,-25 0,0 0,50-25,-50 24,74 51,-49-26,0-24,-1 0,1 0,0 24,0-49,0 25,-25 0,49 0,-24-25,25 25,-50-1,24-24,26 0,-25 50,49-25,-24 0,-25 24,49-24,1 25,-26-26,1 1,24 25,-49-25,49 24,-49-49,25 50,-1-25,-49 0,50-1,-25-24,0 0,-1 25,-24-25,25 0,0 0,-25 25,25 0,-25-25,49 25,-24-1,0-24,25 0,-26 25,26 0,-25-25,0 0,0 25,-1 0,26-25,-25 49,0-24,-25 0,24-25,-24 0</inkml:trace>
-  <inkml:trace contextRef="#ctx0" brushRef="#br0" timeOffset="8655.495">11832 16892,'0'25,"0"-25,0 25,0 24,0-49,0 50,0-25,0-25,0 49,0 1,0-1,25 51,49 24,-49-50,0 1,25-51,-50 1,24-25,-24 0,25 0,0 0,0 0,-25 0,25 0,-1 0,-24 0,25-25,-25 1,25-1,-25 0,0-25,25 50,-25-49,0 49,0-25,0 25,0-50,0 25,-25 1,25-1,0 25,0-25,-50-25,26 26,24-1,-50 0,50 0,-25-24,0 49,25 0,-24-25,-1 0,0 25,25 0,-25 0,0 0,1 0,-1 0,25 0</inkml:trace>
+  <inkml:trace contextRef="#ctx0" brushRef="#br0" timeOffset="8655.4949">11832 16892,'0'25,"0"-25,0 25,0 24,0-49,0 50,0-25,0-25,0 49,0 1,0-1,25 51,49 24,-49-50,0 1,25-51,-50 1,24-25,-24 0,25 0,0 0,0 0,-25 0,25 0,-1 0,-24 0,25-25,-25 1,25-1,-25 0,0-25,25 50,-25-49,0 49,0-25,0 25,0-50,0 25,-25 1,25-1,0 25,0-25,-50-25,26 26,24-1,-50 0,50 0,-25-24,0 49,25 0,-24-25,-1 0,0 25,25 0,-25 0,0 0,1 0,-1 0,25 0</inkml:trace>
   <inkml:trace contextRef="#ctx0" brushRef="#br0" timeOffset="10031.5737">14710 14833,'0'0,"0"-25,24 25,26 0,-25 0,-25 0,25 0,-1 0,-24 0,50 0,0 0,-26 0,1 0,-25 0</inkml:trace>
   <inkml:trace contextRef="#ctx0" brushRef="#br0" timeOffset="10927.625">14710 15007,'0'0,"49"0,1 0,-25 0,-1 0,1 0,-25 0,25 0,0 0,0 0,-1 0,1 0,-25 0,25 0</inkml:trace>
   <inkml:trace contextRef="#ctx0" brushRef="#br0" timeOffset="19600.121">14759 14858,'25'0,"49"0,-24 0,-25 0,0 0,-25 0,0 0,0 0,-50 0,0 0,26 0,-1 0,25 0,-25 0,0 0,25 0,0 0,25 0,-25 0,25 0,0 0,-1 0,-24 0,50 0,-25 0,0 0,-25 0,0 0,0 0,-25 0,25 0,-25 0,0 0,0 25,1-25,-1 0,0 0,25 0,0 0,0 0,0-25,25 25,-25 0,25 0,-1 0,-24 0,25 0,-25 0,25 0,0 0</inkml:trace>
@@ -1473,8 +1473,8 @@
   <inkml:trace contextRef="#ctx0" brushRef="#br0" timeOffset="30679.7547">5829 15354,'0'0,"50"0,-25 0,0 0,-1 0,-24 0,0 0</inkml:trace>
   <inkml:trace contextRef="#ctx0" brushRef="#br0" timeOffset="31183.7836">5755 15577,'50'0,"-1"0,-24 0,25 0,-1 0,-49 0,50 0,-50 25</inkml:trace>
   <inkml:trace contextRef="#ctx0" brushRef="#br0" timeOffset="32343.8499">6747 15255,'0'0,"0"25,0-1,0-24,0 25,0-25,0 50,0-25,0 0,0 24,0 26,0-1,0-49,0 0,0-1,0-24,0 25,0 0,0-25,0 25,0-25,0 25,0-25,0 24</inkml:trace>
-  <inkml:trace contextRef="#ctx0" brushRef="#br0" timeOffset="35687.0411">7318 16098,'0'0,"25"0,-1 0,-24 0,25 0,-25 0,25 0,-25 25,0 0,25 0,0-1,-25 1,24 25,-24-50,0 0,25 0,0 0,-25-50,25 1,0-1,-1 0,1 1,25-1,-25 25,-1-24,-24 49,25-25,-25 25,50 0,-50-25,49 0,1 25</inkml:trace>
-  <inkml:trace contextRef="#ctx0" brushRef="#br0" timeOffset="39648.2677">12601 12551,'0'0,"50"0,-50 0,25 0,-1 0,1 0,0 0,-25 0</inkml:trace>
+  <inkml:trace contextRef="#ctx0" brushRef="#br0" timeOffset="35687.041">7318 16098,'0'0,"25"0,-1 0,-24 0,25 0,-25 0,25 0,-25 25,0 0,25 0,0-1,-25 1,24 25,-24-50,0 0,25 0,0 0,-25-50,25 1,0-1,-1 0,1 1,25-1,-25 25,-1-24,-24 49,25-25,-25 25,50 0,-50-25,49 0,1 25</inkml:trace>
+  <inkml:trace contextRef="#ctx0" brushRef="#br0" timeOffset="39648.2676">12601 12551,'0'0,"50"0,-50 0,25 0,-1 0,1 0,0 0,-25 0</inkml:trace>
   <inkml:trace contextRef="#ctx0" brushRef="#br0" timeOffset="43607.4942">13618 12824,'0'-25,"50"25,-25 0,24 0,50 0,1 0,-100 0,0 0,74 0,0 0,-24 0,24 0,1 0,-1 0,1 0,-1 0,-24 0,-25 0,24 0,-24 0,25 0,-26 0,26 0,24 0,1 0,-1 0,-24 0,-1 0,1 0,-25 0,24 0,-24 0,50 0,24 0,0 0,-25 0,51 0,-51 0,25 0,-74 0,25 0,-1 25,26-25,-26 0,1 0,-25 0,49 25,0-25,1 0,24 0,-74 0,0 0,99 0,-99 0,24 0,-24 0,49 0,26 0,98 0,-24 0,-1 0,-24 0,0 0,-50 0,0 0,-24 0,-1 0,-24 0,24 0,25 0,-24 25,24-25,-25 0,1 0,-75 0,49 0,-24 0,75 0,-1 0,-25 0,-24 0,24 0,-24 0,-50 0,25 0,-25 0,49 0,-24 0,0 0,0 0,-1-25,1 25,0 0,0 0,-25-25,25 25,-25-25,49 25,-49 0,25 0,0 0,0 0,-1-25,1 25,-25 0,25-24,0 24,0-25,-1 25,1-25,25 25,-50 0,25-25,0 25,-1 0,1-25,0 25,25-49,-50 49,24-25,-24 25,25-25,0 25,-25-49,25-1,-25 0,0 50,0-24,0-1,0 25,0-50,0 1,0-1,0 25,0 0,0 0,0 1,-25 24,25-25,0 0,0 0,0 0,0 1,0-26,0 50,-25-25,25 25,0-25,-25 25,25 0,-24-24,-1-1,25 0,-25 0,0 0,25 25,-25 0,-49-74,24 49,1 0,-26 1,50 24,1-25,-1 0,0 25,0 0,25 0,-49-25,49 25,-25 0,-25-25,25-24,-24 49,-1 0,25 0,-24-25,-1 0,50 25,-49 0,24 0,0 0,-49-25,-1 25,26 0,-1 0,0 0,1 0,-26 0,50 0,-49 0,49 0,-24 0,-26 0,50 0,-24 0,-26 0,26 0,-26 0,1 0,0 0,24 0,-24 0,49 0,-25 0,50 0,-49 0,24 25,25-25,-50 0,50 0,-25 0,25 25,-25-25,1 25,-1-25,0 0,25 25,-25-25,-24 24,49-24,-50 25,50-25,-25 0,0 25,1-25,24 25,-25-25,0 0,25 25,0-25,0 0,-25 24,25-24,-49 25,49 0,-25 0,0 0,25-1,-25 1,25 0,-25-25,25 25,-24-25,24 49,-25 1,25 0,-25-26,25 26,0-50,0 25,0 0,0 24,0 1,0-50,0 50,0-1,0 1,25-25,-25-1,0-24,0 25,25 25,-1-25,1-1,0 1,-25 25,25-50,0 25,-25-25,24 24,-24-24,0 25,50-25,-25 25,0-25,-25 25,24 0,-24-25</inkml:trace>
   <inkml:trace contextRef="#ctx0" brushRef="#br0" timeOffset="49719.8438">19075 13171,'25'0,"-25"0,25 50,-25-50,0 25,0 0,25-25,-25 24,24-24,-24 0,0 50,0-50,0 25,50-25,-50 25,0-1,0-24,0 25,25-25,-25 0,25 0,-25 0,49 0,-49 0,25 0,-25-25,50 1,-50 24,49-50,-24 25,0 0,-25 25,25-24,-1 24,-24 0,25 0,-25-50,0 25</inkml:trace>
   <inkml:trace contextRef="#ctx0" brushRef="#br0" timeOffset="59159.3837">16570 14982,'25'0,"-1"0,1 0,0 50,0-26,-25 1,0 0,0-25,25 0,-25 25,0 0,0-1,0 1,0 74,0-49,0 25,0-26,0-24,0-25,-25 0,-25 0,1 0,24 0,0 0,25 0,0 0,25 0,24 0,-49-25</inkml:trace>
@@ -1484,20 +1484,20 @@
   <inkml:trace contextRef="#ctx0" brushRef="#br0" timeOffset="62159.5553">18257 14908,'0'0,"0"0,-25 0,25 0,0 24,0 1,25 25,-25-25,0 24,0 1,0 24,0-24,0-1,0 1,0 25,0-51,0 26,0-25,0 24,0 1,0 0,0-26,0 1,0 25,0-50,0 49,0-24,0 0,0-25,0 25,0-25,0-75,0 1,0 24</inkml:trace>
   <inkml:trace contextRef="#ctx0" brushRef="#br0" timeOffset="63535.634">18232 14932,'0'0,"25"0,-1 0,-24 0,25 0,-25 0,25 0,0 0,-25 0,25 25,24 25,-49-50,25 25,-25-25,25 49,0-49,-25 25,0-25,0 25,0-25,0 25,0-1,0 1,0-25,0 25,0 0,0-25,0 25,-25-25,25 24,-50-24,50 25,0-25,-25 25,25-25,-24 0,-1 25,25-25,-25 0,25 0,0 0,0 0,25 0,0 0,-25 0,24 0,-24 0,50 25,-50 0,25-25,24 49,-24-49,0 50,-25-50,25 25,0-25,-1 0,-24 0,50 0,-50 0,25 0,-25 24,25-24</inkml:trace>
   <inkml:trace contextRef="#ctx0" brushRef="#br0" timeOffset="85024.8631">14486 5606,'0'0,"0"49,0-24,0 25,0-50,0 25,0 24,0-49,0 25,0-25,0 25,0 0,0 24,0-24,0 25,0-25,0 49,0-49,0 0,0 24,0-49,0 25,0 49,0-74,0 25,0 0</inkml:trace>
-  <inkml:trace contextRef="#ctx0" brushRef="#br0" timeOffset="86063.9225">14461 5507,'0'0,"0"0,0 49,0-24,0-25,0 0,0 25,50 0,0-1,-1 26,1-25,-25 24,24 1,-24-25,0 0,-25 0,0-25,25 24,0-24,24 50,1-25,-25 24,-1-49,1 50,-25-50,25-25,0-24,-25-1,0 0,25-24,-1-1,1 1,-25 24,25 1,0-1,-25 25,0 1,0-1,0 0</inkml:trace>
+  <inkml:trace contextRef="#ctx0" brushRef="#br0" timeOffset="86063.9224">14461 5507,'0'0,"0"0,0 49,0-24,0-25,0 0,0 25,50 0,0-1,-1 26,1-25,-25 24,24 1,-24-25,0 0,-25 0,0-25,25 24,0-24,24 50,1-25,-25 24,-1-49,1 50,-25-50,25-25,0-24,-25-1,0 0,25-24,-1-1,1 1,-25 24,25 1,0-1,-25 25,0 1,0-1,0 0</inkml:trace>
   <inkml:trace contextRef="#ctx0" brushRef="#br0" timeOffset="86806.965">18306 5259,'0'0,"0"49,0 1,0-1,0 1,0-25,0 49,0-24,0-1,0 1,0 0,0-26,0 1,0 0,0 0,0 0,0 24,0 1,0 24,0-24,25-25,-25 0,0-1,0-24,0 0,0-24,0-1</inkml:trace>
   <inkml:trace contextRef="#ctx0" brushRef="#br0" timeOffset="88543.0643">18356 5358,'0'0,"25"0,-1 0,-24 0,25 0,0 0,25 0,-1 0,-24 0,0 0,-25 0,25 0,-25 0,0 0,24 49,1 1,-25-25,25-25,-25 25,0-1,0 1,0-25,0 0,0 25,-25-25,25 0,-25 25,25-25,-24 25,-1-1,25-24,-50 0,25 0,1 25,24-25,-25 0,25 0,-25 0,25 0,-25 0,0 0,1 0,24 0,0 0,24 25,1-25,25 25,-50-25,49 49,-49-49,25 0,-25 0,0 25,25-25,0 0,-25 25,25-25,-25 25,24-25,1 25,-25-25,25 0,-25 25,25-1,0 1,-1-25,1 25,0 0,0 0,0-1,0-24,-1 0,-24 0,0 0</inkml:trace>
   <inkml:trace contextRef="#ctx0" brushRef="#br0" timeOffset="88896.0845">19794 6499</inkml:trace>
   <inkml:trace contextRef="#ctx0" brushRef="#br0" timeOffset="95695.4734">15404 5655,'0'25,"0"0,0-25,-25 0,0 0,1 0,24 25,-25-25,25 0,0 25,-25-25,25 24,0-24,0 25,0 0,0 0,0-25,0 25,0-25,0 25,25-25,-25 24,25 1,-25-25,49 25,-24 0,0-25,0 49,-1-49,-24 0,25 25,-25-25</inkml:trace>
   <inkml:trace contextRef="#ctx0" brushRef="#br0" timeOffset="96519.5206">15330 5854,'49'0,"26"0,-26 0,1 0,-1 0,26 0,-1 0,75 0,-124 0,74 0,-24-25,-26 0,50 0,-74 25,25 0,-1-24,-24 24,25-25,24 25,25 0,-24 0,74-25,-50 25,-49 0,-26 0,26 0,-25 0,-25 0,49 0,1 0,24 0,26 0,-1 0,50 0,-50 0,50 0,-100 0,1 0,-25 0,0 0,-25 0</inkml:trace>
   <inkml:trace contextRef="#ctx0" brushRef="#br0" timeOffset="97376.5696">17909 5606,'0'0,"0"0,0 0,25 0,0 0,0 25,-25-25,25 0,-25 24,0 1,0 0,0-25,0 25,0 0,0-25,0 24,0-24,0 0,0 0,0 0,0 25,-25 0,0-25,-25 25,50-25,-24 25,24-25</inkml:trace>
-  <inkml:trace contextRef="#ctx0" brushRef="#br0" timeOffset="98551.6368">14337 6672,'25'0,"223"0,-99 0,25-24,-50-1,0 0,-75 25,26 0,-50 0,24 0,1 0,-50 0</inkml:trace>
-  <inkml:trace contextRef="#ctx0" brushRef="#br0" timeOffset="100463.7462">18207 6499,'0'0,"149"0,-75 0,-24 0,-25 0,24 0,-24 0,-25 0,25 0,0 0,-1 0,-24 0,25 0,0 0,0 0,49 0,1 0,-1 0,75 0,-75 0,26 0,-26 0,-24 0,-50 0,24 0,-24 0</inkml:trace>
+  <inkml:trace contextRef="#ctx0" brushRef="#br0" timeOffset="98551.6367">14337 6672,'25'0,"223"0,-99 0,25-24,-50-1,0 0,-75 25,26 0,-50 0,24 0,1 0,-50 0</inkml:trace>
+  <inkml:trace contextRef="#ctx0" brushRef="#br0" timeOffset="100463.7461">18207 6499,'0'0,"149"0,-75 0,-24 0,-25 0,24 0,-24 0,-25 0,25 0,0 0,-1 0,-24 0,25 0,0 0,0 0,49 0,1 0,-1 0,75 0,-75 0,26 0,-26 0,-24 0,-50 0,24 0,-24 0</inkml:trace>
   <inkml:trace contextRef="#ctx0" brushRef="#br0" timeOffset="134024.6657">14734 14908,'0'0,"0"0,50 0,-50 0,25 0,-25 0,25 0,-1 0,-24 0,25 0,25 0,-50 0,25 0,-25 0,0 0,-25 0,25 0,-25-25,0 25,25 0,-25 0,25 0,-24 0,24 0,-25 0,0 0,25 0,0 0,0 0,25 0,-25 0,25 0,24 0,-49 0,25 0,-25 0,0 0,0 0,-25 0,0 0,25 0,-24 0,-1 0,0 0,0 0,25 0,-25 0,25 0,0 0,25 0,0 0,0 0,-25 0,-25 0,0 0,25 0,-25 0,25 0,25 0,-25 0,50 0,-50 0,25 0,-1 0</inkml:trace>
   <inkml:trace contextRef="#ctx0" brushRef="#br0" timeOffset="150649.6166">16619 15925,'0'0,"25"0,50 0,-26 0,-24 0,0 0,0 0,0 0,24 0,-24-25,0 25,0 0,-25 0,24 0,100 0,25 0,50 0,-1 0,-49 0,25 0,-1 0,-24 0,-75 0,1 0,-26 0,-24 0,0 0,25 0,-26 0,1 0,0 0,-25 0,25 0</inkml:trace>
   <inkml:trace contextRef="#ctx0" brushRef="#br0" timeOffset="168176.6191">5110 13717,'0'0,"25"0,-25 0,25 0,24 0,-24 0,0 0,0 0,0 0,-1 0,1 0,0 0,25 0,-50 0,24 0,-24 0,25 0,0 0,0 0,-25 0,25 0,24 0,-49 0,50 0,-1 0,-49 0,50 0,-50 0,25 0,-25 0,25 0,-1 0,-24 0,25 0,0 0,0 0,24 0,-24 0,-25 0,25 0,0 0,-25 0,25 0,-1 0,26 0,-25 0,0 0,24 0,-49 0,50 0,-50 0,50 0,-50 0,24 0,26 0,-50 0,25 0,-25 0,25 0,-1 0,-24 0,25 0,-25 0,25 0,-25 0,25 0,0 0,-25 0,24 0,1 0,0 0,0 0,0 0,-1 0,1 0,0 0,-25 0,25 0,-25 0,25 0,-1 0,1 0,-25 0,50 0,-50 0,25 0,-25 0,24 0,-24 0,25 0,0 0,-25 0,25 0,-25 0,25 0,-1 0,-24 0,50 0,-25 0,0 0,0 0,24 0,-24 0,0 0,0 0,-25 0,24 0,-24 0,25 0,0 0,-25 0</inkml:trace>
   <inkml:trace contextRef="#ctx0" brushRef="#br0" timeOffset="170599.7577">9252 16594,'0'0,"0"0,75-24,-1 24,26 0,-76 0,26 0,-50 0,0 0,25 0,-25 0,0 0,25 0,-25 0,49 0,-49 0,25 0,0 0,0 0,49 0,-24 0,-1 0,1 0,-25 0,24 0,-49 0,0 0,-25 0,-49 0,24 0,-24 0,24 0,1 0,-1 0,-24 0,24 0,1 0,-1 0,0 0,-24 0,74 0,-25 0,25 0,0 0,75 0,-26 0,1 0,-25 0,-1 0,26 0,-25 0,49 0,-49 0,49 0,-24 0,-25 24,0-24,-1 0,-48 0</inkml:trace>
-  <inkml:trace contextRef="#ctx0" brushRef="#br0" timeOffset="181024.354">5309 13742,'74'-25,"100"25,-26 0,-98 0,24 0,1 0,-1 0,-24 0,-1 0,-24 0,0 0,25 0,-1 0,-24 0,0 0,49 0,-49 0,0 0,0 0,24 0,1 0,-25 0,0 0,24 0,1 0,-1 0,1 0,24 0,-74 0,25 0,-25 0,25 0,0 0,0 0,-1 0,1 0,0 0,-25 0,25 0,0 0,-25 0,24 0,-24 0,25 0,0 0,25 0,-50 0,25 0,-1 0,1 0,0 0,-25 0,25 0,0 0,-1 0,-24 0,25 0,0 0,0 0,-25 0,49 0,-49 0,25 0,-25 0,50 0,-50 0,25 0,-25 0,24 0,-24 0,25 0,0 0,0 0,0 0,-1 0,51 0,-26 0,1 0,0 0,-1 0,-24 0,25 0,-26 0,51 0,-25 0,-26 0,51 0,-50 0,-1 0,26 0,-25 0,-25 0,25 0,-1 0,1 0,0 0,0 0,0 0,-1 0,1 0,0 0,-25 0,25 0,0 25,-25-25,24 0,-24 0,25 0,0 0,0 0,-25 0,25 0,-25 0,24 0,1 0,-25 0,25 0,-25 0,25 0,-25 0,25 0,-1 0,1 0,0 0,25 0,-1 0,-49 0,25 0,0 0,0 0,-25 0,24 0,-24 0,25 0,25 0,-25 0,0 0,-1 0,1 0,50 0,-26 0,-24 0,49 0,26 0,-26 0,0 0,1 0,-50 0,-1 0,1 0,0 0,0 0,-25 0,25 0,-25 0,24 0,1 0,0 0,-25 0,25 0,0 0,24 0,-49 0,25 0,0 0,0 0,0 0,-25 0,24 0,1 0,-25 0,25 0,-25 0,25 0,-25 0,25 0,-25 0,24 0,-24 0,25 0,-25 0,25 0,-25 0,25 0,0 0,-25 0,24 0,1 0,0 0,-25 0,25 0,0 0,-1 0,1 0,-25 0,50 0,-25 0,-1 0,26 0,-50 0,25 0,0 0,-1 0,1 0,0 0,0 0,24 0,1 0,-25 0,0 0,-25 0,49 0,-24 0,0 0,0 0,-25 0,25 0,-1 0,-24 0,25 0,-25 0,25 0,-25 0,25 0,0 0,-25 0,24 0,-24 0,25 0,0 0,-25 0,25 0,0 0,-1 0,1 0,-25 0,25 0,0 0,0 0,-25 0,0 0,24 0,1-25,0 25,0 0,0 0,-1 0,1 0,0-25,-25 25,50 0,-26 0,1 0,25-25,-25 25,-1-24,26 24,-25 0,0-25,-25 25,24-25,-24 25,25 0,0-25,-25 25,25 0,-25 0,0-25,25 1,-25 24,0 0,0-75,0 50,0 1,0-26,0 50,0-25,0 25,0-49,0 24,-25 0,0 0,25 0,0 0,-25 25,25 0,0 0,-25-24,1 24,24-25,-25 25,25 0,-25-25,0 25,25 0,-25-25,1 0,24 25,-25-24,25 24,-25-50,25 50,-25 0,0 0,25-25,-24 25,24 0,-25 0,25-25,0 25,-25 0,0 0,25-24,0 24,-25 0,25 0,0 0,-24 0,-1 0,25-25,0 25,-25 0,25 0,-50 0,50 0,-24 0,24 0,-25 0,0 0,0 0,25 0,-25 0,25 0,-24 0,-1 0,0 0,25 0,-25 0,0 0,1 25,24-25,-50 24,50-24,-25 0,0 0,25 0,-24 50,-1-25,0 0,0-1,0-24,25 25,0-25,0 25,0-25,0 25,0 0,0 24,0-24,0-25,0 25,0 0,0-25,0 0,0 0,0 25,0-1,25 1,-25 0,0-25,25 25,-25 0,0-25,0 0,25 0,-25 24,25-24,-25 0,0 25,24-25,1 50,-25-25,25 24,0-49,0 25,-25-25,0 0,24 0,-24 25,25-25,0 25,0-1,-25-24,0 25,25 0,-1-25,1 0,-25 25,25-25,0 0,-25 0,25 0,-1 0,1 0,-25 25,0-25,50 0,-25 0,-25 0,24 0</inkml:trace>
+  <inkml:trace contextRef="#ctx0" brushRef="#br0" timeOffset="181024.3539">5309 13742,'74'-25,"100"25,-26 0,-98 0,24 0,1 0,-1 0,-24 0,-1 0,-24 0,0 0,25 0,-1 0,-24 0,0 0,49 0,-49 0,0 0,0 0,24 0,1 0,-25 0,0 0,24 0,1 0,-1 0,1 0,24 0,-74 0,25 0,-25 0,25 0,0 0,0 0,-1 0,1 0,0 0,-25 0,25 0,0 0,-25 0,24 0,-24 0,25 0,0 0,25 0,-50 0,25 0,-1 0,1 0,0 0,-25 0,25 0,0 0,-1 0,-24 0,25 0,0 0,0 0,-25 0,49 0,-49 0,25 0,-25 0,50 0,-50 0,25 0,-25 0,24 0,-24 0,25 0,0 0,0 0,0 0,-1 0,51 0,-26 0,1 0,0 0,-1 0,-24 0,25 0,-26 0,51 0,-25 0,-26 0,51 0,-50 0,-1 0,26 0,-25 0,-25 0,25 0,-1 0,1 0,0 0,0 0,0 0,-1 0,1 0,0 0,-25 0,25 0,0 25,-25-25,24 0,-24 0,25 0,0 0,0 0,-25 0,25 0,-25 0,24 0,1 0,-25 0,25 0,-25 0,25 0,-25 0,25 0,-1 0,1 0,0 0,25 0,-1 0,-49 0,25 0,0 0,0 0,-25 0,24 0,-24 0,25 0,25 0,-25 0,0 0,-1 0,1 0,50 0,-26 0,-24 0,49 0,26 0,-26 0,0 0,1 0,-50 0,-1 0,1 0,0 0,0 0,-25 0,25 0,-25 0,24 0,1 0,0 0,-25 0,25 0,0 0,24 0,-49 0,25 0,0 0,0 0,0 0,-25 0,24 0,1 0,-25 0,25 0,-25 0,25 0,-25 0,25 0,-25 0,24 0,-24 0,25 0,-25 0,25 0,-25 0,25 0,0 0,-25 0,24 0,1 0,0 0,-25 0,25 0,0 0,-1 0,1 0,-25 0,50 0,-25 0,-1 0,26 0,-50 0,25 0,0 0,-1 0,1 0,0 0,0 0,24 0,1 0,-25 0,0 0,-25 0,49 0,-24 0,0 0,0 0,-25 0,25 0,-1 0,-24 0,25 0,-25 0,25 0,-25 0,25 0,0 0,-25 0,24 0,-24 0,25 0,0 0,-25 0,25 0,0 0,-1 0,1 0,-25 0,25 0,0 0,0 0,-25 0,0 0,24 0,1-25,0 25,0 0,0 0,-1 0,1 0,0-25,-25 25,50 0,-26 0,1 0,25-25,-25 25,-1-24,26 24,-25 0,0-25,-25 25,24-25,-24 25,25 0,0-25,-25 25,25 0,-25 0,0-25,25 1,-25 24,0 0,0-75,0 50,0 1,0-26,0 50,0-25,0 25,0-49,0 24,-25 0,0 0,25 0,0 0,-25 25,25 0,0 0,-25-24,1 24,24-25,-25 25,25 0,-25-25,0 25,25 0,-25-25,1 0,24 25,-25-24,25 24,-25-50,25 50,-25 0,0 0,25-25,-24 25,24 0,-25 0,25-25,0 25,-25 0,0 0,25-24,0 24,-25 0,25 0,0 0,-24 0,-1 0,25-25,0 25,-25 0,25 0,-50 0,50 0,-24 0,24 0,-25 0,0 0,0 0,25 0,-25 0,25 0,-24 0,-1 0,0 0,25 0,-25 0,0 0,1 25,24-25,-50 24,50-24,-25 0,0 0,25 0,-24 50,-1-25,0 0,0-1,0-24,25 25,0-25,0 25,0-25,0 25,0 0,0 24,0-24,0-25,0 25,0 0,0-25,0 0,0 0,0 25,0-1,25 1,-25 0,0-25,25 25,-25 0,0-25,0 0,25 0,-25 24,25-24,-25 0,0 25,24-25,1 50,-25-25,25 24,0-49,0 25,-25-25,0 0,24 0,-24 25,25-25,0 25,0-1,-25-24,0 25,25 0,-1-25,1 0,-25 25,25-25,0 0,-25 0,25 0,-1 0,1 0,-25 25,0-25,50 0,-25 0,-25 0,24 0</inkml:trace>
   <inkml:trace contextRef="#ctx0" brushRef="#br0" timeOffset="191351.9447">4912 10244,'0'0,"0"0,24 25,51-25,-1 0,-24 0,0 0,-26 0,26 0,-50 0,50 0,24 0,-24 0,24 0,-24 0,-1 0,-24 0,0 0,-25 0,49 0,-24 0,50 0,-26 25,26-25,24 0,-25 0,50 0,0 0,-49 0,-1 0,1 0,-1 0,-24 0,24 50,0-26,1-24,-75 0,49 0,1 0,49 0,-24 0,-1 0,1 0,-1 0,-49 25,0-25,-25 0,0 0,24 0,-24 0,50 0,24 0,-24 0,24 0,-24 0,0 0,24 0,-49 0,24 0,-24 0,0 0,25 0,-1 0,1 0,0 0,-1 0,-24 0,0 0,-25 0,25 0,-25 0,49 0,26 0,98 0,-74 0,-24 0,-26 0,1 0,0 0,-26 0,1 0,-25 0,25 0,0 0,0 0,-1 0,-24 0</inkml:trace>
   <inkml:trace contextRef="#ctx0" brushRef="#br0" timeOffset="195127.1606">12924 10269,'0'0,"0"0,24 0,1 0,-25 0,25 0,-25 0,25 0,-25 0,25 0,-1 0,-24 0,25 0,-25 0,25 0,0 0,-25 0,25 0,-25 0,0 0,24 0,1 0,0 0,-25 0,25 0,-25 0,25 0,-1 0,-24 0,25 0,-25 0,25 0,-25 0,50 0,-50 0,49 0,-24 0,0 0,0 0,24 0,-24 0,25 0,-1 0,26 0,-50 0,-1 0,1 0,0 0,0 0,0 0,-1 0,26 0,-50 0,50 25,-1-25,-49 0,50 0,-25 0,-25 0,24 0,1 0,0 0,0 0,-25 0,49 0,1 0,-25 0,0 0,-1 0,1 0,-25 0,25 0,-25 0,50 0,-25 0,-1 0,-24 0,25 0,-25 0,25 0,-25 0,25 0,0 0,-25 0,24 0,-24 0,25 0,0 0,-25 0,25 0,-25 0,25 0,-25 0,24 0,1 0,-25 0,25 0,-25 0,25 0,0 0,-25 0,24 0,1 0,-25 0,25 0,0 0,-25 0,25 0,-1 0</inkml:trace>
   <inkml:trace contextRef="#ctx0" brushRef="#br0" timeOffset="196903.2622">18604 10195,'25'0,"-1"-25,1 25,0 0,0 0,0 0,-25 0,24 0,1 0,0 0,0 0,25 0,-1-25,-49 25,25 0</inkml:trace>
@@ -1507,7 +1507,7 @@
   <inkml:trace contextRef="#ctx0" brushRef="#br0" timeOffset="204391.6905">10542 6052,'0'0,"25"0,25 0,-50 0,25 0,-1 0,26 0,-25 0,0 0,24 0,26 0,-26 0,1 0,-25 0,24 0,-24 0,0 0,24 0,26 0,-50 0,-25-24,49 24,-49 0,50 0,-25 0,0 0,24 0,26 0,-1 0,0 0,-24 0,-25 0,0 0,-1 0</inkml:trace>
   <inkml:trace contextRef="#ctx0" brushRef="#br0" timeOffset="205383.7472">12130 5680,'0'0,"0"50,0-25,0-1,0 1,0-25,0 50,0 0,0-1,0 26,0-1,0-24,0-1,0 1,0-1,0 1,0-25,0 0,0 24,0-49,0 25,0-25,0-25,0-24</inkml:trace>
   <inkml:trace contextRef="#ctx0" brushRef="#br0" timeOffset="206607.8173">12204 5581,'0'0,"25"0,-25 0,25 0,-25 0,49 0,-24 25,25-25,-1 25,1-1,-25-24,0 0,0 0,-25 0,24 25,-24 0,0 0,0 0,25-25,-25 24,0-24,0 25,0-25,-25 25,1 0,-26 0,50 0,-25-25,25 24,-50-24,1 25,-1 0,1-25,-1 25,50-25,0 0,0 25,0-25,0 0,0 0,50 0,-26 0,1 0,-25 0,50 49,-50-49,25 25,-1 0,-24 24,25-24,0 0,-25-25,25 25,-25-25,25 0,-25 25,25-25,-25 24,24-24,26 0,-25 25,0-25,-1 0,1 0</inkml:trace>
-  <inkml:trace contextRef="#ctx0" brushRef="#br0" timeOffset="208455.923">10666 5904,'0'0,"-49"0,-26 49,51-24,-1 0,25-25,-25 0,0 25,25-25,0 24,0-24,0 0,25 25,-25-25,0 25,50-25,-50 25,24 0,26-1,-25 1,24 0,-49 0,50 0,-50-25</inkml:trace>
+  <inkml:trace contextRef="#ctx0" brushRef="#br0" timeOffset="208455.9229">10666 5904,'0'0,"-49"0,-26 49,51-24,-1 0,25-25,-25 0,0 25,25-25,0 24,0-24,0 0,25 25,-25-25,0 25,50-25,-50 25,24 0,26-1,-25 1,24 0,-49 0,50 0,-50-25</inkml:trace>
   <inkml:trace contextRef="#ctx0" brushRef="#br0" timeOffset="209758.9975">11584 5879,'0'0,"25"0,-25 0,25 0,0 0,-1 25,-24-25,50 0,-25 0,0 0,24 0,-49 24,0-24,0 25,25-25,-25 0,25 0,-25 25,0 0,-50 0,25 24,-24-24,49-25,-25 0,25 0,0 25,-25-25,25 0,-25 25,-24-1,49 1</inkml:trace>
   <inkml:trace contextRef="#ctx0" brushRef="#br0" timeOffset="235072.4453">9575 6945,'74'0,"1"0,24 0,-25 0,50 25,-49-25,-50 0,-1 0,26 0,0 0,-1 0,-24 0,25 0,-1 0,1 0,-25 0,24 0,51 0,-26 0,50 0,-50 0,26 0,-51 0,-24 0,25 0,-50 0,24 0,1 0,0 0,49 0,-24 0,49 0,-24 0,-1 0,25 0,-24 0,-26 0,1 0,0 0,-1 0,-24 0,-25 0,25-25,-25 25,0 0,49 0,1 0,24-24,50-1,-24 25,-26 0,-24 0,-1 0,1 0,-25 0,0 0,-1 0,-24 0,25 0,-25 0,25 0,0 0,24 0,26 0,-26 0,1 0,-25 0,0 0,-1 0,1 0,-25 0,0-25,0 25,0-50,0 25,-25 1,25-26,0 25,0 0,0-24,0-1,0 1,0-1,0 0,0 26,0-1,0 0,0-25,0 26,0-1,0-50,0 51,0-26,0 25,0-24,0 24,0 0,0 25,0-25,0 25,0-25,0 1,0-1,0-25,0 25,0-24,0-26,0 26,0 24,-24-74,24 49,0-49,0 49,0 25,0-24,0-26,0 51,0-51,0 50,-25 25,0 0,0 0,0 0,1 0,-26 0,25 0,-49 0,49 0,0 25,-49-25,49 0,0 0,-24 0,-26 0,1 0,-26 0,-24 0,0 0,25 0,25 0,-1 0,-49 25,0 0,50-25,-50 0,49 0,-24 0,0 0,0 0,0 25,-25-25,49 0,-24 0,-75 0,100 0,24 0,-49 0,74 0,0 0,1 0,-1 0,-25 0,25 0,-49 0,0 0,-1 0,1 0,49 0,0 0,25 0,-25 0,1 0,-26 0,0 0,1 0,49 0,-25 0,0 24,25-24,-25 0,1 0,24 75,-25-1,25-24,-25-1,0 26,0-26,25 26,0-26,0-24,-25 50,1-1,-1-24,25-1,0-24,0 50,0-51,0 1,0 0,25-25,-25 50,0-26,0 1,0 25,0 24,0-24,0 24,0-49,0 0,24-25,-24 25,25-1,-25 1,0-25,25 25,-25 0,0 0,25-25,-25 0,0 24,25-24,0 25,-25 0,0-25,0 25,0 24,0-24,0-25,24 0,-24 0,75 25</inkml:trace>
   <inkml:trace contextRef="#ctx0" brushRef="#br0" timeOffset="236103.5043">14213 3473,'0'0,"0"0,0 24,0 1,0-25,-24 25,24 49,-25-49,0 75,0-1,-24-25,24 1,0 24,0 0,25-25,0-24,0 0,0 24,0 0,0-49,0 0,0 0,0-25,25 49,-25-24,25-25,0 25,-1-25,1 0,0 0,-25 0,25 0,-25 0,49 25,-24 0,25-25,-1 0,-49 0</inkml:trace>
@@ -1521,10 +1521,10 @@
   <inkml:trace contextRef="#ctx0" brushRef="#br0" timeOffset="239704.7103">14734 4638</inkml:trace>
   <inkml:trace contextRef="#ctx0" brushRef="#br0" timeOffset="239976.7258">15354 4762,'25'0,"0"0</inkml:trace>
   <inkml:trace contextRef="#ctx0" brushRef="#br0" timeOffset="240191.7381">15925 4738</inkml:trace>
-  <inkml:trace contextRef="#ctx0" brushRef="#br0" timeOffset="241296.8014">17264 4738,'0'0,"0"24,0-24,25 0,-25 25,0-25,0 50,25-50,-25 74,25-49,-25 25,0 49,0-25,0 1,0-50,0-1,0-24,0-24,0-26,0 25,0 0,25-24,-25-26,24 26,1-1,0 1,-25 49,50-50,-26 25,1 0,-25 25,0 0,25 0,0 0,-25 25,0-25,0 25,0 25,0-26,0 1,0 0,0 0,0 0,0-25,0 24,0 1,0 0,25-25,-25 0,49 0,-49 0,25 0,-25 0,50 0,-50 0,25 0</inkml:trace>
+  <inkml:trace contextRef="#ctx0" brushRef="#br0" timeOffset="241296.8013">17264 4738,'0'0,"0"24,0-24,25 0,-25 25,0-25,0 50,25-50,-25 74,25-49,-25 25,0 49,0-25,0 1,0-50,0-1,0-24,0-24,0-26,0 25,0 0,25-24,-25-26,24 26,1-1,0 1,-25 49,50-50,-26 25,1 0,-25 25,0 0,25 0,0 0,-25 25,0-25,0 25,0 25,0-26,0 1,0 0,0 0,0 0,0-25,0 24,0 1,0 0,25-25,-25 0,49 0,-49 0,25 0,-25 0,50 0,-50 0,25 0</inkml:trace>
   <inkml:trace contextRef="#ctx0" brushRef="#br0" timeOffset="242047.8443">17711 4465,'0'0,"0"25,50-25,-26 24,-24-24,0 25,0 0,0 25,0-50,0 24,0-24,0 25,0 0,0 25,-24-50,24 0,-25 0,25 0,25 0,-1 0,-24 0,25 0,25 0,-25 0,-1 24,-24-24,25 0,0 0,0 0</inkml:trace>
   <inkml:trace contextRef="#ctx0" brushRef="#br0" timeOffset="243343.9184">17289 4167,'0'0,"99"0,-74 0,74 0,-49 0,0 0,-50 0,49 0,-49 0,25 0,25 0,-50 0,25 0,-25 0,24 0,-24 0</inkml:trace>
-  <inkml:trace contextRef="#ctx0" brushRef="#br0" timeOffset="243975.9546">17736 3994,'25'0,"-1"24,1 26,0-50,0 25,0 0,-25-1,0-24,0 25,0-25,0 25,0 0,0-25,0 25,0-25,0 24,-50 1,50 25,0-50,-25 25,0 24,25-24,0 0,0 0</inkml:trace>
+  <inkml:trace contextRef="#ctx0" brushRef="#br0" timeOffset="243975.9545">17736 3994,'25'0,"-1"24,1 26,0-50,0 25,0 0,-25-1,0-24,0 25,0-25,0 25,0 0,0-25,0 25,0-25,0 24,-50 1,50 25,0-50,-25 25,0 24,25-24,0 0,0 0</inkml:trace>
   <inkml:trace contextRef="#ctx0" brushRef="#br0" timeOffset="244655.9935">18629 3746,'0'0,"0"24,0-24,0 25,-25-25,25 25,-25 0,25 0,0 24,-25-24,25 0,-25 24,25 1,-24-25,-1 24,25 1,0 0,0-1,0-24,0 0,0 24,0-49,0 0,25 0,-1 0,26 0,0 0,-50 0,49 0,-24 0,25 25,-1 0</inkml:trace>
   <inkml:trace contextRef="#ctx0" brushRef="#br0" timeOffset="245768.0571">25053 3522,'0'0,"25"0,-25 25,25 0,-25 0,24 24,1 1,0-25,0 24,-25 1,0-25,50 49,-50-74,0 25,0-25,0 50,0-50,0 24,0-24,0 25,0-25,0 25,0 0,-25-25,25 25,-25-25,25 24,-25 1,0 25,25-50,-25 0,25 25,0-25</inkml:trace>
   <inkml:trace contextRef="#ctx0" brushRef="#br0" timeOffset="247151.1362">14660 3944,'74'0,"75"0,-50 0,50 0,-50 0,1 0,-51 0,26 0,-26 0,-24 0,25 0,24 0,1 0,-51 0,51 25,-26-25,1 0,0 0,24 0,-24 0,49 0,-25 0,25 0,-24 0,-26 0,-49 0,25 0,-25 0,25 0,-25 0,0 0</inkml:trace>
@@ -1539,7 +1539,7 @@
   <inkml:trace contextRef="#ctx0" brushRef="#br0" timeOffset="253623.5064">23242 7491,'0'0,"25"0,-25 0,0 25,25-25,-25 49,0-24,0 25,0-25,0-1,0 26,25-25,-25 0,0-1,0 1,0-25,0 25,0-25,-25 50,25-50,-25 24,25 1,-25-25,25 0,0 0,-24 25,-1 0,25 0,0 24,-50-24,50 0,-25 0,25 0,0-50,0 0,0 0</inkml:trace>
   <inkml:trace contextRef="#ctx0" brushRef="#br0" timeOffset="254727.5695">21580 8657,'0'25,"0"-25,0 24,25-24,-25 50,0-50,0 25,0 24,0 26,25-1,-25 26,0 24,0-50,0 0,0-24,0 0,-25-1,25-24,-25 49,25-49,0 25,0-50,0 49,0-49,0-49,0-26,0 26,0 24</inkml:trace>
   <inkml:trace contextRef="#ctx0" brushRef="#br0" timeOffset="257767.7434">21605 8781,'-25'0,"25"0,0-25,25 25,25 0,-50 0,25 0,-1 0,-24 0,25 25,25 0,-25-25,24 24,-24-24,0 0,-25 25,0 0,0-25,0 25,0 24,0-49,0 25,0 0,0-25,0 0,-25 25,25-25,-25 25,25-25,0 49,0-49,-25 25,25-25,-24 25,-1 0,25-25,-25 0,0 25,25-25,-25 0,25 0,-24 0,24 0,0 0,24 0,-24 0,25 24,0 1,0 0,0 0,-25 24,49-49,-49 75,0-75,50 25,-50-1,0-24,25 25,-25-25,24 0,-24 25,25-25,0 0,-25 0,25 0,0 25,0 0,-1-25,-24 0,25 24,-25-48</inkml:trace>
-  <inkml:trace contextRef="#ctx0" brushRef="#br0" timeOffset="259137.8218">22077 8607,'0'0,"0"50,0-1,0-24,0 50,0-51,0 1,0 0,0-25,0 25,0 0,0-25,0 24,0-24,0 0,0 0,0-49,0-1,0 25,0-24,0 49,24-25,-24 25,0-25,25 25,0 0,-25-25,0 25,25-24,-25 24,25 0,-1 0,1 24,0 26,0-25,0 0,-25-25,0 24,0 26,0-25,0 0,0-25,0 24,0-24,24 0</inkml:trace>
+  <inkml:trace contextRef="#ctx0" brushRef="#br0" timeOffset="259137.8217">22077 8607,'0'0,"0"50,0-1,0-24,0 50,0-51,0 1,0 0,0-25,0 25,0 0,0-25,0 24,0-24,0 0,0 0,0-49,0-1,0 25,0-24,0 49,24-25,-24 25,0-25,25 25,0 0,-25-25,0 25,25-24,-25 24,25 0,-1 0,1 24,0 26,0-25,0 0,-25-25,0 24,0 26,0-25,0 0,0-25,0 24,0-24,24 0</inkml:trace>
   <inkml:trace contextRef="#ctx0" brushRef="#br0" timeOffset="260008.8716">22449 8384,'24'0,"-24"0,0 0,25 0,-25 25,25 0,0-25,-25 0,0 0,0 24,0-24,0 25,0 0,0-25,0 25,0-25,-25 49,25-49,-25 25,25-25,-25 25,1-25,24 25,0-25,0 25,-25-25,25 0,0 0,25 0,-1 0,26 0,-50 0,25 0,0 0,-1 0</inkml:trace>
   <inkml:trace contextRef="#ctx0" brushRef="#br0" timeOffset="260799.9169">22647 9302,'25'0,"49"0,1 0,-1 0,50 0,-25 0,-24 0,24 0,25 0,-50 0,-24-25,-25 25,24 0,1 0,0 0,-26 0,26 0,-50 0,0-25</inkml:trace>
   <inkml:trace contextRef="#ctx0" brushRef="#br0" timeOffset="261136.9361">23937 9103</inkml:trace>
@@ -1580,8 +1580,8 @@
   </inkml:definitions>
   <inkml:trace contextRef="#ctx0" brushRef="#br0">9054 11485,'0'0,"0"24,0 1,25 0,-25 25,0-1,0 26,0-51,0 26,0-25,0 0,0-1,0-24,0 50,0-50,0 25,0 24,0-49,0 25,0 0,0 0,0-25</inkml:trace>
   <inkml:trace contextRef="#ctx0" brushRef="#br0" timeOffset="2471.1413">9004 11385,'0'0,"0"0,149 25,-74-25,24 0,-49 0,24 0,25 0,-74 0,0 0,0 0,-1 0,1 0,25 0,-1 0,-24 0,25 0,-1 0,26 0,-26 0,26 25,-50-25,74 0,25 0,-25 25,-24-25,49 0,24 0,-48 0,48 25,-73-25,24 0,50 0,-50 0,50 0,-75 24,26 1,24 0,-25-25,-25 0,50 25,0-25,-49 0,24 0,-25 0,50 0,-49 0,-26 0,1 0,0 0,-1 0,1 0,-1 0,1 0,24 0,1 0,-26 0,26 0,-1 25,-24-25,0 0,24 24,50 1,-74-25,-1 0,-24 0,25 0,-1 0,1 0,-1 0,-24 0,0 0,0 0,-25 0,49 0,-24 0,0 0,-25 0,25 0,-25 0,49 0,-24 0,25 0,-1 0,26 0,-25 0,24 0,0 0,-49 0,0 0,0 0,-25 0,0 25,0 0,0 0,0-1,0-24,0 50,0-50,0 25,0-25,0 25,0-1,0 1,0 0,0 0,0-25,0 25,0-25,-25-25,-49 25,49-25,0 25,-49 0,49 0,-25 0,-24 0,49 0,-50 0,1 0,0 0,-1 0,1 0,24-25,-24 25,24 0,-24 0,-1 0,26 0,-50 0,-1 0,26 0,-50 0,49 0,1 0,-25 0,0 0,-1 25,-24 0,25-25,25 25,-50-1,24-24,26 0,-50 0,-25 0,-24 0,-1 25,0-25,-24 0,49 0,25 0,-50 0,75 0,-25 0,0-49,50 49,-26-25,51 25,-50-25,-1 25,26 0,-25 0,49 0,1-25,24 25,-25 0,1 0,24 0,-25 0,1 0,-1 0,25 0,0 0,-49 0,49 0,-49 0,49 0,25 0,-25 0</inkml:trace>
-  <inkml:trace contextRef="#ctx0" brushRef="#br0" timeOffset="4144.237">17041 10096,'50'0,"-1"0,-24 0,-25 0,50 0,-50 0,0 24</inkml:trace>
-  <inkml:trace contextRef="#ctx0" brushRef="#br0" timeOffset="4799.2745">16992 10468,'0'0,"0"0,49 0,26 0,-26 0,-24 0,-25 0</inkml:trace>
+  <inkml:trace contextRef="#ctx0" brushRef="#br0" timeOffset="4144.2369">17041 10096,'50'0,"-1"0,-24 0,-25 0,50 0,-50 0,0 24</inkml:trace>
+  <inkml:trace contextRef="#ctx0" brushRef="#br0" timeOffset="4799.2744">16992 10468,'0'0,"0"0,49 0,26 0,-26 0,-24 0,-25 0</inkml:trace>
   <inkml:trace contextRef="#ctx0" brushRef="#br0" timeOffset="5823.333">17711 10269,'-25'0,"25"0,0 25,0 0,-25 0,0-1,25 26,0 0,0-1,0-24,0 25,25-50,-25 0,25 24,-25-24,50 25,-50-25,25 0,-1 0,1 0,-25 0,25 0,-25 0,25 0,0 0,-25-25,49-49,-49 0,0-1,0 50,0 1,0-1,0 0,-25 25,-24-25,49 25,-25 0,-25 0,26 0,-1 0,-25 0,25 0</inkml:trace>
   <inkml:trace contextRef="#ctx0" brushRef="#br0" timeOffset="8183.468">15950 10220,'0'0,"-25"0,-25 0,50 0,-49 0,49 0,-25 0,25 49,-25-24,25 0,-25 24,25 1,0 24,0-49,0 25,0-1,0-49,0 25,0 0,0 0,0-25,25 0,0 0,-25 0,50-25,-50-25,24-24,51-75,-50 50,-1-50,1 0,0 100,-25-1,25 0,-25 26,25-26,-25 50,0-25,0 25,0 0,0 0,0 0,-25 75,25-26,0 26,-25-1,25 25,-25-49,0 24,25-24,0 24,0-24,0 0,0 24,0-24,0-50,25 24,-25 1,0-25,50 0,24 0,-24 0,-25 0,-1-49,1 49,0-25,49-50,-74 51,25-26,0-24,-25 49,0-50,0 51,0 24,-50-25,50 25,-24 0,-1 0,25 0,-25 0,25 0,-25 25,0-1,25 1,0 25,0-25,0-1,0 26,0-25,0 0,0-1,0 26,0-25,0 0,0-1,0 1,0 0,25-25,-25 0,25 0,0 25,74-25,-99 0,25 0,24-25,-49 0,25-24,-25 24,0 0,50-49,-50 24,0 25,0-24,0-1,0 50,0-25,0 0,0 1,0-1,0 25,0-25,0 0,0 50,-25 0,25 24,0-24,0 50,0-26,0 26,0-26,0 26,0-26,0 26,0-1,0-24,0-26,0 1,0-25,25 0,0-25,-1 25,26-24,-25-1,0 25,-25-25,25 0,-25 0,0 1,0-26,0 25,0 0,0 1,0-1,-25 0,0 25,0-50,-25 50,26-24,-1 24,0-25,25 25,-25 0,25 0,75 0,-1 0,1 0,-1 0,0 0,-74 0</inkml:trace>
   <inkml:trace contextRef="#ctx0" brushRef="#br0" timeOffset="15439.8831">9004 7789,'0'49,"0"-24,0 0,0 74,25-24,-25 24,25 0,-25 25,0 0,0-50,0 1,0-1,0-24,0-25,0-1,0 1,0 0,25 25,-25-50,0 24,0 1,0 0,0 0,25 25,-25-26,24 51,-24 74,0-75,0-24,25 24,0 25,0-24,-25-26,0-24,0 25,0-26,0-24,0 50,0-50,0 25,0 0,0-1,0 1,0-25,0 25,0 0,0 25,0-1,0-24,0 25,0 24,-25 0,0-24,25-25,0 24,-25-24,25 0,0 0,0 0,0-1,0 26,0-50,0 25,0-25,0 49,0-49,0 25,0-25,0 75,0-26,0 26,0-26,0 1,25-25,-25 24,25-49,25 0,-1 0,1 0,-25 0,49 0,-49 0,25 0,-26 0,1 0,0 0,0 0,0 0,-1 0,26 0,0 0,24 0,-24 0,-1 0,26 0,-51 0,26 0,-50 0,25 0,24 0,-24 25,0-25,0 0,0 0,24 0,-24 0,0 0,74 0,25 0,-49 0,-26 0,26 0,-51 0,26 0,-25 0,24 0,-24 0,50 0,-1 0,50 0,-25 0,50 0,-50 0,-24 0,24 25,-25-25,1 0,-1 0,1 0,-1 0,-24 0,-1 0,1 0,-1 0,26 0,-26 25,76 0,-1 24,-25-49,50 25,-75-25,50 0,-50 0,1 0,-26 50,1-50,-25 24,24-24,-24 0,0 0,25 0,24 0,-24 0,24 0,-24 0,-1 0,1 0,0 0,-50 0,49 0,-24 0,0 0,0 0,-25 0,24 0,1 0,-25 0,25 0,-25 0,25 0,0 0,24 0,-24 0,0 0,24-24,26 24,24 0,-49 0,-25 0,24 0,-49 0,25 0,0 0,0 0,-1 0,1 0,0 0,25 0,-26 0,1 0,-25 0,25 0,-25 0,50 0,-26 0,-24 0,50 0,-25 0,0 0,-1 0,-24 0,0-25,0 0,0-25,0-24,0 24,0 1,0-1,0 0,0-24,0 0,0 24,0 0,0 26,0-26,0 25,0-24,0 24,0-50,0 26,0 49,0-50,0-49,0 49,0 26,0-1,0-25,0 1,0 24,0-25,0-24,0-26,0 26,0-25,0 24,0 1,0 0,0 24,0-24,0-1,0-24,0-25,0 49,0-24,0-74,0 73,-24 26,24-75,0 50,0 25,0-26,0 26,0-1,0 26,0 24,0 0,0 0,0 25,0-24,-75 24,50 0,1 0,-26-25,25 25,-24 0,-26 0,1-25,24 25,-24 0,24 0,0 0,26 0,-26 0,0 0,26 0,-26 0,-49 0,24 0,1 0,24 0,-24 0,0 0,-1 0,26 0,-1 0,-24-25,24 25,-25 0,51 0,-51 25,-49-25,50 0,-1 0,-24 0,25 0,-1 0,26 0,-1 0,-24 0,-50 0,24 0,1 0,25 0,-50 0,-25 0,0 0,50 0,49 0,1 0,-1 0,-74 0,50 0,-26 0,51 0,-1 25,1-25,-1 0,0 0,26 0,-1 0,-25 0,1 0,24 0,-25 0,-24 0,24 0,-49 0,49 0,-49 0,50 0,-76 0,76 0,-26 0,51 0,-1 0,-25 0,50 0,-49 0,24 0,0 0,0 0,0 0,-74 0,25 0,24 0,-24 0,-1 0,26 0,24 0,0 0,0 0,1 0,24 0,-25 0,-25 0</inkml:trace>
@@ -1594,20 +1594,20 @@
   <inkml:trace contextRef="#ctx0" brushRef="#br0" timeOffset="22151.2669">19943 9203,'0'0,"50"0,24 0,-24 0,24 0,-24 0,0 0,-1 0,-24 0,25 0,-1 0,-24 0,25 0,-1 0,26 0,-51 0,1 0,25 0,-1 0,26 0,-1 0,50 0,-24 0,48 0,-123 24,25 1</inkml:trace>
   <inkml:trace contextRef="#ctx0" brushRef="#br0" timeOffset="22840.3063">22349 8607,'0'0,"0"25,50 74,-50-49,0 24,25 25,-25-24,0 24,0-24,0-26,0 1,-25-25,25 49,0-24,0-1,0-24,0 25,0-50,0 24,0 1,0 0,0-25,0 25,0-25,0-50</inkml:trace>
   <inkml:trace contextRef="#ctx0" brushRef="#br0" timeOffset="23807.3617">22374 8756,'25'0,"0"0,0 0,24 0,-24 0,0 0,0 0,-25 0,24 0,1 0,-25 0,25 0,-25 25,0-25,25 49,-25-24,0 0,0 25,0-26,0 1,0 0,0 25,0-50,0 49,0-49,0 0,-25 25,25-25,-50 0,50 25,-24 0,-1-25,0 0,-25 25,50-1,0-24,-24 0,-1 0,25 0,25 0,24 0,1 0,-25 0,-1 25,26 0,-50-25,50 25,-26 0,26 24,-25 1,24-1,1-49,-25 50,24-50,-24 0,0 0,0 0,0 0,0 0,-1 0,1 0,-25 25</inkml:trace>
-  <inkml:trace contextRef="#ctx0" brushRef="#br0" timeOffset="24031.3745">23813 9847,'0'0,"0"-24,0 24</inkml:trace>
+  <inkml:trace contextRef="#ctx0" brushRef="#br0" timeOffset="24031.3744">23813 9847,'0'0,"0"-24,0 24</inkml:trace>
   <inkml:trace contextRef="#ctx0" brushRef="#br0" timeOffset="27175.5543">6896 10492,'0'0,"25"0,0 50,-25-25,24-25,1 25,-25-1,25 1,-25 0,25 25,0-1,-25-24,0 0,0 0,24-1,-24-24,25-49,75-26,-51-24,1 25,-1-25,1 99,-25-50</inkml:trace>
   <inkml:trace contextRef="#ctx0" brushRef="#br0" timeOffset="35192.0128">18083 14511,'0'0,"0"0,25 0,0 25,-25-25,24 24,-24-24,25 50,0 24,0-49,0 25,24 24,-24-49,25 25,-26-26,1 1,-25 0,0-25,25-50,-25-24,50-25,-50 49,49-24,1-25,-1 49,1-24,0-1,74 1,-75 49,100-74,-74 49,-26 50,-24-25,0 25</inkml:trace>
   <inkml:trace contextRef="#ctx0" brushRef="#br0" timeOffset="52567.0066">3746 6325,'0'0,"25"0,-25 0,49 0,1 0,24 0,1 0,-1-25,1 25,-51 0,26 0,0 0,-50 0,24 0,51 0,-26 0,1 0,0 0,24 0,-24 0,-1 0,1 0,-1 0,1 0,0 0,-50 0,49 0,-49 0,25 0,25 0,-25 0,-1 0,26 25,0-25,-1 0,1 0,-1 0,1 0,-50 0,50 0,-1 0,1 0,-25 0,-1 0,51 0,-75 0,25 0,24 0,-49 0,25 0,0 0,0 0,-1 0,1 0,-25 0,50 0,-50 0,25 0,24 0,1 0,-25 0,-1 0,51 0,-75 0,25 0,0 0,-1 0,-24 0,25 0,-25 0,50 0,-50 0,25 0,49 0,-24 0,-26 0,1 0,25 0,-25 0,-1 0,1 0,0 0,-25 0,0 25,25-25,-25 0,99 0,-74 0,0 0,-1 0,1 0,25 0,-50 0,25 0,-25 0</inkml:trace>
   <inkml:trace contextRef="#ctx0" brushRef="#br0" timeOffset="90663.1856">12700 17611,'0'25,"0"0,0 0,25 0,-25-1,0-24,25 50,-25-25,50 0,-50 24,24 26,1-1,0 0,-25 1,0-26,0 1,0 0,0-26,0 26,0-50,0 25,0-25,0 0,0 25,-25-1,0 26,-49-25,49 0,-24 0,-1-25,0 0,1 24,-1 26,0-50,1 25,-1-25,-24 25,24-1,25-24,1 0,-26 0,0 25,26-25,-26 0,0 0,26 0,-1 0,-25 0,50 0,-25 0,25 0,-24 0,-1 0,25 0,-25 0,0 0,0 0,1-25,-1 1,-74-26,49 0,25-24,0 49,1-25,-1 26,25-1,0 25,0-25,0 0,0-24,0 49,0-50,25 0,-25 50,0-49,24 49,1-50,0 50,0-49,0-1,24 25,-24 0,0-24,-25 49,25-25,-1 25,1 0,-25-25,25 0,0 25,24-49,-24 24,0 25,-25-25,25 25,-25 0,25 0,-25 0,24 0,-24 0,25-25,0 25,0 0,-25 0,25 0,-1 0,1 0,-25 0,50 0,-50 0,25 0,-1 0,1 0,-25 0,25 0,-25 0,50 0,-26 0,1 0,0 0,-25 25,0-25,25 0,-25 0,49 25,-49-25,50 0,-50 25,25-25,-25 25,0-25,25 24,0-24,-25 0,24 25,-24-25,25 0,-25 25,0-25,25 0,49 25,-49-25,25 0,-50 0,25 0,-25 0,24 0,-24 0</inkml:trace>
-  <inkml:trace contextRef="#ctx0" brushRef="#br0" timeOffset="91743.2474">10989 15354,'25'0,"99"0,-25 0,-50 0,26 0,-50 0,0 0,-1 0,-24 0,25 0</inkml:trace>
+  <inkml:trace contextRef="#ctx0" brushRef="#br0" timeOffset="91743.2473">10989 15354,'25'0,"99"0,-25 0,-50 0,26 0,-50 0,0 0,-1 0,-24 0,25 0</inkml:trace>
   <inkml:trace contextRef="#ctx0" brushRef="#br0" timeOffset="92303.2794">11162 15205,'0'25,"-24"49,24-49,-50 25,25 24,25-49,-25 50,1-26,-1 26,0-1,0-24,25-26,0 1</inkml:trace>
   <inkml:trace contextRef="#ctx0" brushRef="#br0" timeOffset="92735.3041">11063 15577,'0'0,"25"50,-25 24,25 1,-25-26,0 26,25-26,-1 26,-24 24,0-74,0 24,0-24,0 25,0-25,0-1,0-48,0-1,0 0</inkml:trace>
   <inkml:trace contextRef="#ctx0" brushRef="#br0" timeOffset="93719.3604">11237 15528,'25'0,"-25"0,49 0,-49 0,50 25,-25-25,0 0,-1 0,-24 24,0-24,-24 25,-1-25,-25 25,25 0,0 0,25-25,0 24,0 1,0 0,0 0,0 0,25 24,0 1,0-1,0 1,-25-50,25 25,-25 0,0-1,0-24,0 25,0 0,0-25,-25 0,-25-25,25 0,-49-24,49 24,0 25,25-25,0 0,0 25,0-24,0-1,0 0,25 25,-25 0,0-25,74 25,-24 0,0 0,-1 0,1 0,-50 0,25 0,-25 0</inkml:trace>
   <inkml:trace contextRef="#ctx0" brushRef="#br0" timeOffset="94216.3888">11758 15602,'0'0,"0"0,25 0,-1 0,26 0,-50 0,25 0,-25 0</inkml:trace>
-  <inkml:trace contextRef="#ctx0" brushRef="#br0" timeOffset="94695.4162">11807 15453,'0'0,"0"50,0 0,0-26,0 26,0-50,0 25,0 0,-24-1,-1 26,0 24,25-24,-25 0,0-1,25 1,0-50,0 0,-24 0,24 0</inkml:trace>
-  <inkml:trace contextRef="#ctx0" brushRef="#br0" timeOffset="95063.4373">11758 15850,'0'0,"0"25,0-25,0 25,25 0,-1-1,-24-24,0 124,25-74,-25 0,0-26,25 1,-25-25,25 0,-25 0,0-49,0-1,25 0,-25 1,0-1,0 25,0 25,0-24,0-26,-25 50</inkml:trace>
-  <inkml:trace contextRef="#ctx0" brushRef="#br0" timeOffset="95391.456">11882 15850,'0'0,"0"0,49 0,-24 0,25 0,-25 0,24 0,26 0,-51 0,26 0,-25 0,-25 0,0 0,0 0</inkml:trace>
-  <inkml:trace contextRef="#ctx0" brushRef="#br0" timeOffset="96264.506">12204 15776,'-25'0,"25"0,0 0,0 25,0-1,0 1,0-25,0 25,0 25,0-26,0 1,0 74,0-74,0 25,0-25,0-25,0 0,0 0,0 0,0 0,0-25,0 0,-24 25,24-25,-25 25,25 0,-25-25,25 25,-25 0,0 0,25 0,-24 0,-1 0,25 0,0 0,0 0,25 0,-1 0,1 25,50-25,-26 0,1 0,-1 0,-24 0,0 0,-25 0,0 0,0 0,-25 0</inkml:trace>
+  <inkml:trace contextRef="#ctx0" brushRef="#br0" timeOffset="94695.4161">11807 15453,'0'0,"0"50,0 0,0-26,0 26,0-50,0 25,0 0,-24-1,-1 26,0 24,25-24,-25 0,0-1,25 1,0-50,0 0,-24 0,24 0</inkml:trace>
+  <inkml:trace contextRef="#ctx0" brushRef="#br0" timeOffset="95063.4372">11758 15850,'0'0,"0"25,0-25,0 25,25 0,-1-1,-24-24,0 124,25-74,-25 0,0-26,25 1,-25-25,25 0,-25 0,0-49,0-1,25 0,-25 1,0-1,0 25,0 25,0-24,0-26,-25 50</inkml:trace>
+  <inkml:trace contextRef="#ctx0" brushRef="#br0" timeOffset="95391.4559">11882 15850,'0'0,"0"0,49 0,-24 0,25 0,-25 0,24 0,26 0,-51 0,26 0,-25 0,-25 0,0 0,0 0</inkml:trace>
+  <inkml:trace contextRef="#ctx0" brushRef="#br0" timeOffset="96264.5059">12204 15776,'-25'0,"25"0,0 0,0 25,0-1,0 1,0-25,0 25,0 25,0-26,0 1,0 74,0-74,0 25,0-25,0-25,0 0,0 0,0 0,0 0,0-25,0 0,-24 25,24-25,-25 25,25 0,-25-25,25 25,-25 0,0 0,25 0,-24 0,-1 0,25 0,0 0,0 0,25 0,-1 0,1 25,50-25,-26 0,1 0,-1 0,-24 0,0 0,-25 0,0 0,0 0,-25 0</inkml:trace>
 </inkml:ink>
 </file>
 
@@ -1637,7 +1637,7 @@
   <inkml:trace contextRef="#ctx0" brushRef="#br0" timeOffset="34679.9836">17438 11311,'0'0,"0"0,0 0,50 0,-1 0,50 0,-49 0,0 0,24 0,-24 0,-1 0,1 0,-25 0,0 0,-25 0,24 0,-24 0,25 0,0 0,0 0,74 0,-49 0,24 0,-24 0,24 0,-49 0,49 0,-49 0,0 0,0 0,-1 0,1 0,25 0,-25 0,-1 0,-24 0,25 0,0 0,0 0,25 0,49 0,-50 0,-24 0,0 0,0 0,0 0</inkml:trace>
   <inkml:trace contextRef="#ctx0" brushRef="#br0" timeOffset="36392.0815">20712 11261,'0'0,"50"0,-1 0,-24 0,50 0,-75 0,25 0,24 0,-49 0,25 0,-25 0,50 0,-26 0,26 0,0 0,24 0,-49 0,49 0,-74 0,50 0,24 0,1 0,-26 0,26 0,24 0,0 0,0 0,50 0,0 0,-75 0,50 0,-49 0,-26 0,1 0,0 0,-26 0,1 0,0 0,25 0,-1 0,-24 0,25 0,-1 0,1 0,0 0,-26 0,51 0,-50 0,-1 0,-24 0,25 0</inkml:trace>
   <inkml:trace contextRef="#ctx0" brushRef="#br0" timeOffset="41560.3772">17785 11410,'-49'0,"24"0,0 0,0 0,0 0,1 0,-1 0,0 0,25 0,-25 0,25 0,-49 0,49 0,-50 0,50 0,-25 0,0 0,1 0,-26 0,0-25,1 25,24 0,25 0,-25 0,25-24,0-1,-49 25,24-50,0 50,25-25,-25 1,0-26,1 50,-1-25,25 0,0 25,0-25,-25 1,25-1,0 0,0 0,0 0,0 1,0-1,0 0,0 25,0-25,-25 0,25 25,0-24,0-26,0 25,0 0,0 1,0-1,0 0,0 25,0-50,0 26,0-1,0-25,0 50,0-49,25 49,-25 0,0-25,0 25,0-25,25 0,-25 0,0-24,25 24,-25 0,24 25,1 0,0-49,-25 49,0 0,25-25,0 25,-1-25,26 0,-25 25,0 0,24-25,-49 25,50-24,-50 24,25 0,49 0,-24-50,-1 50,1-25,-25 25,-25 0,24 0,1 0,-25 0,25 0,50 0,-75 0,24 0,51 0,-50 0,-1 0,26 0,-25 0,0 0,24 0,-24 0,25 0,-1 0,1 0,24 0,1 0,-1 0,-24 0,24 0,-24 0,24 0,-49 0,74 0,-49 0,24 0,-49 0,0 0,24 0,-49 0,25 0,-25 0,25 0,25 0,-26 25,1-25,25 25,-1-25,-49 0,50 0,-50 0,25 0,0 0,-1 0,1 0,-25 0,25 25,-25-25,25 24,-25-24,25 50,-25-50,0 25,0 0,0-1,0 1,24 0,-24 25,25-1,0 1,-25-1,0 1,0 0,25-26,-25 26,0-50,25 0,-25 25,0-25,0 25,0-1,0 1,0-25,0 50,-25-25,25-1,0 1,0 0,0 0,0 0,-25-1,25-24,-25 25,25 0,0 0,-25 0,25-1,0-24,-24 0,-1 25,25-25,0 25,0 0,-25-25,25 25,-25 0,0-1,25 26,-24-25,-26 24,50 1,0-50,0 25,-25-25,25 0,-25 0,25 25,-49-1,-1-24,1 25,-1 0,0-25,26 0,-1 0,25 0,0-25,0 0,-25-24,25 49,-25-50,25 50</inkml:trace>
-  <inkml:trace contextRef="#ctx0" brushRef="#br0" timeOffset="44898.5681">18182 5829,'75'25,"73"49,-73 26,-50-76,-1 51,-24-50,25-1,-25 1,0 0,0 0,0 0,25-1,-25 1,0-25,0 0,0-25,0-24,0-1,25 25,0-24,-25 49,0-25,24 0,-24 0,50-74,-25 74,0 1,-1-26,-24 25,25-25,0 50,0-24,0-1,-25 0,74-25,-49 26,0-1,24-25,-24 50,-25 0,25 0,-25-25,0 25,50-24,-26-1,1 0,25 0,-50 0,49 25,-24-24,-25-1</inkml:trace>
+  <inkml:trace contextRef="#ctx0" brushRef="#br0" timeOffset="44898.568">18182 5829,'75'25,"73"49,-73 26,-50-76,-1 51,-24-50,25-1,-25 1,0 0,0 0,0 0,25-1,-25 1,0-25,0 0,0-25,0-24,0-1,25 25,0-24,-25 49,0-25,24 0,-24 0,50-74,-25 74,0 1,-1-26,-24 25,25-25,0 50,0-24,0-1,-25 0,74-25,-49 26,0-1,24-25,-24 50,-25 0,25 0,-25-25,0 25,50-24,-26-1,1 0,25 0,-50 0,49 25,-24-24,-25-1</inkml:trace>
   <inkml:trace contextRef="#ctx0" brushRef="#br0" timeOffset="78168.471">18083 6722,'0'0,"0"0,25 0,0 0,-1 0,51 25,49 0,-25-1,-49-24,-26 0,-24 0,0 0,-24 0,24 0,-25 0,0 0</inkml:trace>
   <inkml:trace contextRef="#ctx0" brushRef="#br0" timeOffset="78904.5131">18083 6995,'25'0,"24"0,1 0,-25 0,49 0,-49 0,25 0,-26 0,1 0,0 0,-25 0,25 0</inkml:trace>
   <inkml:trace contextRef="#ctx0" brushRef="#br0" timeOffset="83120.7543">18306 11881,'25'50,"25"0,-1 24,1-49,-1 49,51 26,-51-26,-49 0,0-49,25 0,-25-25,0 25,0-25,25 0,-25 0,74-75,1 1,-1-25,-24-25,24 74,-24 0,-1-24,-24 49,0 0,25 1,-1-1,26 0,-51 25,26 0,24 0,-24 0,24 0,50-25,-24 0,-26-24,-49 49,0 0,-25 0,-25 0,25 0,-25 0,25 0</inkml:trace>
@@ -1695,7 +1695,7 @@
     </inkml:brush>
   </inkml:definitions>
   <inkml:trace contextRef="#ctx0" brushRef="#br0">8384 11187,'0'0,"0"0,50 0,-25 0,0 0,-1 0,-24 0,50 0,-25 0,0 0,-25 0,24 0,-24 0,25 0,-25 0,25 0,0 0,0 0,-1 0,26 0,-25 0,-25 0,25 0,-1 0,1 0,0 0,0 0,0 0,-1 0,1 0,0 0,0 0,0 0,-1 0,1 0,0 0,0 0,0 0,-1 0,1 0,-25 0,25 0,0 0,0 0,0 0,-1 0,1 0,-25 0,50 0,-1 0,-49 0,50 0,-25 0,-25 0,25 0,-1 0,26 0,-50 0,25 0,0 0,24 0,1 0,-25 0,24 0,-24 0,0 0,0 0,-25 0,49 0,-49 0,25 0,0 0,0 0,-25 0,24 0,1 0,0 0,-25 0,50 0,-50 0,24 0,-24 0,25 0,-25 0,25 0,0 0,-25 0,25 0,-25 0,49 0,-49 0,25 0,-25 0,25 0,0 0,-25 0,25 0,-25 0,24 0,-24 0,25 0,0 0,-25 0,25 0,-25 0,49 0,-49 0,25 0,-25 0,25 0,-25 0,25 0,0 0,24 0,-24 0,0 0,-25 0,25 0,-25 0,24 0,-24 0,25 0,0 0,-25 0,25 0,-25 0,49 0,-49 0,25 0,-25 0,25 0,-25 0,25 0,0 0,-25 0,24 0,-24 0,25 0,0 0,-25 0,25 0,-25 0,25 0,-25 0,24 0,1 0,-25 0,25 0,-25 0,25 0,0 0,-25 0,25 0,-25 0,24 0,-24 0,25 0,0 0,-25 0,25 0,-25 0,25 0,-1 0,-24 0,25 0,-25 0,25 0,-25 0,25 0,0 0,-25 0,24 0,-24 0,25 0,0 0,-25 0,25 0,-25 0,25 0,-25 0,24 0,1 0,-25 0,25 0,0 0,0 0,-25 0,24 0,1 0,0 0,-25 0,25 0,-25 0,25 0,-25 0</inkml:trace>
-  <inkml:trace contextRef="#ctx0" brushRef="#br0" timeOffset="10104.5779">11981 11237,'0'0,"50"0,-50 0,49 0,-24 0,25 0,24 0,0 0,75 0,-25 0,-24 0,-26 0,-24 0,-50 0,24 0,51 0,-50 0,24 0,26 0,-26 0,-24 0,25 0,-26 0,1 0,0 0,0 0,-25 0,25 0,24 0,26 0,-1 0,1 0,-1 0,0 0,-24 0,24 0,1 0,-1 0,1 0,-51 0,26 0,24-25,1 25,-1 0,-49 0,0 0,24 0,-24 0,0 0,25 0,-1 0,1 0,-25 0,24 0,26 0,-1 0,-49 0,25 0,-26 0,26 0,-25 0,0 0,-25 0,24 0,-24 0,25 0,-25 0</inkml:trace>
+  <inkml:trace contextRef="#ctx0" brushRef="#br0" timeOffset="10104.5778">11981 11237,'0'0,"50"0,-50 0,49 0,-24 0,25 0,24 0,0 0,75 0,-25 0,-24 0,-26 0,-24 0,-50 0,24 0,51 0,-50 0,24 0,26 0,-26 0,-24 0,25 0,-26 0,1 0,0 0,0 0,-25 0,25 0,24 0,26 0,-1 0,1 0,-1 0,0 0,-24 0,24 0,1 0,-1 0,1 0,-51 0,26 0,24-25,1 25,-1 0,-49 0,0 0,24 0,-24 0,0 0,25 0,-1 0,1 0,-25 0,24 0,26 0,-1 0,-49 0,25 0,-26 0,26 0,-25 0,0 0,-25 0,24 0,-24 0,25 0,-25 0</inkml:trace>
   <inkml:trace contextRef="#ctx0" brushRef="#br0" timeOffset="16489.9432">17612 6648,'24'0,"26"0,-25 24,25 51,24-1,-24 1,49-1,-50 1,1-51,-25 1,0 0,-1 0,1 0,-25-1,25-24,-25 0,25 0,0 0,24 0,-24 0,0-24,24-26,51-24,-51 24,-24 0,99-49,25-99,25 74,-100 24,100 1,-50 0,-75 74,1 0,-25 25</inkml:trace>
   <inkml:trace contextRef="#ctx0" brushRef="#br0" timeOffset="18242.0434">9128 13543,'0'0,"124"0,-74 0,25 0,24 0,-50 25,26-25,-1 0,1 0,-26 0,1 0,24 0,-49 0,0 0,24 0,-24 0,25 0,-1 0,26 0,-1 0,-24 0,24 0,-49 0,50 0,-26 0,-24 0,25 0,-26 0,1 0,0 0,0 0,0 0,-25 0,49 0,-49 0,25 0,25 0,-50 0,24 0,-24 0,50 0,-50 0,25 0,-25 0,25 0</inkml:trace>
   <inkml:trace contextRef="#ctx0" brushRef="#br0" timeOffset="22081.263">12552 13915,'0'0,"74"0,-24 0,-1 0,-24 0,25 0,-1 0,-49 0,25 0,0 0,-25 0,25 0,-1 0,26 0,-25 0,24 0,-49 0,25 0,0 0,-25 0,25 0,24 0,-49 0,50 0,-50 0,25 0,-25 0,25 0,-25 0,24 0,1 0,0 0,-25 0,50 0,-1 0,1 0,-25 0,24 0,-24 0,0 0,0 0,-25 0,25 0,-1 0,-24 0</inkml:trace>
@@ -1703,12 +1703,12 @@
   <inkml:trace contextRef="#ctx0" brushRef="#br0" timeOffset="33368.9086">15900 12750,'0'0,"0"0,25 0,-25 0,25 0,0 24,-1 1,-24-25,0 25,25-25,0 25,-25 0,0-1,25 1,-25 0,25 0,-25 0,0-25,24 0,26-25,24 0,1-25,-26 1,26-26,49-24,-50 99,1 0,-75-25,25 25,-25 0,24 0,1 0,-25 0,25 0,-25 0,25 0</inkml:trace>
   <inkml:trace contextRef="#ctx0" brushRef="#br0" timeOffset="44946.5708">4366 16669,'0'25,"0"-1,-25-24,25 25,0-25,0 0,0 25,0 0,-25 0,1-25,24 24,0 1,0-25,-25 0,25 50,0-25,0-25,-25 24,25-24,25 0,-25 0,25 0,-1 0,-24 0,25 0,0 0,0 0,0 0,-1 0,-24 0,25 0,0 0,0 0,-25 0,25 0,-25 0,0-24,-50 24,25 0,0-25,25-25,-24 25,-1 1,25 24,0-25,0 25,-25 0</inkml:trace>
   <inkml:trace contextRef="#ctx0" brushRef="#br0" timeOffset="46656.6686">6797 16743,'0'0,"0"0,25 0,24 0,-24 0,25 0,-1 0,26 0,-26 0,1 0,-25 0,24 25,-24 0,0-25,0 0,0 0,-25 0,49 0,-24 0,49 0,-24 0,24 0,26 25,-26-1,0-24,-24 25,-25-25,0 0,-1 25,1-25,25 0,-50 0,25 0,-25 0,49 0,-49 0,50 0,0-25,-1 25,-24 0,0 0,0 0,-25 0,24 0,1 0,-25 0,25 0,-25 0,25 0,-25 0,25 0,-1 0,-24 0,25 0</inkml:trace>
-  <inkml:trace contextRef="#ctx0" brushRef="#br0" timeOffset="47761.7318">10319 16718,'0'0,"0"0,25 0,0 0,-25 0,25 0,-25 0,24 0,1 25,25-25,-25 0,-1 0,1 0,0 0,0 0,0 0,-1 0,1 0,0 0,25 0,-26 0,26 0,0 0,-1 0,1 0,-1 0,-24 0,0 0,0 0,-25 0,25 0,-1 0,1 0,-25 0,25 0</inkml:trace>
+  <inkml:trace contextRef="#ctx0" brushRef="#br0" timeOffset="47761.7317">10319 16718,'0'0,"0"0,25 0,0 0,-25 0,25 0,-25 0,24 0,1 25,25-25,-25 0,-1 0,1 0,0 0,0 0,0 0,-1 0,1 0,0 0,25 0,-26 0,26 0,0 0,-1 0,1 0,-1 0,-24 0,0 0,0 0,-25 0,25 0,-1 0,1 0,-25 0,25 0</inkml:trace>
   <inkml:trace contextRef="#ctx0" brushRef="#br0" timeOffset="59538.4054">19199 16743,'0'0,"25"-25,49 25,-49 0,-25 0,50 0,-1 0,-24 0,25 0,-50 0,25 0,-1 0,-24 0,25 0,0 0,25 0,-26 0,1 0,-25 0,0 0,0 0,-25 0,50 0,99 25,-24 0,24 0,49-25,-98 0,49 0,0 0,-75 0,50 0,-99 0,0 0,-24 0,-1 0,-25 0,50-25,-25 25</inkml:trace>
   <inkml:trace contextRef="#ctx0" brushRef="#br0" timeOffset="60498.4603">20142 15776,'25'25,"-25"-1,0 1,0 0,0 25,49-1,-24 1,25 49,-26-25,26-24,-50 0,0-50,25 0,0-25,-1 0,-24 0,25-24,0 24,0-25,24 1,1-1,0 0,24-49,25 0,-74 49,50 1,-26-26,-24 51,0-26,0 50,-25 0,24-25,1 25,-25 0</inkml:trace>
-  <inkml:trace contextRef="#ctx0" brushRef="#br0" timeOffset="78986.5178">17661 6623,'0'0,"25"0,25 0,-1 0,1 0,-25 0,0 0,24 0,-24 0,0 0,24 25,-49-1,25-24,0 0,-25 25,0-25,25 0,-25 0,49 0,1 0,-25 0,0 0,49 0,-49 25,0-25,-1 0,-24 0,25 0,0 0,-25 0,25-25,-25 25,25 0,-25-25,24 25,1-24,0-1,0 0,0 0,-1 0,1 25,25-49,-50 49,25 0,-1 0,1-25,-25 0,50 25,-25 0,0 0,24 0,-49 0,50 0,-25 0,-1 0,26-25,0 25,-26 0,-24-24,25 24,0 0,0 0,0 0,-25 0,24 0,1-25,25 0,-1 25,1-25,-25 0,24 1,-49 24,25 0,0 0,0 0,-25-25,25 25,-1-50,1 50</inkml:trace>
-  <inkml:trace contextRef="#ctx0" brushRef="#br0" timeOffset="84104.8105">6524 6772,'0'0,"25"0,0 0,-25 24,24-24,51 50,-1 99,1-50,-1 50,-49-50,24-24,-24-26,0-24,-25 0,25-25,-25 0,49 25,-49-25,0 0</inkml:trace>
-  <inkml:trace contextRef="#ctx0" brushRef="#br0" timeOffset="84768.8485">7094 6970,'-24'0,"-51"0,26 0,-1 25,-24 0,24 24,0-24,1 0,-26 25,26-26,24 1,25 0,-25 25,25-50</inkml:trace>
+  <inkml:trace contextRef="#ctx0" brushRef="#br0" timeOffset="78986.5177">17661 6623,'0'0,"25"0,25 0,-1 0,1 0,-25 0,0 0,24 0,-24 0,0 0,24 25,-49-1,25-24,0 0,-25 25,0-25,25 0,-25 0,49 0,1 0,-25 0,0 0,49 0,-49 25,0-25,-1 0,-24 0,25 0,0 0,-25 0,25-25,-25 25,25 0,-25-25,24 25,1-24,0-1,0 0,0 0,-1 0,1 25,25-49,-50 49,25 0,-1 0,1-25,-25 0,50 25,-25 0,0 0,24 0,-49 0,50 0,-25 0,-1 0,26-25,0 25,-26 0,-24-24,25 24,0 0,0 0,0 0,-25 0,24 0,1-25,25 0,-1 25,1-25,-25 0,24 1,-49 24,25 0,0 0,0 0,-25-25,25 25,-1-50,1 50</inkml:trace>
+  <inkml:trace contextRef="#ctx0" brushRef="#br0" timeOffset="84104.8104">6524 6772,'0'0,"25"0,0 0,-25 24,24-24,51 50,-1 99,1-50,-1 50,-49-50,24-24,-24-26,0-24,-25 0,25-25,-25 0,49 25,-49-25,0 0</inkml:trace>
+  <inkml:trace contextRef="#ctx0" brushRef="#br0" timeOffset="84768.8484">7094 6970,'-24'0,"-51"0,26 0,-1 25,-24 0,24 24,0-24,1 0,-26 25,26-26,24 1,25 0,-25 25,25-50</inkml:trace>
 </inkml:ink>
 </file>
 
@@ -1735,7 +1735,7 @@
     </inkml:brush>
   </inkml:definitions>
   <inkml:trace contextRef="#ctx0" brushRef="#br0">7293 11559,'0'0,"50"-25,49 25,-25 0,25 0,25 0,-49 0,-26 0,26 0,-26 0,1 0,0-25,-26 1,1 24,0 0,-25 0,25 0,0 0,-25 0,25 0,24 0,1 0,-1 0,1 0,0 0,-1 0,1 0,-1 0,1 0,-25 0,-25 0,25 0,-1 0,-24 0,25 0,-25 0,50 0,-50 0,25 0,24 0,-24 0,0 0,0 0,-1 0,1 0,-25 0,25 0,-25 0,50 0,-50 0,24 0,-24 0,25 0,0 0,0 0,49 0,-49 0,25 0,-25 0,-1 0,26 0,-25 0,-25 0,25 0</inkml:trace>
-  <inkml:trace contextRef="#ctx0" brushRef="#br0" timeOffset="1616.0924">13420 11559,'0'0,"0"0,24 25,1 0,25-25,-50 24,0-24,25 25,-25-25,0 25,25-25,-1 25,-24-25,50 49,-50-49,25 25,-25-25,49 0,-49-25,50 1,-25-1,24 25,-24-25,0 0,25 0,-26 1,1 24,25 0,-50-25,49 25,-49 0,25-25,0 25,-25 0,25 0,-25 0,25 0,-1-25,1 0,-25 25,25 0,-25 0,25 0</inkml:trace>
+  <inkml:trace contextRef="#ctx0" brushRef="#br0" timeOffset="1616.0923">13420 11559,'0'0,"0"0,24 25,1 0,25-25,-50 24,0-24,25 25,-25-25,0 25,25-25,-1 25,-24-25,50 49,-50-49,25 25,-25-25,49 0,-49-25,50 1,-25-1,24 25,-24-25,0 0,25 0,-26 1,1 24,25 0,-50-25,49 25,-49 0,25-25,0 25,-25 0,25 0,-25 0,25 0,-1-25,1 0,-25 25,25 0,-25 0,25 0</inkml:trace>
   <inkml:trace contextRef="#ctx0" brushRef="#br0" timeOffset="19856.1357">2828 13618,'0'0,"50"0,24 0,25 0,1 0,-26 0,0 0,26 0,-26 0,25 0,-24 25,-26-25,26 0,-26 0,-24 0,74 0,-49 0,-25 0,24 0,1 0,49 0,0 0,-24 0,-1 0,-24 0,24 0,1 0,-26 0,1 0,-1 0,1 0,0 0,-1 0,1 0,-25 0,-25 0,49 0,1 0,-25 0,0 0,49 0,-24 0,-26 0,51 0,-26 0,26 0,-26 0,-24 0,0 0,0 0,0 0,-1 0,1 0,0 0,0 0,0 0,-1 0,26 0,-25 0,24 0,1 0,0 0,-26 0,1 0,25 0,-25 0,0 0,24 0,-49 0,50 0,-25 0,24 0,-24 0,0 0,49 0,-24 0,-25 0,-1 0,26 0,-25 0,0 0,24 0,-24 0,0 0,24 0,-24 0,0 0,25 0,-26 0,26 0,-25 0,0 0,-1 0,1 0,-25 0,25 0,0 0,0 0,0 0,24 0,-24 0,25 0,-26 0,26 0,0 0,-1 0,-24 0,0 0,24 0,-24 0,0 0,0 0,0 0,24 0,1 0,24-25,-49 25,25 0,24 0,0 0,-24 0,0 0,-1 0,-24 0,50 0,-51 0,1 0,25 0,-1 0,-49 0,50 0,-50 0,25 0,-25 0,25 0,-1 0,1 0,-25 0,50 0,-50 0,25 0,-1 0,1 0,0 0,-25 0,50 0,-50 0,24 0,1 0,0 0,-25 0,25 0,0 0,-1 0,26 0,-50 0,25 0,-25 0,0 0</inkml:trace>
   <inkml:trace contextRef="#ctx0" brushRef="#br0" timeOffset="23904.3672">19001 9227,'-25'0,"-25"0,-24 0,24 0,1 0,24 0,-25 0,1 0,24 0,0 0,0 0,0 0,1 25,-1-25,-25 25,50-25,-25 25,25-25,-24 0,-1 49,0-49,0 25,0-25,-24 25,24-25,0 25,25-25,-25 49,-24 1,49-25,0 24,-50-24,50 0,-25 25,25-26,-24 26,-1-25,25 0,-25 24,25-24,-25 0,25-25,0 25,0-25,0 24,-25-24,25 25,0 25,0-50,0 25,0-25,0 25,0-25,0 24,0 1,0-25,0 25,0-25,50 50,-25-26,0 1,-1-25,1 0,-25 25,50 0,-25-25,-1 25,51-1,-50 1,-1-25,76 50,-76-50,1 0,25 0,-25 25,-1-25,51 0,-50 0,-25 24,24-24,1 0,0 0,25 0,-26 0,26 0,0 0,-50 0,49 0,1-24,0 24,-50 0,49 0,-24 0,0 0,0 0,-1-25,1 25,0-25,0 25,0-25,-1 25,-24-25,25 1,0-1,0 25,0-50,-25 50,24-49,1-1,0 50,-25-50,0 50,0-24,0-1,0 0,0 0,0 0,0 0,0-24,0-1,0 1,0-1,-25 0,0 26,25-26,0 50,0-25,-24-24,24-1,-25 25,25 0,0 1,-25-1,25 0,-25 0,25 25,-25-25,25 25,0 0,-24 0,24 0,-25 0,0 0,0 0,0 0,1 0,24 0,-25 0,25 0,-25 0,0 0,0 0,1 0,-1 0,0 0,0 0,0 0,-24 0</inkml:trace>
   <inkml:trace contextRef="#ctx0" brushRef="#br0" timeOffset="26161.4963">18728 9277,'0'0,"0"0,0 25,-25 24,25 1,0 0,0 24,0-24,0-26,-25 26,25 0,-25-26,25 1,0 0,0-25,0 25,0 0,0-1,0 26,0 24,0-24,0 0,0-25,0-1,0-24,0 0,0 0,0-24,0 24,25-25,-25 25,25-25,-25 0,50 25,-50-25,24 25,1-25,0 1,0-26,0 50,0-25,-1 25,-24-49,25 49,0 0,-25-50,25 50,0 0,-1-25,1 25,-25 0,25 0,0 0,-25-25,25 1,24 24,-24-50,25 25,-50 0,24 25,-24-24,25 24,-25 0,0 0,-25 0</inkml:trace>
@@ -1777,30 +1777,30 @@
   <inkml:trace contextRef="#ctx0" brushRef="#br0" timeOffset="15153.8667">6623 8037,'0'0,"-25"0,25-25,0 25,-24 0,24-25,0 25,-25 0,0-25,25 25,-25-49,0 49,25-25,-24 0,24-25,0 26,0-1,-25 0,0 0,25 0,0 25,0-49,0 49,0-25,0 0,0 0,0 25,0-24,0 24,0-25,-25 25,0 0,25-25,0 0,0 0,0-24,0 24,0-25,0 50,0-24,0-1,0 0,-24 25,24 0,0-50,0 50,0-24,0 24,0-25,0 0,24 0,1 0,0 1,0 24,-25-25,0 25,0-25,25 25,-1-25,1-24,0 49,0-25,24 25,-49 0,25-25,0 25,-25 0,25 0,-25 0,25 0,24 0,-24 0,0 0,-25 0,49 0,-49 0,25 0,-25 0,25 25,0-25,-25 25,25-25,-25 24,24 1,1 25,0-50,0 25,-25-25,25 24,-1-24,-24 25,0-25,0 25,0 0,25 0,-25 24,25-49,0 0,-25 25,0 0,0 0,0-25,0 24,0 1,0 0,25 0,-25 24,25-24,-25 0,0-25,0 25,0-25,0 49,0-24,0-25,0 50,0-25,0-1,0 1,0 0,0 0,0 0,0-25,-25 24,25 1,0 0,0 25,-25-26,25-24,-25 25,0-25,25 0,-25 0,-24 50,24-25,25-25,-25 0,25 0,-49 25,49-25,-25 0,25 24,-25-24,0 0,25 0,-25 0,25 0,-24 0,24 0,-25 0,0 0,25 0,-25 0,25 0,-25 0,1 0,-1 0,-25 0,50 0,-25 0,25 0,-24 0,24 0,0-24</inkml:trace>
   <inkml:trace contextRef="#ctx0" brushRef="#br0" timeOffset="20929.197">5036 7962,'0'0,"0"0,-50 0,50 25,-25-25,25 0,-25 0,25 25,-24 0,24 0,-25-1,0-24,25 25,-25-25,25 25,0-25,-25 0,25 25,0 0,-24-25,-1 24,25-24,-25 25,25-25,0 0,0 0,0 0,50 0,-50 0,49 25,-24-25,0 0,0 0,-25 25,24-25,-24 0,25 0,0 0,0 0,-25 0,50 0,-50 0,49 0,1 0,-1 0,1 0,24 0,-49 0,-25 0,-25 0,25 0,-24 0,24-25,-25 0,25 25,0-25,-25 25,25-24,-25 24,25-25,0 0,0-25,-25 26,25-1,0 25,-24 0,24-25,-25 0,25 25,0-25,-25 25,25-25,0 1,0 24,-25-25,25 25,0 0,-25 49,25-24,0 0,0-25,0 25,-24-25,24 25,-25 0,25-25,0 24,-25-24,0 25,0 0,25-25,-25 25,1-25,24 0,0 25,-25-25,25 24,25-24,-25-24,24 24,-24 0,25 0,0 0,-25 0,25-25,0 25,0 0,-25-25,24 0,-24 25,0-25,25 25,-25-24,25-1,-25 25,25 0,-25 25,0 24,0-24,0 25,0-26,0-24,0 25,0 0,0-25,0 25,0-25,0 25,0-25,0 0,-25 0,0 0,25 0,-25 0,25 0,-24-25,-1 0,0 0,25 25,0-25,-25 25,25 0,0 0,25 0,25 0,-50 0,24 0,1 0,-25 0,25 0,-25 0,0 0,0 25,0-25,0 25,0 0,0-25,0 25,-25-25,25-25,-25 0,25 25,0 0,-24 0,-1-25,25 25,0-25,0 1,-25 24,25 0,0-25,0 0,0 0,0 0,0 25,25-49,-25 49,0-25,0 25,0 0,0 25,0-25,-25 0,25 25,0-1</inkml:trace>
   <inkml:trace contextRef="#ctx0" brushRef="#br0" timeOffset="35753.0449">3299 9897,'0'0,"25"0,50 0,-75 0,24 0,51 0,-26-25,26 25,-26-25,1 25,-50 0,25 0</inkml:trace>
-  <inkml:trace contextRef="#ctx0" brushRef="#br0" timeOffset="38074.1777">9525 7516,'0'74,"-24"75,-1 25,25-125,0 26,0-1,0-24,0-25,0-1,0 1,0 0</inkml:trace>
+  <inkml:trace contextRef="#ctx0" brushRef="#br0" timeOffset="38074.1776">9525 7516,'0'74,"-24"75,-1 25,25-125,0 26,0-1,0-24,0-25,0-1,0 1,0 0</inkml:trace>
   <inkml:trace contextRef="#ctx0" brushRef="#br0" timeOffset="38801.2193">9600 7268,'25'0,"-25"0,49 0,-49 0,0 25,0-1,25 1,-25 0,25-25,-25 25,0 0,0-25,0 24,0-24,0 25,0 0,0 25,-25-50,0 24,-24 1,24 25,0-25,25-25,-25 0,0 24,25-24,-24 25,-1-25,25 0,-25 25,25-25</inkml:trace>
-  <inkml:trace contextRef="#ctx0" brushRef="#br0" timeOffset="39625.2664">9972 7367,'0'0,"0"0,-25 0,25 25,-25 0,25-25,-25 24,1 1,24 0,0 0,0 24,0-24,0 50,0-51,0 1,0 25,24-50,-24 25,0-1,0 1</inkml:trace>
+  <inkml:trace contextRef="#ctx0" brushRef="#br0" timeOffset="39625.2663">9972 7367,'0'0,"0"0,-25 0,25 25,-25 0,25-25,-25 24,1 1,24 0,0 0,0 24,0-24,0 50,0-51,0 1,0 25,24-50,-24 25,0-1,0 1</inkml:trace>
   <inkml:trace contextRef="#ctx0" brushRef="#br0" timeOffset="40370.309">10567 7392,'0'49,"-25"-24,25 25,-24 24,24-49,-50 49,25 1,0-1,-24-24,24-1,0 1,25-25,-25 0</inkml:trace>
   <inkml:trace contextRef="#ctx0" brushRef="#br0" timeOffset="40913.3401">10518 7417,'49'0,"-49"49,25 1,25-25,-50 49,49-24,-24-1,0 1,0-25,-25-1,0-24,0 25,0 0,0 49,24-24,1 25,-25-51,25 1,-25 0,0-25,0-25</inkml:trace>
   <inkml:trace contextRef="#ctx0" brushRef="#br0" timeOffset="41617.3803">10567 7838,'0'-25,"-25"25,25 0,0 0,25 0,25 0,24 25,-24-25,-50 0,25 0,-25 0</inkml:trace>
-  <inkml:trace contextRef="#ctx0" brushRef="#br0" timeOffset="42513.4316">10939 7516,'25'0,"0"0,-25 0,25 25,-25-25,0 24,24 1,-24 0,0-25,25 25,-25-25,0 49,0-24,0-25,0 50,25-50,-25 49,0-49,0 25,0-25,0 50,0-50,0 25,0-1,0 1,0-25,0 25,0-25,0 25,0-25,-25 0,25 25,0-25,0 25,-25-25,25 0,-24 24,24-24,-25 0</inkml:trace>
-  <inkml:trace contextRef="#ctx0" brushRef="#br0" timeOffset="45817.6206">4564 9748,'0'0,"25"0,-25 0,-49 0,-26 0,1 0,24 0,1 0,49 0,-25 0,25 0,0 0,25 0,-1 0,26 0,24 0,100 0,-100 0,-74 0,25 0,-25 0</inkml:trace>
-  <inkml:trace contextRef="#ctx0" brushRef="#br0" timeOffset="47234.7016">6003 9823,'0'0,"50"0,-1 0,1 0,0 0,-26 0,26 0,-25 0,0 0,-1 0,-24 0,25 0,0 0,25 0,24 0,-24 0,-1 0,1 0,-1 0,26 0,-50 0,-25 0,49 0,26 0,-1 0,-49 0,0 0,24 0,-49 0,25 0,25 0,-50 0,49 0,1 0,-25 0,0 0,-1 0,1 0,-25 0</inkml:trace>
+  <inkml:trace contextRef="#ctx0" brushRef="#br0" timeOffset="42513.4315">10939 7516,'25'0,"0"0,-25 0,25 25,-25-25,0 24,24 1,-24 0,0-25,25 25,-25-25,0 49,0-24,0-25,0 50,25-50,-25 49,0-49,0 25,0-25,0 50,0-50,0 25,0-1,0 1,0-25,0 25,0-25,0 25,0-25,-25 0,25 25,0-25,0 25,-25-25,25 0,-24 24,24-24,-25 0</inkml:trace>
+  <inkml:trace contextRef="#ctx0" brushRef="#br0" timeOffset="45817.6205">4564 9748,'0'0,"25"0,-25 0,-49 0,-26 0,1 0,24 0,1 0,49 0,-25 0,25 0,0 0,25 0,-1 0,26 0,24 0,100 0,-100 0,-74 0,25 0,-25 0</inkml:trace>
+  <inkml:trace contextRef="#ctx0" brushRef="#br0" timeOffset="47234.7015">6003 9823,'0'0,"50"0,-1 0,1 0,0 0,-26 0,26 0,-25 0,0 0,-1 0,-24 0,25 0,0 0,25 0,24 0,-24 0,-1 0,1 0,-1 0,26 0,-50 0,-25 0,49 0,26 0,-1 0,-49 0,0 0,24 0,-49 0,25 0,25 0,-50 0,49 0,1 0,-25 0,0 0,-1 0,1 0,-25 0</inkml:trace>
   <inkml:trace contextRef="#ctx0" brushRef="#br0" timeOffset="51041.9194">3423 10021,'0'0,"-49"-74,49 49,0 25,-25-25,0 25,25-25,0 25,0-25,0-49,0 49,0 0,0-24,0 49,0-25,0 0,0 0,0 1,0 24,0-50,0 50,0-25,0-24,0 49,0-25,0 0,-25 0,25 25,0-25,0 1,0 24,0-25,0 0,0 0,0 25,0-25,0 25,0-49,0 24,0 0,0 0,0 25,0-24,0-1,0-25,0 25,0 0,0 1,0-26,0 50,0-50,0 50,0-24,0 24,0-50,0 25,25 25,-25-25,25 1,25-1,-50 25,49-50,-49 50,25-25,-25 25,25 0,0 0,-1 0,1 0,50-24,-26-1,26 25,-51-25,1 25,0 0,0 0,0 0,-25 0,24 25,1-25,25 25,-25-1,-25-24,25 0,-25 25,24-25,-24 50,0-50,0 25,25-25,-25 24,25-24,-25 50,0-25,0 0,0-25,0 24,0 1,0 74,0-74,0 50,0-75,0 49,0-24,0 50,0-51,0 1,-25 0,25 0,0 0,0-25,0 24,-25 1,25 0,-24 0,24-25,-25 25,25-1,-25 1,0 0,25-25,-25 50,0-50,25 49,0-49,-24 0,24 25,-50-25,25 0,25 25,-49 0,49-25,-25 0,25 0,-50 0,50 24,-49-24,49 0,-25 25,25 0,-25-25,0 0,25 0,-25 0,25 0,-24 0,24 0,-25 0,0 0,25-25,-50 25,26 0,24 0,-25 0,0 0,25 0,-25-25,25 25,-25-24,25-1,0 25,-24-25,24 0,0 0,0-24,0-1,0 25,0 1,0-1,0 0,0 0,0 25,0-25,0 1,0 24,0-25,0-25,0 25,0 1,0 24,0-25,0-25,0 50,0-25,0 25,0-24,0-1,0-25,0 50,0-25,0 25,24 0,-24-25,25 1,-25-1,25 25,0-25,-25 0,0 25,25-25,-1 25,1-24,0-1,-25 25</inkml:trace>
   <inkml:trace contextRef="#ctx0" brushRef="#br0" timeOffset="54458.1148">3002 12105,'0'74,"0"1,-25-1,0-24,0-1,0 1,1-1,24-24,0 0,0 25,0-26,-25 51,25-26,0 51,0-1,0-50,0 1,0-25,0 24,0 26,0 24,0-24,25-1,-25 0,0-24,0 0,0-26,0 1,0-25,0 25,0-25,-25 25,-50 0,26-1,-1-24,1 0,-26 0,26 0,-75 0,99 0,0 0,0 0,25 0,0 25,99 0,50 25,-99-50,24 49,25 1,-99-25,25-25,-25 24,0 26,0-25,0 49,0-24,0 24,0-24,0 24,0-74,0 25,0 0,0 0,0 0,0-25,0 49,25-24,-25 0,0 0,0-1,0 1,25 0,0 0,-25 49,24-49,-24 0,0 49,0-49,0 25,0-26,0 51,0-26,0 26,0-1,0 1,0 24,0-25,0 1,0-26,0 26,0-1,0 25,0-24,0-1,0-24,0 49,0-25,0 26,25-100,-25 0,25 0,25 0,24 25,-24-25,-25 0,-25 0</inkml:trace>
   <inkml:trace contextRef="#ctx0" brushRef="#br0" timeOffset="56905.2548">13271 12452,'0'0,"0"50,74 24,-24-24,-25-26,-1 26,1-25,-25-25,0-25,50-99,-25 50,49-1,-49 26,0 24,0 25,-1 0,-24 0</inkml:trace>
-  <inkml:trace contextRef="#ctx0" brushRef="#br0" timeOffset="57617.2955">10567 13767,'0'49,"25"26,49 24,-49-50,0-24,-25 0,25-25,-25 0,0 0,25 0,-1 0,1 0,25-25,-1-74,-49 74,25-24,0 24,25 0,-50 25,24 0,1-50,25 50</inkml:trace>
+  <inkml:trace contextRef="#ctx0" brushRef="#br0" timeOffset="57617.2954">10567 13767,'0'49,"25"26,49 24,-49-50,0-24,-25 0,25-25,-25 0,0 0,25 0,-1 0,1 0,25-25,-1-74,-49 74,25-24,0 24,25 0,-50 25,24 0,1-50,25 50</inkml:trace>
   <inkml:trace contextRef="#ctx0" brushRef="#br0" timeOffset="58465.344">15057 14982,'0'50,"25"-1,-25 1,0-25,0 24,0-24,0 0,0 0,0-25,0 0,49-50,26-24,-26-1,-24 26,49-26,-49 50,25 1,-50 24</inkml:trace>
   <inkml:trace contextRef="#ctx0" brushRef="#br0" timeOffset="62473.5732">16694 15528,'0'0,"25"0,24 74,-24-24,25-25,-1 49,-24-24,74-1,-74-24,0-25,0 25,0-25,24 25,1-1,49 26,-49-50,-50 0,0 0,-25 0</inkml:trace>
   <inkml:trace contextRef="#ctx0" brushRef="#br0" timeOffset="89769.1345">9228 5581,'0'0,"0"50,0-1,0 26,49 24,-24 25,25-25,-25 0,-25-49,24 24,-24-24,0-25,0 24,0-24,0 0</inkml:trace>
-  <inkml:trace contextRef="#ctx0" brushRef="#br0" timeOffset="91497.2333">9302 5631,'0'0,"0"0,25 0,-25 0,25 0,-25 0,25 0,-25 0,24 0,1 0,-25 0,25 0,0 0,0 24,-25-24,49 25,-49 0,0 0,25-25,-25 25,0-1,0-24,0 25,0 0,0 0,0-25,0 25,0-25,-25 25,25-25,-49 24,49 1,-50-25,50 0,-25 0,25 0,-49 0,-1 0,25 0,0 0,-24 0,49 0,0 25,0-25,24 0,-24 0,25 0,0 0,0 25,-25 0,25-25,-25 0,0 0,25 0,-25 24,49-24,-49 25,50 25,-1-50,-24 49,0-49,0 25,0 0,-1-25,1 0,-25 25,25-25,-25 25,50-1,-50-24,24 25,-24-25,25 0,0 0</inkml:trace>
-  <inkml:trace contextRef="#ctx0" brushRef="#br0" timeOffset="99857.7115">23441 5507,'-25'0,"25"0,-25 0,0 0,25 0,-24 0,24 0,-25 0,25 0,-50 0,50 0,-49 0,24 0,25 0,-25 0,0 0,0 0,25 0,-24 0,-1 24,0-24,0 25,0-25,0 0,-24 25,-1 0,1 0,24-1,-25-24,25 0,25 25,-24-25,-1 25,0-25,25 0,-25 25,25 0,0-25,0 24,-25-24,25 25,0 0,-24 0,24-25,0 25,0 0,0-25,0 24,0-24,-25 25,25 0,0 0,-25 24,25 1,0-25,-25 0,25-25,0 24,0 1,0-25,0 25,0-25,0 25,0-25,0 25,0-25,0 24,0 1,25 0,0 0,0 24,-1-24,1 0,-25-25,25 50,0-50,0 49,-25-49,24 25,-24-25,25 25,0 0,0-25,24 24,1 1,24 0,26 0,-51 24,1-24,0 0,-26-25,1 50,0-50,0 25,24-25,1 24,-25-24,24 25,-24-25,25 25,-1 0,-49-25,25 0,25 25,-50-25,49 0,1 0,-25 0,0 0,-1 0,26 0,-25 0,24 0,-24 0,0 0,25 0,-1 0,-24 0,25 0,-1 0,-24 0,0 0,25 0,-1 0,-24 0,0 0,49 0,-24 0,-25 0,24-25,-24 25,0-25,24 25,-49-25,25 0,-25 25,50-24,-50 24,0 0,49-25,-49-25,50 50,-50-50,25 50,0-49,-1 24,1 0,0 0,-25 1,50-51,-26 50,1 1,-25 24,0-25,25 25,-25 0,25-25,-25 0,25 0,-25 1,0-26,0 25,0-24,0 24,0 0,0 0,0 0,0 1,0-1,0 0,0 0,0 25,0-25,-25 1,25-1,-25 25,25 0,-25-25,25 25,-25-25,25 25,-24-25,-1 1,0-1,0-25,0 50,25 0,-49-25,-1 25,25-25,1 1,24 24,-50 0,50-25,-25 25,0 0,-49-25,74 25,-50-25,1 0,24 25,-25 0,26-24,-1 24,0 0,0 0,25 0,-49 0,-1 0,50 0,-25 0,25 0,-49 0,49 0,-25 0,-25 0,1 0,24 0,0 0,0 0,0 0,0 0,1 0,24 0,-25 0,-25 0,50 0,-25 0,25 0,-24 0,-1 0,25 0,-25 0,25 0,-25 0,0 0,25 0,-24 0,-1 0,0-25,0 25,25 0,-25 0,1-25,-1 25,0 0,0 0,25 0,-25 0,25 0,0 0,-24 0,-1-25,25 25,-25 0,25 0,-25 0,0 0,25 0,-24-25,24 25,-25-24,25 24</inkml:trace>
+  <inkml:trace contextRef="#ctx0" brushRef="#br0" timeOffset="91497.2332">9302 5631,'0'0,"0"0,25 0,-25 0,25 0,-25 0,25 0,-25 0,24 0,1 0,-25 0,25 0,0 0,0 24,-25-24,49 25,-49 0,0 0,25-25,-25 25,0-1,0-24,0 25,0 0,0 0,0-25,0 25,0-25,-25 25,25-25,-49 24,49 1,-50-25,50 0,-25 0,25 0,-49 0,-1 0,25 0,0 0,-24 0,49 0,0 25,0-25,24 0,-24 0,25 0,0 0,0 25,-25 0,25-25,-25 0,0 0,25 0,-25 24,49-24,-49 25,50 25,-1-50,-24 49,0-49,0 25,0 0,-1-25,1 0,-25 25,25-25,-25 25,50-1,-50-24,24 25,-24-25,25 0,0 0</inkml:trace>
+  <inkml:trace contextRef="#ctx0" brushRef="#br0" timeOffset="99857.7114">23441 5507,'-25'0,"25"0,-25 0,0 0,25 0,-24 0,24 0,-25 0,25 0,-50 0,50 0,-49 0,24 0,25 0,-25 0,0 0,0 0,25 0,-24 0,-1 24,0-24,0 25,0-25,0 0,-24 25,-1 0,1 0,24-1,-25-24,25 0,25 25,-24-25,-1 25,0-25,25 0,-25 25,25 0,0-25,0 24,-25-24,25 25,0 0,-24 0,24-25,0 25,0 0,0-25,0 24,0-24,-25 25,25 0,0 0,-25 24,25 1,0-25,-25 0,25-25,0 24,0 1,0-25,0 25,0-25,0 25,0-25,0 25,0-25,0 24,0 1,25 0,0 0,0 24,-1-24,1 0,-25-25,25 50,0-50,0 49,-25-49,24 25,-24-25,25 25,0 0,0-25,24 24,1 1,24 0,26 0,-51 24,1-24,0 0,-26-25,1 50,0-50,0 25,24-25,1 24,-25-24,24 25,-24-25,25 25,-1 0,-49-25,25 0,25 25,-50-25,49 0,1 0,-25 0,0 0,-1 0,26 0,-25 0,24 0,-24 0,0 0,25 0,-1 0,-24 0,25 0,-1 0,-24 0,0 0,25 0,-1 0,-24 0,0 0,49 0,-24 0,-25 0,24-25,-24 25,0-25,24 25,-49-25,25 0,-25 25,50-24,-50 24,0 0,49-25,-49-25,50 50,-50-50,25 50,0-49,-1 24,1 0,0 0,-25 1,50-51,-26 50,1 1,-25 24,0-25,25 25,-25 0,25-25,-25 0,25 0,-25 1,0-26,0 25,0-24,0 24,0 0,0 0,0 0,0 1,0-1,0 0,0 0,0 25,0-25,-25 1,25-1,-25 25,25 0,-25-25,25 25,-25-25,25 25,-24-25,-1 1,0-1,0-25,0 50,25 0,-49-25,-1 25,25-25,1 1,24 24,-50 0,50-25,-25 25,0 0,-49-25,74 25,-50-25,1 0,24 25,-25 0,26-24,-1 24,0 0,0 0,25 0,-49 0,-1 0,50 0,-25 0,25 0,-49 0,49 0,-25 0,-25 0,1 0,24 0,0 0,0 0,0 0,0 0,1 0,24 0,-25 0,-25 0,50 0,-25 0,25 0,-24 0,-1 0,25 0,-25 0,25 0,-25 0,0 0,25 0,-24 0,-1 0,0-25,0 25,25 0,-25 0,1-25,-1 25,0 0,0 0,25 0,-25 0,25 0,0 0,-24 0,-1-25,25 25,-25 0,25 0,-25 0,0 0,25 0,-24-25,24 25,-25-24,25 24</inkml:trace>
   <inkml:trace contextRef="#ctx0" brushRef="#br0" timeOffset="108369.1983">17041 7466,'25'0,"-25"0,25 0,24 0,1 0,0 0,-1 0,26 0,-51 0,1 0,-25 0,25 0,-25 0,50 0,-50 0,24 0,1 0,0 0,25 0,-50 0,24 0,1 0,0 0,25 0,-1 0,-24 0,25 0,-1 0,-24 0,-25 0,50 0,-50 0,25 0,-25 0,24 0,1 0,25 0,-50 0,25 0,-1 0,1 0,-25 0,25 0,-25 0,25 0,0 0,-1 0,-24 0,25 0,0 0,0 0,24 0,-49 0,50 0,0 0,-1 0,-24 0,0 0,24 0,-49 0,25 0,25 0,-25 0,24 0,1 0,24 0,-24 0,0 0,-1 0,-24 0,25 0,-26 0,1 0,0 0,-25 0,25 0,0 0,-1 0,1 0,0 0,0 0,0 0,-25 0</inkml:trace>
   <inkml:trace contextRef="#ctx0" brushRef="#br0" timeOffset="110459.3179">17165 7689,'0'0,"50"0,-25 0,-1 0,-24 0,25 0,-25 0,50 0,-50 0,25 0,24 0,-49 0,25 0,0 0,0 0,-25 0,24 0,-24 0,25 0,0 0,-25 0,25 0,0-24,-1 24,1 0,-25 0,25 0,0 0,0 0,0 0,-1 0,1 0,-25 0,25 0,0 0,24 0,-24 0,0 0,25 0,-26 0,125 0,-99 0,-1 0,1 0,-50 0,50 0,-50 0,24 0,26 0,-50 0,50 0,-26 0,1 0,25 0,-1 0,-24 0,0 0,0 0,-25 0,49 0,-24 0,0 0,25 0,-25 0,24 0,1 0,-1 0,1 0,-25 0,24 24,1-24,24 0,-49 0,0 0,25 0,-50 0,24 0,26 0,-50 0</inkml:trace>
   <inkml:trace contextRef="#ctx0" brushRef="#br0" timeOffset="120329.8824">3547 11336,'-24'0,"24"0,-25 0,25 0,-25-25,-25 0,50 0,-24 1,-1 24,0-50,0 0,25 50,-25-49,-24 24,49 0,0 25,-25 0,25-25,0 0,-25 1,25 24,0-25,0 25,-25-25,25 0,0 25,0-25,0 1,0-1,0-25,0 50,0-25,0 25,0-24,0 24,0-25,0 0,0 0,25 25,-25-25,0 1,0 24,25 0,0-25,-25 25,25 0,-25 0,49-25,-49 0,25 25,49-49,-49 49,0-25,25 25,-26-25,1 25,-25 0,50-25,-25 25,24-25,-24 25,-25-24,25 24,0 0,-1 0,1 0,0 0,49 0,-49 0,0 0,0 0,0 0,0 0,-1 0,1 0,0 0,0 0,0 0,-1 0,1 0,0 0,0 0,-25 0,25 0,-1 24,1-24,25 0,-50 0,25 0,-1 0,1 25,0-25,0 0,-25 25,25 0,-1-25,1 25,0-25,-25 24,50 1,-50-25,24 0,-24 25,0-25,25 25,-25 0,25-25,-25 24,0-24,0 50,0-50,25 50,-25-1,0-49,0 25,0 0,0 0,0-1,0-24,0 25,0 0,0-25,0 25,0-25,0 25,0-25,0 24,0 1,0 25,0-25,0-1,0 1,0 0,-25 0,0-25,25 25,-25 0,1-1,-1-24,25 25,-50 0,50-25,-25 25,1-25,-1 0,0 25,0-1,0 1,1 0,-1-25,25 0,-50 0,25 0,1 0,-26 0,25 0,-24 0,-1 0,25 0,-24 0,24 0,-25 0,25 0,0 0,1 0,-1 0,0 0,0 0,0 0,25 0,-24 0,24 0,-25 0,25 0,-25 0,0 0,-24 0,24 0,0 0,25 0</inkml:trace>
   <inkml:trace contextRef="#ctx0" brushRef="#br0" timeOffset="123873.0851">16471 11832,'24'0,"1"0,25 25,49-25,-74 24,74 1,0 25,-24-25,-26-25,1 49,-50-49,25 25,-25-25,0 25,0-25,0 49,0-24,0 25,0 0,-25-1,25 1,0-1,0-24,0 50,0-26,0 75,0-25,0 25,25-24,-25-51,25 26,24-1,-49-49,25 49,0-74,-25 25,25-25,-25 0,24 0,1 0,-25 0,-25 0,25 25,-24 25,24-26,-25 51,25-1,-25 1,25-26,0 26,-25-1,0 0,25-24,0-25,0 0,25 24,0 26,0-26,0 26,24 49,-49-75,25 1,25 49,-26-49,-24-25,25-1,0 26,-25-25,25 49,0 1,-25-1,24 50,-24-50,0 1,0-26,0 1,0 0,0-25,0 24,0 50,0-49,0-25,0 49,-24-49,24 0,0 0,0-25,-25 0,25 24,0-24,0 0,0 50,0-50,-25 50,25-50,0 24,-25-24,25 0,-25 50,1-50,-51 50,75-50,-25 24,-24 1,49-50,0 1,0-1,0 0</inkml:trace>
   <inkml:trace contextRef="#ctx0" brushRef="#br0" timeOffset="135993.7784">18108 7937,'0'0,"0"0,25 0,-25 0,24 0,-24 0,25 25,-25-25,50 0,-1 50,-24-50,25 0,-1 0,-24 0,0 0,25 0,-50 0,24 0,-24 0,25 0,-25 25,25 0,-25-25,0 24,25 1,0 0,-1-25,-24 50,50-26,-25-24,-25 25,0-50,0-24,0 49,0-25,0 0,0 25,0 0,25 0,24-25,-49 25,50-24,-25 24,0 0,-1 0,-24 0,50 0,-50 0,74 0,-49 0,25 0,24 0,-74 0,50 0,-25 0,-25 0,24 0,-24 0,25 0</inkml:trace>
-  <inkml:trace contextRef="#ctx0" brushRef="#br0" timeOffset="137497.8644">24284 7268,'25'49,"-25"-49,0 25,25-25,0 25,-25 0,0 24,24-24,-24 0,25 0,-25-25,0 25,0-1,25-24,-25 25,0-25,25 0,0 0,-25 0,24 0,26-25,74-74,0 0,-74 49,49-24,50 0,-50 24,-25 0,-49 50,0-24,0 24</inkml:trace>
+  <inkml:trace contextRef="#ctx0" brushRef="#br0" timeOffset="137497.8643">24284 7268,'25'49,"-25"-49,0 25,25-25,0 25,-25 0,0 24,24-24,-24 0,25 0,-25-25,0 25,0-1,25-24,-25 25,0-25,25 0,0 0,-25 0,24 0,26-25,74-74,0 0,-74 49,49-24,50 0,-50 24,-25 0,-49 50,0-24,0 24</inkml:trace>
   <inkml:trace contextRef="#ctx0" brushRef="#br0" timeOffset="139354.9706">16768 8607</inkml:trace>
 </inkml:ink>
 </file>
@@ -1936,7 +1936,7 @@
           <a:p>
             <a:fld id="{D997B5FA-0921-464F-AAE1-844C04324D75}" type="datetimeFigureOut">
               <a:rPr lang="zh-CN" altLang="en-US" smtClean="0"/>
-              <a:t>2017/7/21</a:t>
+              <a:t>2017/7/23</a:t>
             </a:fld>
             <a:endParaRPr lang="zh-CN" altLang="en-US"/>
           </a:p>
@@ -2106,7 +2106,7 @@
           <a:p>
             <a:fld id="{D997B5FA-0921-464F-AAE1-844C04324D75}" type="datetimeFigureOut">
               <a:rPr lang="zh-CN" altLang="en-US" smtClean="0"/>
-              <a:t>2017/7/21</a:t>
+              <a:t>2017/7/23</a:t>
             </a:fld>
             <a:endParaRPr lang="zh-CN" altLang="en-US"/>
           </a:p>
@@ -2286,7 +2286,7 @@
           <a:p>
             <a:fld id="{D997B5FA-0921-464F-AAE1-844C04324D75}" type="datetimeFigureOut">
               <a:rPr lang="zh-CN" altLang="en-US" smtClean="0"/>
-              <a:t>2017/7/21</a:t>
+              <a:t>2017/7/23</a:t>
             </a:fld>
             <a:endParaRPr lang="zh-CN" altLang="en-US"/>
           </a:p>
@@ -2456,7 +2456,7 @@
           <a:p>
             <a:fld id="{D997B5FA-0921-464F-AAE1-844C04324D75}" type="datetimeFigureOut">
               <a:rPr lang="zh-CN" altLang="en-US" smtClean="0"/>
-              <a:t>2017/7/21</a:t>
+              <a:t>2017/7/23</a:t>
             </a:fld>
             <a:endParaRPr lang="zh-CN" altLang="en-US"/>
           </a:p>
@@ -2702,7 +2702,7 @@
           <a:p>
             <a:fld id="{D997B5FA-0921-464F-AAE1-844C04324D75}" type="datetimeFigureOut">
               <a:rPr lang="zh-CN" altLang="en-US" smtClean="0"/>
-              <a:t>2017/7/21</a:t>
+              <a:t>2017/7/23</a:t>
             </a:fld>
             <a:endParaRPr lang="zh-CN" altLang="en-US"/>
           </a:p>
@@ -2934,7 +2934,7 @@
           <a:p>
             <a:fld id="{D997B5FA-0921-464F-AAE1-844C04324D75}" type="datetimeFigureOut">
               <a:rPr lang="zh-CN" altLang="en-US" smtClean="0"/>
-              <a:t>2017/7/21</a:t>
+              <a:t>2017/7/23</a:t>
             </a:fld>
             <a:endParaRPr lang="zh-CN" altLang="en-US"/>
           </a:p>
@@ -3301,7 +3301,7 @@
           <a:p>
             <a:fld id="{D997B5FA-0921-464F-AAE1-844C04324D75}" type="datetimeFigureOut">
               <a:rPr lang="zh-CN" altLang="en-US" smtClean="0"/>
-              <a:t>2017/7/21</a:t>
+              <a:t>2017/7/23</a:t>
             </a:fld>
             <a:endParaRPr lang="zh-CN" altLang="en-US"/>
           </a:p>
@@ -3419,7 +3419,7 @@
           <a:p>
             <a:fld id="{D997B5FA-0921-464F-AAE1-844C04324D75}" type="datetimeFigureOut">
               <a:rPr lang="zh-CN" altLang="en-US" smtClean="0"/>
-              <a:t>2017/7/21</a:t>
+              <a:t>2017/7/23</a:t>
             </a:fld>
             <a:endParaRPr lang="zh-CN" altLang="en-US"/>
           </a:p>
@@ -3514,7 +3514,7 @@
           <a:p>
             <a:fld id="{D997B5FA-0921-464F-AAE1-844C04324D75}" type="datetimeFigureOut">
               <a:rPr lang="zh-CN" altLang="en-US" smtClean="0"/>
-              <a:t>2017/7/21</a:t>
+              <a:t>2017/7/23</a:t>
             </a:fld>
             <a:endParaRPr lang="zh-CN" altLang="en-US"/>
           </a:p>
@@ -3791,7 +3791,7 @@
           <a:p>
             <a:fld id="{D997B5FA-0921-464F-AAE1-844C04324D75}" type="datetimeFigureOut">
               <a:rPr lang="zh-CN" altLang="en-US" smtClean="0"/>
-              <a:t>2017/7/21</a:t>
+              <a:t>2017/7/23</a:t>
             </a:fld>
             <a:endParaRPr lang="zh-CN" altLang="en-US"/>
           </a:p>
@@ -4044,7 +4044,7 @@
           <a:p>
             <a:fld id="{D997B5FA-0921-464F-AAE1-844C04324D75}" type="datetimeFigureOut">
               <a:rPr lang="zh-CN" altLang="en-US" smtClean="0"/>
-              <a:t>2017/7/21</a:t>
+              <a:t>2017/7/23</a:t>
             </a:fld>
             <a:endParaRPr lang="zh-CN" altLang="en-US"/>
           </a:p>
@@ -4257,7 +4257,7 @@
           <a:p>
             <a:fld id="{D997B5FA-0921-464F-AAE1-844C04324D75}" type="datetimeFigureOut">
               <a:rPr lang="zh-CN" altLang="en-US" smtClean="0"/>
-              <a:t>2017/7/21</a:t>
+              <a:t>2017/7/23</a:t>
             </a:fld>
             <a:endParaRPr lang="zh-CN" altLang="en-US"/>
           </a:p>
@@ -4916,11 +4916,6 @@
               </a:rPr>
               <a:t>矩阵可逆中狗蔡猜想的解决</a:t>
             </a:r>
-            <a:endParaRPr lang="zh-CN" altLang="en-US" sz="3600" b="1" dirty="0">
-              <a:latin typeface="Times New Roman" pitchFamily="18" charset="0"/>
-              <a:ea typeface="华文楷体" pitchFamily="2" charset="-122"/>
-              <a:cs typeface="Times New Roman" pitchFamily="18" charset="0"/>
-            </a:endParaRPr>
           </a:p>
         </p:txBody>
       </p:sp>
@@ -5586,8 +5581,8 @@
           </a:p>
         </p:txBody>
       </p:sp>
-      <mc:AlternateContent xmlns:mc="http://schemas.openxmlformats.org/markup-compatibility/2006">
-        <mc:Choice xmlns:p14="http://schemas.microsoft.com/office/powerpoint/2010/main" Requires="p14">
+      <mc:AlternateContent xmlns:mc="http://schemas.openxmlformats.org/markup-compatibility/2006" xmlns:p14="http://schemas.microsoft.com/office/powerpoint/2010/main">
+        <mc:Choice Requires="p14">
           <p:contentPart p14:bwMode="auto" r:id="rId11">
             <p14:nvContentPartPr>
               <p14:cNvPr id="2" name="墨迹 1"/>
@@ -5600,7 +5595,7 @@
             </p14:xfrm>
           </p:contentPart>
         </mc:Choice>
-        <mc:Fallback>
+        <mc:Fallback xmlns="">
           <p:pic>
             <p:nvPicPr>
               <p:cNvPr id="2" name="墨迹 1"/>
@@ -6451,8 +6446,8 @@
           </a:p>
         </p:txBody>
       </p:sp>
-      <mc:AlternateContent xmlns:mc="http://schemas.openxmlformats.org/markup-compatibility/2006">
-        <mc:Choice xmlns:p14="http://schemas.microsoft.com/office/powerpoint/2010/main" Requires="p14">
+      <mc:AlternateContent xmlns:mc="http://schemas.openxmlformats.org/markup-compatibility/2006" xmlns:p14="http://schemas.microsoft.com/office/powerpoint/2010/main">
+        <mc:Choice Requires="p14">
           <p:contentPart p14:bwMode="auto" r:id="rId5">
             <p14:nvContentPartPr>
               <p14:cNvPr id="4" name="墨迹 3"/>
@@ -6465,7 +6460,7 @@
             </p14:xfrm>
           </p:contentPart>
         </mc:Choice>
-        <mc:Fallback>
+        <mc:Fallback xmlns="">
           <p:pic>
             <p:nvPicPr>
               <p:cNvPr id="4" name="墨迹 3"/>
@@ -7817,8 +7812,8 @@
           </a:p>
         </p:txBody>
       </p:sp>
-      <mc:AlternateContent xmlns:mc="http://schemas.openxmlformats.org/markup-compatibility/2006">
-        <mc:Choice xmlns:p14="http://schemas.microsoft.com/office/powerpoint/2010/main" Requires="p14">
+      <mc:AlternateContent xmlns:mc="http://schemas.openxmlformats.org/markup-compatibility/2006" xmlns:p14="http://schemas.microsoft.com/office/powerpoint/2010/main">
+        <mc:Choice Requires="p14">
           <p:contentPart p14:bwMode="auto" r:id="rId13">
             <p14:nvContentPartPr>
               <p14:cNvPr id="6" name="墨迹 5"/>
@@ -7831,7 +7826,7 @@
             </p14:xfrm>
           </p:contentPart>
         </mc:Choice>
-        <mc:Fallback>
+        <mc:Fallback xmlns="">
           <p:pic>
             <p:nvPicPr>
               <p:cNvPr id="6" name="墨迹 5"/>
@@ -9719,8 +9714,8 @@
           </a:p>
         </p:txBody>
       </p:sp>
-      <mc:AlternateContent xmlns:mc="http://schemas.openxmlformats.org/markup-compatibility/2006">
-        <mc:Choice xmlns:p14="http://schemas.microsoft.com/office/powerpoint/2010/main" Requires="p14">
+      <mc:AlternateContent xmlns:mc="http://schemas.openxmlformats.org/markup-compatibility/2006" xmlns:p14="http://schemas.microsoft.com/office/powerpoint/2010/main">
+        <mc:Choice Requires="p14">
           <p:contentPart p14:bwMode="auto" r:id="rId23">
             <p14:nvContentPartPr>
               <p14:cNvPr id="8" name="墨迹 7"/>
@@ -9733,7 +9728,7 @@
             </p14:xfrm>
           </p:contentPart>
         </mc:Choice>
-        <mc:Fallback>
+        <mc:Fallback xmlns="">
           <p:pic>
             <p:nvPicPr>
               <p:cNvPr id="8" name="墨迹 7"/>
@@ -11169,8 +11164,8 @@
           </a:p>
         </p:txBody>
       </p:sp>
-      <mc:AlternateContent xmlns:mc="http://schemas.openxmlformats.org/markup-compatibility/2006">
-        <mc:Choice xmlns:p14="http://schemas.microsoft.com/office/powerpoint/2010/main" Requires="p14">
+      <mc:AlternateContent xmlns:mc="http://schemas.openxmlformats.org/markup-compatibility/2006" xmlns:p14="http://schemas.microsoft.com/office/powerpoint/2010/main">
+        <mc:Choice Requires="p14">
           <p:contentPart p14:bwMode="auto" r:id="rId17">
             <p14:nvContentPartPr>
               <p14:cNvPr id="11" name="墨迹 10"/>
@@ -11183,7 +11178,7 @@
             </p14:xfrm>
           </p:contentPart>
         </mc:Choice>
-        <mc:Fallback>
+        <mc:Fallback xmlns="">
           <p:pic>
             <p:nvPicPr>
               <p:cNvPr id="11" name="墨迹 10"/>
@@ -13122,8 +13117,8 @@
           </a:p>
         </p:txBody>
       </p:sp>
-      <mc:AlternateContent xmlns:mc="http://schemas.openxmlformats.org/markup-compatibility/2006">
-        <mc:Choice xmlns:p14="http://schemas.microsoft.com/office/powerpoint/2010/main" Requires="p14">
+      <mc:AlternateContent xmlns:mc="http://schemas.openxmlformats.org/markup-compatibility/2006" xmlns:p14="http://schemas.microsoft.com/office/powerpoint/2010/main">
+        <mc:Choice Requires="p14">
           <p:contentPart p14:bwMode="auto" r:id="rId13">
             <p14:nvContentPartPr>
               <p14:cNvPr id="5" name="墨迹 4"/>
@@ -13136,7 +13131,7 @@
             </p14:xfrm>
           </p:contentPart>
         </mc:Choice>
-        <mc:Fallback>
+        <mc:Fallback xmlns="">
           <p:pic>
             <p:nvPicPr>
               <p:cNvPr id="5" name="墨迹 4"/>
@@ -14006,8 +14001,8 @@
           </a:p>
         </p:txBody>
       </p:sp>
-      <mc:AlternateContent xmlns:mc="http://schemas.openxmlformats.org/markup-compatibility/2006">
-        <mc:Choice xmlns:p14="http://schemas.microsoft.com/office/powerpoint/2010/main" Requires="p14">
+      <mc:AlternateContent xmlns:mc="http://schemas.openxmlformats.org/markup-compatibility/2006" xmlns:p14="http://schemas.microsoft.com/office/powerpoint/2010/main">
+        <mc:Choice Requires="p14">
           <p:contentPart p14:bwMode="auto" r:id="rId5">
             <p14:nvContentPartPr>
               <p14:cNvPr id="5" name="墨迹 4"/>
@@ -14020,7 +14015,7 @@
             </p14:xfrm>
           </p:contentPart>
         </mc:Choice>
-        <mc:Fallback>
+        <mc:Fallback xmlns="">
           <p:pic>
             <p:nvPicPr>
               <p:cNvPr id="5" name="墨迹 4"/>
@@ -14191,10 +14186,6 @@
               </a:rPr>
               <a:t>在有理数集中任取一个数，它为自然数的概率是多少？</a:t>
             </a:r>
-            <a:endParaRPr lang="zh-CN" altLang="en-US" sz="2400" dirty="0">
-              <a:latin typeface="华文楷体" pitchFamily="2" charset="-122"/>
-              <a:ea typeface="华文楷体" pitchFamily="2" charset="-122"/>
-            </a:endParaRPr>
           </a:p>
         </p:txBody>
       </p:sp>
@@ -14595,8 +14586,8 @@
           </a:p>
         </p:txBody>
       </p:sp>
-      <mc:AlternateContent xmlns:mc="http://schemas.openxmlformats.org/markup-compatibility/2006">
-        <mc:Choice xmlns:p14="http://schemas.microsoft.com/office/powerpoint/2010/main" Requires="p14">
+      <mc:AlternateContent xmlns:mc="http://schemas.openxmlformats.org/markup-compatibility/2006" xmlns:p14="http://schemas.microsoft.com/office/powerpoint/2010/main">
+        <mc:Choice Requires="p14">
           <p:contentPart p14:bwMode="auto" r:id="rId3">
             <p14:nvContentPartPr>
               <p14:cNvPr id="5" name="墨迹 4"/>
@@ -14609,7 +14600,7 @@
             </p14:xfrm>
           </p:contentPart>
         </mc:Choice>
-        <mc:Fallback>
+        <mc:Fallback xmlns="">
           <p:pic>
             <p:nvPicPr>
               <p:cNvPr id="5" name="墨迹 4"/>
@@ -14794,10 +14785,6 @@
               </a:rPr>
               <a:t>中任取一个数，它是有理数的概率是多少？</a:t>
             </a:r>
-            <a:endParaRPr lang="zh-CN" altLang="en-US" sz="2400" dirty="0">
-              <a:latin typeface="华文楷体" pitchFamily="2" charset="-122"/>
-              <a:ea typeface="华文楷体" pitchFamily="2" charset="-122"/>
-            </a:endParaRPr>
           </a:p>
         </p:txBody>
       </p:sp>
@@ -15324,14 +15311,7 @@
                 <a:latin typeface="华文楷体" pitchFamily="2" charset="-122"/>
                 <a:ea typeface="华文楷体" pitchFamily="2" charset="-122"/>
               </a:rPr>
-              <a:t>测度：</a:t>
-            </a:r>
-            <a:r>
-              <a:rPr lang="zh-CN" altLang="en-US" sz="2000" dirty="0" smtClean="0">
-                <a:latin typeface="华文楷体" pitchFamily="2" charset="-122"/>
-                <a:ea typeface="华文楷体" pitchFamily="2" charset="-122"/>
-              </a:rPr>
-              <a:t>对</a:t>
+              <a:t>测度：对</a:t>
             </a:r>
             <a:r>
               <a:rPr lang="en-US" altLang="zh-CN" sz="2000" dirty="0" smtClean="0">
@@ -15836,8 +15816,8 @@
           </a:p>
         </p:txBody>
       </p:sp>
-      <mc:AlternateContent xmlns:mc="http://schemas.openxmlformats.org/markup-compatibility/2006">
-        <mc:Choice xmlns:p14="http://schemas.microsoft.com/office/powerpoint/2010/main" Requires="p14">
+      <mc:AlternateContent xmlns:mc="http://schemas.openxmlformats.org/markup-compatibility/2006" xmlns:p14="http://schemas.microsoft.com/office/powerpoint/2010/main">
+        <mc:Choice Requires="p14">
           <p:contentPart p14:bwMode="auto" r:id="rId7">
             <p14:nvContentPartPr>
               <p14:cNvPr id="9" name="墨迹 8"/>
@@ -15850,7 +15830,7 @@
             </p14:xfrm>
           </p:contentPart>
         </mc:Choice>
-        <mc:Fallback>
+        <mc:Fallback xmlns="">
           <p:pic>
             <p:nvPicPr>
               <p:cNvPr id="9" name="墨迹 8"/>
@@ -16068,10 +16048,6 @@
               </a:rPr>
               <a:t>严格化</a:t>
             </a:r>
-            <a:endParaRPr lang="zh-CN" altLang="en-US" sz="2800" b="1" dirty="0">
-              <a:latin typeface="华文楷体" pitchFamily="2" charset="-122"/>
-              <a:ea typeface="华文楷体" pitchFamily="2" charset="-122"/>
-            </a:endParaRPr>
           </a:p>
         </p:txBody>
       </p:sp>
@@ -16694,10 +16670,6 @@
               </a:rPr>
               <a:t>中任取一个数，它是有理数的概率是多少？</a:t>
             </a:r>
-            <a:endParaRPr lang="zh-CN" altLang="en-US" sz="2400" dirty="0">
-              <a:latin typeface="华文楷体" pitchFamily="2" charset="-122"/>
-              <a:ea typeface="华文楷体" pitchFamily="2" charset="-122"/>
-            </a:endParaRPr>
           </a:p>
         </p:txBody>
       </p:sp>
@@ -17434,17 +17406,7 @@
                 <a:latin typeface="华文楷体" pitchFamily="2" charset="-122"/>
                 <a:ea typeface="华文楷体" pitchFamily="2" charset="-122"/>
               </a:rPr>
-              <a:t>并不是简单地</a:t>
-            </a:r>
-            <a:r>
-              <a:rPr lang="zh-CN" altLang="en-US" sz="2000" dirty="0">
-                <a:solidFill>
-                  <a:srgbClr val="FF0000"/>
-                </a:solidFill>
-                <a:latin typeface="华文楷体" pitchFamily="2" charset="-122"/>
-                <a:ea typeface="华文楷体" pitchFamily="2" charset="-122"/>
-              </a:rPr>
-              <a:t>勒贝格测度为</a:t>
+              <a:t>并不是简单地勒贝格测度为</a:t>
             </a:r>
             <a:r>
               <a:rPr lang="en-US" altLang="zh-CN" sz="2000" dirty="0">
@@ -17749,8 +17711,8 @@
           </a:p>
         </p:txBody>
       </p:sp>
-      <mc:AlternateContent xmlns:mc="http://schemas.openxmlformats.org/markup-compatibility/2006">
-        <mc:Choice xmlns:p14="http://schemas.microsoft.com/office/powerpoint/2010/main" Requires="p14">
+      <mc:AlternateContent xmlns:mc="http://schemas.openxmlformats.org/markup-compatibility/2006" xmlns:p14="http://schemas.microsoft.com/office/powerpoint/2010/main">
+        <mc:Choice Requires="p14">
           <p:contentPart p14:bwMode="auto" r:id="rId5">
             <p14:nvContentPartPr>
               <p14:cNvPr id="5" name="墨迹 4"/>
@@ -17763,7 +17725,7 @@
             </p14:xfrm>
           </p:contentPart>
         </mc:Choice>
-        <mc:Fallback>
+        <mc:Fallback xmlns="">
           <p:pic>
             <p:nvPicPr>
               <p:cNvPr id="5" name="墨迹 4"/>
@@ -18650,8 +18612,8 @@
           </a:p>
         </p:txBody>
       </p:sp>
-      <mc:AlternateContent xmlns:mc="http://schemas.openxmlformats.org/markup-compatibility/2006">
-        <mc:Choice xmlns:p14="http://schemas.microsoft.com/office/powerpoint/2010/main" Requires="p14">
+      <mc:AlternateContent xmlns:mc="http://schemas.openxmlformats.org/markup-compatibility/2006" xmlns:p14="http://schemas.microsoft.com/office/powerpoint/2010/main">
+        <mc:Choice Requires="p14">
           <p:contentPart p14:bwMode="auto" r:id="rId6">
             <p14:nvContentPartPr>
               <p14:cNvPr id="7" name="墨迹 6"/>
@@ -18664,7 +18626,7 @@
             </p14:xfrm>
           </p:contentPart>
         </mc:Choice>
-        <mc:Fallback>
+        <mc:Fallback xmlns="">
           <p:pic>
             <p:nvPicPr>
               <p:cNvPr id="7" name="墨迹 6"/>
@@ -19462,8 +19424,8 @@
           </a:p>
         </p:txBody>
       </p:sp>
-      <mc:AlternateContent xmlns:mc="http://schemas.openxmlformats.org/markup-compatibility/2006">
-        <mc:Choice xmlns:p14="http://schemas.microsoft.com/office/powerpoint/2010/main" Requires="p14">
+      <mc:AlternateContent xmlns:mc="http://schemas.openxmlformats.org/markup-compatibility/2006" xmlns:p14="http://schemas.microsoft.com/office/powerpoint/2010/main">
+        <mc:Choice Requires="p14">
           <p:contentPart p14:bwMode="auto" r:id="rId6">
             <p14:nvContentPartPr>
               <p14:cNvPr id="5" name="墨迹 4"/>
@@ -19476,7 +19438,7 @@
             </p14:xfrm>
           </p:contentPart>
         </mc:Choice>
-        <mc:Fallback>
+        <mc:Fallback xmlns="">
           <p:pic>
             <p:nvPicPr>
               <p:cNvPr id="5" name="墨迹 4"/>
@@ -20274,8 +20236,8 @@
           </a:p>
         </p:txBody>
       </p:sp>
-      <mc:AlternateContent xmlns:mc="http://schemas.openxmlformats.org/markup-compatibility/2006">
-        <mc:Choice xmlns:p14="http://schemas.microsoft.com/office/powerpoint/2010/main" Requires="p14">
+      <mc:AlternateContent xmlns:mc="http://schemas.openxmlformats.org/markup-compatibility/2006" xmlns:p14="http://schemas.microsoft.com/office/powerpoint/2010/main">
+        <mc:Choice Requires="p14">
           <p:contentPart p14:bwMode="auto" r:id="rId6">
             <p14:nvContentPartPr>
               <p14:cNvPr id="5" name="墨迹 4"/>
@@ -20288,7 +20250,7 @@
             </p14:xfrm>
           </p:contentPart>
         </mc:Choice>
-        <mc:Fallback>
+        <mc:Fallback xmlns="">
           <p:pic>
             <p:nvPicPr>
               <p:cNvPr id="5" name="墨迹 4"/>
@@ -21086,8 +21048,8 @@
           </a:p>
         </p:txBody>
       </p:sp>
-      <mc:AlternateContent xmlns:mc="http://schemas.openxmlformats.org/markup-compatibility/2006">
-        <mc:Choice xmlns:p14="http://schemas.microsoft.com/office/powerpoint/2010/main" Requires="p14">
+      <mc:AlternateContent xmlns:mc="http://schemas.openxmlformats.org/markup-compatibility/2006" xmlns:p14="http://schemas.microsoft.com/office/powerpoint/2010/main">
+        <mc:Choice Requires="p14">
           <p:contentPart p14:bwMode="auto" r:id="rId6">
             <p14:nvContentPartPr>
               <p14:cNvPr id="5" name="墨迹 4"/>
@@ -21100,7 +21062,7 @@
             </p14:xfrm>
           </p:contentPart>
         </mc:Choice>
-        <mc:Fallback>
+        <mc:Fallback xmlns="">
           <p:pic>
             <p:nvPicPr>
               <p:cNvPr id="5" name="墨迹 4"/>
@@ -21971,8 +21933,8 @@
           </a:p>
         </p:txBody>
       </p:sp>
-      <mc:AlternateContent xmlns:mc="http://schemas.openxmlformats.org/markup-compatibility/2006">
-        <mc:Choice xmlns:p14="http://schemas.microsoft.com/office/powerpoint/2010/main" Requires="p14">
+      <mc:AlternateContent xmlns:mc="http://schemas.openxmlformats.org/markup-compatibility/2006" xmlns:p14="http://schemas.microsoft.com/office/powerpoint/2010/main">
+        <mc:Choice Requires="p14">
           <p:contentPart p14:bwMode="auto" r:id="rId7">
             <p14:nvContentPartPr>
               <p14:cNvPr id="5" name="墨迹 4"/>
@@ -21985,7 +21947,7 @@
             </p14:xfrm>
           </p:contentPart>
         </mc:Choice>
-        <mc:Fallback>
+        <mc:Fallback xmlns="">
           <p:pic>
             <p:nvPicPr>
               <p:cNvPr id="5" name="墨迹 4"/>
@@ -22935,8 +22897,8 @@
           </a:p>
         </p:txBody>
       </p:sp>
-      <mc:AlternateContent xmlns:mc="http://schemas.openxmlformats.org/markup-compatibility/2006">
-        <mc:Choice xmlns:p14="http://schemas.microsoft.com/office/powerpoint/2010/main" Requires="p14">
+      <mc:AlternateContent xmlns:mc="http://schemas.openxmlformats.org/markup-compatibility/2006" xmlns:p14="http://schemas.microsoft.com/office/powerpoint/2010/main">
+        <mc:Choice Requires="p14">
           <p:contentPart p14:bwMode="auto" r:id="rId10">
             <p14:nvContentPartPr>
               <p14:cNvPr id="9" name="墨迹 8"/>
@@ -22949,7 +22911,7 @@
             </p14:xfrm>
           </p:contentPart>
         </mc:Choice>
-        <mc:Fallback>
+        <mc:Fallback xmlns="">
           <p:pic>
             <p:nvPicPr>
               <p:cNvPr id="9" name="墨迹 8"/>
@@ -23555,13 +23517,6 @@
               </a:rPr>
               <a:t>独立</a:t>
             </a:r>
-            <a:endParaRPr lang="zh-CN" altLang="en-US" sz="2400" b="1" dirty="0">
-              <a:solidFill>
-                <a:schemeClr val="accent4"/>
-              </a:solidFill>
-              <a:latin typeface="华文楷体" pitchFamily="2" charset="-122"/>
-              <a:ea typeface="华文楷体" pitchFamily="2" charset="-122"/>
-            </a:endParaRPr>
           </a:p>
         </p:txBody>
       </p:sp>
@@ -23597,13 +23552,6 @@
               </a:rPr>
               <a:t>独立</a:t>
             </a:r>
-            <a:endParaRPr lang="zh-CN" altLang="en-US" sz="2400" b="1" dirty="0">
-              <a:solidFill>
-                <a:schemeClr val="accent4"/>
-              </a:solidFill>
-              <a:latin typeface="华文楷体" pitchFamily="2" charset="-122"/>
-              <a:ea typeface="华文楷体" pitchFamily="2" charset="-122"/>
-            </a:endParaRPr>
           </a:p>
         </p:txBody>
       </p:sp>
@@ -23770,8 +23718,8 @@
           </a:p>
         </p:txBody>
       </p:sp>
-      <mc:AlternateContent xmlns:mc="http://schemas.openxmlformats.org/markup-compatibility/2006">
-        <mc:Choice xmlns:p14="http://schemas.microsoft.com/office/powerpoint/2010/main" Requires="p14">
+      <mc:AlternateContent xmlns:mc="http://schemas.openxmlformats.org/markup-compatibility/2006" xmlns:p14="http://schemas.microsoft.com/office/powerpoint/2010/main">
+        <mc:Choice Requires="p14">
           <p:contentPart p14:bwMode="auto" r:id="rId3">
             <p14:nvContentPartPr>
               <p14:cNvPr id="41" name="墨迹 40"/>
@@ -23784,7 +23732,7 @@
             </p14:xfrm>
           </p:contentPart>
         </mc:Choice>
-        <mc:Fallback>
+        <mc:Fallback xmlns="">
           <p:pic>
             <p:nvPicPr>
               <p:cNvPr id="41" name="墨迹 40"/>
@@ -24713,8 +24661,8 @@
           </a:p>
         </p:txBody>
       </p:sp>
-      <mc:AlternateContent xmlns:mc="http://schemas.openxmlformats.org/markup-compatibility/2006">
-        <mc:Choice xmlns:p14="http://schemas.microsoft.com/office/powerpoint/2010/main" Requires="p14">
+      <mc:AlternateContent xmlns:mc="http://schemas.openxmlformats.org/markup-compatibility/2006" xmlns:p14="http://schemas.microsoft.com/office/powerpoint/2010/main">
+        <mc:Choice Requires="p14">
           <p:contentPart p14:bwMode="auto" r:id="rId3">
             <p14:nvContentPartPr>
               <p14:cNvPr id="5" name="墨迹 4"/>
@@ -24727,7 +24675,7 @@
             </p14:xfrm>
           </p:contentPart>
         </mc:Choice>
-        <mc:Fallback>
+        <mc:Fallback xmlns="">
           <p:pic>
             <p:nvPicPr>
               <p:cNvPr id="5" name="墨迹 4"/>
@@ -25725,8 +25673,8 @@
           </a:p>
         </p:txBody>
       </p:sp>
-      <mc:AlternateContent xmlns:mc="http://schemas.openxmlformats.org/markup-compatibility/2006">
-        <mc:Choice xmlns:p14="http://schemas.microsoft.com/office/powerpoint/2010/main" Requires="p14">
+      <mc:AlternateContent xmlns:mc="http://schemas.openxmlformats.org/markup-compatibility/2006" xmlns:p14="http://schemas.microsoft.com/office/powerpoint/2010/main">
+        <mc:Choice Requires="p14">
           <p:contentPart p14:bwMode="auto" r:id="rId3">
             <p14:nvContentPartPr>
               <p14:cNvPr id="5" name="墨迹 4"/>
@@ -25739,7 +25687,7 @@
             </p14:xfrm>
           </p:contentPart>
         </mc:Choice>
-        <mc:Fallback>
+        <mc:Fallback xmlns="">
           <p:pic>
             <p:nvPicPr>
               <p:cNvPr id="5" name="墨迹 4"/>
@@ -25764,6 +25712,95 @@
           </p:pic>
         </mc:Fallback>
       </mc:AlternateContent>
+      <p:sp>
+        <p:nvSpPr>
+          <p:cNvPr id="7" name="矩形 6"/>
+          <p:cNvSpPr/>
+          <p:nvPr/>
+        </p:nvSpPr>
+        <p:spPr>
+          <a:xfrm>
+            <a:off x="6769080" y="1654515"/>
+            <a:ext cx="4572000" cy="4247317"/>
+          </a:xfrm>
+          <a:prstGeom prst="rect">
+            <a:avLst/>
+          </a:prstGeom>
+        </p:spPr>
+        <p:txBody>
+          <a:bodyPr>
+            <a:spAutoFit/>
+          </a:bodyPr>
+          <a:lstStyle/>
+          <a:p>
+            <a:r>
+              <a:rPr lang="zh-CN" altLang="en-US" dirty="0"/>
+              <a:t>总结一下刚才讨论东西的两个新观点；</a:t>
+            </a:r>
+            <a:br>
+              <a:rPr lang="zh-CN" altLang="en-US" dirty="0"/>
+            </a:br>
+            <a:r>
+              <a:rPr lang="en-US" altLang="zh-CN" dirty="0"/>
+              <a:t>1.</a:t>
+            </a:r>
+            <a:r>
+              <a:rPr lang="zh-CN" altLang="en-US" dirty="0"/>
+              <a:t>抛硬币问题，是不是只要是有限个变量就相当于可以预测抛硬币，相当于预测未来呢？不是的，想想测不准原理，即使是位置和速度两个变量，还是无法同时确定其影响的</a:t>
+            </a:r>
+            <a:r>
+              <a:rPr lang="zh-CN" altLang="en-US" dirty="0" smtClean="0"/>
+              <a:t>“函数”预测未来并不简单，但是我们可以确定的是如果是无限个变量的话一定不能预测，更不要说不可数个变量</a:t>
+            </a:r>
+            <a:endParaRPr lang="en-US" altLang="zh-CN" dirty="0" smtClean="0"/>
+          </a:p>
+          <a:p>
+            <a:r>
+              <a:rPr lang="zh-CN" altLang="en-US" dirty="0"/>
+              <a:t/>
+            </a:r>
+            <a:br>
+              <a:rPr lang="zh-CN" altLang="en-US" dirty="0"/>
+            </a:br>
+            <a:r>
+              <a:rPr lang="en-US" altLang="zh-CN" dirty="0"/>
+              <a:t>2.</a:t>
+            </a:r>
+            <a:r>
+              <a:rPr lang="zh-CN" altLang="en-US" dirty="0"/>
+              <a:t>想起初中时候的问题，概率和“参考系”</a:t>
+            </a:r>
+            <a:r>
+              <a:rPr lang="zh-CN" altLang="en-US" dirty="0" smtClean="0"/>
+              <a:t>有关</a:t>
+            </a:r>
+            <a:r>
+              <a:rPr lang="en-US" altLang="zh-CN" dirty="0" smtClean="0"/>
+              <a:t>(</a:t>
+            </a:r>
+            <a:r>
+              <a:rPr lang="zh-CN" altLang="en-US" dirty="0" smtClean="0"/>
+              <a:t>分布的选取</a:t>
+            </a:r>
+            <a:r>
+              <a:rPr lang="en-US" altLang="zh-CN" dirty="0" smtClean="0"/>
+              <a:t>)</a:t>
+            </a:r>
+            <a:r>
+              <a:rPr lang="zh-CN" altLang="en-US" dirty="0" smtClean="0"/>
+              <a:t>，</a:t>
+            </a:r>
+            <a:r>
+              <a:rPr lang="zh-CN" altLang="en-US" dirty="0"/>
+              <a:t>出题人决定了概率，相当于上帝，而做题人不清楚上帝多了什么手脚，并不清楚分布，可以假设等概率什么的，分布是上帝决定的</a:t>
+            </a:r>
+            <a:br>
+              <a:rPr lang="zh-CN" altLang="en-US" dirty="0"/>
+            </a:br>
+            <a:endParaRPr lang="zh-CN" altLang="en-US" dirty="0"/>
+          </a:p>
+        </p:txBody>
+      </p:sp>
     </p:spTree>
     <p:extLst>
       <p:ext uri="{BB962C8B-B14F-4D97-AF65-F5344CB8AC3E}">
@@ -26230,8 +26267,8 @@
           </a:p>
         </p:txBody>
       </p:sp>
-      <mc:AlternateContent xmlns:mc="http://schemas.openxmlformats.org/markup-compatibility/2006">
-        <mc:Choice xmlns:p14="http://schemas.microsoft.com/office/powerpoint/2010/main" Requires="p14">
+      <mc:AlternateContent xmlns:mc="http://schemas.openxmlformats.org/markup-compatibility/2006" xmlns:p14="http://schemas.microsoft.com/office/powerpoint/2010/main">
+        <mc:Choice Requires="p14">
           <p:contentPart p14:bwMode="auto" r:id="rId5">
             <p14:nvContentPartPr>
               <p14:cNvPr id="2" name="墨迹 1"/>
@@ -26244,7 +26281,7 @@
             </p14:xfrm>
           </p:contentPart>
         </mc:Choice>
-        <mc:Fallback>
+        <mc:Fallback xmlns="">
           <p:pic>
             <p:nvPicPr>
               <p:cNvPr id="2" name="墨迹 1"/>
@@ -26974,8 +27011,8 @@
           </a:p>
         </p:txBody>
       </p:sp>
-      <mc:AlternateContent xmlns:mc="http://schemas.openxmlformats.org/markup-compatibility/2006">
-        <mc:Choice xmlns:p14="http://schemas.microsoft.com/office/powerpoint/2010/main" Requires="p14">
+      <mc:AlternateContent xmlns:mc="http://schemas.openxmlformats.org/markup-compatibility/2006" xmlns:p14="http://schemas.microsoft.com/office/powerpoint/2010/main">
+        <mc:Choice Requires="p14">
           <p:contentPart p14:bwMode="auto" r:id="rId5">
             <p14:nvContentPartPr>
               <p14:cNvPr id="12" name="墨迹 11"/>
@@ -26988,7 +27025,7 @@
             </p14:xfrm>
           </p:contentPart>
         </mc:Choice>
-        <mc:Fallback>
+        <mc:Fallback xmlns="">
           <p:pic>
             <p:nvPicPr>
               <p:cNvPr id="12" name="墨迹 11"/>
@@ -28373,8 +28410,8 @@
           </a:extLst>
         </p:spPr>
       </p:pic>
-      <mc:AlternateContent xmlns:mc="http://schemas.openxmlformats.org/markup-compatibility/2006">
-        <mc:Choice xmlns:p14="http://schemas.microsoft.com/office/powerpoint/2010/main" Requires="p14">
+      <mc:AlternateContent xmlns:mc="http://schemas.openxmlformats.org/markup-compatibility/2006" xmlns:p14="http://schemas.microsoft.com/office/powerpoint/2010/main">
+        <mc:Choice Requires="p14">
           <p:contentPart p14:bwMode="auto" r:id="rId19">
             <p14:nvContentPartPr>
               <p14:cNvPr id="5" name="墨迹 4"/>
@@ -28387,7 +28424,7 @@
             </p14:xfrm>
           </p:contentPart>
         </mc:Choice>
-        <mc:Fallback>
+        <mc:Fallback xmlns="">
           <p:pic>
             <p:nvPicPr>
               <p:cNvPr id="5" name="墨迹 4"/>
@@ -29404,8 +29441,8 @@
           </a:p>
         </p:txBody>
       </p:sp>
-      <mc:AlternateContent xmlns:mc="http://schemas.openxmlformats.org/markup-compatibility/2006">
-        <mc:Choice xmlns:p14="http://schemas.microsoft.com/office/powerpoint/2010/main" Requires="p14">
+      <mc:AlternateContent xmlns:mc="http://schemas.openxmlformats.org/markup-compatibility/2006" xmlns:p14="http://schemas.microsoft.com/office/powerpoint/2010/main">
+        <mc:Choice Requires="p14">
           <p:contentPart p14:bwMode="auto" r:id="rId17">
             <p14:nvContentPartPr>
               <p14:cNvPr id="2" name="墨迹 1"/>
@@ -29418,7 +29455,7 @@
             </p14:xfrm>
           </p:contentPart>
         </mc:Choice>
-        <mc:Fallback>
+        <mc:Fallback xmlns="">
           <p:pic>
             <p:nvPicPr>
               <p:cNvPr id="2" name="墨迹 1"/>
@@ -30817,8 +30854,8 @@
           </a:p>
         </p:txBody>
       </p:sp>
-      <mc:AlternateContent xmlns:mc="http://schemas.openxmlformats.org/markup-compatibility/2006">
-        <mc:Choice xmlns:p14="http://schemas.microsoft.com/office/powerpoint/2010/main" Requires="p14">
+      <mc:AlternateContent xmlns:mc="http://schemas.openxmlformats.org/markup-compatibility/2006" xmlns:p14="http://schemas.microsoft.com/office/powerpoint/2010/main">
+        <mc:Choice Requires="p14">
           <p:contentPart p14:bwMode="auto" r:id="rId11">
             <p14:nvContentPartPr>
               <p14:cNvPr id="2" name="墨迹 1"/>
@@ -30831,7 +30868,7 @@
             </p14:xfrm>
           </p:contentPart>
         </mc:Choice>
-        <mc:Fallback>
+        <mc:Fallback xmlns="">
           <p:pic>
             <p:nvPicPr>
               <p:cNvPr id="2" name="墨迹 1"/>
@@ -31245,17 +31282,7 @@
                 <a:latin typeface="华文楷体" pitchFamily="2" charset="-122"/>
                 <a:ea typeface="华文楷体" pitchFamily="2" charset="-122"/>
               </a:rPr>
-              <a:t>认为</a:t>
-            </a:r>
-            <a:r>
-              <a:rPr lang="zh-CN" altLang="en-US" dirty="0" smtClean="0">
-                <a:solidFill>
-                  <a:srgbClr val="FF0000"/>
-                </a:solidFill>
-                <a:latin typeface="华文楷体" pitchFamily="2" charset="-122"/>
-                <a:ea typeface="华文楷体" pitchFamily="2" charset="-122"/>
-              </a:rPr>
-              <a:t>事情有哪里不对</a:t>
+              <a:t>认为事情有哪里不对</a:t>
             </a:r>
             <a:endParaRPr lang="zh-CN" altLang="en-US" dirty="0">
               <a:solidFill>
@@ -31614,8 +31641,8 @@
           </a:p>
         </p:txBody>
       </p:sp>
-      <mc:AlternateContent xmlns:mc="http://schemas.openxmlformats.org/markup-compatibility/2006">
-        <mc:Choice xmlns:p14="http://schemas.microsoft.com/office/powerpoint/2010/main" Requires="p14">
+      <mc:AlternateContent xmlns:mc="http://schemas.openxmlformats.org/markup-compatibility/2006" xmlns:p14="http://schemas.microsoft.com/office/powerpoint/2010/main">
+        <mc:Choice Requires="p14">
           <p:contentPart p14:bwMode="auto" r:id="rId5">
             <p14:nvContentPartPr>
               <p14:cNvPr id="17" name="墨迹 16"/>
@@ -31628,7 +31655,7 @@
             </p14:xfrm>
           </p:contentPart>
         </mc:Choice>
-        <mc:Fallback>
+        <mc:Fallback xmlns="">
           <p:pic>
             <p:nvPicPr>
               <p:cNvPr id="17" name="墨迹 16"/>
@@ -32741,8 +32768,8 @@
           </a:p>
         </p:txBody>
       </p:sp>
-      <mc:AlternateContent xmlns:mc="http://schemas.openxmlformats.org/markup-compatibility/2006">
-        <mc:Choice xmlns:p14="http://schemas.microsoft.com/office/powerpoint/2010/main" Requires="p14">
+      <mc:AlternateContent xmlns:mc="http://schemas.openxmlformats.org/markup-compatibility/2006" xmlns:p14="http://schemas.microsoft.com/office/powerpoint/2010/main">
+        <mc:Choice Requires="p14">
           <p:contentPart p14:bwMode="auto" r:id="rId5">
             <p14:nvContentPartPr>
               <p14:cNvPr id="17" name="墨迹 16"/>
@@ -32755,7 +32782,7 @@
             </p14:xfrm>
           </p:contentPart>
         </mc:Choice>
-        <mc:Fallback>
+        <mc:Fallback xmlns="">
           <p:pic>
             <p:nvPicPr>
               <p:cNvPr id="17" name="墨迹 16"/>
@@ -33055,7 +33082,7 @@
   <a:extraClrSchemeLst/>
   <a:extLst>
     <a:ext uri="{05A4C25C-085E-4340-85A3-A5531E510DB2}">
-      <thm15:themeFamily xmlns="" xmlns:thm15="http://schemas.microsoft.com/office/thememl/2012/main" name="Office Theme" id="{62F939B6-93AF-4DB8-9C6B-D6C7DFDC589F}" vid="{4A3C46E8-61CC-4603-A589-7422A47A8E4A}"/>
+      <thm15:themeFamily xmlns:thm15="http://schemas.microsoft.com/office/thememl/2012/main" xmlns="" name="Office Theme" id="{62F939B6-93AF-4DB8-9C6B-D6C7DFDC589F}" vid="{4A3C46E8-61CC-4603-A589-7422A47A8E4A}"/>
     </a:ext>
   </a:extLst>
 </a:theme>
